--- a/figures/fig_src.pptx
+++ b/figures/fig_src.pptx
@@ -5,7 +5,9 @@
     <p:sldMasterId id="2147483720" r:id="rId1"/>
   </p:sldMasterIdLst>
   <p:sldIdLst>
-    <p:sldId id="286" r:id="rId2"/>
+    <p:sldId id="282" r:id="rId2"/>
+    <p:sldId id="284" r:id="rId3"/>
+    <p:sldId id="285" r:id="rId4"/>
   </p:sldIdLst>
   <p:sldSz cx="23804563" cy="14447838"/>
   <p:notesSz cx="6858000" cy="9144000"/>
@@ -254,7 +256,7 @@
           <a:p>
             <a:fld id="{996E1240-A4C5-3C4C-9150-EFE70D104BAE}" type="datetimeFigureOut">
               <a:rPr lang="en-US" smtClean="0"/>
-              <a:t>9/1/21</a:t>
+              <a:t>5/14/21</a:t>
             </a:fld>
             <a:endParaRPr lang="en-US"/>
           </a:p>
@@ -424,7 +426,7 @@
           <a:p>
             <a:fld id="{996E1240-A4C5-3C4C-9150-EFE70D104BAE}" type="datetimeFigureOut">
               <a:rPr lang="en-US" smtClean="0"/>
-              <a:t>9/1/21</a:t>
+              <a:t>5/14/21</a:t>
             </a:fld>
             <a:endParaRPr lang="en-US"/>
           </a:p>
@@ -604,7 +606,7 @@
           <a:p>
             <a:fld id="{996E1240-A4C5-3C4C-9150-EFE70D104BAE}" type="datetimeFigureOut">
               <a:rPr lang="en-US" smtClean="0"/>
-              <a:t>9/1/21</a:t>
+              <a:t>5/14/21</a:t>
             </a:fld>
             <a:endParaRPr lang="en-US"/>
           </a:p>
@@ -774,7 +776,7 @@
           <a:p>
             <a:fld id="{996E1240-A4C5-3C4C-9150-EFE70D104BAE}" type="datetimeFigureOut">
               <a:rPr lang="en-US" smtClean="0"/>
-              <a:t>9/1/21</a:t>
+              <a:t>5/14/21</a:t>
             </a:fld>
             <a:endParaRPr lang="en-US"/>
           </a:p>
@@ -1020,7 +1022,7 @@
           <a:p>
             <a:fld id="{996E1240-A4C5-3C4C-9150-EFE70D104BAE}" type="datetimeFigureOut">
               <a:rPr lang="en-US" smtClean="0"/>
-              <a:t>9/1/21</a:t>
+              <a:t>5/14/21</a:t>
             </a:fld>
             <a:endParaRPr lang="en-US"/>
           </a:p>
@@ -1252,7 +1254,7 @@
           <a:p>
             <a:fld id="{996E1240-A4C5-3C4C-9150-EFE70D104BAE}" type="datetimeFigureOut">
               <a:rPr lang="en-US" smtClean="0"/>
-              <a:t>9/1/21</a:t>
+              <a:t>5/14/21</a:t>
             </a:fld>
             <a:endParaRPr lang="en-US"/>
           </a:p>
@@ -1619,7 +1621,7 @@
           <a:p>
             <a:fld id="{996E1240-A4C5-3C4C-9150-EFE70D104BAE}" type="datetimeFigureOut">
               <a:rPr lang="en-US" smtClean="0"/>
-              <a:t>9/1/21</a:t>
+              <a:t>5/14/21</a:t>
             </a:fld>
             <a:endParaRPr lang="en-US"/>
           </a:p>
@@ -1737,7 +1739,7 @@
           <a:p>
             <a:fld id="{996E1240-A4C5-3C4C-9150-EFE70D104BAE}" type="datetimeFigureOut">
               <a:rPr lang="en-US" smtClean="0"/>
-              <a:t>9/1/21</a:t>
+              <a:t>5/14/21</a:t>
             </a:fld>
             <a:endParaRPr lang="en-US"/>
           </a:p>
@@ -1832,7 +1834,7 @@
           <a:p>
             <a:fld id="{996E1240-A4C5-3C4C-9150-EFE70D104BAE}" type="datetimeFigureOut">
               <a:rPr lang="en-US" smtClean="0"/>
-              <a:t>9/1/21</a:t>
+              <a:t>5/14/21</a:t>
             </a:fld>
             <a:endParaRPr lang="en-US"/>
           </a:p>
@@ -2109,7 +2111,7 @@
           <a:p>
             <a:fld id="{996E1240-A4C5-3C4C-9150-EFE70D104BAE}" type="datetimeFigureOut">
               <a:rPr lang="en-US" smtClean="0"/>
-              <a:t>9/1/21</a:t>
+              <a:t>5/14/21</a:t>
             </a:fld>
             <a:endParaRPr lang="en-US"/>
           </a:p>
@@ -2366,7 +2368,7 @@
           <a:p>
             <a:fld id="{996E1240-A4C5-3C4C-9150-EFE70D104BAE}" type="datetimeFigureOut">
               <a:rPr lang="en-US" smtClean="0"/>
-              <a:t>9/1/21</a:t>
+              <a:t>5/14/21</a:t>
             </a:fld>
             <a:endParaRPr lang="en-US"/>
           </a:p>
@@ -2579,7 +2581,7 @@
           <a:p>
             <a:fld id="{996E1240-A4C5-3C4C-9150-EFE70D104BAE}" type="datetimeFigureOut">
               <a:rPr lang="en-US" smtClean="0"/>
-              <a:t>9/1/21</a:t>
+              <a:t>5/14/21</a:t>
             </a:fld>
             <a:endParaRPr lang="en-US"/>
           </a:p>
@@ -2984,12 +2986,7155 @@
           <a:chExt cx="0" cy="0"/>
         </a:xfrm>
       </p:grpSpPr>
+      <p:cxnSp>
+        <p:nvCxnSpPr>
+          <p:cNvPr id="2" name="直線單箭頭接點 119">
+            <a:extLst>
+              <a:ext uri="{FF2B5EF4-FFF2-40B4-BE49-F238E27FC236}">
+                <a16:creationId xmlns:a16="http://schemas.microsoft.com/office/drawing/2014/main" id="{BF7BECF4-2F29-6C49-8D10-98939ABF80B0}"/>
+              </a:ext>
+            </a:extLst>
+          </p:cNvPr>
+          <p:cNvCxnSpPr>
+            <a:cxnSpLocks/>
+          </p:cNvCxnSpPr>
+          <p:nvPr/>
+        </p:nvCxnSpPr>
+        <p:spPr>
+          <a:xfrm>
+            <a:off x="1546167" y="3524697"/>
+            <a:ext cx="4226062" cy="0"/>
+          </a:xfrm>
+          <a:prstGeom prst="straightConnector1">
+            <a:avLst/>
+          </a:prstGeom>
+          <a:ln w="12700">
+            <a:solidFill>
+              <a:schemeClr val="bg1">
+                <a:lumMod val="50000"/>
+              </a:schemeClr>
+            </a:solidFill>
+            <a:prstDash val="sysDash"/>
+            <a:headEnd type="none" w="med" len="med"/>
+            <a:tailEnd type="none" w="med" len="med"/>
+          </a:ln>
+        </p:spPr>
+        <p:style>
+          <a:lnRef idx="1">
+            <a:schemeClr val="accent1"/>
+          </a:lnRef>
+          <a:fillRef idx="0">
+            <a:schemeClr val="accent1"/>
+          </a:fillRef>
+          <a:effectRef idx="0">
+            <a:schemeClr val="accent1"/>
+          </a:effectRef>
+          <a:fontRef idx="minor">
+            <a:schemeClr val="tx1"/>
+          </a:fontRef>
+        </p:style>
+      </p:cxnSp>
+      <p:cxnSp>
+        <p:nvCxnSpPr>
+          <p:cNvPr id="3" name="直線單箭頭接點 119">
+            <a:extLst>
+              <a:ext uri="{FF2B5EF4-FFF2-40B4-BE49-F238E27FC236}">
+                <a16:creationId xmlns:a16="http://schemas.microsoft.com/office/drawing/2014/main" id="{8FE1F43B-789E-024D-B55B-57328BC0AAC4}"/>
+              </a:ext>
+            </a:extLst>
+          </p:cNvPr>
+          <p:cNvCxnSpPr>
+            <a:cxnSpLocks/>
+          </p:cNvCxnSpPr>
+          <p:nvPr/>
+        </p:nvCxnSpPr>
+        <p:spPr>
+          <a:xfrm>
+            <a:off x="1546167" y="4404076"/>
+            <a:ext cx="4226062" cy="0"/>
+          </a:xfrm>
+          <a:prstGeom prst="straightConnector1">
+            <a:avLst/>
+          </a:prstGeom>
+          <a:ln w="12700">
+            <a:solidFill>
+              <a:schemeClr val="bg1">
+                <a:lumMod val="50000"/>
+              </a:schemeClr>
+            </a:solidFill>
+            <a:prstDash val="sysDash"/>
+            <a:headEnd type="none" w="med" len="med"/>
+            <a:tailEnd type="none" w="med" len="med"/>
+          </a:ln>
+        </p:spPr>
+        <p:style>
+          <a:lnRef idx="1">
+            <a:schemeClr val="accent1"/>
+          </a:lnRef>
+          <a:fillRef idx="0">
+            <a:schemeClr val="accent1"/>
+          </a:fillRef>
+          <a:effectRef idx="0">
+            <a:schemeClr val="accent1"/>
+          </a:effectRef>
+          <a:fontRef idx="minor">
+            <a:schemeClr val="tx1"/>
+          </a:fontRef>
+        </p:style>
+      </p:cxnSp>
+      <p:cxnSp>
+        <p:nvCxnSpPr>
+          <p:cNvPr id="4" name="直線單箭頭接點 119">
+            <a:extLst>
+              <a:ext uri="{FF2B5EF4-FFF2-40B4-BE49-F238E27FC236}">
+                <a16:creationId xmlns:a16="http://schemas.microsoft.com/office/drawing/2014/main" id="{18617703-8F31-EC41-B3C3-29EEFBC28815}"/>
+              </a:ext>
+            </a:extLst>
+          </p:cNvPr>
+          <p:cNvCxnSpPr>
+            <a:cxnSpLocks/>
+          </p:cNvCxnSpPr>
+          <p:nvPr/>
+        </p:nvCxnSpPr>
+        <p:spPr>
+          <a:xfrm>
+            <a:off x="1546167" y="4942405"/>
+            <a:ext cx="4337399" cy="0"/>
+          </a:xfrm>
+          <a:prstGeom prst="straightConnector1">
+            <a:avLst/>
+          </a:prstGeom>
+          <a:ln w="12700">
+            <a:solidFill>
+              <a:schemeClr val="tx1"/>
+            </a:solidFill>
+            <a:headEnd type="none" w="med" len="med"/>
+            <a:tailEnd type="arrow" w="med" len="med"/>
+          </a:ln>
+        </p:spPr>
+        <p:style>
+          <a:lnRef idx="1">
+            <a:schemeClr val="accent1"/>
+          </a:lnRef>
+          <a:fillRef idx="0">
+            <a:schemeClr val="accent1"/>
+          </a:fillRef>
+          <a:effectRef idx="0">
+            <a:schemeClr val="accent1"/>
+          </a:effectRef>
+          <a:fontRef idx="minor">
+            <a:schemeClr val="tx1"/>
+          </a:fontRef>
+        </p:style>
+      </p:cxnSp>
+      <p:sp>
+        <p:nvSpPr>
+          <p:cNvPr id="5" name="矩形 216">
+            <a:extLst>
+              <a:ext uri="{FF2B5EF4-FFF2-40B4-BE49-F238E27FC236}">
+                <a16:creationId xmlns:a16="http://schemas.microsoft.com/office/drawing/2014/main" id="{1D696E9F-44A6-5B47-9A93-A2C4BDE4D35B}"/>
+              </a:ext>
+            </a:extLst>
+          </p:cNvPr>
+          <p:cNvSpPr/>
+          <p:nvPr/>
+        </p:nvSpPr>
+        <p:spPr>
+          <a:xfrm>
+            <a:off x="5269159" y="4936122"/>
+            <a:ext cx="632289" cy="338554"/>
+          </a:xfrm>
+          <a:prstGeom prst="rect">
+            <a:avLst/>
+          </a:prstGeom>
+        </p:spPr>
+        <p:txBody>
+          <a:bodyPr wrap="none">
+            <a:spAutoFit/>
+          </a:bodyPr>
+          <a:lstStyle/>
+          <a:p>
+            <a:r>
+              <a:rPr lang="en-US" sz="1600" dirty="0">
+                <a:latin typeface="Arial" panose="020B0604020202020204" pitchFamily="34" charset="0"/>
+                <a:cs typeface="Arial" panose="020B0604020202020204" pitchFamily="34" charset="0"/>
+              </a:rPr>
+              <a:t>Time</a:t>
+            </a:r>
+          </a:p>
+        </p:txBody>
+      </p:sp>
+      <p:sp>
+        <p:nvSpPr>
+          <p:cNvPr id="6" name="矩形 134">
+            <a:extLst>
+              <a:ext uri="{FF2B5EF4-FFF2-40B4-BE49-F238E27FC236}">
+                <a16:creationId xmlns:a16="http://schemas.microsoft.com/office/drawing/2014/main" id="{7498321C-BC2E-6D4E-AA32-B4FCF72CBD1D}"/>
+              </a:ext>
+            </a:extLst>
+          </p:cNvPr>
+          <p:cNvSpPr/>
+          <p:nvPr/>
+        </p:nvSpPr>
+        <p:spPr>
+          <a:xfrm>
+            <a:off x="2091397" y="4160936"/>
+            <a:ext cx="479393" cy="243141"/>
+          </a:xfrm>
+          <a:prstGeom prst="rect">
+            <a:avLst/>
+          </a:prstGeom>
+          <a:solidFill>
+            <a:schemeClr val="tx1">
+              <a:lumMod val="50000"/>
+              <a:lumOff val="50000"/>
+            </a:schemeClr>
+          </a:solidFill>
+          <a:ln w="12700">
+            <a:solidFill>
+              <a:schemeClr val="tx1"/>
+            </a:solidFill>
+          </a:ln>
+        </p:spPr>
+        <p:style>
+          <a:lnRef idx="2">
+            <a:schemeClr val="accent1">
+              <a:shade val="50000"/>
+            </a:schemeClr>
+          </a:lnRef>
+          <a:fillRef idx="1">
+            <a:schemeClr val="accent1"/>
+          </a:fillRef>
+          <a:effectRef idx="0">
+            <a:schemeClr val="accent1"/>
+          </a:effectRef>
+          <a:fontRef idx="minor">
+            <a:schemeClr val="lt1"/>
+          </a:fontRef>
+        </p:style>
+        <p:txBody>
+          <a:bodyPr rtlCol="0" anchor="ctr"/>
+          <a:lstStyle/>
+          <a:p>
+            <a:pPr algn="ctr"/>
+            <a:endParaRPr lang="en-US" sz="2000">
+              <a:latin typeface="Arial" panose="020B0604020202020204" pitchFamily="34" charset="0"/>
+              <a:cs typeface="Arial" panose="020B0604020202020204" pitchFamily="34" charset="0"/>
+            </a:endParaRPr>
+          </a:p>
+        </p:txBody>
+      </p:sp>
+      <p:sp>
+        <p:nvSpPr>
+          <p:cNvPr id="7" name="矩形 133">
+            <a:extLst>
+              <a:ext uri="{FF2B5EF4-FFF2-40B4-BE49-F238E27FC236}">
+                <a16:creationId xmlns:a16="http://schemas.microsoft.com/office/drawing/2014/main" id="{2AD1A36F-FC57-2341-B8C5-9ACCB7DADB68}"/>
+              </a:ext>
+            </a:extLst>
+          </p:cNvPr>
+          <p:cNvSpPr/>
+          <p:nvPr/>
+        </p:nvSpPr>
+        <p:spPr>
+          <a:xfrm>
+            <a:off x="1818782" y="3281557"/>
+            <a:ext cx="276219" cy="243141"/>
+          </a:xfrm>
+          <a:prstGeom prst="rect">
+            <a:avLst/>
+          </a:prstGeom>
+          <a:solidFill>
+            <a:schemeClr val="bg1">
+              <a:lumMod val="95000"/>
+            </a:schemeClr>
+          </a:solidFill>
+          <a:ln w="12700">
+            <a:solidFill>
+              <a:schemeClr val="tx1"/>
+            </a:solidFill>
+          </a:ln>
+        </p:spPr>
+        <p:style>
+          <a:lnRef idx="2">
+            <a:schemeClr val="accent1">
+              <a:shade val="50000"/>
+            </a:schemeClr>
+          </a:lnRef>
+          <a:fillRef idx="1">
+            <a:schemeClr val="accent1"/>
+          </a:fillRef>
+          <a:effectRef idx="0">
+            <a:schemeClr val="accent1"/>
+          </a:effectRef>
+          <a:fontRef idx="minor">
+            <a:schemeClr val="lt1"/>
+          </a:fontRef>
+        </p:style>
+        <p:txBody>
+          <a:bodyPr rtlCol="0" anchor="ctr"/>
+          <a:lstStyle/>
+          <a:p>
+            <a:pPr algn="ctr"/>
+            <a:endParaRPr lang="en-US" sz="2000" dirty="0">
+              <a:latin typeface="Arial" panose="020B0604020202020204" pitchFamily="34" charset="0"/>
+              <a:cs typeface="Arial" panose="020B0604020202020204" pitchFamily="34" charset="0"/>
+            </a:endParaRPr>
+          </a:p>
+        </p:txBody>
+      </p:sp>
+      <p:cxnSp>
+        <p:nvCxnSpPr>
+          <p:cNvPr id="10" name="直線單箭頭接點 198">
+            <a:extLst>
+              <a:ext uri="{FF2B5EF4-FFF2-40B4-BE49-F238E27FC236}">
+                <a16:creationId xmlns:a16="http://schemas.microsoft.com/office/drawing/2014/main" id="{8D366D61-1694-7848-94FA-6CDF8A2C351A}"/>
+              </a:ext>
+            </a:extLst>
+          </p:cNvPr>
+          <p:cNvCxnSpPr>
+            <a:cxnSpLocks/>
+          </p:cNvCxnSpPr>
+          <p:nvPr/>
+        </p:nvCxnSpPr>
+        <p:spPr>
+          <a:xfrm>
+            <a:off x="1818782" y="3127605"/>
+            <a:ext cx="0" cy="397092"/>
+          </a:xfrm>
+          <a:prstGeom prst="straightConnector1">
+            <a:avLst/>
+          </a:prstGeom>
+          <a:ln w="19050">
+            <a:solidFill>
+              <a:schemeClr val="tx1"/>
+            </a:solidFill>
+            <a:headEnd type="triangle" w="lg" len="med"/>
+            <a:tailEnd type="none" w="lg" len="med"/>
+          </a:ln>
+        </p:spPr>
+        <p:style>
+          <a:lnRef idx="1">
+            <a:schemeClr val="accent1"/>
+          </a:lnRef>
+          <a:fillRef idx="0">
+            <a:schemeClr val="accent1"/>
+          </a:fillRef>
+          <a:effectRef idx="0">
+            <a:schemeClr val="accent1"/>
+          </a:effectRef>
+          <a:fontRef idx="minor">
+            <a:schemeClr val="tx1"/>
+          </a:fontRef>
+        </p:style>
+      </p:cxnSp>
+      <p:sp>
+        <p:nvSpPr>
+          <p:cNvPr id="11" name="矩形 133">
+            <a:extLst>
+              <a:ext uri="{FF2B5EF4-FFF2-40B4-BE49-F238E27FC236}">
+                <a16:creationId xmlns:a16="http://schemas.microsoft.com/office/drawing/2014/main" id="{14E1D7F6-F3C1-EF43-86F4-BF2DC8D90D20}"/>
+              </a:ext>
+            </a:extLst>
+          </p:cNvPr>
+          <p:cNvSpPr/>
+          <p:nvPr/>
+        </p:nvSpPr>
+        <p:spPr>
+          <a:xfrm>
+            <a:off x="2696523" y="3281557"/>
+            <a:ext cx="276219" cy="243141"/>
+          </a:xfrm>
+          <a:prstGeom prst="rect">
+            <a:avLst/>
+          </a:prstGeom>
+          <a:solidFill>
+            <a:schemeClr val="bg1">
+              <a:lumMod val="95000"/>
+            </a:schemeClr>
+          </a:solidFill>
+          <a:ln w="12700">
+            <a:solidFill>
+              <a:schemeClr val="tx1"/>
+            </a:solidFill>
+          </a:ln>
+        </p:spPr>
+        <p:style>
+          <a:lnRef idx="2">
+            <a:schemeClr val="accent1">
+              <a:shade val="50000"/>
+            </a:schemeClr>
+          </a:lnRef>
+          <a:fillRef idx="1">
+            <a:schemeClr val="accent1"/>
+          </a:fillRef>
+          <a:effectRef idx="0">
+            <a:schemeClr val="accent1"/>
+          </a:effectRef>
+          <a:fontRef idx="minor">
+            <a:schemeClr val="lt1"/>
+          </a:fontRef>
+        </p:style>
+        <p:txBody>
+          <a:bodyPr rtlCol="0" anchor="ctr"/>
+          <a:lstStyle/>
+          <a:p>
+            <a:pPr algn="ctr"/>
+            <a:endParaRPr lang="en-US" sz="2000" dirty="0">
+              <a:latin typeface="Arial" panose="020B0604020202020204" pitchFamily="34" charset="0"/>
+              <a:cs typeface="Arial" panose="020B0604020202020204" pitchFamily="34" charset="0"/>
+            </a:endParaRPr>
+          </a:p>
+        </p:txBody>
+      </p:sp>
+      <p:cxnSp>
+        <p:nvCxnSpPr>
+          <p:cNvPr id="12" name="直線單箭頭接點 198">
+            <a:extLst>
+              <a:ext uri="{FF2B5EF4-FFF2-40B4-BE49-F238E27FC236}">
+                <a16:creationId xmlns:a16="http://schemas.microsoft.com/office/drawing/2014/main" id="{E462D7E7-51A4-E14C-97BA-9A1FF725C891}"/>
+              </a:ext>
+            </a:extLst>
+          </p:cNvPr>
+          <p:cNvCxnSpPr>
+            <a:cxnSpLocks/>
+          </p:cNvCxnSpPr>
+          <p:nvPr/>
+        </p:nvCxnSpPr>
+        <p:spPr>
+          <a:xfrm>
+            <a:off x="2696523" y="3127605"/>
+            <a:ext cx="0" cy="397092"/>
+          </a:xfrm>
+          <a:prstGeom prst="straightConnector1">
+            <a:avLst/>
+          </a:prstGeom>
+          <a:ln w="19050">
+            <a:solidFill>
+              <a:schemeClr val="tx1"/>
+            </a:solidFill>
+            <a:headEnd type="triangle" w="lg" len="med"/>
+            <a:tailEnd type="none" w="lg" len="med"/>
+          </a:ln>
+        </p:spPr>
+        <p:style>
+          <a:lnRef idx="1">
+            <a:schemeClr val="accent1"/>
+          </a:lnRef>
+          <a:fillRef idx="0">
+            <a:schemeClr val="accent1"/>
+          </a:fillRef>
+          <a:effectRef idx="0">
+            <a:schemeClr val="accent1"/>
+          </a:effectRef>
+          <a:fontRef idx="minor">
+            <a:schemeClr val="tx1"/>
+          </a:fontRef>
+        </p:style>
+      </p:cxnSp>
+      <p:sp>
+        <p:nvSpPr>
+          <p:cNvPr id="13" name="矩形 133">
+            <a:extLst>
+              <a:ext uri="{FF2B5EF4-FFF2-40B4-BE49-F238E27FC236}">
+                <a16:creationId xmlns:a16="http://schemas.microsoft.com/office/drawing/2014/main" id="{E38F0FF6-798D-D847-BF82-64F1F3A57074}"/>
+              </a:ext>
+            </a:extLst>
+          </p:cNvPr>
+          <p:cNvSpPr/>
+          <p:nvPr/>
+        </p:nvSpPr>
+        <p:spPr>
+          <a:xfrm>
+            <a:off x="3574264" y="3281557"/>
+            <a:ext cx="276219" cy="243141"/>
+          </a:xfrm>
+          <a:prstGeom prst="rect">
+            <a:avLst/>
+          </a:prstGeom>
+          <a:solidFill>
+            <a:schemeClr val="bg1">
+              <a:lumMod val="95000"/>
+            </a:schemeClr>
+          </a:solidFill>
+          <a:ln w="12700">
+            <a:solidFill>
+              <a:schemeClr val="tx1"/>
+            </a:solidFill>
+          </a:ln>
+        </p:spPr>
+        <p:style>
+          <a:lnRef idx="2">
+            <a:schemeClr val="accent1">
+              <a:shade val="50000"/>
+            </a:schemeClr>
+          </a:lnRef>
+          <a:fillRef idx="1">
+            <a:schemeClr val="accent1"/>
+          </a:fillRef>
+          <a:effectRef idx="0">
+            <a:schemeClr val="accent1"/>
+          </a:effectRef>
+          <a:fontRef idx="minor">
+            <a:schemeClr val="lt1"/>
+          </a:fontRef>
+        </p:style>
+        <p:txBody>
+          <a:bodyPr rtlCol="0" anchor="ctr"/>
+          <a:lstStyle/>
+          <a:p>
+            <a:pPr algn="ctr"/>
+            <a:endParaRPr lang="en-US" sz="2000" dirty="0">
+              <a:latin typeface="Arial" panose="020B0604020202020204" pitchFamily="34" charset="0"/>
+              <a:cs typeface="Arial" panose="020B0604020202020204" pitchFamily="34" charset="0"/>
+            </a:endParaRPr>
+          </a:p>
+        </p:txBody>
+      </p:sp>
+      <p:cxnSp>
+        <p:nvCxnSpPr>
+          <p:cNvPr id="14" name="直線單箭頭接點 198">
+            <a:extLst>
+              <a:ext uri="{FF2B5EF4-FFF2-40B4-BE49-F238E27FC236}">
+                <a16:creationId xmlns:a16="http://schemas.microsoft.com/office/drawing/2014/main" id="{498303D8-213D-F742-B947-59530F6E6930}"/>
+              </a:ext>
+            </a:extLst>
+          </p:cNvPr>
+          <p:cNvCxnSpPr>
+            <a:cxnSpLocks/>
+          </p:cNvCxnSpPr>
+          <p:nvPr/>
+        </p:nvCxnSpPr>
+        <p:spPr>
+          <a:xfrm>
+            <a:off x="3574264" y="3127605"/>
+            <a:ext cx="0" cy="397092"/>
+          </a:xfrm>
+          <a:prstGeom prst="straightConnector1">
+            <a:avLst/>
+          </a:prstGeom>
+          <a:ln w="19050">
+            <a:solidFill>
+              <a:schemeClr val="tx1"/>
+            </a:solidFill>
+            <a:headEnd type="triangle" w="lg" len="med"/>
+            <a:tailEnd type="none" w="lg" len="med"/>
+          </a:ln>
+        </p:spPr>
+        <p:style>
+          <a:lnRef idx="1">
+            <a:schemeClr val="accent1"/>
+          </a:lnRef>
+          <a:fillRef idx="0">
+            <a:schemeClr val="accent1"/>
+          </a:fillRef>
+          <a:effectRef idx="0">
+            <a:schemeClr val="accent1"/>
+          </a:effectRef>
+          <a:fontRef idx="minor">
+            <a:schemeClr val="tx1"/>
+          </a:fontRef>
+        </p:style>
+      </p:cxnSp>
+      <p:cxnSp>
+        <p:nvCxnSpPr>
+          <p:cNvPr id="15" name="直線單箭頭接點 198">
+            <a:extLst>
+              <a:ext uri="{FF2B5EF4-FFF2-40B4-BE49-F238E27FC236}">
+                <a16:creationId xmlns:a16="http://schemas.microsoft.com/office/drawing/2014/main" id="{22D4D555-9F63-014C-A726-F3F2DFC77986}"/>
+              </a:ext>
+            </a:extLst>
+          </p:cNvPr>
+          <p:cNvCxnSpPr>
+            <a:cxnSpLocks/>
+          </p:cNvCxnSpPr>
+          <p:nvPr/>
+        </p:nvCxnSpPr>
+        <p:spPr>
+          <a:xfrm>
+            <a:off x="1818782" y="4006984"/>
+            <a:ext cx="0" cy="397092"/>
+          </a:xfrm>
+          <a:prstGeom prst="straightConnector1">
+            <a:avLst/>
+          </a:prstGeom>
+          <a:ln w="19050">
+            <a:solidFill>
+              <a:schemeClr val="tx1"/>
+            </a:solidFill>
+            <a:headEnd type="triangle" w="lg" len="med"/>
+            <a:tailEnd type="none" w="lg" len="med"/>
+          </a:ln>
+        </p:spPr>
+        <p:style>
+          <a:lnRef idx="1">
+            <a:schemeClr val="accent1"/>
+          </a:lnRef>
+          <a:fillRef idx="0">
+            <a:schemeClr val="accent1"/>
+          </a:fillRef>
+          <a:effectRef idx="0">
+            <a:schemeClr val="accent1"/>
+          </a:effectRef>
+          <a:fontRef idx="minor">
+            <a:schemeClr val="tx1"/>
+          </a:fontRef>
+        </p:style>
+      </p:cxnSp>
+      <p:sp>
+        <p:nvSpPr>
+          <p:cNvPr id="16" name="矩形 134">
+            <a:extLst>
+              <a:ext uri="{FF2B5EF4-FFF2-40B4-BE49-F238E27FC236}">
+                <a16:creationId xmlns:a16="http://schemas.microsoft.com/office/drawing/2014/main" id="{7BE60200-5F1C-324A-8D12-936266D1039C}"/>
+              </a:ext>
+            </a:extLst>
+          </p:cNvPr>
+          <p:cNvSpPr/>
+          <p:nvPr/>
+        </p:nvSpPr>
+        <p:spPr>
+          <a:xfrm>
+            <a:off x="3271927" y="4160936"/>
+            <a:ext cx="302338" cy="243141"/>
+          </a:xfrm>
+          <a:prstGeom prst="rect">
+            <a:avLst/>
+          </a:prstGeom>
+          <a:solidFill>
+            <a:schemeClr val="tx1">
+              <a:lumMod val="50000"/>
+              <a:lumOff val="50000"/>
+            </a:schemeClr>
+          </a:solidFill>
+          <a:ln w="12700">
+            <a:solidFill>
+              <a:schemeClr val="tx1"/>
+            </a:solidFill>
+          </a:ln>
+        </p:spPr>
+        <p:style>
+          <a:lnRef idx="2">
+            <a:schemeClr val="accent1">
+              <a:shade val="50000"/>
+            </a:schemeClr>
+          </a:lnRef>
+          <a:fillRef idx="1">
+            <a:schemeClr val="accent1"/>
+          </a:fillRef>
+          <a:effectRef idx="0">
+            <a:schemeClr val="accent1"/>
+          </a:effectRef>
+          <a:fontRef idx="minor">
+            <a:schemeClr val="lt1"/>
+          </a:fontRef>
+        </p:style>
+        <p:txBody>
+          <a:bodyPr rtlCol="0" anchor="ctr"/>
+          <a:lstStyle/>
+          <a:p>
+            <a:pPr algn="ctr"/>
+            <a:endParaRPr lang="en-US" sz="2000">
+              <a:latin typeface="Arial" panose="020B0604020202020204" pitchFamily="34" charset="0"/>
+              <a:cs typeface="Arial" panose="020B0604020202020204" pitchFamily="34" charset="0"/>
+            </a:endParaRPr>
+          </a:p>
+        </p:txBody>
+      </p:sp>
+      <p:cxnSp>
+        <p:nvCxnSpPr>
+          <p:cNvPr id="17" name="直線單箭頭接點 198">
+            <a:extLst>
+              <a:ext uri="{FF2B5EF4-FFF2-40B4-BE49-F238E27FC236}">
+                <a16:creationId xmlns:a16="http://schemas.microsoft.com/office/drawing/2014/main" id="{0729EFCC-E88D-5A40-B520-8F879D272325}"/>
+              </a:ext>
+            </a:extLst>
+          </p:cNvPr>
+          <p:cNvCxnSpPr>
+            <a:cxnSpLocks/>
+          </p:cNvCxnSpPr>
+          <p:nvPr/>
+        </p:nvCxnSpPr>
+        <p:spPr>
+          <a:xfrm>
+            <a:off x="3271926" y="4006984"/>
+            <a:ext cx="0" cy="397092"/>
+          </a:xfrm>
+          <a:prstGeom prst="straightConnector1">
+            <a:avLst/>
+          </a:prstGeom>
+          <a:ln w="19050">
+            <a:solidFill>
+              <a:schemeClr val="tx1"/>
+            </a:solidFill>
+            <a:headEnd type="triangle" w="lg" len="med"/>
+            <a:tailEnd type="none" w="lg" len="med"/>
+          </a:ln>
+        </p:spPr>
+        <p:style>
+          <a:lnRef idx="1">
+            <a:schemeClr val="accent1"/>
+          </a:lnRef>
+          <a:fillRef idx="0">
+            <a:schemeClr val="accent1"/>
+          </a:fillRef>
+          <a:effectRef idx="0">
+            <a:schemeClr val="accent1"/>
+          </a:effectRef>
+          <a:fontRef idx="minor">
+            <a:schemeClr val="tx1"/>
+          </a:fontRef>
+        </p:style>
+      </p:cxnSp>
+      <p:sp>
+        <p:nvSpPr>
+          <p:cNvPr id="18" name="矩形 134">
+            <a:extLst>
+              <a:ext uri="{FF2B5EF4-FFF2-40B4-BE49-F238E27FC236}">
+                <a16:creationId xmlns:a16="http://schemas.microsoft.com/office/drawing/2014/main" id="{448AD464-C214-9541-A986-EE15F3C3912A}"/>
+              </a:ext>
+            </a:extLst>
+          </p:cNvPr>
+          <p:cNvSpPr/>
+          <p:nvPr/>
+        </p:nvSpPr>
+        <p:spPr>
+          <a:xfrm>
+            <a:off x="4725069" y="4160936"/>
+            <a:ext cx="479393" cy="243141"/>
+          </a:xfrm>
+          <a:prstGeom prst="rect">
+            <a:avLst/>
+          </a:prstGeom>
+          <a:solidFill>
+            <a:schemeClr val="tx1">
+              <a:lumMod val="50000"/>
+              <a:lumOff val="50000"/>
+            </a:schemeClr>
+          </a:solidFill>
+          <a:ln w="12700">
+            <a:solidFill>
+              <a:schemeClr val="tx1"/>
+            </a:solidFill>
+          </a:ln>
+        </p:spPr>
+        <p:style>
+          <a:lnRef idx="2">
+            <a:schemeClr val="accent1">
+              <a:shade val="50000"/>
+            </a:schemeClr>
+          </a:lnRef>
+          <a:fillRef idx="1">
+            <a:schemeClr val="accent1"/>
+          </a:fillRef>
+          <a:effectRef idx="0">
+            <a:schemeClr val="accent1"/>
+          </a:effectRef>
+          <a:fontRef idx="minor">
+            <a:schemeClr val="lt1"/>
+          </a:fontRef>
+        </p:style>
+        <p:txBody>
+          <a:bodyPr rtlCol="0" anchor="ctr"/>
+          <a:lstStyle/>
+          <a:p>
+            <a:pPr algn="ctr"/>
+            <a:endParaRPr lang="en-US" sz="2000">
+              <a:latin typeface="Arial" panose="020B0604020202020204" pitchFamily="34" charset="0"/>
+              <a:cs typeface="Arial" panose="020B0604020202020204" pitchFamily="34" charset="0"/>
+            </a:endParaRPr>
+          </a:p>
+        </p:txBody>
+      </p:sp>
+      <p:cxnSp>
+        <p:nvCxnSpPr>
+          <p:cNvPr id="19" name="直線單箭頭接點 198">
+            <a:extLst>
+              <a:ext uri="{FF2B5EF4-FFF2-40B4-BE49-F238E27FC236}">
+                <a16:creationId xmlns:a16="http://schemas.microsoft.com/office/drawing/2014/main" id="{B8B48864-5319-0945-B465-D6140B320A2B}"/>
+              </a:ext>
+            </a:extLst>
+          </p:cNvPr>
+          <p:cNvCxnSpPr>
+            <a:cxnSpLocks/>
+          </p:cNvCxnSpPr>
+          <p:nvPr/>
+        </p:nvCxnSpPr>
+        <p:spPr>
+          <a:xfrm>
+            <a:off x="4725069" y="4006984"/>
+            <a:ext cx="0" cy="397092"/>
+          </a:xfrm>
+          <a:prstGeom prst="straightConnector1">
+            <a:avLst/>
+          </a:prstGeom>
+          <a:ln w="19050">
+            <a:solidFill>
+              <a:schemeClr val="tx1"/>
+            </a:solidFill>
+            <a:headEnd type="triangle" w="lg" len="med"/>
+            <a:tailEnd type="none" w="lg" len="med"/>
+          </a:ln>
+        </p:spPr>
+        <p:style>
+          <a:lnRef idx="1">
+            <a:schemeClr val="accent1"/>
+          </a:lnRef>
+          <a:fillRef idx="0">
+            <a:schemeClr val="accent1"/>
+          </a:fillRef>
+          <a:effectRef idx="0">
+            <a:schemeClr val="accent1"/>
+          </a:effectRef>
+          <a:fontRef idx="minor">
+            <a:schemeClr val="tx1"/>
+          </a:fontRef>
+        </p:style>
+      </p:cxnSp>
+      <p:sp>
+        <p:nvSpPr>
+          <p:cNvPr id="20" name="矩形 133">
+            <a:extLst>
+              <a:ext uri="{FF2B5EF4-FFF2-40B4-BE49-F238E27FC236}">
+                <a16:creationId xmlns:a16="http://schemas.microsoft.com/office/drawing/2014/main" id="{2D8A5EC3-AB24-C84B-B174-219AC44C5E86}"/>
+              </a:ext>
+            </a:extLst>
+          </p:cNvPr>
+          <p:cNvSpPr/>
+          <p:nvPr/>
+        </p:nvSpPr>
+        <p:spPr>
+          <a:xfrm>
+            <a:off x="4452005" y="3281557"/>
+            <a:ext cx="276219" cy="243141"/>
+          </a:xfrm>
+          <a:prstGeom prst="rect">
+            <a:avLst/>
+          </a:prstGeom>
+          <a:solidFill>
+            <a:schemeClr val="bg1">
+              <a:lumMod val="95000"/>
+            </a:schemeClr>
+          </a:solidFill>
+          <a:ln w="12700">
+            <a:solidFill>
+              <a:schemeClr val="tx1"/>
+            </a:solidFill>
+          </a:ln>
+        </p:spPr>
+        <p:style>
+          <a:lnRef idx="2">
+            <a:schemeClr val="accent1">
+              <a:shade val="50000"/>
+            </a:schemeClr>
+          </a:lnRef>
+          <a:fillRef idx="1">
+            <a:schemeClr val="accent1"/>
+          </a:fillRef>
+          <a:effectRef idx="0">
+            <a:schemeClr val="accent1"/>
+          </a:effectRef>
+          <a:fontRef idx="minor">
+            <a:schemeClr val="lt1"/>
+          </a:fontRef>
+        </p:style>
+        <p:txBody>
+          <a:bodyPr rtlCol="0" anchor="ctr"/>
+          <a:lstStyle/>
+          <a:p>
+            <a:pPr algn="ctr"/>
+            <a:endParaRPr lang="en-US" sz="2000" dirty="0">
+              <a:latin typeface="Arial" panose="020B0604020202020204" pitchFamily="34" charset="0"/>
+              <a:cs typeface="Arial" panose="020B0604020202020204" pitchFamily="34" charset="0"/>
+            </a:endParaRPr>
+          </a:p>
+        </p:txBody>
+      </p:sp>
+      <p:cxnSp>
+        <p:nvCxnSpPr>
+          <p:cNvPr id="21" name="直線單箭頭接點 198">
+            <a:extLst>
+              <a:ext uri="{FF2B5EF4-FFF2-40B4-BE49-F238E27FC236}">
+                <a16:creationId xmlns:a16="http://schemas.microsoft.com/office/drawing/2014/main" id="{82F32A0E-68C5-8841-AC61-CAA47B91CD61}"/>
+              </a:ext>
+            </a:extLst>
+          </p:cNvPr>
+          <p:cNvCxnSpPr>
+            <a:cxnSpLocks/>
+          </p:cNvCxnSpPr>
+          <p:nvPr/>
+        </p:nvCxnSpPr>
+        <p:spPr>
+          <a:xfrm>
+            <a:off x="4452005" y="3127605"/>
+            <a:ext cx="0" cy="397092"/>
+          </a:xfrm>
+          <a:prstGeom prst="straightConnector1">
+            <a:avLst/>
+          </a:prstGeom>
+          <a:ln w="19050">
+            <a:solidFill>
+              <a:schemeClr val="tx1"/>
+            </a:solidFill>
+            <a:headEnd type="triangle" w="lg" len="med"/>
+            <a:tailEnd type="none" w="lg" len="med"/>
+          </a:ln>
+        </p:spPr>
+        <p:style>
+          <a:lnRef idx="1">
+            <a:schemeClr val="accent1"/>
+          </a:lnRef>
+          <a:fillRef idx="0">
+            <a:schemeClr val="accent1"/>
+          </a:fillRef>
+          <a:effectRef idx="0">
+            <a:schemeClr val="accent1"/>
+          </a:effectRef>
+          <a:fontRef idx="minor">
+            <a:schemeClr val="tx1"/>
+          </a:fontRef>
+        </p:style>
+      </p:cxnSp>
+      <p:sp>
+        <p:nvSpPr>
+          <p:cNvPr id="22" name="Arc 21">
+            <a:extLst>
+              <a:ext uri="{FF2B5EF4-FFF2-40B4-BE49-F238E27FC236}">
+                <a16:creationId xmlns:a16="http://schemas.microsoft.com/office/drawing/2014/main" id="{C94CFFE6-E704-D143-8E15-D0C6A592E016}"/>
+              </a:ext>
+            </a:extLst>
+          </p:cNvPr>
+          <p:cNvSpPr/>
+          <p:nvPr/>
+        </p:nvSpPr>
+        <p:spPr>
+          <a:xfrm rot="10800000">
+            <a:off x="1792035" y="3240259"/>
+            <a:ext cx="925351" cy="447973"/>
+          </a:xfrm>
+          <a:prstGeom prst="arc">
+            <a:avLst>
+              <a:gd name="adj1" fmla="val 11468453"/>
+              <a:gd name="adj2" fmla="val 21080942"/>
+            </a:avLst>
+          </a:prstGeom>
+          <a:ln w="12700">
+            <a:solidFill>
+              <a:schemeClr val="tx1"/>
+            </a:solidFill>
+            <a:headEnd type="arrow"/>
+          </a:ln>
+        </p:spPr>
+        <p:style>
+          <a:lnRef idx="1">
+            <a:schemeClr val="accent1"/>
+          </a:lnRef>
+          <a:fillRef idx="0">
+            <a:schemeClr val="accent1"/>
+          </a:fillRef>
+          <a:effectRef idx="0">
+            <a:schemeClr val="accent1"/>
+          </a:effectRef>
+          <a:fontRef idx="minor">
+            <a:schemeClr val="tx1"/>
+          </a:fontRef>
+        </p:style>
+        <p:txBody>
+          <a:bodyPr rtlCol="0" anchor="ctr"/>
+          <a:lstStyle/>
+          <a:p>
+            <a:pPr algn="ctr"/>
+            <a:endParaRPr lang="en-US" sz="2000">
+              <a:latin typeface="Arial" panose="020B0604020202020204" pitchFamily="34" charset="0"/>
+              <a:cs typeface="Arial" panose="020B0604020202020204" pitchFamily="34" charset="0"/>
+            </a:endParaRPr>
+          </a:p>
+        </p:txBody>
+      </p:sp>
+      <p:sp>
+        <p:nvSpPr>
+          <p:cNvPr id="24" name="Arc 23">
+            <a:extLst>
+              <a:ext uri="{FF2B5EF4-FFF2-40B4-BE49-F238E27FC236}">
+                <a16:creationId xmlns:a16="http://schemas.microsoft.com/office/drawing/2014/main" id="{2D0CB2C8-7C97-FD41-858C-1FCCAAE6197E}"/>
+              </a:ext>
+            </a:extLst>
+          </p:cNvPr>
+          <p:cNvSpPr/>
+          <p:nvPr/>
+        </p:nvSpPr>
+        <p:spPr>
+          <a:xfrm rot="10800000">
+            <a:off x="2682273" y="3240259"/>
+            <a:ext cx="925351" cy="447973"/>
+          </a:xfrm>
+          <a:prstGeom prst="arc">
+            <a:avLst>
+              <a:gd name="adj1" fmla="val 11468453"/>
+              <a:gd name="adj2" fmla="val 21080942"/>
+            </a:avLst>
+          </a:prstGeom>
+          <a:ln w="12700">
+            <a:solidFill>
+              <a:schemeClr val="tx1"/>
+            </a:solidFill>
+            <a:headEnd type="arrow"/>
+          </a:ln>
+        </p:spPr>
+        <p:style>
+          <a:lnRef idx="1">
+            <a:schemeClr val="accent1"/>
+          </a:lnRef>
+          <a:fillRef idx="0">
+            <a:schemeClr val="accent1"/>
+          </a:fillRef>
+          <a:effectRef idx="0">
+            <a:schemeClr val="accent1"/>
+          </a:effectRef>
+          <a:fontRef idx="minor">
+            <a:schemeClr val="tx1"/>
+          </a:fontRef>
+        </p:style>
+        <p:txBody>
+          <a:bodyPr rtlCol="0" anchor="ctr"/>
+          <a:lstStyle/>
+          <a:p>
+            <a:pPr algn="ctr"/>
+            <a:endParaRPr lang="en-US" sz="2000">
+              <a:latin typeface="Arial" panose="020B0604020202020204" pitchFamily="34" charset="0"/>
+              <a:cs typeface="Arial" panose="020B0604020202020204" pitchFamily="34" charset="0"/>
+            </a:endParaRPr>
+          </a:p>
+        </p:txBody>
+      </p:sp>
+      <p:sp>
+        <p:nvSpPr>
+          <p:cNvPr id="25" name="Arc 24">
+            <a:extLst>
+              <a:ext uri="{FF2B5EF4-FFF2-40B4-BE49-F238E27FC236}">
+                <a16:creationId xmlns:a16="http://schemas.microsoft.com/office/drawing/2014/main" id="{4D6607A4-A0C5-E347-8BAF-38239890132B}"/>
+              </a:ext>
+            </a:extLst>
+          </p:cNvPr>
+          <p:cNvSpPr/>
+          <p:nvPr/>
+        </p:nvSpPr>
+        <p:spPr>
+          <a:xfrm rot="10800000">
+            <a:off x="3550459" y="3240259"/>
+            <a:ext cx="925351" cy="447973"/>
+          </a:xfrm>
+          <a:prstGeom prst="arc">
+            <a:avLst>
+              <a:gd name="adj1" fmla="val 11468453"/>
+              <a:gd name="adj2" fmla="val 21080942"/>
+            </a:avLst>
+          </a:prstGeom>
+          <a:ln w="12700">
+            <a:solidFill>
+              <a:schemeClr val="tx1"/>
+            </a:solidFill>
+            <a:headEnd type="arrow"/>
+          </a:ln>
+        </p:spPr>
+        <p:style>
+          <a:lnRef idx="1">
+            <a:schemeClr val="accent1"/>
+          </a:lnRef>
+          <a:fillRef idx="0">
+            <a:schemeClr val="accent1"/>
+          </a:fillRef>
+          <a:effectRef idx="0">
+            <a:schemeClr val="accent1"/>
+          </a:effectRef>
+          <a:fontRef idx="minor">
+            <a:schemeClr val="tx1"/>
+          </a:fontRef>
+        </p:style>
+        <p:txBody>
+          <a:bodyPr rtlCol="0" anchor="ctr"/>
+          <a:lstStyle/>
+          <a:p>
+            <a:pPr algn="ctr"/>
+            <a:endParaRPr lang="en-US" sz="2000">
+              <a:latin typeface="Arial" panose="020B0604020202020204" pitchFamily="34" charset="0"/>
+              <a:cs typeface="Arial" panose="020B0604020202020204" pitchFamily="34" charset="0"/>
+            </a:endParaRPr>
+          </a:p>
+        </p:txBody>
+      </p:sp>
+      <p:sp>
+        <p:nvSpPr>
+          <p:cNvPr id="26" name="Arc 25">
+            <a:extLst>
+              <a:ext uri="{FF2B5EF4-FFF2-40B4-BE49-F238E27FC236}">
+                <a16:creationId xmlns:a16="http://schemas.microsoft.com/office/drawing/2014/main" id="{8A5AFF75-A03F-A443-9EEC-41639DAE3C96}"/>
+              </a:ext>
+            </a:extLst>
+          </p:cNvPr>
+          <p:cNvSpPr/>
+          <p:nvPr/>
+        </p:nvSpPr>
+        <p:spPr>
+          <a:xfrm rot="10800000">
+            <a:off x="4437815" y="3240259"/>
+            <a:ext cx="925351" cy="447973"/>
+          </a:xfrm>
+          <a:prstGeom prst="arc">
+            <a:avLst>
+              <a:gd name="adj1" fmla="val 11468453"/>
+              <a:gd name="adj2" fmla="val 21080942"/>
+            </a:avLst>
+          </a:prstGeom>
+          <a:ln w="12700">
+            <a:solidFill>
+              <a:schemeClr val="tx1"/>
+            </a:solidFill>
+            <a:headEnd type="arrow"/>
+          </a:ln>
+        </p:spPr>
+        <p:style>
+          <a:lnRef idx="1">
+            <a:schemeClr val="accent1"/>
+          </a:lnRef>
+          <a:fillRef idx="0">
+            <a:schemeClr val="accent1"/>
+          </a:fillRef>
+          <a:effectRef idx="0">
+            <a:schemeClr val="accent1"/>
+          </a:effectRef>
+          <a:fontRef idx="minor">
+            <a:schemeClr val="tx1"/>
+          </a:fontRef>
+        </p:style>
+        <p:txBody>
+          <a:bodyPr rtlCol="0" anchor="ctr"/>
+          <a:lstStyle/>
+          <a:p>
+            <a:pPr algn="ctr"/>
+            <a:endParaRPr lang="en-US" sz="2000">
+              <a:latin typeface="Arial" panose="020B0604020202020204" pitchFamily="34" charset="0"/>
+              <a:cs typeface="Arial" panose="020B0604020202020204" pitchFamily="34" charset="0"/>
+            </a:endParaRPr>
+          </a:p>
+        </p:txBody>
+      </p:sp>
+      <p:sp>
+        <p:nvSpPr>
+          <p:cNvPr id="27" name="Arc 26">
+            <a:extLst>
+              <a:ext uri="{FF2B5EF4-FFF2-40B4-BE49-F238E27FC236}">
+                <a16:creationId xmlns:a16="http://schemas.microsoft.com/office/drawing/2014/main" id="{0CD17782-1373-AC40-9A03-0104B25D9A02}"/>
+              </a:ext>
+            </a:extLst>
+          </p:cNvPr>
+          <p:cNvSpPr/>
+          <p:nvPr/>
+        </p:nvSpPr>
+        <p:spPr>
+          <a:xfrm rot="10800000">
+            <a:off x="1802909" y="4174417"/>
+            <a:ext cx="1484892" cy="397091"/>
+          </a:xfrm>
+          <a:prstGeom prst="arc">
+            <a:avLst>
+              <a:gd name="adj1" fmla="val 11114947"/>
+              <a:gd name="adj2" fmla="val 21337377"/>
+            </a:avLst>
+          </a:prstGeom>
+          <a:ln w="12700">
+            <a:solidFill>
+              <a:schemeClr val="tx1"/>
+            </a:solidFill>
+            <a:headEnd type="arrow"/>
+          </a:ln>
+        </p:spPr>
+        <p:style>
+          <a:lnRef idx="1">
+            <a:schemeClr val="accent1"/>
+          </a:lnRef>
+          <a:fillRef idx="0">
+            <a:schemeClr val="accent1"/>
+          </a:fillRef>
+          <a:effectRef idx="0">
+            <a:schemeClr val="accent1"/>
+          </a:effectRef>
+          <a:fontRef idx="minor">
+            <a:schemeClr val="tx1"/>
+          </a:fontRef>
+        </p:style>
+        <p:txBody>
+          <a:bodyPr rtlCol="0" anchor="ctr"/>
+          <a:lstStyle/>
+          <a:p>
+            <a:pPr algn="ctr"/>
+            <a:endParaRPr lang="en-US" sz="2000">
+              <a:latin typeface="Arial" panose="020B0604020202020204" pitchFamily="34" charset="0"/>
+              <a:cs typeface="Arial" panose="020B0604020202020204" pitchFamily="34" charset="0"/>
+            </a:endParaRPr>
+          </a:p>
+        </p:txBody>
+      </p:sp>
+      <p:sp>
+        <p:nvSpPr>
+          <p:cNvPr id="29" name="Arc 28">
+            <a:extLst>
+              <a:ext uri="{FF2B5EF4-FFF2-40B4-BE49-F238E27FC236}">
+                <a16:creationId xmlns:a16="http://schemas.microsoft.com/office/drawing/2014/main" id="{9AB9A19F-3A16-554C-9322-29263F651FE4}"/>
+              </a:ext>
+            </a:extLst>
+          </p:cNvPr>
+          <p:cNvSpPr/>
+          <p:nvPr/>
+        </p:nvSpPr>
+        <p:spPr>
+          <a:xfrm rot="10800000">
+            <a:off x="3247505" y="4174417"/>
+            <a:ext cx="1484892" cy="397091"/>
+          </a:xfrm>
+          <a:prstGeom prst="arc">
+            <a:avLst>
+              <a:gd name="adj1" fmla="val 11114947"/>
+              <a:gd name="adj2" fmla="val 21337377"/>
+            </a:avLst>
+          </a:prstGeom>
+          <a:ln w="12700">
+            <a:solidFill>
+              <a:schemeClr val="tx1"/>
+            </a:solidFill>
+            <a:headEnd type="arrow"/>
+          </a:ln>
+        </p:spPr>
+        <p:style>
+          <a:lnRef idx="1">
+            <a:schemeClr val="accent1"/>
+          </a:lnRef>
+          <a:fillRef idx="0">
+            <a:schemeClr val="accent1"/>
+          </a:fillRef>
+          <a:effectRef idx="0">
+            <a:schemeClr val="accent1"/>
+          </a:effectRef>
+          <a:fontRef idx="minor">
+            <a:schemeClr val="tx1"/>
+          </a:fontRef>
+        </p:style>
+        <p:txBody>
+          <a:bodyPr rtlCol="0" anchor="ctr"/>
+          <a:lstStyle/>
+          <a:p>
+            <a:pPr algn="ctr"/>
+            <a:endParaRPr lang="en-US" sz="2000">
+              <a:latin typeface="Arial" panose="020B0604020202020204" pitchFamily="34" charset="0"/>
+              <a:cs typeface="Arial" panose="020B0604020202020204" pitchFamily="34" charset="0"/>
+            </a:endParaRPr>
+          </a:p>
+        </p:txBody>
+      </p:sp>
+      <p:sp>
+        <p:nvSpPr>
+          <p:cNvPr id="30" name="Arc 128">
+            <a:extLst>
+              <a:ext uri="{FF2B5EF4-FFF2-40B4-BE49-F238E27FC236}">
+                <a16:creationId xmlns:a16="http://schemas.microsoft.com/office/drawing/2014/main" id="{C218E410-5C24-EB47-A110-8E909101196D}"/>
+              </a:ext>
+            </a:extLst>
+          </p:cNvPr>
+          <p:cNvSpPr/>
+          <p:nvPr/>
+        </p:nvSpPr>
+        <p:spPr>
+          <a:xfrm rot="10800000">
+            <a:off x="4721364" y="4372964"/>
+            <a:ext cx="1008875" cy="198546"/>
+          </a:xfrm>
+          <a:custGeom>
+            <a:avLst/>
+            <a:gdLst>
+              <a:gd name="connsiteX0" fmla="*/ 40281 w 1484892"/>
+              <a:gd name="connsiteY0" fmla="*/ 134037 h 397091"/>
+              <a:gd name="connsiteX1" fmla="*/ 743957 w 1484892"/>
+              <a:gd name="connsiteY1" fmla="*/ 0 h 397091"/>
+              <a:gd name="connsiteX2" fmla="*/ 1456229 w 1484892"/>
+              <a:gd name="connsiteY2" fmla="*/ 143911 h 397091"/>
+              <a:gd name="connsiteX3" fmla="*/ 742446 w 1484892"/>
+              <a:gd name="connsiteY3" fmla="*/ 198546 h 397091"/>
+              <a:gd name="connsiteX4" fmla="*/ 40281 w 1484892"/>
+              <a:gd name="connsiteY4" fmla="*/ 134037 h 397091"/>
+              <a:gd name="connsiteX0" fmla="*/ 40281 w 1484892"/>
+              <a:gd name="connsiteY0" fmla="*/ 134037 h 397091"/>
+              <a:gd name="connsiteX1" fmla="*/ 743957 w 1484892"/>
+              <a:gd name="connsiteY1" fmla="*/ 0 h 397091"/>
+              <a:gd name="connsiteX2" fmla="*/ 1456229 w 1484892"/>
+              <a:gd name="connsiteY2" fmla="*/ 143911 h 397091"/>
+              <a:gd name="connsiteX0" fmla="*/ 0 w 1415948"/>
+              <a:gd name="connsiteY0" fmla="*/ 144748 h 209257"/>
+              <a:gd name="connsiteX1" fmla="*/ 703676 w 1415948"/>
+              <a:gd name="connsiteY1" fmla="*/ 10711 h 209257"/>
+              <a:gd name="connsiteX2" fmla="*/ 1415948 w 1415948"/>
+              <a:gd name="connsiteY2" fmla="*/ 154622 h 209257"/>
+              <a:gd name="connsiteX3" fmla="*/ 702165 w 1415948"/>
+              <a:gd name="connsiteY3" fmla="*/ 209257 h 209257"/>
+              <a:gd name="connsiteX4" fmla="*/ 0 w 1415948"/>
+              <a:gd name="connsiteY4" fmla="*/ 144748 h 209257"/>
+              <a:gd name="connsiteX0" fmla="*/ 0 w 1415948"/>
+              <a:gd name="connsiteY0" fmla="*/ 144748 h 209257"/>
+              <a:gd name="connsiteX1" fmla="*/ 407073 w 1415948"/>
+              <a:gd name="connsiteY1" fmla="*/ 25514 h 209257"/>
+              <a:gd name="connsiteX2" fmla="*/ 703676 w 1415948"/>
+              <a:gd name="connsiteY2" fmla="*/ 10711 h 209257"/>
+              <a:gd name="connsiteX3" fmla="*/ 1415948 w 1415948"/>
+              <a:gd name="connsiteY3" fmla="*/ 154622 h 209257"/>
+              <a:gd name="connsiteX0" fmla="*/ 0 w 1415948"/>
+              <a:gd name="connsiteY0" fmla="*/ 156187 h 220696"/>
+              <a:gd name="connsiteX1" fmla="*/ 703676 w 1415948"/>
+              <a:gd name="connsiteY1" fmla="*/ 22150 h 220696"/>
+              <a:gd name="connsiteX2" fmla="*/ 1415948 w 1415948"/>
+              <a:gd name="connsiteY2" fmla="*/ 166061 h 220696"/>
+              <a:gd name="connsiteX3" fmla="*/ 702165 w 1415948"/>
+              <a:gd name="connsiteY3" fmla="*/ 220696 h 220696"/>
+              <a:gd name="connsiteX4" fmla="*/ 0 w 1415948"/>
+              <a:gd name="connsiteY4" fmla="*/ 156187 h 220696"/>
+              <a:gd name="connsiteX0" fmla="*/ 0 w 1415948"/>
+              <a:gd name="connsiteY0" fmla="*/ 156187 h 220696"/>
+              <a:gd name="connsiteX1" fmla="*/ 407073 w 1415948"/>
+              <a:gd name="connsiteY1" fmla="*/ 36953 h 220696"/>
+              <a:gd name="connsiteX2" fmla="*/ 703676 w 1415948"/>
+              <a:gd name="connsiteY2" fmla="*/ 22150 h 220696"/>
+              <a:gd name="connsiteX3" fmla="*/ 1415948 w 1415948"/>
+              <a:gd name="connsiteY3" fmla="*/ 166061 h 220696"/>
+              <a:gd name="connsiteX0" fmla="*/ 0 w 1415948"/>
+              <a:gd name="connsiteY0" fmla="*/ 143769 h 208278"/>
+              <a:gd name="connsiteX1" fmla="*/ 703676 w 1415948"/>
+              <a:gd name="connsiteY1" fmla="*/ 9732 h 208278"/>
+              <a:gd name="connsiteX2" fmla="*/ 1415948 w 1415948"/>
+              <a:gd name="connsiteY2" fmla="*/ 153643 h 208278"/>
+              <a:gd name="connsiteX3" fmla="*/ 702165 w 1415948"/>
+              <a:gd name="connsiteY3" fmla="*/ 208278 h 208278"/>
+              <a:gd name="connsiteX4" fmla="*/ 0 w 1415948"/>
+              <a:gd name="connsiteY4" fmla="*/ 143769 h 208278"/>
+              <a:gd name="connsiteX0" fmla="*/ 0 w 1415948"/>
+              <a:gd name="connsiteY0" fmla="*/ 143769 h 208278"/>
+              <a:gd name="connsiteX1" fmla="*/ 407073 w 1415948"/>
+              <a:gd name="connsiteY1" fmla="*/ 24535 h 208278"/>
+              <a:gd name="connsiteX2" fmla="*/ 703676 w 1415948"/>
+              <a:gd name="connsiteY2" fmla="*/ 9732 h 208278"/>
+              <a:gd name="connsiteX3" fmla="*/ 1415948 w 1415948"/>
+              <a:gd name="connsiteY3" fmla="*/ 153643 h 208278"/>
+              <a:gd name="connsiteX0" fmla="*/ 0 w 1415948"/>
+              <a:gd name="connsiteY0" fmla="*/ 143769 h 208278"/>
+              <a:gd name="connsiteX1" fmla="*/ 703676 w 1415948"/>
+              <a:gd name="connsiteY1" fmla="*/ 9732 h 208278"/>
+              <a:gd name="connsiteX2" fmla="*/ 1415948 w 1415948"/>
+              <a:gd name="connsiteY2" fmla="*/ 153643 h 208278"/>
+              <a:gd name="connsiteX3" fmla="*/ 702165 w 1415948"/>
+              <a:gd name="connsiteY3" fmla="*/ 208278 h 208278"/>
+              <a:gd name="connsiteX4" fmla="*/ 0 w 1415948"/>
+              <a:gd name="connsiteY4" fmla="*/ 143769 h 208278"/>
+              <a:gd name="connsiteX0" fmla="*/ 407073 w 1415948"/>
+              <a:gd name="connsiteY0" fmla="*/ 24535 h 208278"/>
+              <a:gd name="connsiteX1" fmla="*/ 703676 w 1415948"/>
+              <a:gd name="connsiteY1" fmla="*/ 9732 h 208278"/>
+              <a:gd name="connsiteX2" fmla="*/ 1415948 w 1415948"/>
+              <a:gd name="connsiteY2" fmla="*/ 153643 h 208278"/>
+              <a:gd name="connsiteX0" fmla="*/ 295092 w 1008875"/>
+              <a:gd name="connsiteY0" fmla="*/ 208278 h 208278"/>
+              <a:gd name="connsiteX1" fmla="*/ 296603 w 1008875"/>
+              <a:gd name="connsiteY1" fmla="*/ 9732 h 208278"/>
+              <a:gd name="connsiteX2" fmla="*/ 1008875 w 1008875"/>
+              <a:gd name="connsiteY2" fmla="*/ 153643 h 208278"/>
+              <a:gd name="connsiteX3" fmla="*/ 295092 w 1008875"/>
+              <a:gd name="connsiteY3" fmla="*/ 208278 h 208278"/>
+              <a:gd name="connsiteX0" fmla="*/ 0 w 1008875"/>
+              <a:gd name="connsiteY0" fmla="*/ 24535 h 208278"/>
+              <a:gd name="connsiteX1" fmla="*/ 296603 w 1008875"/>
+              <a:gd name="connsiteY1" fmla="*/ 9732 h 208278"/>
+              <a:gd name="connsiteX2" fmla="*/ 1008875 w 1008875"/>
+              <a:gd name="connsiteY2" fmla="*/ 153643 h 208278"/>
+              <a:gd name="connsiteX0" fmla="*/ 295092 w 1008875"/>
+              <a:gd name="connsiteY0" fmla="*/ 201864 h 201864"/>
+              <a:gd name="connsiteX1" fmla="*/ 296603 w 1008875"/>
+              <a:gd name="connsiteY1" fmla="*/ 3318 h 201864"/>
+              <a:gd name="connsiteX2" fmla="*/ 1008875 w 1008875"/>
+              <a:gd name="connsiteY2" fmla="*/ 147229 h 201864"/>
+              <a:gd name="connsiteX3" fmla="*/ 295092 w 1008875"/>
+              <a:gd name="connsiteY3" fmla="*/ 201864 h 201864"/>
+              <a:gd name="connsiteX0" fmla="*/ 0 w 1008875"/>
+              <a:gd name="connsiteY0" fmla="*/ 18121 h 201864"/>
+              <a:gd name="connsiteX1" fmla="*/ 296603 w 1008875"/>
+              <a:gd name="connsiteY1" fmla="*/ 3318 h 201864"/>
+              <a:gd name="connsiteX2" fmla="*/ 1008875 w 1008875"/>
+              <a:gd name="connsiteY2" fmla="*/ 147229 h 201864"/>
+              <a:gd name="connsiteX0" fmla="*/ 295092 w 1008875"/>
+              <a:gd name="connsiteY0" fmla="*/ 198546 h 198546"/>
+              <a:gd name="connsiteX1" fmla="*/ 296603 w 1008875"/>
+              <a:gd name="connsiteY1" fmla="*/ 0 h 198546"/>
+              <a:gd name="connsiteX2" fmla="*/ 1008875 w 1008875"/>
+              <a:gd name="connsiteY2" fmla="*/ 143911 h 198546"/>
+              <a:gd name="connsiteX3" fmla="*/ 295092 w 1008875"/>
+              <a:gd name="connsiteY3" fmla="*/ 198546 h 198546"/>
+              <a:gd name="connsiteX0" fmla="*/ 0 w 1008875"/>
+              <a:gd name="connsiteY0" fmla="*/ 14803 h 198546"/>
+              <a:gd name="connsiteX1" fmla="*/ 296603 w 1008875"/>
+              <a:gd name="connsiteY1" fmla="*/ 0 h 198546"/>
+              <a:gd name="connsiteX2" fmla="*/ 1008875 w 1008875"/>
+              <a:gd name="connsiteY2" fmla="*/ 143911 h 198546"/>
+            </a:gdLst>
+            <a:ahLst/>
+            <a:cxnLst>
+              <a:cxn ang="0">
+                <a:pos x="connsiteX0" y="connsiteY0"/>
+              </a:cxn>
+              <a:cxn ang="0">
+                <a:pos x="connsiteX1" y="connsiteY1"/>
+              </a:cxn>
+              <a:cxn ang="0">
+                <a:pos x="connsiteX2" y="connsiteY2"/>
+              </a:cxn>
+            </a:cxnLst>
+            <a:rect l="l" t="t" r="r" b="b"/>
+            <a:pathLst>
+              <a:path w="1008875" h="198546" stroke="0" extrusionOk="0">
+                <a:moveTo>
+                  <a:pt x="295092" y="198546"/>
+                </a:moveTo>
+                <a:cubicBezTo>
+                  <a:pt x="295596" y="132364"/>
+                  <a:pt x="296099" y="66182"/>
+                  <a:pt x="296603" y="0"/>
+                </a:cubicBezTo>
+                <a:cubicBezTo>
+                  <a:pt x="627400" y="180"/>
+                  <a:pt x="917848" y="58863"/>
+                  <a:pt x="1008875" y="143911"/>
+                </a:cubicBezTo>
+                <a:lnTo>
+                  <a:pt x="295092" y="198546"/>
+                </a:lnTo>
+                <a:close/>
+              </a:path>
+              <a:path w="1008875" h="198546" fill="none">
+                <a:moveTo>
+                  <a:pt x="0" y="14803"/>
+                </a:moveTo>
+                <a:lnTo>
+                  <a:pt x="296603" y="0"/>
+                </a:lnTo>
+                <a:cubicBezTo>
+                  <a:pt x="627400" y="180"/>
+                  <a:pt x="917848" y="58863"/>
+                  <a:pt x="1008875" y="143911"/>
+                </a:cubicBezTo>
+              </a:path>
+            </a:pathLst>
+          </a:custGeom>
+          <a:ln w="12700">
+            <a:solidFill>
+              <a:schemeClr val="tx1"/>
+            </a:solidFill>
+            <a:headEnd type="none" w="med" len="med"/>
+            <a:tailEnd type="none" w="med" len="med"/>
+          </a:ln>
+        </p:spPr>
+        <p:style>
+          <a:lnRef idx="1">
+            <a:schemeClr val="accent1"/>
+          </a:lnRef>
+          <a:fillRef idx="0">
+            <a:schemeClr val="accent1"/>
+          </a:fillRef>
+          <a:effectRef idx="0">
+            <a:schemeClr val="accent1"/>
+          </a:effectRef>
+          <a:fontRef idx="minor">
+            <a:schemeClr val="tx1"/>
+          </a:fontRef>
+        </p:style>
+        <p:txBody>
+          <a:bodyPr rtlCol="0" anchor="ctr"/>
+          <a:lstStyle/>
+          <a:p>
+            <a:pPr algn="ctr"/>
+            <a:endParaRPr lang="en-US" sz="2000">
+              <a:latin typeface="Arial" panose="020B0604020202020204" pitchFamily="34" charset="0"/>
+              <a:cs typeface="Arial" panose="020B0604020202020204" pitchFamily="34" charset="0"/>
+            </a:endParaRPr>
+          </a:p>
+        </p:txBody>
+      </p:sp>
+      <p:sp>
+        <p:nvSpPr>
+          <p:cNvPr id="31" name="矩形 133">
+            <a:extLst>
+              <a:ext uri="{FF2B5EF4-FFF2-40B4-BE49-F238E27FC236}">
+                <a16:creationId xmlns:a16="http://schemas.microsoft.com/office/drawing/2014/main" id="{76F9477C-A2CC-5E4B-845E-D85791DA3A14}"/>
+              </a:ext>
+            </a:extLst>
+          </p:cNvPr>
+          <p:cNvSpPr/>
+          <p:nvPr/>
+        </p:nvSpPr>
+        <p:spPr>
+          <a:xfrm>
+            <a:off x="5329748" y="3281557"/>
+            <a:ext cx="276219" cy="243141"/>
+          </a:xfrm>
+          <a:prstGeom prst="rect">
+            <a:avLst/>
+          </a:prstGeom>
+          <a:solidFill>
+            <a:schemeClr val="bg1">
+              <a:lumMod val="95000"/>
+            </a:schemeClr>
+          </a:solidFill>
+          <a:ln w="12700">
+            <a:solidFill>
+              <a:schemeClr val="tx1"/>
+            </a:solidFill>
+          </a:ln>
+        </p:spPr>
+        <p:style>
+          <a:lnRef idx="2">
+            <a:schemeClr val="accent1">
+              <a:shade val="50000"/>
+            </a:schemeClr>
+          </a:lnRef>
+          <a:fillRef idx="1">
+            <a:schemeClr val="accent1"/>
+          </a:fillRef>
+          <a:effectRef idx="0">
+            <a:schemeClr val="accent1"/>
+          </a:effectRef>
+          <a:fontRef idx="minor">
+            <a:schemeClr val="lt1"/>
+          </a:fontRef>
+        </p:style>
+        <p:txBody>
+          <a:bodyPr rtlCol="0" anchor="ctr"/>
+          <a:lstStyle/>
+          <a:p>
+            <a:pPr algn="ctr"/>
+            <a:endParaRPr lang="en-US" sz="2000" dirty="0">
+              <a:latin typeface="Arial" panose="020B0604020202020204" pitchFamily="34" charset="0"/>
+              <a:cs typeface="Arial" panose="020B0604020202020204" pitchFamily="34" charset="0"/>
+            </a:endParaRPr>
+          </a:p>
+        </p:txBody>
+      </p:sp>
+      <p:cxnSp>
+        <p:nvCxnSpPr>
+          <p:cNvPr id="32" name="直線單箭頭接點 198">
+            <a:extLst>
+              <a:ext uri="{FF2B5EF4-FFF2-40B4-BE49-F238E27FC236}">
+                <a16:creationId xmlns:a16="http://schemas.microsoft.com/office/drawing/2014/main" id="{A52CC1F9-D98E-074B-A5C2-ED6F12DC5374}"/>
+              </a:ext>
+            </a:extLst>
+          </p:cNvPr>
+          <p:cNvCxnSpPr>
+            <a:cxnSpLocks/>
+          </p:cNvCxnSpPr>
+          <p:nvPr/>
+        </p:nvCxnSpPr>
+        <p:spPr>
+          <a:xfrm>
+            <a:off x="5329748" y="3127605"/>
+            <a:ext cx="0" cy="397092"/>
+          </a:xfrm>
+          <a:prstGeom prst="straightConnector1">
+            <a:avLst/>
+          </a:prstGeom>
+          <a:ln w="19050">
+            <a:solidFill>
+              <a:schemeClr val="tx1"/>
+            </a:solidFill>
+            <a:headEnd type="triangle" w="lg" len="med"/>
+            <a:tailEnd type="none" w="lg" len="med"/>
+          </a:ln>
+        </p:spPr>
+        <p:style>
+          <a:lnRef idx="1">
+            <a:schemeClr val="accent1"/>
+          </a:lnRef>
+          <a:fillRef idx="0">
+            <a:schemeClr val="accent1"/>
+          </a:fillRef>
+          <a:effectRef idx="0">
+            <a:schemeClr val="accent1"/>
+          </a:effectRef>
+          <a:fontRef idx="minor">
+            <a:schemeClr val="tx1"/>
+          </a:fontRef>
+        </p:style>
+      </p:cxnSp>
+      <p:sp>
+        <p:nvSpPr>
+          <p:cNvPr id="33" name="矩形 134">
+            <a:extLst>
+              <a:ext uri="{FF2B5EF4-FFF2-40B4-BE49-F238E27FC236}">
+                <a16:creationId xmlns:a16="http://schemas.microsoft.com/office/drawing/2014/main" id="{B38B0435-A6D2-8740-B43A-5440FFD16CA1}"/>
+              </a:ext>
+            </a:extLst>
+          </p:cNvPr>
+          <p:cNvSpPr/>
+          <p:nvPr/>
+        </p:nvSpPr>
+        <p:spPr>
+          <a:xfrm>
+            <a:off x="3846877" y="4160936"/>
+            <a:ext cx="177055" cy="243141"/>
+          </a:xfrm>
+          <a:prstGeom prst="rect">
+            <a:avLst/>
+          </a:prstGeom>
+          <a:solidFill>
+            <a:schemeClr val="tx1">
+              <a:lumMod val="50000"/>
+              <a:lumOff val="50000"/>
+            </a:schemeClr>
+          </a:solidFill>
+          <a:ln w="12700">
+            <a:solidFill>
+              <a:schemeClr val="tx1"/>
+            </a:solidFill>
+          </a:ln>
+        </p:spPr>
+        <p:style>
+          <a:lnRef idx="2">
+            <a:schemeClr val="accent1">
+              <a:shade val="50000"/>
+            </a:schemeClr>
+          </a:lnRef>
+          <a:fillRef idx="1">
+            <a:schemeClr val="accent1"/>
+          </a:fillRef>
+          <a:effectRef idx="0">
+            <a:schemeClr val="accent1"/>
+          </a:effectRef>
+          <a:fontRef idx="minor">
+            <a:schemeClr val="lt1"/>
+          </a:fontRef>
+        </p:style>
+        <p:txBody>
+          <a:bodyPr rtlCol="0" anchor="ctr"/>
+          <a:lstStyle/>
+          <a:p>
+            <a:pPr algn="ctr"/>
+            <a:endParaRPr lang="en-US" sz="2000">
+              <a:latin typeface="Arial" panose="020B0604020202020204" pitchFamily="34" charset="0"/>
+              <a:cs typeface="Arial" panose="020B0604020202020204" pitchFamily="34" charset="0"/>
+            </a:endParaRPr>
+          </a:p>
+        </p:txBody>
+      </p:sp>
+      <p:sp>
+        <p:nvSpPr>
+          <p:cNvPr id="34" name="Arc 136">
+            <a:extLst>
+              <a:ext uri="{FF2B5EF4-FFF2-40B4-BE49-F238E27FC236}">
+                <a16:creationId xmlns:a16="http://schemas.microsoft.com/office/drawing/2014/main" id="{1BC0B94B-F368-304C-A76B-E7840295E684}"/>
+              </a:ext>
+            </a:extLst>
+          </p:cNvPr>
+          <p:cNvSpPr/>
+          <p:nvPr/>
+        </p:nvSpPr>
+        <p:spPr>
+          <a:xfrm rot="10800000">
+            <a:off x="5330837" y="3464245"/>
+            <a:ext cx="441391" cy="223975"/>
+          </a:xfrm>
+          <a:custGeom>
+            <a:avLst/>
+            <a:gdLst>
+              <a:gd name="connsiteX0" fmla="*/ 34103 w 925351"/>
+              <a:gd name="connsiteY0" fmla="*/ 139586 h 447973"/>
+              <a:gd name="connsiteX1" fmla="*/ 467543 w 925351"/>
+              <a:gd name="connsiteY1" fmla="*/ 12 h 447973"/>
+              <a:gd name="connsiteX2" fmla="*/ 904067 w 925351"/>
+              <a:gd name="connsiteY2" fmla="*/ 156831 h 447973"/>
+              <a:gd name="connsiteX3" fmla="*/ 462676 w 925351"/>
+              <a:gd name="connsiteY3" fmla="*/ 223987 h 447973"/>
+              <a:gd name="connsiteX4" fmla="*/ 34103 w 925351"/>
+              <a:gd name="connsiteY4" fmla="*/ 139586 h 447973"/>
+              <a:gd name="connsiteX0" fmla="*/ 34103 w 925351"/>
+              <a:gd name="connsiteY0" fmla="*/ 139586 h 447973"/>
+              <a:gd name="connsiteX1" fmla="*/ 467543 w 925351"/>
+              <a:gd name="connsiteY1" fmla="*/ 12 h 447973"/>
+              <a:gd name="connsiteX2" fmla="*/ 904067 w 925351"/>
+              <a:gd name="connsiteY2" fmla="*/ 156831 h 447973"/>
+              <a:gd name="connsiteX0" fmla="*/ 0 w 869964"/>
+              <a:gd name="connsiteY0" fmla="*/ 139586 h 223987"/>
+              <a:gd name="connsiteX1" fmla="*/ 433440 w 869964"/>
+              <a:gd name="connsiteY1" fmla="*/ 12 h 223987"/>
+              <a:gd name="connsiteX2" fmla="*/ 869964 w 869964"/>
+              <a:gd name="connsiteY2" fmla="*/ 156831 h 223987"/>
+              <a:gd name="connsiteX3" fmla="*/ 428573 w 869964"/>
+              <a:gd name="connsiteY3" fmla="*/ 223987 h 223987"/>
+              <a:gd name="connsiteX4" fmla="*/ 0 w 869964"/>
+              <a:gd name="connsiteY4" fmla="*/ 139586 h 223987"/>
+              <a:gd name="connsiteX0" fmla="*/ 433440 w 869964"/>
+              <a:gd name="connsiteY0" fmla="*/ 12 h 223987"/>
+              <a:gd name="connsiteX1" fmla="*/ 869964 w 869964"/>
+              <a:gd name="connsiteY1" fmla="*/ 156831 h 223987"/>
+              <a:gd name="connsiteX0" fmla="*/ 0 w 441391"/>
+              <a:gd name="connsiteY0" fmla="*/ 223975 h 223975"/>
+              <a:gd name="connsiteX1" fmla="*/ 4867 w 441391"/>
+              <a:gd name="connsiteY1" fmla="*/ 0 h 223975"/>
+              <a:gd name="connsiteX2" fmla="*/ 441391 w 441391"/>
+              <a:gd name="connsiteY2" fmla="*/ 156819 h 223975"/>
+              <a:gd name="connsiteX3" fmla="*/ 0 w 441391"/>
+              <a:gd name="connsiteY3" fmla="*/ 223975 h 223975"/>
+              <a:gd name="connsiteX0" fmla="*/ 4867 w 441391"/>
+              <a:gd name="connsiteY0" fmla="*/ 0 h 223975"/>
+              <a:gd name="connsiteX1" fmla="*/ 441391 w 441391"/>
+              <a:gd name="connsiteY1" fmla="*/ 156819 h 223975"/>
+            </a:gdLst>
+            <a:ahLst/>
+            <a:cxnLst>
+              <a:cxn ang="0">
+                <a:pos x="connsiteX0" y="connsiteY0"/>
+              </a:cxn>
+              <a:cxn ang="0">
+                <a:pos x="connsiteX1" y="connsiteY1"/>
+              </a:cxn>
+            </a:cxnLst>
+            <a:rect l="l" t="t" r="r" b="b"/>
+            <a:pathLst>
+              <a:path w="441391" h="223975" stroke="0" extrusionOk="0">
+                <a:moveTo>
+                  <a:pt x="0" y="223975"/>
+                </a:moveTo>
+                <a:lnTo>
+                  <a:pt x="4867" y="0"/>
+                </a:lnTo>
+                <a:cubicBezTo>
+                  <a:pt x="205152" y="1020"/>
+                  <a:pt x="381338" y="64314"/>
+                  <a:pt x="441391" y="156819"/>
+                </a:cubicBezTo>
+                <a:lnTo>
+                  <a:pt x="0" y="223975"/>
+                </a:lnTo>
+                <a:close/>
+              </a:path>
+              <a:path w="441391" h="223975" fill="none">
+                <a:moveTo>
+                  <a:pt x="4867" y="0"/>
+                </a:moveTo>
+                <a:cubicBezTo>
+                  <a:pt x="205152" y="1020"/>
+                  <a:pt x="381338" y="64314"/>
+                  <a:pt x="441391" y="156819"/>
+                </a:cubicBezTo>
+              </a:path>
+            </a:pathLst>
+          </a:custGeom>
+          <a:ln w="12700">
+            <a:solidFill>
+              <a:schemeClr val="tx1"/>
+            </a:solidFill>
+            <a:headEnd type="none"/>
+          </a:ln>
+        </p:spPr>
+        <p:style>
+          <a:lnRef idx="1">
+            <a:schemeClr val="accent1"/>
+          </a:lnRef>
+          <a:fillRef idx="0">
+            <a:schemeClr val="accent1"/>
+          </a:fillRef>
+          <a:effectRef idx="0">
+            <a:schemeClr val="accent1"/>
+          </a:effectRef>
+          <a:fontRef idx="minor">
+            <a:schemeClr val="tx1"/>
+          </a:fontRef>
+        </p:style>
+        <p:txBody>
+          <a:bodyPr rtlCol="0" anchor="ctr"/>
+          <a:lstStyle/>
+          <a:p>
+            <a:pPr algn="ctr"/>
+            <a:endParaRPr lang="en-US" sz="2000">
+              <a:latin typeface="Arial" panose="020B0604020202020204" pitchFamily="34" charset="0"/>
+              <a:cs typeface="Arial" panose="020B0604020202020204" pitchFamily="34" charset="0"/>
+            </a:endParaRPr>
+          </a:p>
+        </p:txBody>
+      </p:sp>
+      <p:grpSp>
+        <p:nvGrpSpPr>
+          <p:cNvPr id="35" name="群組 413">
+            <a:extLst>
+              <a:ext uri="{FF2B5EF4-FFF2-40B4-BE49-F238E27FC236}">
+                <a16:creationId xmlns:a16="http://schemas.microsoft.com/office/drawing/2014/main" id="{A51F1696-F9E6-1A4F-A919-C1B21D83A2A0}"/>
+              </a:ext>
+            </a:extLst>
+          </p:cNvPr>
+          <p:cNvGrpSpPr/>
+          <p:nvPr/>
+        </p:nvGrpSpPr>
+        <p:grpSpPr>
+          <a:xfrm>
+            <a:off x="5728603" y="3135750"/>
+            <a:ext cx="107448" cy="605664"/>
+            <a:chOff x="917477" y="1881286"/>
+            <a:chExt cx="107448" cy="364769"/>
+          </a:xfrm>
+        </p:grpSpPr>
+        <p:sp>
+          <p:nvSpPr>
+            <p:cNvPr id="36" name="手繪多邊形 414">
+              <a:extLst>
+                <a:ext uri="{FF2B5EF4-FFF2-40B4-BE49-F238E27FC236}">
+                  <a16:creationId xmlns:a16="http://schemas.microsoft.com/office/drawing/2014/main" id="{DD450E39-8ED5-A149-A3A3-07F8FD5FCCD4}"/>
+                </a:ext>
+              </a:extLst>
+            </p:cNvPr>
+            <p:cNvSpPr/>
+            <p:nvPr/>
+          </p:nvSpPr>
+          <p:spPr>
+            <a:xfrm rot="580019">
+              <a:off x="919119" y="1881286"/>
+              <a:ext cx="103201" cy="364769"/>
+            </a:xfrm>
+            <a:custGeom>
+              <a:avLst/>
+              <a:gdLst>
+                <a:gd name="connsiteX0" fmla="*/ 15559 w 103201"/>
+                <a:gd name="connsiteY0" fmla="*/ 0 h 242500"/>
+                <a:gd name="connsiteX1" fmla="*/ 73619 w 103201"/>
+                <a:gd name="connsiteY1" fmla="*/ 0 h 242500"/>
+                <a:gd name="connsiteX2" fmla="*/ 67199 w 103201"/>
+                <a:gd name="connsiteY2" fmla="*/ 7044 h 242500"/>
+                <a:gd name="connsiteX3" fmla="*/ 52708 w 103201"/>
+                <a:gd name="connsiteY3" fmla="*/ 57706 h 242500"/>
+                <a:gd name="connsiteX4" fmla="*/ 103192 w 103201"/>
+                <a:gd name="connsiteY4" fmla="*/ 184699 h 242500"/>
+                <a:gd name="connsiteX5" fmla="*/ 95842 w 103201"/>
+                <a:gd name="connsiteY5" fmla="*/ 233263 h 242500"/>
+                <a:gd name="connsiteX6" fmla="*/ 92410 w 103201"/>
+                <a:gd name="connsiteY6" fmla="*/ 242500 h 242500"/>
+                <a:gd name="connsiteX7" fmla="*/ 31568 w 103201"/>
+                <a:gd name="connsiteY7" fmla="*/ 242500 h 242500"/>
+                <a:gd name="connsiteX8" fmla="*/ 37381 w 103201"/>
+                <a:gd name="connsiteY8" fmla="*/ 230384 h 242500"/>
+                <a:gd name="connsiteX9" fmla="*/ 47310 w 103201"/>
+                <a:gd name="connsiteY9" fmla="*/ 179929 h 242500"/>
+                <a:gd name="connsiteX10" fmla="*/ 0 w 103201"/>
+                <a:gd name="connsiteY10" fmla="*/ 56099 h 242500"/>
+                <a:gd name="connsiteX11" fmla="*/ 10217 w 103201"/>
+                <a:gd name="connsiteY11" fmla="*/ 9511 h 242500"/>
+              </a:gdLst>
+              <a:ahLst/>
+              <a:cxnLst>
+                <a:cxn ang="0">
+                  <a:pos x="connsiteX0" y="connsiteY0"/>
+                </a:cxn>
+                <a:cxn ang="0">
+                  <a:pos x="connsiteX1" y="connsiteY1"/>
+                </a:cxn>
+                <a:cxn ang="0">
+                  <a:pos x="connsiteX2" y="connsiteY2"/>
+                </a:cxn>
+                <a:cxn ang="0">
+                  <a:pos x="connsiteX3" y="connsiteY3"/>
+                </a:cxn>
+                <a:cxn ang="0">
+                  <a:pos x="connsiteX4" y="connsiteY4"/>
+                </a:cxn>
+                <a:cxn ang="0">
+                  <a:pos x="connsiteX5" y="connsiteY5"/>
+                </a:cxn>
+                <a:cxn ang="0">
+                  <a:pos x="connsiteX6" y="connsiteY6"/>
+                </a:cxn>
+                <a:cxn ang="0">
+                  <a:pos x="connsiteX7" y="connsiteY7"/>
+                </a:cxn>
+                <a:cxn ang="0">
+                  <a:pos x="connsiteX8" y="connsiteY8"/>
+                </a:cxn>
+                <a:cxn ang="0">
+                  <a:pos x="connsiteX9" y="connsiteY9"/>
+                </a:cxn>
+                <a:cxn ang="0">
+                  <a:pos x="connsiteX10" y="connsiteY10"/>
+                </a:cxn>
+                <a:cxn ang="0">
+                  <a:pos x="connsiteX11" y="connsiteY11"/>
+                </a:cxn>
+              </a:cxnLst>
+              <a:rect l="l" t="t" r="r" b="b"/>
+              <a:pathLst>
+                <a:path w="103201" h="242500">
+                  <a:moveTo>
+                    <a:pt x="15559" y="0"/>
+                  </a:moveTo>
+                  <a:lnTo>
+                    <a:pt x="73619" y="0"/>
+                  </a:lnTo>
+                  <a:lnTo>
+                    <a:pt x="67199" y="7044"/>
+                  </a:lnTo>
+                  <a:cubicBezTo>
+                    <a:pt x="59279" y="18276"/>
+                    <a:pt x="52058" y="35149"/>
+                    <a:pt x="52708" y="57706"/>
+                  </a:cubicBezTo>
+                  <a:cubicBezTo>
+                    <a:pt x="54007" y="102822"/>
+                    <a:pt x="104009" y="147252"/>
+                    <a:pt x="103192" y="184699"/>
+                  </a:cubicBezTo>
+                  <a:cubicBezTo>
+                    <a:pt x="102783" y="203422"/>
+                    <a:pt x="99530" y="220683"/>
+                    <a:pt x="95842" y="233263"/>
+                  </a:cubicBezTo>
+                  <a:lnTo>
+                    <a:pt x="92410" y="242500"/>
+                  </a:lnTo>
+                  <a:lnTo>
+                    <a:pt x="31568" y="242500"/>
+                  </a:lnTo>
+                  <a:lnTo>
+                    <a:pt x="37381" y="230384"/>
+                  </a:lnTo>
+                  <a:cubicBezTo>
+                    <a:pt x="42854" y="216447"/>
+                    <a:pt x="47695" y="197994"/>
+                    <a:pt x="47310" y="179929"/>
+                  </a:cubicBezTo>
+                  <a:cubicBezTo>
+                    <a:pt x="46539" y="143800"/>
+                    <a:pt x="4208" y="103322"/>
+                    <a:pt x="0" y="56099"/>
+                  </a:cubicBezTo>
+                  <a:cubicBezTo>
+                    <a:pt x="0" y="37902"/>
+                    <a:pt x="4840" y="21432"/>
+                    <a:pt x="10217" y="9511"/>
+                  </a:cubicBezTo>
+                  <a:close/>
+                </a:path>
+              </a:pathLst>
+            </a:custGeom>
+            <a:solidFill>
+              <a:schemeClr val="bg1"/>
+            </a:solidFill>
+            <a:ln>
+              <a:noFill/>
+            </a:ln>
+          </p:spPr>
+          <p:style>
+            <a:lnRef idx="2">
+              <a:schemeClr val="accent1">
+                <a:shade val="50000"/>
+              </a:schemeClr>
+            </a:lnRef>
+            <a:fillRef idx="1">
+              <a:schemeClr val="accent1"/>
+            </a:fillRef>
+            <a:effectRef idx="0">
+              <a:schemeClr val="accent1"/>
+            </a:effectRef>
+            <a:fontRef idx="minor">
+              <a:schemeClr val="lt1"/>
+            </a:fontRef>
+          </p:style>
+          <p:txBody>
+            <a:bodyPr rtlCol="0" anchor="ctr"/>
+            <a:lstStyle/>
+            <a:p>
+              <a:pPr algn="ctr"/>
+              <a:endParaRPr lang="en-US" sz="2000">
+                <a:latin typeface="Arial" panose="020B0604020202020204" pitchFamily="34" charset="0"/>
+                <a:cs typeface="Arial" panose="020B0604020202020204" pitchFamily="34" charset="0"/>
+              </a:endParaRPr>
+            </a:p>
+          </p:txBody>
+        </p:sp>
+        <p:sp>
+          <p:nvSpPr>
+            <p:cNvPr id="37" name="手繪多邊形 415">
+              <a:extLst>
+                <a:ext uri="{FF2B5EF4-FFF2-40B4-BE49-F238E27FC236}">
+                  <a16:creationId xmlns:a16="http://schemas.microsoft.com/office/drawing/2014/main" id="{024BC046-4545-0B44-A26E-3B7A50FCC23A}"/>
+                </a:ext>
+              </a:extLst>
+            </p:cNvPr>
+            <p:cNvSpPr/>
+            <p:nvPr/>
+          </p:nvSpPr>
+          <p:spPr>
+            <a:xfrm rot="580019">
+              <a:off x="917477" y="1888439"/>
+              <a:ext cx="47331" cy="350462"/>
+            </a:xfrm>
+            <a:custGeom>
+              <a:avLst/>
+              <a:gdLst>
+                <a:gd name="connsiteX0" fmla="*/ 15559 w 103201"/>
+                <a:gd name="connsiteY0" fmla="*/ 0 h 242500"/>
+                <a:gd name="connsiteX1" fmla="*/ 73619 w 103201"/>
+                <a:gd name="connsiteY1" fmla="*/ 0 h 242500"/>
+                <a:gd name="connsiteX2" fmla="*/ 67199 w 103201"/>
+                <a:gd name="connsiteY2" fmla="*/ 7044 h 242500"/>
+                <a:gd name="connsiteX3" fmla="*/ 52708 w 103201"/>
+                <a:gd name="connsiteY3" fmla="*/ 57706 h 242500"/>
+                <a:gd name="connsiteX4" fmla="*/ 103192 w 103201"/>
+                <a:gd name="connsiteY4" fmla="*/ 184699 h 242500"/>
+                <a:gd name="connsiteX5" fmla="*/ 95842 w 103201"/>
+                <a:gd name="connsiteY5" fmla="*/ 233263 h 242500"/>
+                <a:gd name="connsiteX6" fmla="*/ 92410 w 103201"/>
+                <a:gd name="connsiteY6" fmla="*/ 242500 h 242500"/>
+                <a:gd name="connsiteX7" fmla="*/ 31568 w 103201"/>
+                <a:gd name="connsiteY7" fmla="*/ 242500 h 242500"/>
+                <a:gd name="connsiteX8" fmla="*/ 37381 w 103201"/>
+                <a:gd name="connsiteY8" fmla="*/ 230384 h 242500"/>
+                <a:gd name="connsiteX9" fmla="*/ 47310 w 103201"/>
+                <a:gd name="connsiteY9" fmla="*/ 179929 h 242500"/>
+                <a:gd name="connsiteX10" fmla="*/ 0 w 103201"/>
+                <a:gd name="connsiteY10" fmla="*/ 56099 h 242500"/>
+                <a:gd name="connsiteX11" fmla="*/ 10217 w 103201"/>
+                <a:gd name="connsiteY11" fmla="*/ 9511 h 242500"/>
+                <a:gd name="connsiteX0" fmla="*/ 73619 w 106999"/>
+                <a:gd name="connsiteY0" fmla="*/ 0 h 242500"/>
+                <a:gd name="connsiteX1" fmla="*/ 67199 w 106999"/>
+                <a:gd name="connsiteY1" fmla="*/ 7044 h 242500"/>
+                <a:gd name="connsiteX2" fmla="*/ 52708 w 106999"/>
+                <a:gd name="connsiteY2" fmla="*/ 57706 h 242500"/>
+                <a:gd name="connsiteX3" fmla="*/ 103192 w 106999"/>
+                <a:gd name="connsiteY3" fmla="*/ 184699 h 242500"/>
+                <a:gd name="connsiteX4" fmla="*/ 95842 w 106999"/>
+                <a:gd name="connsiteY4" fmla="*/ 233263 h 242500"/>
+                <a:gd name="connsiteX5" fmla="*/ 92410 w 106999"/>
+                <a:gd name="connsiteY5" fmla="*/ 242500 h 242500"/>
+                <a:gd name="connsiteX6" fmla="*/ 31568 w 106999"/>
+                <a:gd name="connsiteY6" fmla="*/ 242500 h 242500"/>
+                <a:gd name="connsiteX7" fmla="*/ 37381 w 106999"/>
+                <a:gd name="connsiteY7" fmla="*/ 230384 h 242500"/>
+                <a:gd name="connsiteX8" fmla="*/ 47310 w 106999"/>
+                <a:gd name="connsiteY8" fmla="*/ 179929 h 242500"/>
+                <a:gd name="connsiteX9" fmla="*/ 0 w 106999"/>
+                <a:gd name="connsiteY9" fmla="*/ 56099 h 242500"/>
+                <a:gd name="connsiteX10" fmla="*/ 10217 w 106999"/>
+                <a:gd name="connsiteY10" fmla="*/ 9511 h 242500"/>
+                <a:gd name="connsiteX11" fmla="*/ 106999 w 106999"/>
+                <a:gd name="connsiteY11" fmla="*/ 60790 h 242500"/>
+                <a:gd name="connsiteX0" fmla="*/ 73619 w 106999"/>
+                <a:gd name="connsiteY0" fmla="*/ 0 h 242500"/>
+                <a:gd name="connsiteX1" fmla="*/ 67199 w 106999"/>
+                <a:gd name="connsiteY1" fmla="*/ 7044 h 242500"/>
+                <a:gd name="connsiteX2" fmla="*/ 52708 w 106999"/>
+                <a:gd name="connsiteY2" fmla="*/ 57706 h 242500"/>
+                <a:gd name="connsiteX3" fmla="*/ 103192 w 106999"/>
+                <a:gd name="connsiteY3" fmla="*/ 184699 h 242500"/>
+                <a:gd name="connsiteX4" fmla="*/ 95842 w 106999"/>
+                <a:gd name="connsiteY4" fmla="*/ 233263 h 242500"/>
+                <a:gd name="connsiteX5" fmla="*/ 92410 w 106999"/>
+                <a:gd name="connsiteY5" fmla="*/ 242500 h 242500"/>
+                <a:gd name="connsiteX6" fmla="*/ 31568 w 106999"/>
+                <a:gd name="connsiteY6" fmla="*/ 242500 h 242500"/>
+                <a:gd name="connsiteX7" fmla="*/ 37381 w 106999"/>
+                <a:gd name="connsiteY7" fmla="*/ 230384 h 242500"/>
+                <a:gd name="connsiteX8" fmla="*/ 47310 w 106999"/>
+                <a:gd name="connsiteY8" fmla="*/ 179929 h 242500"/>
+                <a:gd name="connsiteX9" fmla="*/ 0 w 106999"/>
+                <a:gd name="connsiteY9" fmla="*/ 56099 h 242500"/>
+                <a:gd name="connsiteX10" fmla="*/ 10217 w 106999"/>
+                <a:gd name="connsiteY10" fmla="*/ 9511 h 242500"/>
+                <a:gd name="connsiteX11" fmla="*/ 106999 w 106999"/>
+                <a:gd name="connsiteY11" fmla="*/ 60790 h 242500"/>
+                <a:gd name="connsiteX12" fmla="*/ 73619 w 106999"/>
+                <a:gd name="connsiteY12" fmla="*/ 0 h 242500"/>
+                <a:gd name="connsiteX0" fmla="*/ 73619 w 198439"/>
+                <a:gd name="connsiteY0" fmla="*/ 0 h 242500"/>
+                <a:gd name="connsiteX1" fmla="*/ 67199 w 198439"/>
+                <a:gd name="connsiteY1" fmla="*/ 7044 h 242500"/>
+                <a:gd name="connsiteX2" fmla="*/ 52708 w 198439"/>
+                <a:gd name="connsiteY2" fmla="*/ 57706 h 242500"/>
+                <a:gd name="connsiteX3" fmla="*/ 103192 w 198439"/>
+                <a:gd name="connsiteY3" fmla="*/ 184699 h 242500"/>
+                <a:gd name="connsiteX4" fmla="*/ 95842 w 198439"/>
+                <a:gd name="connsiteY4" fmla="*/ 233263 h 242500"/>
+                <a:gd name="connsiteX5" fmla="*/ 92410 w 198439"/>
+                <a:gd name="connsiteY5" fmla="*/ 242500 h 242500"/>
+                <a:gd name="connsiteX6" fmla="*/ 31568 w 198439"/>
+                <a:gd name="connsiteY6" fmla="*/ 242500 h 242500"/>
+                <a:gd name="connsiteX7" fmla="*/ 37381 w 198439"/>
+                <a:gd name="connsiteY7" fmla="*/ 230384 h 242500"/>
+                <a:gd name="connsiteX8" fmla="*/ 47310 w 198439"/>
+                <a:gd name="connsiteY8" fmla="*/ 179929 h 242500"/>
+                <a:gd name="connsiteX9" fmla="*/ 0 w 198439"/>
+                <a:gd name="connsiteY9" fmla="*/ 56099 h 242500"/>
+                <a:gd name="connsiteX10" fmla="*/ 10217 w 198439"/>
+                <a:gd name="connsiteY10" fmla="*/ 9511 h 242500"/>
+                <a:gd name="connsiteX11" fmla="*/ 198439 w 198439"/>
+                <a:gd name="connsiteY11" fmla="*/ 121580 h 242500"/>
+                <a:gd name="connsiteX0" fmla="*/ 73619 w 198439"/>
+                <a:gd name="connsiteY0" fmla="*/ 0 h 242500"/>
+                <a:gd name="connsiteX1" fmla="*/ 67199 w 198439"/>
+                <a:gd name="connsiteY1" fmla="*/ 7044 h 242500"/>
+                <a:gd name="connsiteX2" fmla="*/ 52708 w 198439"/>
+                <a:gd name="connsiteY2" fmla="*/ 57706 h 242500"/>
+                <a:gd name="connsiteX3" fmla="*/ 103192 w 198439"/>
+                <a:gd name="connsiteY3" fmla="*/ 184699 h 242500"/>
+                <a:gd name="connsiteX4" fmla="*/ 95842 w 198439"/>
+                <a:gd name="connsiteY4" fmla="*/ 233263 h 242500"/>
+                <a:gd name="connsiteX5" fmla="*/ 92410 w 198439"/>
+                <a:gd name="connsiteY5" fmla="*/ 242500 h 242500"/>
+                <a:gd name="connsiteX6" fmla="*/ 31568 w 198439"/>
+                <a:gd name="connsiteY6" fmla="*/ 242500 h 242500"/>
+                <a:gd name="connsiteX7" fmla="*/ 37381 w 198439"/>
+                <a:gd name="connsiteY7" fmla="*/ 230384 h 242500"/>
+                <a:gd name="connsiteX8" fmla="*/ 47310 w 198439"/>
+                <a:gd name="connsiteY8" fmla="*/ 179929 h 242500"/>
+                <a:gd name="connsiteX9" fmla="*/ 0 w 198439"/>
+                <a:gd name="connsiteY9" fmla="*/ 56099 h 242500"/>
+                <a:gd name="connsiteX10" fmla="*/ 10217 w 198439"/>
+                <a:gd name="connsiteY10" fmla="*/ 9511 h 242500"/>
+                <a:gd name="connsiteX11" fmla="*/ 198439 w 198439"/>
+                <a:gd name="connsiteY11" fmla="*/ 121580 h 242500"/>
+                <a:gd name="connsiteX12" fmla="*/ 73619 w 198439"/>
+                <a:gd name="connsiteY12" fmla="*/ 0 h 242500"/>
+                <a:gd name="connsiteX0" fmla="*/ 73619 w 198439"/>
+                <a:gd name="connsiteY0" fmla="*/ 0 h 242500"/>
+                <a:gd name="connsiteX1" fmla="*/ 52708 w 198439"/>
+                <a:gd name="connsiteY1" fmla="*/ 57706 h 242500"/>
+                <a:gd name="connsiteX2" fmla="*/ 103192 w 198439"/>
+                <a:gd name="connsiteY2" fmla="*/ 184699 h 242500"/>
+                <a:gd name="connsiteX3" fmla="*/ 95842 w 198439"/>
+                <a:gd name="connsiteY3" fmla="*/ 233263 h 242500"/>
+                <a:gd name="connsiteX4" fmla="*/ 92410 w 198439"/>
+                <a:gd name="connsiteY4" fmla="*/ 242500 h 242500"/>
+                <a:gd name="connsiteX5" fmla="*/ 31568 w 198439"/>
+                <a:gd name="connsiteY5" fmla="*/ 242500 h 242500"/>
+                <a:gd name="connsiteX6" fmla="*/ 37381 w 198439"/>
+                <a:gd name="connsiteY6" fmla="*/ 230384 h 242500"/>
+                <a:gd name="connsiteX7" fmla="*/ 47310 w 198439"/>
+                <a:gd name="connsiteY7" fmla="*/ 179929 h 242500"/>
+                <a:gd name="connsiteX8" fmla="*/ 0 w 198439"/>
+                <a:gd name="connsiteY8" fmla="*/ 56099 h 242500"/>
+                <a:gd name="connsiteX9" fmla="*/ 10217 w 198439"/>
+                <a:gd name="connsiteY9" fmla="*/ 9511 h 242500"/>
+                <a:gd name="connsiteX10" fmla="*/ 198439 w 198439"/>
+                <a:gd name="connsiteY10" fmla="*/ 121580 h 242500"/>
+                <a:gd name="connsiteX11" fmla="*/ 73619 w 198439"/>
+                <a:gd name="connsiteY11" fmla="*/ 0 h 242500"/>
+                <a:gd name="connsiteX0" fmla="*/ 198439 w 198439"/>
+                <a:gd name="connsiteY0" fmla="*/ 112201 h 233121"/>
+                <a:gd name="connsiteX1" fmla="*/ 52708 w 198439"/>
+                <a:gd name="connsiteY1" fmla="*/ 48327 h 233121"/>
+                <a:gd name="connsiteX2" fmla="*/ 103192 w 198439"/>
+                <a:gd name="connsiteY2" fmla="*/ 175320 h 233121"/>
+                <a:gd name="connsiteX3" fmla="*/ 95842 w 198439"/>
+                <a:gd name="connsiteY3" fmla="*/ 223884 h 233121"/>
+                <a:gd name="connsiteX4" fmla="*/ 92410 w 198439"/>
+                <a:gd name="connsiteY4" fmla="*/ 233121 h 233121"/>
+                <a:gd name="connsiteX5" fmla="*/ 31568 w 198439"/>
+                <a:gd name="connsiteY5" fmla="*/ 233121 h 233121"/>
+                <a:gd name="connsiteX6" fmla="*/ 37381 w 198439"/>
+                <a:gd name="connsiteY6" fmla="*/ 221005 h 233121"/>
+                <a:gd name="connsiteX7" fmla="*/ 47310 w 198439"/>
+                <a:gd name="connsiteY7" fmla="*/ 170550 h 233121"/>
+                <a:gd name="connsiteX8" fmla="*/ 0 w 198439"/>
+                <a:gd name="connsiteY8" fmla="*/ 46720 h 233121"/>
+                <a:gd name="connsiteX9" fmla="*/ 10217 w 198439"/>
+                <a:gd name="connsiteY9" fmla="*/ 132 h 233121"/>
+                <a:gd name="connsiteX10" fmla="*/ 198439 w 198439"/>
+                <a:gd name="connsiteY10" fmla="*/ 112201 h 233121"/>
+                <a:gd name="connsiteX0" fmla="*/ 198439 w 198439"/>
+                <a:gd name="connsiteY0" fmla="*/ 112201 h 233121"/>
+                <a:gd name="connsiteX1" fmla="*/ 103192 w 198439"/>
+                <a:gd name="connsiteY1" fmla="*/ 175320 h 233121"/>
+                <a:gd name="connsiteX2" fmla="*/ 95842 w 198439"/>
+                <a:gd name="connsiteY2" fmla="*/ 223884 h 233121"/>
+                <a:gd name="connsiteX3" fmla="*/ 92410 w 198439"/>
+                <a:gd name="connsiteY3" fmla="*/ 233121 h 233121"/>
+                <a:gd name="connsiteX4" fmla="*/ 31568 w 198439"/>
+                <a:gd name="connsiteY4" fmla="*/ 233121 h 233121"/>
+                <a:gd name="connsiteX5" fmla="*/ 37381 w 198439"/>
+                <a:gd name="connsiteY5" fmla="*/ 221005 h 233121"/>
+                <a:gd name="connsiteX6" fmla="*/ 47310 w 198439"/>
+                <a:gd name="connsiteY6" fmla="*/ 170550 h 233121"/>
+                <a:gd name="connsiteX7" fmla="*/ 0 w 198439"/>
+                <a:gd name="connsiteY7" fmla="*/ 46720 h 233121"/>
+                <a:gd name="connsiteX8" fmla="*/ 10217 w 198439"/>
+                <a:gd name="connsiteY8" fmla="*/ 132 h 233121"/>
+                <a:gd name="connsiteX9" fmla="*/ 198439 w 198439"/>
+                <a:gd name="connsiteY9" fmla="*/ 112201 h 233121"/>
+                <a:gd name="connsiteX0" fmla="*/ 198439 w 198439"/>
+                <a:gd name="connsiteY0" fmla="*/ 112201 h 233121"/>
+                <a:gd name="connsiteX1" fmla="*/ 95842 w 198439"/>
+                <a:gd name="connsiteY1" fmla="*/ 223884 h 233121"/>
+                <a:gd name="connsiteX2" fmla="*/ 92410 w 198439"/>
+                <a:gd name="connsiteY2" fmla="*/ 233121 h 233121"/>
+                <a:gd name="connsiteX3" fmla="*/ 31568 w 198439"/>
+                <a:gd name="connsiteY3" fmla="*/ 233121 h 233121"/>
+                <a:gd name="connsiteX4" fmla="*/ 37381 w 198439"/>
+                <a:gd name="connsiteY4" fmla="*/ 221005 h 233121"/>
+                <a:gd name="connsiteX5" fmla="*/ 47310 w 198439"/>
+                <a:gd name="connsiteY5" fmla="*/ 170550 h 233121"/>
+                <a:gd name="connsiteX6" fmla="*/ 0 w 198439"/>
+                <a:gd name="connsiteY6" fmla="*/ 46720 h 233121"/>
+                <a:gd name="connsiteX7" fmla="*/ 10217 w 198439"/>
+                <a:gd name="connsiteY7" fmla="*/ 132 h 233121"/>
+                <a:gd name="connsiteX8" fmla="*/ 198439 w 198439"/>
+                <a:gd name="connsiteY8" fmla="*/ 112201 h 233121"/>
+                <a:gd name="connsiteX0" fmla="*/ 31568 w 198439"/>
+                <a:gd name="connsiteY0" fmla="*/ 233121 h 293911"/>
+                <a:gd name="connsiteX1" fmla="*/ 37381 w 198439"/>
+                <a:gd name="connsiteY1" fmla="*/ 221005 h 293911"/>
+                <a:gd name="connsiteX2" fmla="*/ 47310 w 198439"/>
+                <a:gd name="connsiteY2" fmla="*/ 170550 h 293911"/>
+                <a:gd name="connsiteX3" fmla="*/ 0 w 198439"/>
+                <a:gd name="connsiteY3" fmla="*/ 46720 h 293911"/>
+                <a:gd name="connsiteX4" fmla="*/ 10217 w 198439"/>
+                <a:gd name="connsiteY4" fmla="*/ 132 h 293911"/>
+                <a:gd name="connsiteX5" fmla="*/ 198439 w 198439"/>
+                <a:gd name="connsiteY5" fmla="*/ 112201 h 293911"/>
+                <a:gd name="connsiteX6" fmla="*/ 95842 w 198439"/>
+                <a:gd name="connsiteY6" fmla="*/ 223884 h 293911"/>
+                <a:gd name="connsiteX7" fmla="*/ 183850 w 198439"/>
+                <a:gd name="connsiteY7" fmla="*/ 293911 h 293911"/>
+                <a:gd name="connsiteX0" fmla="*/ 31568 w 201775"/>
+                <a:gd name="connsiteY0" fmla="*/ 232989 h 293779"/>
+                <a:gd name="connsiteX1" fmla="*/ 37381 w 201775"/>
+                <a:gd name="connsiteY1" fmla="*/ 220873 h 293779"/>
+                <a:gd name="connsiteX2" fmla="*/ 47310 w 201775"/>
+                <a:gd name="connsiteY2" fmla="*/ 170418 h 293779"/>
+                <a:gd name="connsiteX3" fmla="*/ 0 w 201775"/>
+                <a:gd name="connsiteY3" fmla="*/ 46588 h 293779"/>
+                <a:gd name="connsiteX4" fmla="*/ 10217 w 201775"/>
+                <a:gd name="connsiteY4" fmla="*/ 0 h 293779"/>
+                <a:gd name="connsiteX5" fmla="*/ 161264 w 201775"/>
+                <a:gd name="connsiteY5" fmla="*/ 85778 h 293779"/>
+                <a:gd name="connsiteX6" fmla="*/ 198439 w 201775"/>
+                <a:gd name="connsiteY6" fmla="*/ 112069 h 293779"/>
+                <a:gd name="connsiteX7" fmla="*/ 95842 w 201775"/>
+                <a:gd name="connsiteY7" fmla="*/ 223752 h 293779"/>
+                <a:gd name="connsiteX8" fmla="*/ 183850 w 201775"/>
+                <a:gd name="connsiteY8" fmla="*/ 293779 h 293779"/>
+                <a:gd name="connsiteX0" fmla="*/ 31568 w 198439"/>
+                <a:gd name="connsiteY0" fmla="*/ 232989 h 293779"/>
+                <a:gd name="connsiteX1" fmla="*/ 37381 w 198439"/>
+                <a:gd name="connsiteY1" fmla="*/ 220873 h 293779"/>
+                <a:gd name="connsiteX2" fmla="*/ 47310 w 198439"/>
+                <a:gd name="connsiteY2" fmla="*/ 170418 h 293779"/>
+                <a:gd name="connsiteX3" fmla="*/ 0 w 198439"/>
+                <a:gd name="connsiteY3" fmla="*/ 46588 h 293779"/>
+                <a:gd name="connsiteX4" fmla="*/ 10217 w 198439"/>
+                <a:gd name="connsiteY4" fmla="*/ 0 h 293779"/>
+                <a:gd name="connsiteX5" fmla="*/ 198439 w 198439"/>
+                <a:gd name="connsiteY5" fmla="*/ 112069 h 293779"/>
+                <a:gd name="connsiteX6" fmla="*/ 95842 w 198439"/>
+                <a:gd name="connsiteY6" fmla="*/ 223752 h 293779"/>
+                <a:gd name="connsiteX7" fmla="*/ 183850 w 198439"/>
+                <a:gd name="connsiteY7" fmla="*/ 293779 h 293779"/>
+                <a:gd name="connsiteX0" fmla="*/ 31568 w 183850"/>
+                <a:gd name="connsiteY0" fmla="*/ 232989 h 293779"/>
+                <a:gd name="connsiteX1" fmla="*/ 37381 w 183850"/>
+                <a:gd name="connsiteY1" fmla="*/ 220873 h 293779"/>
+                <a:gd name="connsiteX2" fmla="*/ 47310 w 183850"/>
+                <a:gd name="connsiteY2" fmla="*/ 170418 h 293779"/>
+                <a:gd name="connsiteX3" fmla="*/ 0 w 183850"/>
+                <a:gd name="connsiteY3" fmla="*/ 46588 h 293779"/>
+                <a:gd name="connsiteX4" fmla="*/ 10217 w 183850"/>
+                <a:gd name="connsiteY4" fmla="*/ 0 h 293779"/>
+                <a:gd name="connsiteX5" fmla="*/ 95842 w 183850"/>
+                <a:gd name="connsiteY5" fmla="*/ 223752 h 293779"/>
+                <a:gd name="connsiteX6" fmla="*/ 183850 w 183850"/>
+                <a:gd name="connsiteY6" fmla="*/ 293779 h 293779"/>
+                <a:gd name="connsiteX0" fmla="*/ 31568 w 183850"/>
+                <a:gd name="connsiteY0" fmla="*/ 232989 h 293779"/>
+                <a:gd name="connsiteX1" fmla="*/ 37381 w 183850"/>
+                <a:gd name="connsiteY1" fmla="*/ 220873 h 293779"/>
+                <a:gd name="connsiteX2" fmla="*/ 47310 w 183850"/>
+                <a:gd name="connsiteY2" fmla="*/ 170418 h 293779"/>
+                <a:gd name="connsiteX3" fmla="*/ 0 w 183850"/>
+                <a:gd name="connsiteY3" fmla="*/ 46588 h 293779"/>
+                <a:gd name="connsiteX4" fmla="*/ 10217 w 183850"/>
+                <a:gd name="connsiteY4" fmla="*/ 0 h 293779"/>
+                <a:gd name="connsiteX5" fmla="*/ 183850 w 183850"/>
+                <a:gd name="connsiteY5" fmla="*/ 293779 h 293779"/>
+                <a:gd name="connsiteX0" fmla="*/ 31568 w 47331"/>
+                <a:gd name="connsiteY0" fmla="*/ 232989 h 232989"/>
+                <a:gd name="connsiteX1" fmla="*/ 37381 w 47331"/>
+                <a:gd name="connsiteY1" fmla="*/ 220873 h 232989"/>
+                <a:gd name="connsiteX2" fmla="*/ 47310 w 47331"/>
+                <a:gd name="connsiteY2" fmla="*/ 170418 h 232989"/>
+                <a:gd name="connsiteX3" fmla="*/ 0 w 47331"/>
+                <a:gd name="connsiteY3" fmla="*/ 46588 h 232989"/>
+                <a:gd name="connsiteX4" fmla="*/ 10217 w 47331"/>
+                <a:gd name="connsiteY4" fmla="*/ 0 h 232989"/>
+              </a:gdLst>
+              <a:ahLst/>
+              <a:cxnLst>
+                <a:cxn ang="0">
+                  <a:pos x="connsiteX0" y="connsiteY0"/>
+                </a:cxn>
+                <a:cxn ang="0">
+                  <a:pos x="connsiteX1" y="connsiteY1"/>
+                </a:cxn>
+                <a:cxn ang="0">
+                  <a:pos x="connsiteX2" y="connsiteY2"/>
+                </a:cxn>
+                <a:cxn ang="0">
+                  <a:pos x="connsiteX3" y="connsiteY3"/>
+                </a:cxn>
+                <a:cxn ang="0">
+                  <a:pos x="connsiteX4" y="connsiteY4"/>
+                </a:cxn>
+              </a:cxnLst>
+              <a:rect l="l" t="t" r="r" b="b"/>
+              <a:pathLst>
+                <a:path w="47331" h="232989">
+                  <a:moveTo>
+                    <a:pt x="31568" y="232989"/>
+                  </a:moveTo>
+                  <a:lnTo>
+                    <a:pt x="37381" y="220873"/>
+                  </a:lnTo>
+                  <a:cubicBezTo>
+                    <a:pt x="42854" y="206936"/>
+                    <a:pt x="47695" y="188483"/>
+                    <a:pt x="47310" y="170418"/>
+                  </a:cubicBezTo>
+                  <a:cubicBezTo>
+                    <a:pt x="46539" y="134289"/>
+                    <a:pt x="4208" y="93811"/>
+                    <a:pt x="0" y="46588"/>
+                  </a:cubicBezTo>
+                  <a:cubicBezTo>
+                    <a:pt x="0" y="28391"/>
+                    <a:pt x="4840" y="11921"/>
+                    <a:pt x="10217" y="0"/>
+                  </a:cubicBezTo>
+                </a:path>
+              </a:pathLst>
+            </a:custGeom>
+            <a:noFill/>
+            <a:ln>
+              <a:solidFill>
+                <a:schemeClr val="tx1"/>
+              </a:solidFill>
+            </a:ln>
+          </p:spPr>
+          <p:style>
+            <a:lnRef idx="2">
+              <a:schemeClr val="accent1">
+                <a:shade val="50000"/>
+              </a:schemeClr>
+            </a:lnRef>
+            <a:fillRef idx="1">
+              <a:schemeClr val="accent1"/>
+            </a:fillRef>
+            <a:effectRef idx="0">
+              <a:schemeClr val="accent1"/>
+            </a:effectRef>
+            <a:fontRef idx="minor">
+              <a:schemeClr val="lt1"/>
+            </a:fontRef>
+          </p:style>
+          <p:txBody>
+            <a:bodyPr rtlCol="0" anchor="ctr"/>
+            <a:lstStyle/>
+            <a:p>
+              <a:pPr algn="ctr"/>
+              <a:endParaRPr lang="en-US" sz="2000">
+                <a:latin typeface="Arial" panose="020B0604020202020204" pitchFamily="34" charset="0"/>
+                <a:cs typeface="Arial" panose="020B0604020202020204" pitchFamily="34" charset="0"/>
+              </a:endParaRPr>
+            </a:p>
+          </p:txBody>
+        </p:sp>
+        <p:sp>
+          <p:nvSpPr>
+            <p:cNvPr id="38" name="手繪多邊形 416">
+              <a:extLst>
+                <a:ext uri="{FF2B5EF4-FFF2-40B4-BE49-F238E27FC236}">
+                  <a16:creationId xmlns:a16="http://schemas.microsoft.com/office/drawing/2014/main" id="{9C1E2888-B6B9-E942-995F-E640CA0D1EDB}"/>
+                </a:ext>
+              </a:extLst>
+            </p:cNvPr>
+            <p:cNvSpPr/>
+            <p:nvPr/>
+          </p:nvSpPr>
+          <p:spPr>
+            <a:xfrm rot="580019">
+              <a:off x="977594" y="1894311"/>
+              <a:ext cx="47331" cy="350462"/>
+            </a:xfrm>
+            <a:custGeom>
+              <a:avLst/>
+              <a:gdLst>
+                <a:gd name="connsiteX0" fmla="*/ 15559 w 103201"/>
+                <a:gd name="connsiteY0" fmla="*/ 0 h 242500"/>
+                <a:gd name="connsiteX1" fmla="*/ 73619 w 103201"/>
+                <a:gd name="connsiteY1" fmla="*/ 0 h 242500"/>
+                <a:gd name="connsiteX2" fmla="*/ 67199 w 103201"/>
+                <a:gd name="connsiteY2" fmla="*/ 7044 h 242500"/>
+                <a:gd name="connsiteX3" fmla="*/ 52708 w 103201"/>
+                <a:gd name="connsiteY3" fmla="*/ 57706 h 242500"/>
+                <a:gd name="connsiteX4" fmla="*/ 103192 w 103201"/>
+                <a:gd name="connsiteY4" fmla="*/ 184699 h 242500"/>
+                <a:gd name="connsiteX5" fmla="*/ 95842 w 103201"/>
+                <a:gd name="connsiteY5" fmla="*/ 233263 h 242500"/>
+                <a:gd name="connsiteX6" fmla="*/ 92410 w 103201"/>
+                <a:gd name="connsiteY6" fmla="*/ 242500 h 242500"/>
+                <a:gd name="connsiteX7" fmla="*/ 31568 w 103201"/>
+                <a:gd name="connsiteY7" fmla="*/ 242500 h 242500"/>
+                <a:gd name="connsiteX8" fmla="*/ 37381 w 103201"/>
+                <a:gd name="connsiteY8" fmla="*/ 230384 h 242500"/>
+                <a:gd name="connsiteX9" fmla="*/ 47310 w 103201"/>
+                <a:gd name="connsiteY9" fmla="*/ 179929 h 242500"/>
+                <a:gd name="connsiteX10" fmla="*/ 0 w 103201"/>
+                <a:gd name="connsiteY10" fmla="*/ 56099 h 242500"/>
+                <a:gd name="connsiteX11" fmla="*/ 10217 w 103201"/>
+                <a:gd name="connsiteY11" fmla="*/ 9511 h 242500"/>
+                <a:gd name="connsiteX0" fmla="*/ 73619 w 106999"/>
+                <a:gd name="connsiteY0" fmla="*/ 0 h 242500"/>
+                <a:gd name="connsiteX1" fmla="*/ 67199 w 106999"/>
+                <a:gd name="connsiteY1" fmla="*/ 7044 h 242500"/>
+                <a:gd name="connsiteX2" fmla="*/ 52708 w 106999"/>
+                <a:gd name="connsiteY2" fmla="*/ 57706 h 242500"/>
+                <a:gd name="connsiteX3" fmla="*/ 103192 w 106999"/>
+                <a:gd name="connsiteY3" fmla="*/ 184699 h 242500"/>
+                <a:gd name="connsiteX4" fmla="*/ 95842 w 106999"/>
+                <a:gd name="connsiteY4" fmla="*/ 233263 h 242500"/>
+                <a:gd name="connsiteX5" fmla="*/ 92410 w 106999"/>
+                <a:gd name="connsiteY5" fmla="*/ 242500 h 242500"/>
+                <a:gd name="connsiteX6" fmla="*/ 31568 w 106999"/>
+                <a:gd name="connsiteY6" fmla="*/ 242500 h 242500"/>
+                <a:gd name="connsiteX7" fmla="*/ 37381 w 106999"/>
+                <a:gd name="connsiteY7" fmla="*/ 230384 h 242500"/>
+                <a:gd name="connsiteX8" fmla="*/ 47310 w 106999"/>
+                <a:gd name="connsiteY8" fmla="*/ 179929 h 242500"/>
+                <a:gd name="connsiteX9" fmla="*/ 0 w 106999"/>
+                <a:gd name="connsiteY9" fmla="*/ 56099 h 242500"/>
+                <a:gd name="connsiteX10" fmla="*/ 10217 w 106999"/>
+                <a:gd name="connsiteY10" fmla="*/ 9511 h 242500"/>
+                <a:gd name="connsiteX11" fmla="*/ 106999 w 106999"/>
+                <a:gd name="connsiteY11" fmla="*/ 60790 h 242500"/>
+                <a:gd name="connsiteX0" fmla="*/ 73619 w 106999"/>
+                <a:gd name="connsiteY0" fmla="*/ 0 h 242500"/>
+                <a:gd name="connsiteX1" fmla="*/ 67199 w 106999"/>
+                <a:gd name="connsiteY1" fmla="*/ 7044 h 242500"/>
+                <a:gd name="connsiteX2" fmla="*/ 52708 w 106999"/>
+                <a:gd name="connsiteY2" fmla="*/ 57706 h 242500"/>
+                <a:gd name="connsiteX3" fmla="*/ 103192 w 106999"/>
+                <a:gd name="connsiteY3" fmla="*/ 184699 h 242500"/>
+                <a:gd name="connsiteX4" fmla="*/ 95842 w 106999"/>
+                <a:gd name="connsiteY4" fmla="*/ 233263 h 242500"/>
+                <a:gd name="connsiteX5" fmla="*/ 92410 w 106999"/>
+                <a:gd name="connsiteY5" fmla="*/ 242500 h 242500"/>
+                <a:gd name="connsiteX6" fmla="*/ 31568 w 106999"/>
+                <a:gd name="connsiteY6" fmla="*/ 242500 h 242500"/>
+                <a:gd name="connsiteX7" fmla="*/ 37381 w 106999"/>
+                <a:gd name="connsiteY7" fmla="*/ 230384 h 242500"/>
+                <a:gd name="connsiteX8" fmla="*/ 47310 w 106999"/>
+                <a:gd name="connsiteY8" fmla="*/ 179929 h 242500"/>
+                <a:gd name="connsiteX9" fmla="*/ 0 w 106999"/>
+                <a:gd name="connsiteY9" fmla="*/ 56099 h 242500"/>
+                <a:gd name="connsiteX10" fmla="*/ 10217 w 106999"/>
+                <a:gd name="connsiteY10" fmla="*/ 9511 h 242500"/>
+                <a:gd name="connsiteX11" fmla="*/ 106999 w 106999"/>
+                <a:gd name="connsiteY11" fmla="*/ 60790 h 242500"/>
+                <a:gd name="connsiteX12" fmla="*/ 73619 w 106999"/>
+                <a:gd name="connsiteY12" fmla="*/ 0 h 242500"/>
+                <a:gd name="connsiteX0" fmla="*/ 73619 w 198439"/>
+                <a:gd name="connsiteY0" fmla="*/ 0 h 242500"/>
+                <a:gd name="connsiteX1" fmla="*/ 67199 w 198439"/>
+                <a:gd name="connsiteY1" fmla="*/ 7044 h 242500"/>
+                <a:gd name="connsiteX2" fmla="*/ 52708 w 198439"/>
+                <a:gd name="connsiteY2" fmla="*/ 57706 h 242500"/>
+                <a:gd name="connsiteX3" fmla="*/ 103192 w 198439"/>
+                <a:gd name="connsiteY3" fmla="*/ 184699 h 242500"/>
+                <a:gd name="connsiteX4" fmla="*/ 95842 w 198439"/>
+                <a:gd name="connsiteY4" fmla="*/ 233263 h 242500"/>
+                <a:gd name="connsiteX5" fmla="*/ 92410 w 198439"/>
+                <a:gd name="connsiteY5" fmla="*/ 242500 h 242500"/>
+                <a:gd name="connsiteX6" fmla="*/ 31568 w 198439"/>
+                <a:gd name="connsiteY6" fmla="*/ 242500 h 242500"/>
+                <a:gd name="connsiteX7" fmla="*/ 37381 w 198439"/>
+                <a:gd name="connsiteY7" fmla="*/ 230384 h 242500"/>
+                <a:gd name="connsiteX8" fmla="*/ 47310 w 198439"/>
+                <a:gd name="connsiteY8" fmla="*/ 179929 h 242500"/>
+                <a:gd name="connsiteX9" fmla="*/ 0 w 198439"/>
+                <a:gd name="connsiteY9" fmla="*/ 56099 h 242500"/>
+                <a:gd name="connsiteX10" fmla="*/ 10217 w 198439"/>
+                <a:gd name="connsiteY10" fmla="*/ 9511 h 242500"/>
+                <a:gd name="connsiteX11" fmla="*/ 198439 w 198439"/>
+                <a:gd name="connsiteY11" fmla="*/ 121580 h 242500"/>
+                <a:gd name="connsiteX0" fmla="*/ 73619 w 198439"/>
+                <a:gd name="connsiteY0" fmla="*/ 0 h 242500"/>
+                <a:gd name="connsiteX1" fmla="*/ 67199 w 198439"/>
+                <a:gd name="connsiteY1" fmla="*/ 7044 h 242500"/>
+                <a:gd name="connsiteX2" fmla="*/ 52708 w 198439"/>
+                <a:gd name="connsiteY2" fmla="*/ 57706 h 242500"/>
+                <a:gd name="connsiteX3" fmla="*/ 103192 w 198439"/>
+                <a:gd name="connsiteY3" fmla="*/ 184699 h 242500"/>
+                <a:gd name="connsiteX4" fmla="*/ 95842 w 198439"/>
+                <a:gd name="connsiteY4" fmla="*/ 233263 h 242500"/>
+                <a:gd name="connsiteX5" fmla="*/ 92410 w 198439"/>
+                <a:gd name="connsiteY5" fmla="*/ 242500 h 242500"/>
+                <a:gd name="connsiteX6" fmla="*/ 31568 w 198439"/>
+                <a:gd name="connsiteY6" fmla="*/ 242500 h 242500"/>
+                <a:gd name="connsiteX7" fmla="*/ 37381 w 198439"/>
+                <a:gd name="connsiteY7" fmla="*/ 230384 h 242500"/>
+                <a:gd name="connsiteX8" fmla="*/ 47310 w 198439"/>
+                <a:gd name="connsiteY8" fmla="*/ 179929 h 242500"/>
+                <a:gd name="connsiteX9" fmla="*/ 0 w 198439"/>
+                <a:gd name="connsiteY9" fmla="*/ 56099 h 242500"/>
+                <a:gd name="connsiteX10" fmla="*/ 10217 w 198439"/>
+                <a:gd name="connsiteY10" fmla="*/ 9511 h 242500"/>
+                <a:gd name="connsiteX11" fmla="*/ 198439 w 198439"/>
+                <a:gd name="connsiteY11" fmla="*/ 121580 h 242500"/>
+                <a:gd name="connsiteX12" fmla="*/ 73619 w 198439"/>
+                <a:gd name="connsiteY12" fmla="*/ 0 h 242500"/>
+                <a:gd name="connsiteX0" fmla="*/ 73619 w 198439"/>
+                <a:gd name="connsiteY0" fmla="*/ 0 h 242500"/>
+                <a:gd name="connsiteX1" fmla="*/ 52708 w 198439"/>
+                <a:gd name="connsiteY1" fmla="*/ 57706 h 242500"/>
+                <a:gd name="connsiteX2" fmla="*/ 103192 w 198439"/>
+                <a:gd name="connsiteY2" fmla="*/ 184699 h 242500"/>
+                <a:gd name="connsiteX3" fmla="*/ 95842 w 198439"/>
+                <a:gd name="connsiteY3" fmla="*/ 233263 h 242500"/>
+                <a:gd name="connsiteX4" fmla="*/ 92410 w 198439"/>
+                <a:gd name="connsiteY4" fmla="*/ 242500 h 242500"/>
+                <a:gd name="connsiteX5" fmla="*/ 31568 w 198439"/>
+                <a:gd name="connsiteY5" fmla="*/ 242500 h 242500"/>
+                <a:gd name="connsiteX6" fmla="*/ 37381 w 198439"/>
+                <a:gd name="connsiteY6" fmla="*/ 230384 h 242500"/>
+                <a:gd name="connsiteX7" fmla="*/ 47310 w 198439"/>
+                <a:gd name="connsiteY7" fmla="*/ 179929 h 242500"/>
+                <a:gd name="connsiteX8" fmla="*/ 0 w 198439"/>
+                <a:gd name="connsiteY8" fmla="*/ 56099 h 242500"/>
+                <a:gd name="connsiteX9" fmla="*/ 10217 w 198439"/>
+                <a:gd name="connsiteY9" fmla="*/ 9511 h 242500"/>
+                <a:gd name="connsiteX10" fmla="*/ 198439 w 198439"/>
+                <a:gd name="connsiteY10" fmla="*/ 121580 h 242500"/>
+                <a:gd name="connsiteX11" fmla="*/ 73619 w 198439"/>
+                <a:gd name="connsiteY11" fmla="*/ 0 h 242500"/>
+                <a:gd name="connsiteX0" fmla="*/ 198439 w 198439"/>
+                <a:gd name="connsiteY0" fmla="*/ 112201 h 233121"/>
+                <a:gd name="connsiteX1" fmla="*/ 52708 w 198439"/>
+                <a:gd name="connsiteY1" fmla="*/ 48327 h 233121"/>
+                <a:gd name="connsiteX2" fmla="*/ 103192 w 198439"/>
+                <a:gd name="connsiteY2" fmla="*/ 175320 h 233121"/>
+                <a:gd name="connsiteX3" fmla="*/ 95842 w 198439"/>
+                <a:gd name="connsiteY3" fmla="*/ 223884 h 233121"/>
+                <a:gd name="connsiteX4" fmla="*/ 92410 w 198439"/>
+                <a:gd name="connsiteY4" fmla="*/ 233121 h 233121"/>
+                <a:gd name="connsiteX5" fmla="*/ 31568 w 198439"/>
+                <a:gd name="connsiteY5" fmla="*/ 233121 h 233121"/>
+                <a:gd name="connsiteX6" fmla="*/ 37381 w 198439"/>
+                <a:gd name="connsiteY6" fmla="*/ 221005 h 233121"/>
+                <a:gd name="connsiteX7" fmla="*/ 47310 w 198439"/>
+                <a:gd name="connsiteY7" fmla="*/ 170550 h 233121"/>
+                <a:gd name="connsiteX8" fmla="*/ 0 w 198439"/>
+                <a:gd name="connsiteY8" fmla="*/ 46720 h 233121"/>
+                <a:gd name="connsiteX9" fmla="*/ 10217 w 198439"/>
+                <a:gd name="connsiteY9" fmla="*/ 132 h 233121"/>
+                <a:gd name="connsiteX10" fmla="*/ 198439 w 198439"/>
+                <a:gd name="connsiteY10" fmla="*/ 112201 h 233121"/>
+                <a:gd name="connsiteX0" fmla="*/ 198439 w 198439"/>
+                <a:gd name="connsiteY0" fmla="*/ 112201 h 233121"/>
+                <a:gd name="connsiteX1" fmla="*/ 103192 w 198439"/>
+                <a:gd name="connsiteY1" fmla="*/ 175320 h 233121"/>
+                <a:gd name="connsiteX2" fmla="*/ 95842 w 198439"/>
+                <a:gd name="connsiteY2" fmla="*/ 223884 h 233121"/>
+                <a:gd name="connsiteX3" fmla="*/ 92410 w 198439"/>
+                <a:gd name="connsiteY3" fmla="*/ 233121 h 233121"/>
+                <a:gd name="connsiteX4" fmla="*/ 31568 w 198439"/>
+                <a:gd name="connsiteY4" fmla="*/ 233121 h 233121"/>
+                <a:gd name="connsiteX5" fmla="*/ 37381 w 198439"/>
+                <a:gd name="connsiteY5" fmla="*/ 221005 h 233121"/>
+                <a:gd name="connsiteX6" fmla="*/ 47310 w 198439"/>
+                <a:gd name="connsiteY6" fmla="*/ 170550 h 233121"/>
+                <a:gd name="connsiteX7" fmla="*/ 0 w 198439"/>
+                <a:gd name="connsiteY7" fmla="*/ 46720 h 233121"/>
+                <a:gd name="connsiteX8" fmla="*/ 10217 w 198439"/>
+                <a:gd name="connsiteY8" fmla="*/ 132 h 233121"/>
+                <a:gd name="connsiteX9" fmla="*/ 198439 w 198439"/>
+                <a:gd name="connsiteY9" fmla="*/ 112201 h 233121"/>
+                <a:gd name="connsiteX0" fmla="*/ 198439 w 198439"/>
+                <a:gd name="connsiteY0" fmla="*/ 112201 h 233121"/>
+                <a:gd name="connsiteX1" fmla="*/ 95842 w 198439"/>
+                <a:gd name="connsiteY1" fmla="*/ 223884 h 233121"/>
+                <a:gd name="connsiteX2" fmla="*/ 92410 w 198439"/>
+                <a:gd name="connsiteY2" fmla="*/ 233121 h 233121"/>
+                <a:gd name="connsiteX3" fmla="*/ 31568 w 198439"/>
+                <a:gd name="connsiteY3" fmla="*/ 233121 h 233121"/>
+                <a:gd name="connsiteX4" fmla="*/ 37381 w 198439"/>
+                <a:gd name="connsiteY4" fmla="*/ 221005 h 233121"/>
+                <a:gd name="connsiteX5" fmla="*/ 47310 w 198439"/>
+                <a:gd name="connsiteY5" fmla="*/ 170550 h 233121"/>
+                <a:gd name="connsiteX6" fmla="*/ 0 w 198439"/>
+                <a:gd name="connsiteY6" fmla="*/ 46720 h 233121"/>
+                <a:gd name="connsiteX7" fmla="*/ 10217 w 198439"/>
+                <a:gd name="connsiteY7" fmla="*/ 132 h 233121"/>
+                <a:gd name="connsiteX8" fmla="*/ 198439 w 198439"/>
+                <a:gd name="connsiteY8" fmla="*/ 112201 h 233121"/>
+                <a:gd name="connsiteX0" fmla="*/ 31568 w 198439"/>
+                <a:gd name="connsiteY0" fmla="*/ 233121 h 293911"/>
+                <a:gd name="connsiteX1" fmla="*/ 37381 w 198439"/>
+                <a:gd name="connsiteY1" fmla="*/ 221005 h 293911"/>
+                <a:gd name="connsiteX2" fmla="*/ 47310 w 198439"/>
+                <a:gd name="connsiteY2" fmla="*/ 170550 h 293911"/>
+                <a:gd name="connsiteX3" fmla="*/ 0 w 198439"/>
+                <a:gd name="connsiteY3" fmla="*/ 46720 h 293911"/>
+                <a:gd name="connsiteX4" fmla="*/ 10217 w 198439"/>
+                <a:gd name="connsiteY4" fmla="*/ 132 h 293911"/>
+                <a:gd name="connsiteX5" fmla="*/ 198439 w 198439"/>
+                <a:gd name="connsiteY5" fmla="*/ 112201 h 293911"/>
+                <a:gd name="connsiteX6" fmla="*/ 95842 w 198439"/>
+                <a:gd name="connsiteY6" fmla="*/ 223884 h 293911"/>
+                <a:gd name="connsiteX7" fmla="*/ 183850 w 198439"/>
+                <a:gd name="connsiteY7" fmla="*/ 293911 h 293911"/>
+                <a:gd name="connsiteX0" fmla="*/ 31568 w 201775"/>
+                <a:gd name="connsiteY0" fmla="*/ 232989 h 293779"/>
+                <a:gd name="connsiteX1" fmla="*/ 37381 w 201775"/>
+                <a:gd name="connsiteY1" fmla="*/ 220873 h 293779"/>
+                <a:gd name="connsiteX2" fmla="*/ 47310 w 201775"/>
+                <a:gd name="connsiteY2" fmla="*/ 170418 h 293779"/>
+                <a:gd name="connsiteX3" fmla="*/ 0 w 201775"/>
+                <a:gd name="connsiteY3" fmla="*/ 46588 h 293779"/>
+                <a:gd name="connsiteX4" fmla="*/ 10217 w 201775"/>
+                <a:gd name="connsiteY4" fmla="*/ 0 h 293779"/>
+                <a:gd name="connsiteX5" fmla="*/ 161264 w 201775"/>
+                <a:gd name="connsiteY5" fmla="*/ 85778 h 293779"/>
+                <a:gd name="connsiteX6" fmla="*/ 198439 w 201775"/>
+                <a:gd name="connsiteY6" fmla="*/ 112069 h 293779"/>
+                <a:gd name="connsiteX7" fmla="*/ 95842 w 201775"/>
+                <a:gd name="connsiteY7" fmla="*/ 223752 h 293779"/>
+                <a:gd name="connsiteX8" fmla="*/ 183850 w 201775"/>
+                <a:gd name="connsiteY8" fmla="*/ 293779 h 293779"/>
+                <a:gd name="connsiteX0" fmla="*/ 31568 w 198439"/>
+                <a:gd name="connsiteY0" fmla="*/ 232989 h 293779"/>
+                <a:gd name="connsiteX1" fmla="*/ 37381 w 198439"/>
+                <a:gd name="connsiteY1" fmla="*/ 220873 h 293779"/>
+                <a:gd name="connsiteX2" fmla="*/ 47310 w 198439"/>
+                <a:gd name="connsiteY2" fmla="*/ 170418 h 293779"/>
+                <a:gd name="connsiteX3" fmla="*/ 0 w 198439"/>
+                <a:gd name="connsiteY3" fmla="*/ 46588 h 293779"/>
+                <a:gd name="connsiteX4" fmla="*/ 10217 w 198439"/>
+                <a:gd name="connsiteY4" fmla="*/ 0 h 293779"/>
+                <a:gd name="connsiteX5" fmla="*/ 198439 w 198439"/>
+                <a:gd name="connsiteY5" fmla="*/ 112069 h 293779"/>
+                <a:gd name="connsiteX6" fmla="*/ 95842 w 198439"/>
+                <a:gd name="connsiteY6" fmla="*/ 223752 h 293779"/>
+                <a:gd name="connsiteX7" fmla="*/ 183850 w 198439"/>
+                <a:gd name="connsiteY7" fmla="*/ 293779 h 293779"/>
+                <a:gd name="connsiteX0" fmla="*/ 31568 w 183850"/>
+                <a:gd name="connsiteY0" fmla="*/ 232989 h 293779"/>
+                <a:gd name="connsiteX1" fmla="*/ 37381 w 183850"/>
+                <a:gd name="connsiteY1" fmla="*/ 220873 h 293779"/>
+                <a:gd name="connsiteX2" fmla="*/ 47310 w 183850"/>
+                <a:gd name="connsiteY2" fmla="*/ 170418 h 293779"/>
+                <a:gd name="connsiteX3" fmla="*/ 0 w 183850"/>
+                <a:gd name="connsiteY3" fmla="*/ 46588 h 293779"/>
+                <a:gd name="connsiteX4" fmla="*/ 10217 w 183850"/>
+                <a:gd name="connsiteY4" fmla="*/ 0 h 293779"/>
+                <a:gd name="connsiteX5" fmla="*/ 95842 w 183850"/>
+                <a:gd name="connsiteY5" fmla="*/ 223752 h 293779"/>
+                <a:gd name="connsiteX6" fmla="*/ 183850 w 183850"/>
+                <a:gd name="connsiteY6" fmla="*/ 293779 h 293779"/>
+                <a:gd name="connsiteX0" fmla="*/ 31568 w 183850"/>
+                <a:gd name="connsiteY0" fmla="*/ 232989 h 293779"/>
+                <a:gd name="connsiteX1" fmla="*/ 37381 w 183850"/>
+                <a:gd name="connsiteY1" fmla="*/ 220873 h 293779"/>
+                <a:gd name="connsiteX2" fmla="*/ 47310 w 183850"/>
+                <a:gd name="connsiteY2" fmla="*/ 170418 h 293779"/>
+                <a:gd name="connsiteX3" fmla="*/ 0 w 183850"/>
+                <a:gd name="connsiteY3" fmla="*/ 46588 h 293779"/>
+                <a:gd name="connsiteX4" fmla="*/ 10217 w 183850"/>
+                <a:gd name="connsiteY4" fmla="*/ 0 h 293779"/>
+                <a:gd name="connsiteX5" fmla="*/ 183850 w 183850"/>
+                <a:gd name="connsiteY5" fmla="*/ 293779 h 293779"/>
+                <a:gd name="connsiteX0" fmla="*/ 31568 w 47331"/>
+                <a:gd name="connsiteY0" fmla="*/ 232989 h 232989"/>
+                <a:gd name="connsiteX1" fmla="*/ 37381 w 47331"/>
+                <a:gd name="connsiteY1" fmla="*/ 220873 h 232989"/>
+                <a:gd name="connsiteX2" fmla="*/ 47310 w 47331"/>
+                <a:gd name="connsiteY2" fmla="*/ 170418 h 232989"/>
+                <a:gd name="connsiteX3" fmla="*/ 0 w 47331"/>
+                <a:gd name="connsiteY3" fmla="*/ 46588 h 232989"/>
+                <a:gd name="connsiteX4" fmla="*/ 10217 w 47331"/>
+                <a:gd name="connsiteY4" fmla="*/ 0 h 232989"/>
+              </a:gdLst>
+              <a:ahLst/>
+              <a:cxnLst>
+                <a:cxn ang="0">
+                  <a:pos x="connsiteX0" y="connsiteY0"/>
+                </a:cxn>
+                <a:cxn ang="0">
+                  <a:pos x="connsiteX1" y="connsiteY1"/>
+                </a:cxn>
+                <a:cxn ang="0">
+                  <a:pos x="connsiteX2" y="connsiteY2"/>
+                </a:cxn>
+                <a:cxn ang="0">
+                  <a:pos x="connsiteX3" y="connsiteY3"/>
+                </a:cxn>
+                <a:cxn ang="0">
+                  <a:pos x="connsiteX4" y="connsiteY4"/>
+                </a:cxn>
+              </a:cxnLst>
+              <a:rect l="l" t="t" r="r" b="b"/>
+              <a:pathLst>
+                <a:path w="47331" h="232989">
+                  <a:moveTo>
+                    <a:pt x="31568" y="232989"/>
+                  </a:moveTo>
+                  <a:lnTo>
+                    <a:pt x="37381" y="220873"/>
+                  </a:lnTo>
+                  <a:cubicBezTo>
+                    <a:pt x="42854" y="206936"/>
+                    <a:pt x="47695" y="188483"/>
+                    <a:pt x="47310" y="170418"/>
+                  </a:cubicBezTo>
+                  <a:cubicBezTo>
+                    <a:pt x="46539" y="134289"/>
+                    <a:pt x="4208" y="93811"/>
+                    <a:pt x="0" y="46588"/>
+                  </a:cubicBezTo>
+                  <a:cubicBezTo>
+                    <a:pt x="0" y="28391"/>
+                    <a:pt x="4840" y="11921"/>
+                    <a:pt x="10217" y="0"/>
+                  </a:cubicBezTo>
+                </a:path>
+              </a:pathLst>
+            </a:custGeom>
+            <a:noFill/>
+            <a:ln>
+              <a:solidFill>
+                <a:schemeClr val="tx1"/>
+              </a:solidFill>
+            </a:ln>
+          </p:spPr>
+          <p:style>
+            <a:lnRef idx="2">
+              <a:schemeClr val="accent1">
+                <a:shade val="50000"/>
+              </a:schemeClr>
+            </a:lnRef>
+            <a:fillRef idx="1">
+              <a:schemeClr val="accent1"/>
+            </a:fillRef>
+            <a:effectRef idx="0">
+              <a:schemeClr val="accent1"/>
+            </a:effectRef>
+            <a:fontRef idx="minor">
+              <a:schemeClr val="lt1"/>
+            </a:fontRef>
+          </p:style>
+          <p:txBody>
+            <a:bodyPr rtlCol="0" anchor="ctr"/>
+            <a:lstStyle/>
+            <a:p>
+              <a:pPr algn="ctr"/>
+              <a:endParaRPr lang="en-US" sz="2000">
+                <a:latin typeface="Arial" panose="020B0604020202020204" pitchFamily="34" charset="0"/>
+                <a:cs typeface="Arial" panose="020B0604020202020204" pitchFamily="34" charset="0"/>
+              </a:endParaRPr>
+            </a:p>
+          </p:txBody>
+        </p:sp>
+      </p:grpSp>
+      <p:grpSp>
+        <p:nvGrpSpPr>
+          <p:cNvPr id="39" name="群組 413">
+            <a:extLst>
+              <a:ext uri="{FF2B5EF4-FFF2-40B4-BE49-F238E27FC236}">
+                <a16:creationId xmlns:a16="http://schemas.microsoft.com/office/drawing/2014/main" id="{D66BBEC5-3D5E-0244-A2E4-419C063A51F2}"/>
+              </a:ext>
+            </a:extLst>
+          </p:cNvPr>
+          <p:cNvGrpSpPr/>
+          <p:nvPr/>
+        </p:nvGrpSpPr>
+        <p:grpSpPr>
+          <a:xfrm>
+            <a:off x="5728603" y="4007518"/>
+            <a:ext cx="107448" cy="605664"/>
+            <a:chOff x="917477" y="1881286"/>
+            <a:chExt cx="107448" cy="364769"/>
+          </a:xfrm>
+        </p:grpSpPr>
+        <p:sp>
+          <p:nvSpPr>
+            <p:cNvPr id="40" name="手繪多邊形 414">
+              <a:extLst>
+                <a:ext uri="{FF2B5EF4-FFF2-40B4-BE49-F238E27FC236}">
+                  <a16:creationId xmlns:a16="http://schemas.microsoft.com/office/drawing/2014/main" id="{E10A7344-33C2-444B-884D-B5D7A39C85C4}"/>
+                </a:ext>
+              </a:extLst>
+            </p:cNvPr>
+            <p:cNvSpPr/>
+            <p:nvPr/>
+          </p:nvSpPr>
+          <p:spPr>
+            <a:xfrm rot="580019">
+              <a:off x="919119" y="1881286"/>
+              <a:ext cx="103201" cy="364769"/>
+            </a:xfrm>
+            <a:custGeom>
+              <a:avLst/>
+              <a:gdLst>
+                <a:gd name="connsiteX0" fmla="*/ 15559 w 103201"/>
+                <a:gd name="connsiteY0" fmla="*/ 0 h 242500"/>
+                <a:gd name="connsiteX1" fmla="*/ 73619 w 103201"/>
+                <a:gd name="connsiteY1" fmla="*/ 0 h 242500"/>
+                <a:gd name="connsiteX2" fmla="*/ 67199 w 103201"/>
+                <a:gd name="connsiteY2" fmla="*/ 7044 h 242500"/>
+                <a:gd name="connsiteX3" fmla="*/ 52708 w 103201"/>
+                <a:gd name="connsiteY3" fmla="*/ 57706 h 242500"/>
+                <a:gd name="connsiteX4" fmla="*/ 103192 w 103201"/>
+                <a:gd name="connsiteY4" fmla="*/ 184699 h 242500"/>
+                <a:gd name="connsiteX5" fmla="*/ 95842 w 103201"/>
+                <a:gd name="connsiteY5" fmla="*/ 233263 h 242500"/>
+                <a:gd name="connsiteX6" fmla="*/ 92410 w 103201"/>
+                <a:gd name="connsiteY6" fmla="*/ 242500 h 242500"/>
+                <a:gd name="connsiteX7" fmla="*/ 31568 w 103201"/>
+                <a:gd name="connsiteY7" fmla="*/ 242500 h 242500"/>
+                <a:gd name="connsiteX8" fmla="*/ 37381 w 103201"/>
+                <a:gd name="connsiteY8" fmla="*/ 230384 h 242500"/>
+                <a:gd name="connsiteX9" fmla="*/ 47310 w 103201"/>
+                <a:gd name="connsiteY9" fmla="*/ 179929 h 242500"/>
+                <a:gd name="connsiteX10" fmla="*/ 0 w 103201"/>
+                <a:gd name="connsiteY10" fmla="*/ 56099 h 242500"/>
+                <a:gd name="connsiteX11" fmla="*/ 10217 w 103201"/>
+                <a:gd name="connsiteY11" fmla="*/ 9511 h 242500"/>
+              </a:gdLst>
+              <a:ahLst/>
+              <a:cxnLst>
+                <a:cxn ang="0">
+                  <a:pos x="connsiteX0" y="connsiteY0"/>
+                </a:cxn>
+                <a:cxn ang="0">
+                  <a:pos x="connsiteX1" y="connsiteY1"/>
+                </a:cxn>
+                <a:cxn ang="0">
+                  <a:pos x="connsiteX2" y="connsiteY2"/>
+                </a:cxn>
+                <a:cxn ang="0">
+                  <a:pos x="connsiteX3" y="connsiteY3"/>
+                </a:cxn>
+                <a:cxn ang="0">
+                  <a:pos x="connsiteX4" y="connsiteY4"/>
+                </a:cxn>
+                <a:cxn ang="0">
+                  <a:pos x="connsiteX5" y="connsiteY5"/>
+                </a:cxn>
+                <a:cxn ang="0">
+                  <a:pos x="connsiteX6" y="connsiteY6"/>
+                </a:cxn>
+                <a:cxn ang="0">
+                  <a:pos x="connsiteX7" y="connsiteY7"/>
+                </a:cxn>
+                <a:cxn ang="0">
+                  <a:pos x="connsiteX8" y="connsiteY8"/>
+                </a:cxn>
+                <a:cxn ang="0">
+                  <a:pos x="connsiteX9" y="connsiteY9"/>
+                </a:cxn>
+                <a:cxn ang="0">
+                  <a:pos x="connsiteX10" y="connsiteY10"/>
+                </a:cxn>
+                <a:cxn ang="0">
+                  <a:pos x="connsiteX11" y="connsiteY11"/>
+                </a:cxn>
+              </a:cxnLst>
+              <a:rect l="l" t="t" r="r" b="b"/>
+              <a:pathLst>
+                <a:path w="103201" h="242500">
+                  <a:moveTo>
+                    <a:pt x="15559" y="0"/>
+                  </a:moveTo>
+                  <a:lnTo>
+                    <a:pt x="73619" y="0"/>
+                  </a:lnTo>
+                  <a:lnTo>
+                    <a:pt x="67199" y="7044"/>
+                  </a:lnTo>
+                  <a:cubicBezTo>
+                    <a:pt x="59279" y="18276"/>
+                    <a:pt x="52058" y="35149"/>
+                    <a:pt x="52708" y="57706"/>
+                  </a:cubicBezTo>
+                  <a:cubicBezTo>
+                    <a:pt x="54007" y="102822"/>
+                    <a:pt x="104009" y="147252"/>
+                    <a:pt x="103192" y="184699"/>
+                  </a:cubicBezTo>
+                  <a:cubicBezTo>
+                    <a:pt x="102783" y="203422"/>
+                    <a:pt x="99530" y="220683"/>
+                    <a:pt x="95842" y="233263"/>
+                  </a:cubicBezTo>
+                  <a:lnTo>
+                    <a:pt x="92410" y="242500"/>
+                  </a:lnTo>
+                  <a:lnTo>
+                    <a:pt x="31568" y="242500"/>
+                  </a:lnTo>
+                  <a:lnTo>
+                    <a:pt x="37381" y="230384"/>
+                  </a:lnTo>
+                  <a:cubicBezTo>
+                    <a:pt x="42854" y="216447"/>
+                    <a:pt x="47695" y="197994"/>
+                    <a:pt x="47310" y="179929"/>
+                  </a:cubicBezTo>
+                  <a:cubicBezTo>
+                    <a:pt x="46539" y="143800"/>
+                    <a:pt x="4208" y="103322"/>
+                    <a:pt x="0" y="56099"/>
+                  </a:cubicBezTo>
+                  <a:cubicBezTo>
+                    <a:pt x="0" y="37902"/>
+                    <a:pt x="4840" y="21432"/>
+                    <a:pt x="10217" y="9511"/>
+                  </a:cubicBezTo>
+                  <a:close/>
+                </a:path>
+              </a:pathLst>
+            </a:custGeom>
+            <a:solidFill>
+              <a:schemeClr val="bg1"/>
+            </a:solidFill>
+            <a:ln>
+              <a:noFill/>
+            </a:ln>
+          </p:spPr>
+          <p:style>
+            <a:lnRef idx="2">
+              <a:schemeClr val="accent1">
+                <a:shade val="50000"/>
+              </a:schemeClr>
+            </a:lnRef>
+            <a:fillRef idx="1">
+              <a:schemeClr val="accent1"/>
+            </a:fillRef>
+            <a:effectRef idx="0">
+              <a:schemeClr val="accent1"/>
+            </a:effectRef>
+            <a:fontRef idx="minor">
+              <a:schemeClr val="lt1"/>
+            </a:fontRef>
+          </p:style>
+          <p:txBody>
+            <a:bodyPr rtlCol="0" anchor="ctr"/>
+            <a:lstStyle/>
+            <a:p>
+              <a:pPr algn="ctr"/>
+              <a:endParaRPr lang="en-US" sz="2000">
+                <a:latin typeface="Arial" panose="020B0604020202020204" pitchFamily="34" charset="0"/>
+                <a:cs typeface="Arial" panose="020B0604020202020204" pitchFamily="34" charset="0"/>
+              </a:endParaRPr>
+            </a:p>
+          </p:txBody>
+        </p:sp>
+        <p:sp>
+          <p:nvSpPr>
+            <p:cNvPr id="41" name="手繪多邊形 415">
+              <a:extLst>
+                <a:ext uri="{FF2B5EF4-FFF2-40B4-BE49-F238E27FC236}">
+                  <a16:creationId xmlns:a16="http://schemas.microsoft.com/office/drawing/2014/main" id="{415E0341-C7E5-A54D-AE71-B3B63882165A}"/>
+                </a:ext>
+              </a:extLst>
+            </p:cNvPr>
+            <p:cNvSpPr/>
+            <p:nvPr/>
+          </p:nvSpPr>
+          <p:spPr>
+            <a:xfrm rot="580019">
+              <a:off x="917477" y="1888439"/>
+              <a:ext cx="47331" cy="350462"/>
+            </a:xfrm>
+            <a:custGeom>
+              <a:avLst/>
+              <a:gdLst>
+                <a:gd name="connsiteX0" fmla="*/ 15559 w 103201"/>
+                <a:gd name="connsiteY0" fmla="*/ 0 h 242500"/>
+                <a:gd name="connsiteX1" fmla="*/ 73619 w 103201"/>
+                <a:gd name="connsiteY1" fmla="*/ 0 h 242500"/>
+                <a:gd name="connsiteX2" fmla="*/ 67199 w 103201"/>
+                <a:gd name="connsiteY2" fmla="*/ 7044 h 242500"/>
+                <a:gd name="connsiteX3" fmla="*/ 52708 w 103201"/>
+                <a:gd name="connsiteY3" fmla="*/ 57706 h 242500"/>
+                <a:gd name="connsiteX4" fmla="*/ 103192 w 103201"/>
+                <a:gd name="connsiteY4" fmla="*/ 184699 h 242500"/>
+                <a:gd name="connsiteX5" fmla="*/ 95842 w 103201"/>
+                <a:gd name="connsiteY5" fmla="*/ 233263 h 242500"/>
+                <a:gd name="connsiteX6" fmla="*/ 92410 w 103201"/>
+                <a:gd name="connsiteY6" fmla="*/ 242500 h 242500"/>
+                <a:gd name="connsiteX7" fmla="*/ 31568 w 103201"/>
+                <a:gd name="connsiteY7" fmla="*/ 242500 h 242500"/>
+                <a:gd name="connsiteX8" fmla="*/ 37381 w 103201"/>
+                <a:gd name="connsiteY8" fmla="*/ 230384 h 242500"/>
+                <a:gd name="connsiteX9" fmla="*/ 47310 w 103201"/>
+                <a:gd name="connsiteY9" fmla="*/ 179929 h 242500"/>
+                <a:gd name="connsiteX10" fmla="*/ 0 w 103201"/>
+                <a:gd name="connsiteY10" fmla="*/ 56099 h 242500"/>
+                <a:gd name="connsiteX11" fmla="*/ 10217 w 103201"/>
+                <a:gd name="connsiteY11" fmla="*/ 9511 h 242500"/>
+                <a:gd name="connsiteX0" fmla="*/ 73619 w 106999"/>
+                <a:gd name="connsiteY0" fmla="*/ 0 h 242500"/>
+                <a:gd name="connsiteX1" fmla="*/ 67199 w 106999"/>
+                <a:gd name="connsiteY1" fmla="*/ 7044 h 242500"/>
+                <a:gd name="connsiteX2" fmla="*/ 52708 w 106999"/>
+                <a:gd name="connsiteY2" fmla="*/ 57706 h 242500"/>
+                <a:gd name="connsiteX3" fmla="*/ 103192 w 106999"/>
+                <a:gd name="connsiteY3" fmla="*/ 184699 h 242500"/>
+                <a:gd name="connsiteX4" fmla="*/ 95842 w 106999"/>
+                <a:gd name="connsiteY4" fmla="*/ 233263 h 242500"/>
+                <a:gd name="connsiteX5" fmla="*/ 92410 w 106999"/>
+                <a:gd name="connsiteY5" fmla="*/ 242500 h 242500"/>
+                <a:gd name="connsiteX6" fmla="*/ 31568 w 106999"/>
+                <a:gd name="connsiteY6" fmla="*/ 242500 h 242500"/>
+                <a:gd name="connsiteX7" fmla="*/ 37381 w 106999"/>
+                <a:gd name="connsiteY7" fmla="*/ 230384 h 242500"/>
+                <a:gd name="connsiteX8" fmla="*/ 47310 w 106999"/>
+                <a:gd name="connsiteY8" fmla="*/ 179929 h 242500"/>
+                <a:gd name="connsiteX9" fmla="*/ 0 w 106999"/>
+                <a:gd name="connsiteY9" fmla="*/ 56099 h 242500"/>
+                <a:gd name="connsiteX10" fmla="*/ 10217 w 106999"/>
+                <a:gd name="connsiteY10" fmla="*/ 9511 h 242500"/>
+                <a:gd name="connsiteX11" fmla="*/ 106999 w 106999"/>
+                <a:gd name="connsiteY11" fmla="*/ 60790 h 242500"/>
+                <a:gd name="connsiteX0" fmla="*/ 73619 w 106999"/>
+                <a:gd name="connsiteY0" fmla="*/ 0 h 242500"/>
+                <a:gd name="connsiteX1" fmla="*/ 67199 w 106999"/>
+                <a:gd name="connsiteY1" fmla="*/ 7044 h 242500"/>
+                <a:gd name="connsiteX2" fmla="*/ 52708 w 106999"/>
+                <a:gd name="connsiteY2" fmla="*/ 57706 h 242500"/>
+                <a:gd name="connsiteX3" fmla="*/ 103192 w 106999"/>
+                <a:gd name="connsiteY3" fmla="*/ 184699 h 242500"/>
+                <a:gd name="connsiteX4" fmla="*/ 95842 w 106999"/>
+                <a:gd name="connsiteY4" fmla="*/ 233263 h 242500"/>
+                <a:gd name="connsiteX5" fmla="*/ 92410 w 106999"/>
+                <a:gd name="connsiteY5" fmla="*/ 242500 h 242500"/>
+                <a:gd name="connsiteX6" fmla="*/ 31568 w 106999"/>
+                <a:gd name="connsiteY6" fmla="*/ 242500 h 242500"/>
+                <a:gd name="connsiteX7" fmla="*/ 37381 w 106999"/>
+                <a:gd name="connsiteY7" fmla="*/ 230384 h 242500"/>
+                <a:gd name="connsiteX8" fmla="*/ 47310 w 106999"/>
+                <a:gd name="connsiteY8" fmla="*/ 179929 h 242500"/>
+                <a:gd name="connsiteX9" fmla="*/ 0 w 106999"/>
+                <a:gd name="connsiteY9" fmla="*/ 56099 h 242500"/>
+                <a:gd name="connsiteX10" fmla="*/ 10217 w 106999"/>
+                <a:gd name="connsiteY10" fmla="*/ 9511 h 242500"/>
+                <a:gd name="connsiteX11" fmla="*/ 106999 w 106999"/>
+                <a:gd name="connsiteY11" fmla="*/ 60790 h 242500"/>
+                <a:gd name="connsiteX12" fmla="*/ 73619 w 106999"/>
+                <a:gd name="connsiteY12" fmla="*/ 0 h 242500"/>
+                <a:gd name="connsiteX0" fmla="*/ 73619 w 198439"/>
+                <a:gd name="connsiteY0" fmla="*/ 0 h 242500"/>
+                <a:gd name="connsiteX1" fmla="*/ 67199 w 198439"/>
+                <a:gd name="connsiteY1" fmla="*/ 7044 h 242500"/>
+                <a:gd name="connsiteX2" fmla="*/ 52708 w 198439"/>
+                <a:gd name="connsiteY2" fmla="*/ 57706 h 242500"/>
+                <a:gd name="connsiteX3" fmla="*/ 103192 w 198439"/>
+                <a:gd name="connsiteY3" fmla="*/ 184699 h 242500"/>
+                <a:gd name="connsiteX4" fmla="*/ 95842 w 198439"/>
+                <a:gd name="connsiteY4" fmla="*/ 233263 h 242500"/>
+                <a:gd name="connsiteX5" fmla="*/ 92410 w 198439"/>
+                <a:gd name="connsiteY5" fmla="*/ 242500 h 242500"/>
+                <a:gd name="connsiteX6" fmla="*/ 31568 w 198439"/>
+                <a:gd name="connsiteY6" fmla="*/ 242500 h 242500"/>
+                <a:gd name="connsiteX7" fmla="*/ 37381 w 198439"/>
+                <a:gd name="connsiteY7" fmla="*/ 230384 h 242500"/>
+                <a:gd name="connsiteX8" fmla="*/ 47310 w 198439"/>
+                <a:gd name="connsiteY8" fmla="*/ 179929 h 242500"/>
+                <a:gd name="connsiteX9" fmla="*/ 0 w 198439"/>
+                <a:gd name="connsiteY9" fmla="*/ 56099 h 242500"/>
+                <a:gd name="connsiteX10" fmla="*/ 10217 w 198439"/>
+                <a:gd name="connsiteY10" fmla="*/ 9511 h 242500"/>
+                <a:gd name="connsiteX11" fmla="*/ 198439 w 198439"/>
+                <a:gd name="connsiteY11" fmla="*/ 121580 h 242500"/>
+                <a:gd name="connsiteX0" fmla="*/ 73619 w 198439"/>
+                <a:gd name="connsiteY0" fmla="*/ 0 h 242500"/>
+                <a:gd name="connsiteX1" fmla="*/ 67199 w 198439"/>
+                <a:gd name="connsiteY1" fmla="*/ 7044 h 242500"/>
+                <a:gd name="connsiteX2" fmla="*/ 52708 w 198439"/>
+                <a:gd name="connsiteY2" fmla="*/ 57706 h 242500"/>
+                <a:gd name="connsiteX3" fmla="*/ 103192 w 198439"/>
+                <a:gd name="connsiteY3" fmla="*/ 184699 h 242500"/>
+                <a:gd name="connsiteX4" fmla="*/ 95842 w 198439"/>
+                <a:gd name="connsiteY4" fmla="*/ 233263 h 242500"/>
+                <a:gd name="connsiteX5" fmla="*/ 92410 w 198439"/>
+                <a:gd name="connsiteY5" fmla="*/ 242500 h 242500"/>
+                <a:gd name="connsiteX6" fmla="*/ 31568 w 198439"/>
+                <a:gd name="connsiteY6" fmla="*/ 242500 h 242500"/>
+                <a:gd name="connsiteX7" fmla="*/ 37381 w 198439"/>
+                <a:gd name="connsiteY7" fmla="*/ 230384 h 242500"/>
+                <a:gd name="connsiteX8" fmla="*/ 47310 w 198439"/>
+                <a:gd name="connsiteY8" fmla="*/ 179929 h 242500"/>
+                <a:gd name="connsiteX9" fmla="*/ 0 w 198439"/>
+                <a:gd name="connsiteY9" fmla="*/ 56099 h 242500"/>
+                <a:gd name="connsiteX10" fmla="*/ 10217 w 198439"/>
+                <a:gd name="connsiteY10" fmla="*/ 9511 h 242500"/>
+                <a:gd name="connsiteX11" fmla="*/ 198439 w 198439"/>
+                <a:gd name="connsiteY11" fmla="*/ 121580 h 242500"/>
+                <a:gd name="connsiteX12" fmla="*/ 73619 w 198439"/>
+                <a:gd name="connsiteY12" fmla="*/ 0 h 242500"/>
+                <a:gd name="connsiteX0" fmla="*/ 73619 w 198439"/>
+                <a:gd name="connsiteY0" fmla="*/ 0 h 242500"/>
+                <a:gd name="connsiteX1" fmla="*/ 52708 w 198439"/>
+                <a:gd name="connsiteY1" fmla="*/ 57706 h 242500"/>
+                <a:gd name="connsiteX2" fmla="*/ 103192 w 198439"/>
+                <a:gd name="connsiteY2" fmla="*/ 184699 h 242500"/>
+                <a:gd name="connsiteX3" fmla="*/ 95842 w 198439"/>
+                <a:gd name="connsiteY3" fmla="*/ 233263 h 242500"/>
+                <a:gd name="connsiteX4" fmla="*/ 92410 w 198439"/>
+                <a:gd name="connsiteY4" fmla="*/ 242500 h 242500"/>
+                <a:gd name="connsiteX5" fmla="*/ 31568 w 198439"/>
+                <a:gd name="connsiteY5" fmla="*/ 242500 h 242500"/>
+                <a:gd name="connsiteX6" fmla="*/ 37381 w 198439"/>
+                <a:gd name="connsiteY6" fmla="*/ 230384 h 242500"/>
+                <a:gd name="connsiteX7" fmla="*/ 47310 w 198439"/>
+                <a:gd name="connsiteY7" fmla="*/ 179929 h 242500"/>
+                <a:gd name="connsiteX8" fmla="*/ 0 w 198439"/>
+                <a:gd name="connsiteY8" fmla="*/ 56099 h 242500"/>
+                <a:gd name="connsiteX9" fmla="*/ 10217 w 198439"/>
+                <a:gd name="connsiteY9" fmla="*/ 9511 h 242500"/>
+                <a:gd name="connsiteX10" fmla="*/ 198439 w 198439"/>
+                <a:gd name="connsiteY10" fmla="*/ 121580 h 242500"/>
+                <a:gd name="connsiteX11" fmla="*/ 73619 w 198439"/>
+                <a:gd name="connsiteY11" fmla="*/ 0 h 242500"/>
+                <a:gd name="connsiteX0" fmla="*/ 198439 w 198439"/>
+                <a:gd name="connsiteY0" fmla="*/ 112201 h 233121"/>
+                <a:gd name="connsiteX1" fmla="*/ 52708 w 198439"/>
+                <a:gd name="connsiteY1" fmla="*/ 48327 h 233121"/>
+                <a:gd name="connsiteX2" fmla="*/ 103192 w 198439"/>
+                <a:gd name="connsiteY2" fmla="*/ 175320 h 233121"/>
+                <a:gd name="connsiteX3" fmla="*/ 95842 w 198439"/>
+                <a:gd name="connsiteY3" fmla="*/ 223884 h 233121"/>
+                <a:gd name="connsiteX4" fmla="*/ 92410 w 198439"/>
+                <a:gd name="connsiteY4" fmla="*/ 233121 h 233121"/>
+                <a:gd name="connsiteX5" fmla="*/ 31568 w 198439"/>
+                <a:gd name="connsiteY5" fmla="*/ 233121 h 233121"/>
+                <a:gd name="connsiteX6" fmla="*/ 37381 w 198439"/>
+                <a:gd name="connsiteY6" fmla="*/ 221005 h 233121"/>
+                <a:gd name="connsiteX7" fmla="*/ 47310 w 198439"/>
+                <a:gd name="connsiteY7" fmla="*/ 170550 h 233121"/>
+                <a:gd name="connsiteX8" fmla="*/ 0 w 198439"/>
+                <a:gd name="connsiteY8" fmla="*/ 46720 h 233121"/>
+                <a:gd name="connsiteX9" fmla="*/ 10217 w 198439"/>
+                <a:gd name="connsiteY9" fmla="*/ 132 h 233121"/>
+                <a:gd name="connsiteX10" fmla="*/ 198439 w 198439"/>
+                <a:gd name="connsiteY10" fmla="*/ 112201 h 233121"/>
+                <a:gd name="connsiteX0" fmla="*/ 198439 w 198439"/>
+                <a:gd name="connsiteY0" fmla="*/ 112201 h 233121"/>
+                <a:gd name="connsiteX1" fmla="*/ 103192 w 198439"/>
+                <a:gd name="connsiteY1" fmla="*/ 175320 h 233121"/>
+                <a:gd name="connsiteX2" fmla="*/ 95842 w 198439"/>
+                <a:gd name="connsiteY2" fmla="*/ 223884 h 233121"/>
+                <a:gd name="connsiteX3" fmla="*/ 92410 w 198439"/>
+                <a:gd name="connsiteY3" fmla="*/ 233121 h 233121"/>
+                <a:gd name="connsiteX4" fmla="*/ 31568 w 198439"/>
+                <a:gd name="connsiteY4" fmla="*/ 233121 h 233121"/>
+                <a:gd name="connsiteX5" fmla="*/ 37381 w 198439"/>
+                <a:gd name="connsiteY5" fmla="*/ 221005 h 233121"/>
+                <a:gd name="connsiteX6" fmla="*/ 47310 w 198439"/>
+                <a:gd name="connsiteY6" fmla="*/ 170550 h 233121"/>
+                <a:gd name="connsiteX7" fmla="*/ 0 w 198439"/>
+                <a:gd name="connsiteY7" fmla="*/ 46720 h 233121"/>
+                <a:gd name="connsiteX8" fmla="*/ 10217 w 198439"/>
+                <a:gd name="connsiteY8" fmla="*/ 132 h 233121"/>
+                <a:gd name="connsiteX9" fmla="*/ 198439 w 198439"/>
+                <a:gd name="connsiteY9" fmla="*/ 112201 h 233121"/>
+                <a:gd name="connsiteX0" fmla="*/ 198439 w 198439"/>
+                <a:gd name="connsiteY0" fmla="*/ 112201 h 233121"/>
+                <a:gd name="connsiteX1" fmla="*/ 95842 w 198439"/>
+                <a:gd name="connsiteY1" fmla="*/ 223884 h 233121"/>
+                <a:gd name="connsiteX2" fmla="*/ 92410 w 198439"/>
+                <a:gd name="connsiteY2" fmla="*/ 233121 h 233121"/>
+                <a:gd name="connsiteX3" fmla="*/ 31568 w 198439"/>
+                <a:gd name="connsiteY3" fmla="*/ 233121 h 233121"/>
+                <a:gd name="connsiteX4" fmla="*/ 37381 w 198439"/>
+                <a:gd name="connsiteY4" fmla="*/ 221005 h 233121"/>
+                <a:gd name="connsiteX5" fmla="*/ 47310 w 198439"/>
+                <a:gd name="connsiteY5" fmla="*/ 170550 h 233121"/>
+                <a:gd name="connsiteX6" fmla="*/ 0 w 198439"/>
+                <a:gd name="connsiteY6" fmla="*/ 46720 h 233121"/>
+                <a:gd name="connsiteX7" fmla="*/ 10217 w 198439"/>
+                <a:gd name="connsiteY7" fmla="*/ 132 h 233121"/>
+                <a:gd name="connsiteX8" fmla="*/ 198439 w 198439"/>
+                <a:gd name="connsiteY8" fmla="*/ 112201 h 233121"/>
+                <a:gd name="connsiteX0" fmla="*/ 31568 w 198439"/>
+                <a:gd name="connsiteY0" fmla="*/ 233121 h 293911"/>
+                <a:gd name="connsiteX1" fmla="*/ 37381 w 198439"/>
+                <a:gd name="connsiteY1" fmla="*/ 221005 h 293911"/>
+                <a:gd name="connsiteX2" fmla="*/ 47310 w 198439"/>
+                <a:gd name="connsiteY2" fmla="*/ 170550 h 293911"/>
+                <a:gd name="connsiteX3" fmla="*/ 0 w 198439"/>
+                <a:gd name="connsiteY3" fmla="*/ 46720 h 293911"/>
+                <a:gd name="connsiteX4" fmla="*/ 10217 w 198439"/>
+                <a:gd name="connsiteY4" fmla="*/ 132 h 293911"/>
+                <a:gd name="connsiteX5" fmla="*/ 198439 w 198439"/>
+                <a:gd name="connsiteY5" fmla="*/ 112201 h 293911"/>
+                <a:gd name="connsiteX6" fmla="*/ 95842 w 198439"/>
+                <a:gd name="connsiteY6" fmla="*/ 223884 h 293911"/>
+                <a:gd name="connsiteX7" fmla="*/ 183850 w 198439"/>
+                <a:gd name="connsiteY7" fmla="*/ 293911 h 293911"/>
+                <a:gd name="connsiteX0" fmla="*/ 31568 w 201775"/>
+                <a:gd name="connsiteY0" fmla="*/ 232989 h 293779"/>
+                <a:gd name="connsiteX1" fmla="*/ 37381 w 201775"/>
+                <a:gd name="connsiteY1" fmla="*/ 220873 h 293779"/>
+                <a:gd name="connsiteX2" fmla="*/ 47310 w 201775"/>
+                <a:gd name="connsiteY2" fmla="*/ 170418 h 293779"/>
+                <a:gd name="connsiteX3" fmla="*/ 0 w 201775"/>
+                <a:gd name="connsiteY3" fmla="*/ 46588 h 293779"/>
+                <a:gd name="connsiteX4" fmla="*/ 10217 w 201775"/>
+                <a:gd name="connsiteY4" fmla="*/ 0 h 293779"/>
+                <a:gd name="connsiteX5" fmla="*/ 161264 w 201775"/>
+                <a:gd name="connsiteY5" fmla="*/ 85778 h 293779"/>
+                <a:gd name="connsiteX6" fmla="*/ 198439 w 201775"/>
+                <a:gd name="connsiteY6" fmla="*/ 112069 h 293779"/>
+                <a:gd name="connsiteX7" fmla="*/ 95842 w 201775"/>
+                <a:gd name="connsiteY7" fmla="*/ 223752 h 293779"/>
+                <a:gd name="connsiteX8" fmla="*/ 183850 w 201775"/>
+                <a:gd name="connsiteY8" fmla="*/ 293779 h 293779"/>
+                <a:gd name="connsiteX0" fmla="*/ 31568 w 198439"/>
+                <a:gd name="connsiteY0" fmla="*/ 232989 h 293779"/>
+                <a:gd name="connsiteX1" fmla="*/ 37381 w 198439"/>
+                <a:gd name="connsiteY1" fmla="*/ 220873 h 293779"/>
+                <a:gd name="connsiteX2" fmla="*/ 47310 w 198439"/>
+                <a:gd name="connsiteY2" fmla="*/ 170418 h 293779"/>
+                <a:gd name="connsiteX3" fmla="*/ 0 w 198439"/>
+                <a:gd name="connsiteY3" fmla="*/ 46588 h 293779"/>
+                <a:gd name="connsiteX4" fmla="*/ 10217 w 198439"/>
+                <a:gd name="connsiteY4" fmla="*/ 0 h 293779"/>
+                <a:gd name="connsiteX5" fmla="*/ 198439 w 198439"/>
+                <a:gd name="connsiteY5" fmla="*/ 112069 h 293779"/>
+                <a:gd name="connsiteX6" fmla="*/ 95842 w 198439"/>
+                <a:gd name="connsiteY6" fmla="*/ 223752 h 293779"/>
+                <a:gd name="connsiteX7" fmla="*/ 183850 w 198439"/>
+                <a:gd name="connsiteY7" fmla="*/ 293779 h 293779"/>
+                <a:gd name="connsiteX0" fmla="*/ 31568 w 183850"/>
+                <a:gd name="connsiteY0" fmla="*/ 232989 h 293779"/>
+                <a:gd name="connsiteX1" fmla="*/ 37381 w 183850"/>
+                <a:gd name="connsiteY1" fmla="*/ 220873 h 293779"/>
+                <a:gd name="connsiteX2" fmla="*/ 47310 w 183850"/>
+                <a:gd name="connsiteY2" fmla="*/ 170418 h 293779"/>
+                <a:gd name="connsiteX3" fmla="*/ 0 w 183850"/>
+                <a:gd name="connsiteY3" fmla="*/ 46588 h 293779"/>
+                <a:gd name="connsiteX4" fmla="*/ 10217 w 183850"/>
+                <a:gd name="connsiteY4" fmla="*/ 0 h 293779"/>
+                <a:gd name="connsiteX5" fmla="*/ 95842 w 183850"/>
+                <a:gd name="connsiteY5" fmla="*/ 223752 h 293779"/>
+                <a:gd name="connsiteX6" fmla="*/ 183850 w 183850"/>
+                <a:gd name="connsiteY6" fmla="*/ 293779 h 293779"/>
+                <a:gd name="connsiteX0" fmla="*/ 31568 w 183850"/>
+                <a:gd name="connsiteY0" fmla="*/ 232989 h 293779"/>
+                <a:gd name="connsiteX1" fmla="*/ 37381 w 183850"/>
+                <a:gd name="connsiteY1" fmla="*/ 220873 h 293779"/>
+                <a:gd name="connsiteX2" fmla="*/ 47310 w 183850"/>
+                <a:gd name="connsiteY2" fmla="*/ 170418 h 293779"/>
+                <a:gd name="connsiteX3" fmla="*/ 0 w 183850"/>
+                <a:gd name="connsiteY3" fmla="*/ 46588 h 293779"/>
+                <a:gd name="connsiteX4" fmla="*/ 10217 w 183850"/>
+                <a:gd name="connsiteY4" fmla="*/ 0 h 293779"/>
+                <a:gd name="connsiteX5" fmla="*/ 183850 w 183850"/>
+                <a:gd name="connsiteY5" fmla="*/ 293779 h 293779"/>
+                <a:gd name="connsiteX0" fmla="*/ 31568 w 47331"/>
+                <a:gd name="connsiteY0" fmla="*/ 232989 h 232989"/>
+                <a:gd name="connsiteX1" fmla="*/ 37381 w 47331"/>
+                <a:gd name="connsiteY1" fmla="*/ 220873 h 232989"/>
+                <a:gd name="connsiteX2" fmla="*/ 47310 w 47331"/>
+                <a:gd name="connsiteY2" fmla="*/ 170418 h 232989"/>
+                <a:gd name="connsiteX3" fmla="*/ 0 w 47331"/>
+                <a:gd name="connsiteY3" fmla="*/ 46588 h 232989"/>
+                <a:gd name="connsiteX4" fmla="*/ 10217 w 47331"/>
+                <a:gd name="connsiteY4" fmla="*/ 0 h 232989"/>
+              </a:gdLst>
+              <a:ahLst/>
+              <a:cxnLst>
+                <a:cxn ang="0">
+                  <a:pos x="connsiteX0" y="connsiteY0"/>
+                </a:cxn>
+                <a:cxn ang="0">
+                  <a:pos x="connsiteX1" y="connsiteY1"/>
+                </a:cxn>
+                <a:cxn ang="0">
+                  <a:pos x="connsiteX2" y="connsiteY2"/>
+                </a:cxn>
+                <a:cxn ang="0">
+                  <a:pos x="connsiteX3" y="connsiteY3"/>
+                </a:cxn>
+                <a:cxn ang="0">
+                  <a:pos x="connsiteX4" y="connsiteY4"/>
+                </a:cxn>
+              </a:cxnLst>
+              <a:rect l="l" t="t" r="r" b="b"/>
+              <a:pathLst>
+                <a:path w="47331" h="232989">
+                  <a:moveTo>
+                    <a:pt x="31568" y="232989"/>
+                  </a:moveTo>
+                  <a:lnTo>
+                    <a:pt x="37381" y="220873"/>
+                  </a:lnTo>
+                  <a:cubicBezTo>
+                    <a:pt x="42854" y="206936"/>
+                    <a:pt x="47695" y="188483"/>
+                    <a:pt x="47310" y="170418"/>
+                  </a:cubicBezTo>
+                  <a:cubicBezTo>
+                    <a:pt x="46539" y="134289"/>
+                    <a:pt x="4208" y="93811"/>
+                    <a:pt x="0" y="46588"/>
+                  </a:cubicBezTo>
+                  <a:cubicBezTo>
+                    <a:pt x="0" y="28391"/>
+                    <a:pt x="4840" y="11921"/>
+                    <a:pt x="10217" y="0"/>
+                  </a:cubicBezTo>
+                </a:path>
+              </a:pathLst>
+            </a:custGeom>
+            <a:noFill/>
+            <a:ln>
+              <a:solidFill>
+                <a:schemeClr val="tx1"/>
+              </a:solidFill>
+            </a:ln>
+          </p:spPr>
+          <p:style>
+            <a:lnRef idx="2">
+              <a:schemeClr val="accent1">
+                <a:shade val="50000"/>
+              </a:schemeClr>
+            </a:lnRef>
+            <a:fillRef idx="1">
+              <a:schemeClr val="accent1"/>
+            </a:fillRef>
+            <a:effectRef idx="0">
+              <a:schemeClr val="accent1"/>
+            </a:effectRef>
+            <a:fontRef idx="minor">
+              <a:schemeClr val="lt1"/>
+            </a:fontRef>
+          </p:style>
+          <p:txBody>
+            <a:bodyPr rtlCol="0" anchor="ctr"/>
+            <a:lstStyle/>
+            <a:p>
+              <a:pPr algn="ctr"/>
+              <a:endParaRPr lang="en-US" sz="2000">
+                <a:latin typeface="Arial" panose="020B0604020202020204" pitchFamily="34" charset="0"/>
+                <a:cs typeface="Arial" panose="020B0604020202020204" pitchFamily="34" charset="0"/>
+              </a:endParaRPr>
+            </a:p>
+          </p:txBody>
+        </p:sp>
+        <p:sp>
+          <p:nvSpPr>
+            <p:cNvPr id="42" name="手繪多邊形 416">
+              <a:extLst>
+                <a:ext uri="{FF2B5EF4-FFF2-40B4-BE49-F238E27FC236}">
+                  <a16:creationId xmlns:a16="http://schemas.microsoft.com/office/drawing/2014/main" id="{7D7F109A-F6A8-2943-A871-8D6416B9F41A}"/>
+                </a:ext>
+              </a:extLst>
+            </p:cNvPr>
+            <p:cNvSpPr/>
+            <p:nvPr/>
+          </p:nvSpPr>
+          <p:spPr>
+            <a:xfrm rot="580019">
+              <a:off x="977594" y="1894311"/>
+              <a:ext cx="47331" cy="350462"/>
+            </a:xfrm>
+            <a:custGeom>
+              <a:avLst/>
+              <a:gdLst>
+                <a:gd name="connsiteX0" fmla="*/ 15559 w 103201"/>
+                <a:gd name="connsiteY0" fmla="*/ 0 h 242500"/>
+                <a:gd name="connsiteX1" fmla="*/ 73619 w 103201"/>
+                <a:gd name="connsiteY1" fmla="*/ 0 h 242500"/>
+                <a:gd name="connsiteX2" fmla="*/ 67199 w 103201"/>
+                <a:gd name="connsiteY2" fmla="*/ 7044 h 242500"/>
+                <a:gd name="connsiteX3" fmla="*/ 52708 w 103201"/>
+                <a:gd name="connsiteY3" fmla="*/ 57706 h 242500"/>
+                <a:gd name="connsiteX4" fmla="*/ 103192 w 103201"/>
+                <a:gd name="connsiteY4" fmla="*/ 184699 h 242500"/>
+                <a:gd name="connsiteX5" fmla="*/ 95842 w 103201"/>
+                <a:gd name="connsiteY5" fmla="*/ 233263 h 242500"/>
+                <a:gd name="connsiteX6" fmla="*/ 92410 w 103201"/>
+                <a:gd name="connsiteY6" fmla="*/ 242500 h 242500"/>
+                <a:gd name="connsiteX7" fmla="*/ 31568 w 103201"/>
+                <a:gd name="connsiteY7" fmla="*/ 242500 h 242500"/>
+                <a:gd name="connsiteX8" fmla="*/ 37381 w 103201"/>
+                <a:gd name="connsiteY8" fmla="*/ 230384 h 242500"/>
+                <a:gd name="connsiteX9" fmla="*/ 47310 w 103201"/>
+                <a:gd name="connsiteY9" fmla="*/ 179929 h 242500"/>
+                <a:gd name="connsiteX10" fmla="*/ 0 w 103201"/>
+                <a:gd name="connsiteY10" fmla="*/ 56099 h 242500"/>
+                <a:gd name="connsiteX11" fmla="*/ 10217 w 103201"/>
+                <a:gd name="connsiteY11" fmla="*/ 9511 h 242500"/>
+                <a:gd name="connsiteX0" fmla="*/ 73619 w 106999"/>
+                <a:gd name="connsiteY0" fmla="*/ 0 h 242500"/>
+                <a:gd name="connsiteX1" fmla="*/ 67199 w 106999"/>
+                <a:gd name="connsiteY1" fmla="*/ 7044 h 242500"/>
+                <a:gd name="connsiteX2" fmla="*/ 52708 w 106999"/>
+                <a:gd name="connsiteY2" fmla="*/ 57706 h 242500"/>
+                <a:gd name="connsiteX3" fmla="*/ 103192 w 106999"/>
+                <a:gd name="connsiteY3" fmla="*/ 184699 h 242500"/>
+                <a:gd name="connsiteX4" fmla="*/ 95842 w 106999"/>
+                <a:gd name="connsiteY4" fmla="*/ 233263 h 242500"/>
+                <a:gd name="connsiteX5" fmla="*/ 92410 w 106999"/>
+                <a:gd name="connsiteY5" fmla="*/ 242500 h 242500"/>
+                <a:gd name="connsiteX6" fmla="*/ 31568 w 106999"/>
+                <a:gd name="connsiteY6" fmla="*/ 242500 h 242500"/>
+                <a:gd name="connsiteX7" fmla="*/ 37381 w 106999"/>
+                <a:gd name="connsiteY7" fmla="*/ 230384 h 242500"/>
+                <a:gd name="connsiteX8" fmla="*/ 47310 w 106999"/>
+                <a:gd name="connsiteY8" fmla="*/ 179929 h 242500"/>
+                <a:gd name="connsiteX9" fmla="*/ 0 w 106999"/>
+                <a:gd name="connsiteY9" fmla="*/ 56099 h 242500"/>
+                <a:gd name="connsiteX10" fmla="*/ 10217 w 106999"/>
+                <a:gd name="connsiteY10" fmla="*/ 9511 h 242500"/>
+                <a:gd name="connsiteX11" fmla="*/ 106999 w 106999"/>
+                <a:gd name="connsiteY11" fmla="*/ 60790 h 242500"/>
+                <a:gd name="connsiteX0" fmla="*/ 73619 w 106999"/>
+                <a:gd name="connsiteY0" fmla="*/ 0 h 242500"/>
+                <a:gd name="connsiteX1" fmla="*/ 67199 w 106999"/>
+                <a:gd name="connsiteY1" fmla="*/ 7044 h 242500"/>
+                <a:gd name="connsiteX2" fmla="*/ 52708 w 106999"/>
+                <a:gd name="connsiteY2" fmla="*/ 57706 h 242500"/>
+                <a:gd name="connsiteX3" fmla="*/ 103192 w 106999"/>
+                <a:gd name="connsiteY3" fmla="*/ 184699 h 242500"/>
+                <a:gd name="connsiteX4" fmla="*/ 95842 w 106999"/>
+                <a:gd name="connsiteY4" fmla="*/ 233263 h 242500"/>
+                <a:gd name="connsiteX5" fmla="*/ 92410 w 106999"/>
+                <a:gd name="connsiteY5" fmla="*/ 242500 h 242500"/>
+                <a:gd name="connsiteX6" fmla="*/ 31568 w 106999"/>
+                <a:gd name="connsiteY6" fmla="*/ 242500 h 242500"/>
+                <a:gd name="connsiteX7" fmla="*/ 37381 w 106999"/>
+                <a:gd name="connsiteY7" fmla="*/ 230384 h 242500"/>
+                <a:gd name="connsiteX8" fmla="*/ 47310 w 106999"/>
+                <a:gd name="connsiteY8" fmla="*/ 179929 h 242500"/>
+                <a:gd name="connsiteX9" fmla="*/ 0 w 106999"/>
+                <a:gd name="connsiteY9" fmla="*/ 56099 h 242500"/>
+                <a:gd name="connsiteX10" fmla="*/ 10217 w 106999"/>
+                <a:gd name="connsiteY10" fmla="*/ 9511 h 242500"/>
+                <a:gd name="connsiteX11" fmla="*/ 106999 w 106999"/>
+                <a:gd name="connsiteY11" fmla="*/ 60790 h 242500"/>
+                <a:gd name="connsiteX12" fmla="*/ 73619 w 106999"/>
+                <a:gd name="connsiteY12" fmla="*/ 0 h 242500"/>
+                <a:gd name="connsiteX0" fmla="*/ 73619 w 198439"/>
+                <a:gd name="connsiteY0" fmla="*/ 0 h 242500"/>
+                <a:gd name="connsiteX1" fmla="*/ 67199 w 198439"/>
+                <a:gd name="connsiteY1" fmla="*/ 7044 h 242500"/>
+                <a:gd name="connsiteX2" fmla="*/ 52708 w 198439"/>
+                <a:gd name="connsiteY2" fmla="*/ 57706 h 242500"/>
+                <a:gd name="connsiteX3" fmla="*/ 103192 w 198439"/>
+                <a:gd name="connsiteY3" fmla="*/ 184699 h 242500"/>
+                <a:gd name="connsiteX4" fmla="*/ 95842 w 198439"/>
+                <a:gd name="connsiteY4" fmla="*/ 233263 h 242500"/>
+                <a:gd name="connsiteX5" fmla="*/ 92410 w 198439"/>
+                <a:gd name="connsiteY5" fmla="*/ 242500 h 242500"/>
+                <a:gd name="connsiteX6" fmla="*/ 31568 w 198439"/>
+                <a:gd name="connsiteY6" fmla="*/ 242500 h 242500"/>
+                <a:gd name="connsiteX7" fmla="*/ 37381 w 198439"/>
+                <a:gd name="connsiteY7" fmla="*/ 230384 h 242500"/>
+                <a:gd name="connsiteX8" fmla="*/ 47310 w 198439"/>
+                <a:gd name="connsiteY8" fmla="*/ 179929 h 242500"/>
+                <a:gd name="connsiteX9" fmla="*/ 0 w 198439"/>
+                <a:gd name="connsiteY9" fmla="*/ 56099 h 242500"/>
+                <a:gd name="connsiteX10" fmla="*/ 10217 w 198439"/>
+                <a:gd name="connsiteY10" fmla="*/ 9511 h 242500"/>
+                <a:gd name="connsiteX11" fmla="*/ 198439 w 198439"/>
+                <a:gd name="connsiteY11" fmla="*/ 121580 h 242500"/>
+                <a:gd name="connsiteX0" fmla="*/ 73619 w 198439"/>
+                <a:gd name="connsiteY0" fmla="*/ 0 h 242500"/>
+                <a:gd name="connsiteX1" fmla="*/ 67199 w 198439"/>
+                <a:gd name="connsiteY1" fmla="*/ 7044 h 242500"/>
+                <a:gd name="connsiteX2" fmla="*/ 52708 w 198439"/>
+                <a:gd name="connsiteY2" fmla="*/ 57706 h 242500"/>
+                <a:gd name="connsiteX3" fmla="*/ 103192 w 198439"/>
+                <a:gd name="connsiteY3" fmla="*/ 184699 h 242500"/>
+                <a:gd name="connsiteX4" fmla="*/ 95842 w 198439"/>
+                <a:gd name="connsiteY4" fmla="*/ 233263 h 242500"/>
+                <a:gd name="connsiteX5" fmla="*/ 92410 w 198439"/>
+                <a:gd name="connsiteY5" fmla="*/ 242500 h 242500"/>
+                <a:gd name="connsiteX6" fmla="*/ 31568 w 198439"/>
+                <a:gd name="connsiteY6" fmla="*/ 242500 h 242500"/>
+                <a:gd name="connsiteX7" fmla="*/ 37381 w 198439"/>
+                <a:gd name="connsiteY7" fmla="*/ 230384 h 242500"/>
+                <a:gd name="connsiteX8" fmla="*/ 47310 w 198439"/>
+                <a:gd name="connsiteY8" fmla="*/ 179929 h 242500"/>
+                <a:gd name="connsiteX9" fmla="*/ 0 w 198439"/>
+                <a:gd name="connsiteY9" fmla="*/ 56099 h 242500"/>
+                <a:gd name="connsiteX10" fmla="*/ 10217 w 198439"/>
+                <a:gd name="connsiteY10" fmla="*/ 9511 h 242500"/>
+                <a:gd name="connsiteX11" fmla="*/ 198439 w 198439"/>
+                <a:gd name="connsiteY11" fmla="*/ 121580 h 242500"/>
+                <a:gd name="connsiteX12" fmla="*/ 73619 w 198439"/>
+                <a:gd name="connsiteY12" fmla="*/ 0 h 242500"/>
+                <a:gd name="connsiteX0" fmla="*/ 73619 w 198439"/>
+                <a:gd name="connsiteY0" fmla="*/ 0 h 242500"/>
+                <a:gd name="connsiteX1" fmla="*/ 52708 w 198439"/>
+                <a:gd name="connsiteY1" fmla="*/ 57706 h 242500"/>
+                <a:gd name="connsiteX2" fmla="*/ 103192 w 198439"/>
+                <a:gd name="connsiteY2" fmla="*/ 184699 h 242500"/>
+                <a:gd name="connsiteX3" fmla="*/ 95842 w 198439"/>
+                <a:gd name="connsiteY3" fmla="*/ 233263 h 242500"/>
+                <a:gd name="connsiteX4" fmla="*/ 92410 w 198439"/>
+                <a:gd name="connsiteY4" fmla="*/ 242500 h 242500"/>
+                <a:gd name="connsiteX5" fmla="*/ 31568 w 198439"/>
+                <a:gd name="connsiteY5" fmla="*/ 242500 h 242500"/>
+                <a:gd name="connsiteX6" fmla="*/ 37381 w 198439"/>
+                <a:gd name="connsiteY6" fmla="*/ 230384 h 242500"/>
+                <a:gd name="connsiteX7" fmla="*/ 47310 w 198439"/>
+                <a:gd name="connsiteY7" fmla="*/ 179929 h 242500"/>
+                <a:gd name="connsiteX8" fmla="*/ 0 w 198439"/>
+                <a:gd name="connsiteY8" fmla="*/ 56099 h 242500"/>
+                <a:gd name="connsiteX9" fmla="*/ 10217 w 198439"/>
+                <a:gd name="connsiteY9" fmla="*/ 9511 h 242500"/>
+                <a:gd name="connsiteX10" fmla="*/ 198439 w 198439"/>
+                <a:gd name="connsiteY10" fmla="*/ 121580 h 242500"/>
+                <a:gd name="connsiteX11" fmla="*/ 73619 w 198439"/>
+                <a:gd name="connsiteY11" fmla="*/ 0 h 242500"/>
+                <a:gd name="connsiteX0" fmla="*/ 198439 w 198439"/>
+                <a:gd name="connsiteY0" fmla="*/ 112201 h 233121"/>
+                <a:gd name="connsiteX1" fmla="*/ 52708 w 198439"/>
+                <a:gd name="connsiteY1" fmla="*/ 48327 h 233121"/>
+                <a:gd name="connsiteX2" fmla="*/ 103192 w 198439"/>
+                <a:gd name="connsiteY2" fmla="*/ 175320 h 233121"/>
+                <a:gd name="connsiteX3" fmla="*/ 95842 w 198439"/>
+                <a:gd name="connsiteY3" fmla="*/ 223884 h 233121"/>
+                <a:gd name="connsiteX4" fmla="*/ 92410 w 198439"/>
+                <a:gd name="connsiteY4" fmla="*/ 233121 h 233121"/>
+                <a:gd name="connsiteX5" fmla="*/ 31568 w 198439"/>
+                <a:gd name="connsiteY5" fmla="*/ 233121 h 233121"/>
+                <a:gd name="connsiteX6" fmla="*/ 37381 w 198439"/>
+                <a:gd name="connsiteY6" fmla="*/ 221005 h 233121"/>
+                <a:gd name="connsiteX7" fmla="*/ 47310 w 198439"/>
+                <a:gd name="connsiteY7" fmla="*/ 170550 h 233121"/>
+                <a:gd name="connsiteX8" fmla="*/ 0 w 198439"/>
+                <a:gd name="connsiteY8" fmla="*/ 46720 h 233121"/>
+                <a:gd name="connsiteX9" fmla="*/ 10217 w 198439"/>
+                <a:gd name="connsiteY9" fmla="*/ 132 h 233121"/>
+                <a:gd name="connsiteX10" fmla="*/ 198439 w 198439"/>
+                <a:gd name="connsiteY10" fmla="*/ 112201 h 233121"/>
+                <a:gd name="connsiteX0" fmla="*/ 198439 w 198439"/>
+                <a:gd name="connsiteY0" fmla="*/ 112201 h 233121"/>
+                <a:gd name="connsiteX1" fmla="*/ 103192 w 198439"/>
+                <a:gd name="connsiteY1" fmla="*/ 175320 h 233121"/>
+                <a:gd name="connsiteX2" fmla="*/ 95842 w 198439"/>
+                <a:gd name="connsiteY2" fmla="*/ 223884 h 233121"/>
+                <a:gd name="connsiteX3" fmla="*/ 92410 w 198439"/>
+                <a:gd name="connsiteY3" fmla="*/ 233121 h 233121"/>
+                <a:gd name="connsiteX4" fmla="*/ 31568 w 198439"/>
+                <a:gd name="connsiteY4" fmla="*/ 233121 h 233121"/>
+                <a:gd name="connsiteX5" fmla="*/ 37381 w 198439"/>
+                <a:gd name="connsiteY5" fmla="*/ 221005 h 233121"/>
+                <a:gd name="connsiteX6" fmla="*/ 47310 w 198439"/>
+                <a:gd name="connsiteY6" fmla="*/ 170550 h 233121"/>
+                <a:gd name="connsiteX7" fmla="*/ 0 w 198439"/>
+                <a:gd name="connsiteY7" fmla="*/ 46720 h 233121"/>
+                <a:gd name="connsiteX8" fmla="*/ 10217 w 198439"/>
+                <a:gd name="connsiteY8" fmla="*/ 132 h 233121"/>
+                <a:gd name="connsiteX9" fmla="*/ 198439 w 198439"/>
+                <a:gd name="connsiteY9" fmla="*/ 112201 h 233121"/>
+                <a:gd name="connsiteX0" fmla="*/ 198439 w 198439"/>
+                <a:gd name="connsiteY0" fmla="*/ 112201 h 233121"/>
+                <a:gd name="connsiteX1" fmla="*/ 95842 w 198439"/>
+                <a:gd name="connsiteY1" fmla="*/ 223884 h 233121"/>
+                <a:gd name="connsiteX2" fmla="*/ 92410 w 198439"/>
+                <a:gd name="connsiteY2" fmla="*/ 233121 h 233121"/>
+                <a:gd name="connsiteX3" fmla="*/ 31568 w 198439"/>
+                <a:gd name="connsiteY3" fmla="*/ 233121 h 233121"/>
+                <a:gd name="connsiteX4" fmla="*/ 37381 w 198439"/>
+                <a:gd name="connsiteY4" fmla="*/ 221005 h 233121"/>
+                <a:gd name="connsiteX5" fmla="*/ 47310 w 198439"/>
+                <a:gd name="connsiteY5" fmla="*/ 170550 h 233121"/>
+                <a:gd name="connsiteX6" fmla="*/ 0 w 198439"/>
+                <a:gd name="connsiteY6" fmla="*/ 46720 h 233121"/>
+                <a:gd name="connsiteX7" fmla="*/ 10217 w 198439"/>
+                <a:gd name="connsiteY7" fmla="*/ 132 h 233121"/>
+                <a:gd name="connsiteX8" fmla="*/ 198439 w 198439"/>
+                <a:gd name="connsiteY8" fmla="*/ 112201 h 233121"/>
+                <a:gd name="connsiteX0" fmla="*/ 31568 w 198439"/>
+                <a:gd name="connsiteY0" fmla="*/ 233121 h 293911"/>
+                <a:gd name="connsiteX1" fmla="*/ 37381 w 198439"/>
+                <a:gd name="connsiteY1" fmla="*/ 221005 h 293911"/>
+                <a:gd name="connsiteX2" fmla="*/ 47310 w 198439"/>
+                <a:gd name="connsiteY2" fmla="*/ 170550 h 293911"/>
+                <a:gd name="connsiteX3" fmla="*/ 0 w 198439"/>
+                <a:gd name="connsiteY3" fmla="*/ 46720 h 293911"/>
+                <a:gd name="connsiteX4" fmla="*/ 10217 w 198439"/>
+                <a:gd name="connsiteY4" fmla="*/ 132 h 293911"/>
+                <a:gd name="connsiteX5" fmla="*/ 198439 w 198439"/>
+                <a:gd name="connsiteY5" fmla="*/ 112201 h 293911"/>
+                <a:gd name="connsiteX6" fmla="*/ 95842 w 198439"/>
+                <a:gd name="connsiteY6" fmla="*/ 223884 h 293911"/>
+                <a:gd name="connsiteX7" fmla="*/ 183850 w 198439"/>
+                <a:gd name="connsiteY7" fmla="*/ 293911 h 293911"/>
+                <a:gd name="connsiteX0" fmla="*/ 31568 w 201775"/>
+                <a:gd name="connsiteY0" fmla="*/ 232989 h 293779"/>
+                <a:gd name="connsiteX1" fmla="*/ 37381 w 201775"/>
+                <a:gd name="connsiteY1" fmla="*/ 220873 h 293779"/>
+                <a:gd name="connsiteX2" fmla="*/ 47310 w 201775"/>
+                <a:gd name="connsiteY2" fmla="*/ 170418 h 293779"/>
+                <a:gd name="connsiteX3" fmla="*/ 0 w 201775"/>
+                <a:gd name="connsiteY3" fmla="*/ 46588 h 293779"/>
+                <a:gd name="connsiteX4" fmla="*/ 10217 w 201775"/>
+                <a:gd name="connsiteY4" fmla="*/ 0 h 293779"/>
+                <a:gd name="connsiteX5" fmla="*/ 161264 w 201775"/>
+                <a:gd name="connsiteY5" fmla="*/ 85778 h 293779"/>
+                <a:gd name="connsiteX6" fmla="*/ 198439 w 201775"/>
+                <a:gd name="connsiteY6" fmla="*/ 112069 h 293779"/>
+                <a:gd name="connsiteX7" fmla="*/ 95842 w 201775"/>
+                <a:gd name="connsiteY7" fmla="*/ 223752 h 293779"/>
+                <a:gd name="connsiteX8" fmla="*/ 183850 w 201775"/>
+                <a:gd name="connsiteY8" fmla="*/ 293779 h 293779"/>
+                <a:gd name="connsiteX0" fmla="*/ 31568 w 198439"/>
+                <a:gd name="connsiteY0" fmla="*/ 232989 h 293779"/>
+                <a:gd name="connsiteX1" fmla="*/ 37381 w 198439"/>
+                <a:gd name="connsiteY1" fmla="*/ 220873 h 293779"/>
+                <a:gd name="connsiteX2" fmla="*/ 47310 w 198439"/>
+                <a:gd name="connsiteY2" fmla="*/ 170418 h 293779"/>
+                <a:gd name="connsiteX3" fmla="*/ 0 w 198439"/>
+                <a:gd name="connsiteY3" fmla="*/ 46588 h 293779"/>
+                <a:gd name="connsiteX4" fmla="*/ 10217 w 198439"/>
+                <a:gd name="connsiteY4" fmla="*/ 0 h 293779"/>
+                <a:gd name="connsiteX5" fmla="*/ 198439 w 198439"/>
+                <a:gd name="connsiteY5" fmla="*/ 112069 h 293779"/>
+                <a:gd name="connsiteX6" fmla="*/ 95842 w 198439"/>
+                <a:gd name="connsiteY6" fmla="*/ 223752 h 293779"/>
+                <a:gd name="connsiteX7" fmla="*/ 183850 w 198439"/>
+                <a:gd name="connsiteY7" fmla="*/ 293779 h 293779"/>
+                <a:gd name="connsiteX0" fmla="*/ 31568 w 183850"/>
+                <a:gd name="connsiteY0" fmla="*/ 232989 h 293779"/>
+                <a:gd name="connsiteX1" fmla="*/ 37381 w 183850"/>
+                <a:gd name="connsiteY1" fmla="*/ 220873 h 293779"/>
+                <a:gd name="connsiteX2" fmla="*/ 47310 w 183850"/>
+                <a:gd name="connsiteY2" fmla="*/ 170418 h 293779"/>
+                <a:gd name="connsiteX3" fmla="*/ 0 w 183850"/>
+                <a:gd name="connsiteY3" fmla="*/ 46588 h 293779"/>
+                <a:gd name="connsiteX4" fmla="*/ 10217 w 183850"/>
+                <a:gd name="connsiteY4" fmla="*/ 0 h 293779"/>
+                <a:gd name="connsiteX5" fmla="*/ 95842 w 183850"/>
+                <a:gd name="connsiteY5" fmla="*/ 223752 h 293779"/>
+                <a:gd name="connsiteX6" fmla="*/ 183850 w 183850"/>
+                <a:gd name="connsiteY6" fmla="*/ 293779 h 293779"/>
+                <a:gd name="connsiteX0" fmla="*/ 31568 w 183850"/>
+                <a:gd name="connsiteY0" fmla="*/ 232989 h 293779"/>
+                <a:gd name="connsiteX1" fmla="*/ 37381 w 183850"/>
+                <a:gd name="connsiteY1" fmla="*/ 220873 h 293779"/>
+                <a:gd name="connsiteX2" fmla="*/ 47310 w 183850"/>
+                <a:gd name="connsiteY2" fmla="*/ 170418 h 293779"/>
+                <a:gd name="connsiteX3" fmla="*/ 0 w 183850"/>
+                <a:gd name="connsiteY3" fmla="*/ 46588 h 293779"/>
+                <a:gd name="connsiteX4" fmla="*/ 10217 w 183850"/>
+                <a:gd name="connsiteY4" fmla="*/ 0 h 293779"/>
+                <a:gd name="connsiteX5" fmla="*/ 183850 w 183850"/>
+                <a:gd name="connsiteY5" fmla="*/ 293779 h 293779"/>
+                <a:gd name="connsiteX0" fmla="*/ 31568 w 47331"/>
+                <a:gd name="connsiteY0" fmla="*/ 232989 h 232989"/>
+                <a:gd name="connsiteX1" fmla="*/ 37381 w 47331"/>
+                <a:gd name="connsiteY1" fmla="*/ 220873 h 232989"/>
+                <a:gd name="connsiteX2" fmla="*/ 47310 w 47331"/>
+                <a:gd name="connsiteY2" fmla="*/ 170418 h 232989"/>
+                <a:gd name="connsiteX3" fmla="*/ 0 w 47331"/>
+                <a:gd name="connsiteY3" fmla="*/ 46588 h 232989"/>
+                <a:gd name="connsiteX4" fmla="*/ 10217 w 47331"/>
+                <a:gd name="connsiteY4" fmla="*/ 0 h 232989"/>
+              </a:gdLst>
+              <a:ahLst/>
+              <a:cxnLst>
+                <a:cxn ang="0">
+                  <a:pos x="connsiteX0" y="connsiteY0"/>
+                </a:cxn>
+                <a:cxn ang="0">
+                  <a:pos x="connsiteX1" y="connsiteY1"/>
+                </a:cxn>
+                <a:cxn ang="0">
+                  <a:pos x="connsiteX2" y="connsiteY2"/>
+                </a:cxn>
+                <a:cxn ang="0">
+                  <a:pos x="connsiteX3" y="connsiteY3"/>
+                </a:cxn>
+                <a:cxn ang="0">
+                  <a:pos x="connsiteX4" y="connsiteY4"/>
+                </a:cxn>
+              </a:cxnLst>
+              <a:rect l="l" t="t" r="r" b="b"/>
+              <a:pathLst>
+                <a:path w="47331" h="232989">
+                  <a:moveTo>
+                    <a:pt x="31568" y="232989"/>
+                  </a:moveTo>
+                  <a:lnTo>
+                    <a:pt x="37381" y="220873"/>
+                  </a:lnTo>
+                  <a:cubicBezTo>
+                    <a:pt x="42854" y="206936"/>
+                    <a:pt x="47695" y="188483"/>
+                    <a:pt x="47310" y="170418"/>
+                  </a:cubicBezTo>
+                  <a:cubicBezTo>
+                    <a:pt x="46539" y="134289"/>
+                    <a:pt x="4208" y="93811"/>
+                    <a:pt x="0" y="46588"/>
+                  </a:cubicBezTo>
+                  <a:cubicBezTo>
+                    <a:pt x="0" y="28391"/>
+                    <a:pt x="4840" y="11921"/>
+                    <a:pt x="10217" y="0"/>
+                  </a:cubicBezTo>
+                </a:path>
+              </a:pathLst>
+            </a:custGeom>
+            <a:noFill/>
+            <a:ln>
+              <a:solidFill>
+                <a:schemeClr val="tx1"/>
+              </a:solidFill>
+            </a:ln>
+          </p:spPr>
+          <p:style>
+            <a:lnRef idx="2">
+              <a:schemeClr val="accent1">
+                <a:shade val="50000"/>
+              </a:schemeClr>
+            </a:lnRef>
+            <a:fillRef idx="1">
+              <a:schemeClr val="accent1"/>
+            </a:fillRef>
+            <a:effectRef idx="0">
+              <a:schemeClr val="accent1"/>
+            </a:effectRef>
+            <a:fontRef idx="minor">
+              <a:schemeClr val="lt1"/>
+            </a:fontRef>
+          </p:style>
+          <p:txBody>
+            <a:bodyPr rtlCol="0" anchor="ctr"/>
+            <a:lstStyle/>
+            <a:p>
+              <a:pPr algn="ctr"/>
+              <a:endParaRPr lang="en-US" sz="2000">
+                <a:latin typeface="Arial" panose="020B0604020202020204" pitchFamily="34" charset="0"/>
+                <a:cs typeface="Arial" panose="020B0604020202020204" pitchFamily="34" charset="0"/>
+              </a:endParaRPr>
+            </a:p>
+          </p:txBody>
+        </p:sp>
+      </p:grpSp>
+      <p:grpSp>
+        <p:nvGrpSpPr>
+          <p:cNvPr id="48" name="群組 413">
+            <a:extLst>
+              <a:ext uri="{FF2B5EF4-FFF2-40B4-BE49-F238E27FC236}">
+                <a16:creationId xmlns:a16="http://schemas.microsoft.com/office/drawing/2014/main" id="{A60802D3-3B2A-0C41-8736-D70667FBF69E}"/>
+              </a:ext>
+            </a:extLst>
+          </p:cNvPr>
+          <p:cNvGrpSpPr/>
+          <p:nvPr/>
+        </p:nvGrpSpPr>
+        <p:grpSpPr>
+          <a:xfrm>
+            <a:off x="1506008" y="3135750"/>
+            <a:ext cx="107448" cy="605664"/>
+            <a:chOff x="917477" y="1881286"/>
+            <a:chExt cx="107448" cy="364769"/>
+          </a:xfrm>
+        </p:grpSpPr>
+        <p:sp>
+          <p:nvSpPr>
+            <p:cNvPr id="49" name="手繪多邊形 414">
+              <a:extLst>
+                <a:ext uri="{FF2B5EF4-FFF2-40B4-BE49-F238E27FC236}">
+                  <a16:creationId xmlns:a16="http://schemas.microsoft.com/office/drawing/2014/main" id="{F4AA792F-CF5D-3F43-A2A0-84E43A25B929}"/>
+                </a:ext>
+              </a:extLst>
+            </p:cNvPr>
+            <p:cNvSpPr/>
+            <p:nvPr/>
+          </p:nvSpPr>
+          <p:spPr>
+            <a:xfrm rot="580019">
+              <a:off x="919119" y="1881286"/>
+              <a:ext cx="103201" cy="364769"/>
+            </a:xfrm>
+            <a:custGeom>
+              <a:avLst/>
+              <a:gdLst>
+                <a:gd name="connsiteX0" fmla="*/ 15559 w 103201"/>
+                <a:gd name="connsiteY0" fmla="*/ 0 h 242500"/>
+                <a:gd name="connsiteX1" fmla="*/ 73619 w 103201"/>
+                <a:gd name="connsiteY1" fmla="*/ 0 h 242500"/>
+                <a:gd name="connsiteX2" fmla="*/ 67199 w 103201"/>
+                <a:gd name="connsiteY2" fmla="*/ 7044 h 242500"/>
+                <a:gd name="connsiteX3" fmla="*/ 52708 w 103201"/>
+                <a:gd name="connsiteY3" fmla="*/ 57706 h 242500"/>
+                <a:gd name="connsiteX4" fmla="*/ 103192 w 103201"/>
+                <a:gd name="connsiteY4" fmla="*/ 184699 h 242500"/>
+                <a:gd name="connsiteX5" fmla="*/ 95842 w 103201"/>
+                <a:gd name="connsiteY5" fmla="*/ 233263 h 242500"/>
+                <a:gd name="connsiteX6" fmla="*/ 92410 w 103201"/>
+                <a:gd name="connsiteY6" fmla="*/ 242500 h 242500"/>
+                <a:gd name="connsiteX7" fmla="*/ 31568 w 103201"/>
+                <a:gd name="connsiteY7" fmla="*/ 242500 h 242500"/>
+                <a:gd name="connsiteX8" fmla="*/ 37381 w 103201"/>
+                <a:gd name="connsiteY8" fmla="*/ 230384 h 242500"/>
+                <a:gd name="connsiteX9" fmla="*/ 47310 w 103201"/>
+                <a:gd name="connsiteY9" fmla="*/ 179929 h 242500"/>
+                <a:gd name="connsiteX10" fmla="*/ 0 w 103201"/>
+                <a:gd name="connsiteY10" fmla="*/ 56099 h 242500"/>
+                <a:gd name="connsiteX11" fmla="*/ 10217 w 103201"/>
+                <a:gd name="connsiteY11" fmla="*/ 9511 h 242500"/>
+              </a:gdLst>
+              <a:ahLst/>
+              <a:cxnLst>
+                <a:cxn ang="0">
+                  <a:pos x="connsiteX0" y="connsiteY0"/>
+                </a:cxn>
+                <a:cxn ang="0">
+                  <a:pos x="connsiteX1" y="connsiteY1"/>
+                </a:cxn>
+                <a:cxn ang="0">
+                  <a:pos x="connsiteX2" y="connsiteY2"/>
+                </a:cxn>
+                <a:cxn ang="0">
+                  <a:pos x="connsiteX3" y="connsiteY3"/>
+                </a:cxn>
+                <a:cxn ang="0">
+                  <a:pos x="connsiteX4" y="connsiteY4"/>
+                </a:cxn>
+                <a:cxn ang="0">
+                  <a:pos x="connsiteX5" y="connsiteY5"/>
+                </a:cxn>
+                <a:cxn ang="0">
+                  <a:pos x="connsiteX6" y="connsiteY6"/>
+                </a:cxn>
+                <a:cxn ang="0">
+                  <a:pos x="connsiteX7" y="connsiteY7"/>
+                </a:cxn>
+                <a:cxn ang="0">
+                  <a:pos x="connsiteX8" y="connsiteY8"/>
+                </a:cxn>
+                <a:cxn ang="0">
+                  <a:pos x="connsiteX9" y="connsiteY9"/>
+                </a:cxn>
+                <a:cxn ang="0">
+                  <a:pos x="connsiteX10" y="connsiteY10"/>
+                </a:cxn>
+                <a:cxn ang="0">
+                  <a:pos x="connsiteX11" y="connsiteY11"/>
+                </a:cxn>
+              </a:cxnLst>
+              <a:rect l="l" t="t" r="r" b="b"/>
+              <a:pathLst>
+                <a:path w="103201" h="242500">
+                  <a:moveTo>
+                    <a:pt x="15559" y="0"/>
+                  </a:moveTo>
+                  <a:lnTo>
+                    <a:pt x="73619" y="0"/>
+                  </a:lnTo>
+                  <a:lnTo>
+                    <a:pt x="67199" y="7044"/>
+                  </a:lnTo>
+                  <a:cubicBezTo>
+                    <a:pt x="59279" y="18276"/>
+                    <a:pt x="52058" y="35149"/>
+                    <a:pt x="52708" y="57706"/>
+                  </a:cubicBezTo>
+                  <a:cubicBezTo>
+                    <a:pt x="54007" y="102822"/>
+                    <a:pt x="104009" y="147252"/>
+                    <a:pt x="103192" y="184699"/>
+                  </a:cubicBezTo>
+                  <a:cubicBezTo>
+                    <a:pt x="102783" y="203422"/>
+                    <a:pt x="99530" y="220683"/>
+                    <a:pt x="95842" y="233263"/>
+                  </a:cubicBezTo>
+                  <a:lnTo>
+                    <a:pt x="92410" y="242500"/>
+                  </a:lnTo>
+                  <a:lnTo>
+                    <a:pt x="31568" y="242500"/>
+                  </a:lnTo>
+                  <a:lnTo>
+                    <a:pt x="37381" y="230384"/>
+                  </a:lnTo>
+                  <a:cubicBezTo>
+                    <a:pt x="42854" y="216447"/>
+                    <a:pt x="47695" y="197994"/>
+                    <a:pt x="47310" y="179929"/>
+                  </a:cubicBezTo>
+                  <a:cubicBezTo>
+                    <a:pt x="46539" y="143800"/>
+                    <a:pt x="4208" y="103322"/>
+                    <a:pt x="0" y="56099"/>
+                  </a:cubicBezTo>
+                  <a:cubicBezTo>
+                    <a:pt x="0" y="37902"/>
+                    <a:pt x="4840" y="21432"/>
+                    <a:pt x="10217" y="9511"/>
+                  </a:cubicBezTo>
+                  <a:close/>
+                </a:path>
+              </a:pathLst>
+            </a:custGeom>
+            <a:solidFill>
+              <a:schemeClr val="bg1"/>
+            </a:solidFill>
+            <a:ln>
+              <a:noFill/>
+            </a:ln>
+          </p:spPr>
+          <p:style>
+            <a:lnRef idx="2">
+              <a:schemeClr val="accent1">
+                <a:shade val="50000"/>
+              </a:schemeClr>
+            </a:lnRef>
+            <a:fillRef idx="1">
+              <a:schemeClr val="accent1"/>
+            </a:fillRef>
+            <a:effectRef idx="0">
+              <a:schemeClr val="accent1"/>
+            </a:effectRef>
+            <a:fontRef idx="minor">
+              <a:schemeClr val="lt1"/>
+            </a:fontRef>
+          </p:style>
+          <p:txBody>
+            <a:bodyPr rtlCol="0" anchor="ctr"/>
+            <a:lstStyle/>
+            <a:p>
+              <a:pPr algn="ctr"/>
+              <a:endParaRPr lang="en-US" sz="2000">
+                <a:latin typeface="Arial" panose="020B0604020202020204" pitchFamily="34" charset="0"/>
+                <a:cs typeface="Arial" panose="020B0604020202020204" pitchFamily="34" charset="0"/>
+              </a:endParaRPr>
+            </a:p>
+          </p:txBody>
+        </p:sp>
+        <p:sp>
+          <p:nvSpPr>
+            <p:cNvPr id="50" name="手繪多邊形 415">
+              <a:extLst>
+                <a:ext uri="{FF2B5EF4-FFF2-40B4-BE49-F238E27FC236}">
+                  <a16:creationId xmlns:a16="http://schemas.microsoft.com/office/drawing/2014/main" id="{80595E5C-AA6B-AC4A-A062-62E3B1C82EAE}"/>
+                </a:ext>
+              </a:extLst>
+            </p:cNvPr>
+            <p:cNvSpPr/>
+            <p:nvPr/>
+          </p:nvSpPr>
+          <p:spPr>
+            <a:xfrm rot="580019">
+              <a:off x="917477" y="1888439"/>
+              <a:ext cx="47331" cy="350462"/>
+            </a:xfrm>
+            <a:custGeom>
+              <a:avLst/>
+              <a:gdLst>
+                <a:gd name="connsiteX0" fmla="*/ 15559 w 103201"/>
+                <a:gd name="connsiteY0" fmla="*/ 0 h 242500"/>
+                <a:gd name="connsiteX1" fmla="*/ 73619 w 103201"/>
+                <a:gd name="connsiteY1" fmla="*/ 0 h 242500"/>
+                <a:gd name="connsiteX2" fmla="*/ 67199 w 103201"/>
+                <a:gd name="connsiteY2" fmla="*/ 7044 h 242500"/>
+                <a:gd name="connsiteX3" fmla="*/ 52708 w 103201"/>
+                <a:gd name="connsiteY3" fmla="*/ 57706 h 242500"/>
+                <a:gd name="connsiteX4" fmla="*/ 103192 w 103201"/>
+                <a:gd name="connsiteY4" fmla="*/ 184699 h 242500"/>
+                <a:gd name="connsiteX5" fmla="*/ 95842 w 103201"/>
+                <a:gd name="connsiteY5" fmla="*/ 233263 h 242500"/>
+                <a:gd name="connsiteX6" fmla="*/ 92410 w 103201"/>
+                <a:gd name="connsiteY6" fmla="*/ 242500 h 242500"/>
+                <a:gd name="connsiteX7" fmla="*/ 31568 w 103201"/>
+                <a:gd name="connsiteY7" fmla="*/ 242500 h 242500"/>
+                <a:gd name="connsiteX8" fmla="*/ 37381 w 103201"/>
+                <a:gd name="connsiteY8" fmla="*/ 230384 h 242500"/>
+                <a:gd name="connsiteX9" fmla="*/ 47310 w 103201"/>
+                <a:gd name="connsiteY9" fmla="*/ 179929 h 242500"/>
+                <a:gd name="connsiteX10" fmla="*/ 0 w 103201"/>
+                <a:gd name="connsiteY10" fmla="*/ 56099 h 242500"/>
+                <a:gd name="connsiteX11" fmla="*/ 10217 w 103201"/>
+                <a:gd name="connsiteY11" fmla="*/ 9511 h 242500"/>
+                <a:gd name="connsiteX0" fmla="*/ 73619 w 106999"/>
+                <a:gd name="connsiteY0" fmla="*/ 0 h 242500"/>
+                <a:gd name="connsiteX1" fmla="*/ 67199 w 106999"/>
+                <a:gd name="connsiteY1" fmla="*/ 7044 h 242500"/>
+                <a:gd name="connsiteX2" fmla="*/ 52708 w 106999"/>
+                <a:gd name="connsiteY2" fmla="*/ 57706 h 242500"/>
+                <a:gd name="connsiteX3" fmla="*/ 103192 w 106999"/>
+                <a:gd name="connsiteY3" fmla="*/ 184699 h 242500"/>
+                <a:gd name="connsiteX4" fmla="*/ 95842 w 106999"/>
+                <a:gd name="connsiteY4" fmla="*/ 233263 h 242500"/>
+                <a:gd name="connsiteX5" fmla="*/ 92410 w 106999"/>
+                <a:gd name="connsiteY5" fmla="*/ 242500 h 242500"/>
+                <a:gd name="connsiteX6" fmla="*/ 31568 w 106999"/>
+                <a:gd name="connsiteY6" fmla="*/ 242500 h 242500"/>
+                <a:gd name="connsiteX7" fmla="*/ 37381 w 106999"/>
+                <a:gd name="connsiteY7" fmla="*/ 230384 h 242500"/>
+                <a:gd name="connsiteX8" fmla="*/ 47310 w 106999"/>
+                <a:gd name="connsiteY8" fmla="*/ 179929 h 242500"/>
+                <a:gd name="connsiteX9" fmla="*/ 0 w 106999"/>
+                <a:gd name="connsiteY9" fmla="*/ 56099 h 242500"/>
+                <a:gd name="connsiteX10" fmla="*/ 10217 w 106999"/>
+                <a:gd name="connsiteY10" fmla="*/ 9511 h 242500"/>
+                <a:gd name="connsiteX11" fmla="*/ 106999 w 106999"/>
+                <a:gd name="connsiteY11" fmla="*/ 60790 h 242500"/>
+                <a:gd name="connsiteX0" fmla="*/ 73619 w 106999"/>
+                <a:gd name="connsiteY0" fmla="*/ 0 h 242500"/>
+                <a:gd name="connsiteX1" fmla="*/ 67199 w 106999"/>
+                <a:gd name="connsiteY1" fmla="*/ 7044 h 242500"/>
+                <a:gd name="connsiteX2" fmla="*/ 52708 w 106999"/>
+                <a:gd name="connsiteY2" fmla="*/ 57706 h 242500"/>
+                <a:gd name="connsiteX3" fmla="*/ 103192 w 106999"/>
+                <a:gd name="connsiteY3" fmla="*/ 184699 h 242500"/>
+                <a:gd name="connsiteX4" fmla="*/ 95842 w 106999"/>
+                <a:gd name="connsiteY4" fmla="*/ 233263 h 242500"/>
+                <a:gd name="connsiteX5" fmla="*/ 92410 w 106999"/>
+                <a:gd name="connsiteY5" fmla="*/ 242500 h 242500"/>
+                <a:gd name="connsiteX6" fmla="*/ 31568 w 106999"/>
+                <a:gd name="connsiteY6" fmla="*/ 242500 h 242500"/>
+                <a:gd name="connsiteX7" fmla="*/ 37381 w 106999"/>
+                <a:gd name="connsiteY7" fmla="*/ 230384 h 242500"/>
+                <a:gd name="connsiteX8" fmla="*/ 47310 w 106999"/>
+                <a:gd name="connsiteY8" fmla="*/ 179929 h 242500"/>
+                <a:gd name="connsiteX9" fmla="*/ 0 w 106999"/>
+                <a:gd name="connsiteY9" fmla="*/ 56099 h 242500"/>
+                <a:gd name="connsiteX10" fmla="*/ 10217 w 106999"/>
+                <a:gd name="connsiteY10" fmla="*/ 9511 h 242500"/>
+                <a:gd name="connsiteX11" fmla="*/ 106999 w 106999"/>
+                <a:gd name="connsiteY11" fmla="*/ 60790 h 242500"/>
+                <a:gd name="connsiteX12" fmla="*/ 73619 w 106999"/>
+                <a:gd name="connsiteY12" fmla="*/ 0 h 242500"/>
+                <a:gd name="connsiteX0" fmla="*/ 73619 w 198439"/>
+                <a:gd name="connsiteY0" fmla="*/ 0 h 242500"/>
+                <a:gd name="connsiteX1" fmla="*/ 67199 w 198439"/>
+                <a:gd name="connsiteY1" fmla="*/ 7044 h 242500"/>
+                <a:gd name="connsiteX2" fmla="*/ 52708 w 198439"/>
+                <a:gd name="connsiteY2" fmla="*/ 57706 h 242500"/>
+                <a:gd name="connsiteX3" fmla="*/ 103192 w 198439"/>
+                <a:gd name="connsiteY3" fmla="*/ 184699 h 242500"/>
+                <a:gd name="connsiteX4" fmla="*/ 95842 w 198439"/>
+                <a:gd name="connsiteY4" fmla="*/ 233263 h 242500"/>
+                <a:gd name="connsiteX5" fmla="*/ 92410 w 198439"/>
+                <a:gd name="connsiteY5" fmla="*/ 242500 h 242500"/>
+                <a:gd name="connsiteX6" fmla="*/ 31568 w 198439"/>
+                <a:gd name="connsiteY6" fmla="*/ 242500 h 242500"/>
+                <a:gd name="connsiteX7" fmla="*/ 37381 w 198439"/>
+                <a:gd name="connsiteY7" fmla="*/ 230384 h 242500"/>
+                <a:gd name="connsiteX8" fmla="*/ 47310 w 198439"/>
+                <a:gd name="connsiteY8" fmla="*/ 179929 h 242500"/>
+                <a:gd name="connsiteX9" fmla="*/ 0 w 198439"/>
+                <a:gd name="connsiteY9" fmla="*/ 56099 h 242500"/>
+                <a:gd name="connsiteX10" fmla="*/ 10217 w 198439"/>
+                <a:gd name="connsiteY10" fmla="*/ 9511 h 242500"/>
+                <a:gd name="connsiteX11" fmla="*/ 198439 w 198439"/>
+                <a:gd name="connsiteY11" fmla="*/ 121580 h 242500"/>
+                <a:gd name="connsiteX0" fmla="*/ 73619 w 198439"/>
+                <a:gd name="connsiteY0" fmla="*/ 0 h 242500"/>
+                <a:gd name="connsiteX1" fmla="*/ 67199 w 198439"/>
+                <a:gd name="connsiteY1" fmla="*/ 7044 h 242500"/>
+                <a:gd name="connsiteX2" fmla="*/ 52708 w 198439"/>
+                <a:gd name="connsiteY2" fmla="*/ 57706 h 242500"/>
+                <a:gd name="connsiteX3" fmla="*/ 103192 w 198439"/>
+                <a:gd name="connsiteY3" fmla="*/ 184699 h 242500"/>
+                <a:gd name="connsiteX4" fmla="*/ 95842 w 198439"/>
+                <a:gd name="connsiteY4" fmla="*/ 233263 h 242500"/>
+                <a:gd name="connsiteX5" fmla="*/ 92410 w 198439"/>
+                <a:gd name="connsiteY5" fmla="*/ 242500 h 242500"/>
+                <a:gd name="connsiteX6" fmla="*/ 31568 w 198439"/>
+                <a:gd name="connsiteY6" fmla="*/ 242500 h 242500"/>
+                <a:gd name="connsiteX7" fmla="*/ 37381 w 198439"/>
+                <a:gd name="connsiteY7" fmla="*/ 230384 h 242500"/>
+                <a:gd name="connsiteX8" fmla="*/ 47310 w 198439"/>
+                <a:gd name="connsiteY8" fmla="*/ 179929 h 242500"/>
+                <a:gd name="connsiteX9" fmla="*/ 0 w 198439"/>
+                <a:gd name="connsiteY9" fmla="*/ 56099 h 242500"/>
+                <a:gd name="connsiteX10" fmla="*/ 10217 w 198439"/>
+                <a:gd name="connsiteY10" fmla="*/ 9511 h 242500"/>
+                <a:gd name="connsiteX11" fmla="*/ 198439 w 198439"/>
+                <a:gd name="connsiteY11" fmla="*/ 121580 h 242500"/>
+                <a:gd name="connsiteX12" fmla="*/ 73619 w 198439"/>
+                <a:gd name="connsiteY12" fmla="*/ 0 h 242500"/>
+                <a:gd name="connsiteX0" fmla="*/ 73619 w 198439"/>
+                <a:gd name="connsiteY0" fmla="*/ 0 h 242500"/>
+                <a:gd name="connsiteX1" fmla="*/ 52708 w 198439"/>
+                <a:gd name="connsiteY1" fmla="*/ 57706 h 242500"/>
+                <a:gd name="connsiteX2" fmla="*/ 103192 w 198439"/>
+                <a:gd name="connsiteY2" fmla="*/ 184699 h 242500"/>
+                <a:gd name="connsiteX3" fmla="*/ 95842 w 198439"/>
+                <a:gd name="connsiteY3" fmla="*/ 233263 h 242500"/>
+                <a:gd name="connsiteX4" fmla="*/ 92410 w 198439"/>
+                <a:gd name="connsiteY4" fmla="*/ 242500 h 242500"/>
+                <a:gd name="connsiteX5" fmla="*/ 31568 w 198439"/>
+                <a:gd name="connsiteY5" fmla="*/ 242500 h 242500"/>
+                <a:gd name="connsiteX6" fmla="*/ 37381 w 198439"/>
+                <a:gd name="connsiteY6" fmla="*/ 230384 h 242500"/>
+                <a:gd name="connsiteX7" fmla="*/ 47310 w 198439"/>
+                <a:gd name="connsiteY7" fmla="*/ 179929 h 242500"/>
+                <a:gd name="connsiteX8" fmla="*/ 0 w 198439"/>
+                <a:gd name="connsiteY8" fmla="*/ 56099 h 242500"/>
+                <a:gd name="connsiteX9" fmla="*/ 10217 w 198439"/>
+                <a:gd name="connsiteY9" fmla="*/ 9511 h 242500"/>
+                <a:gd name="connsiteX10" fmla="*/ 198439 w 198439"/>
+                <a:gd name="connsiteY10" fmla="*/ 121580 h 242500"/>
+                <a:gd name="connsiteX11" fmla="*/ 73619 w 198439"/>
+                <a:gd name="connsiteY11" fmla="*/ 0 h 242500"/>
+                <a:gd name="connsiteX0" fmla="*/ 198439 w 198439"/>
+                <a:gd name="connsiteY0" fmla="*/ 112201 h 233121"/>
+                <a:gd name="connsiteX1" fmla="*/ 52708 w 198439"/>
+                <a:gd name="connsiteY1" fmla="*/ 48327 h 233121"/>
+                <a:gd name="connsiteX2" fmla="*/ 103192 w 198439"/>
+                <a:gd name="connsiteY2" fmla="*/ 175320 h 233121"/>
+                <a:gd name="connsiteX3" fmla="*/ 95842 w 198439"/>
+                <a:gd name="connsiteY3" fmla="*/ 223884 h 233121"/>
+                <a:gd name="connsiteX4" fmla="*/ 92410 w 198439"/>
+                <a:gd name="connsiteY4" fmla="*/ 233121 h 233121"/>
+                <a:gd name="connsiteX5" fmla="*/ 31568 w 198439"/>
+                <a:gd name="connsiteY5" fmla="*/ 233121 h 233121"/>
+                <a:gd name="connsiteX6" fmla="*/ 37381 w 198439"/>
+                <a:gd name="connsiteY6" fmla="*/ 221005 h 233121"/>
+                <a:gd name="connsiteX7" fmla="*/ 47310 w 198439"/>
+                <a:gd name="connsiteY7" fmla="*/ 170550 h 233121"/>
+                <a:gd name="connsiteX8" fmla="*/ 0 w 198439"/>
+                <a:gd name="connsiteY8" fmla="*/ 46720 h 233121"/>
+                <a:gd name="connsiteX9" fmla="*/ 10217 w 198439"/>
+                <a:gd name="connsiteY9" fmla="*/ 132 h 233121"/>
+                <a:gd name="connsiteX10" fmla="*/ 198439 w 198439"/>
+                <a:gd name="connsiteY10" fmla="*/ 112201 h 233121"/>
+                <a:gd name="connsiteX0" fmla="*/ 198439 w 198439"/>
+                <a:gd name="connsiteY0" fmla="*/ 112201 h 233121"/>
+                <a:gd name="connsiteX1" fmla="*/ 103192 w 198439"/>
+                <a:gd name="connsiteY1" fmla="*/ 175320 h 233121"/>
+                <a:gd name="connsiteX2" fmla="*/ 95842 w 198439"/>
+                <a:gd name="connsiteY2" fmla="*/ 223884 h 233121"/>
+                <a:gd name="connsiteX3" fmla="*/ 92410 w 198439"/>
+                <a:gd name="connsiteY3" fmla="*/ 233121 h 233121"/>
+                <a:gd name="connsiteX4" fmla="*/ 31568 w 198439"/>
+                <a:gd name="connsiteY4" fmla="*/ 233121 h 233121"/>
+                <a:gd name="connsiteX5" fmla="*/ 37381 w 198439"/>
+                <a:gd name="connsiteY5" fmla="*/ 221005 h 233121"/>
+                <a:gd name="connsiteX6" fmla="*/ 47310 w 198439"/>
+                <a:gd name="connsiteY6" fmla="*/ 170550 h 233121"/>
+                <a:gd name="connsiteX7" fmla="*/ 0 w 198439"/>
+                <a:gd name="connsiteY7" fmla="*/ 46720 h 233121"/>
+                <a:gd name="connsiteX8" fmla="*/ 10217 w 198439"/>
+                <a:gd name="connsiteY8" fmla="*/ 132 h 233121"/>
+                <a:gd name="connsiteX9" fmla="*/ 198439 w 198439"/>
+                <a:gd name="connsiteY9" fmla="*/ 112201 h 233121"/>
+                <a:gd name="connsiteX0" fmla="*/ 198439 w 198439"/>
+                <a:gd name="connsiteY0" fmla="*/ 112201 h 233121"/>
+                <a:gd name="connsiteX1" fmla="*/ 95842 w 198439"/>
+                <a:gd name="connsiteY1" fmla="*/ 223884 h 233121"/>
+                <a:gd name="connsiteX2" fmla="*/ 92410 w 198439"/>
+                <a:gd name="connsiteY2" fmla="*/ 233121 h 233121"/>
+                <a:gd name="connsiteX3" fmla="*/ 31568 w 198439"/>
+                <a:gd name="connsiteY3" fmla="*/ 233121 h 233121"/>
+                <a:gd name="connsiteX4" fmla="*/ 37381 w 198439"/>
+                <a:gd name="connsiteY4" fmla="*/ 221005 h 233121"/>
+                <a:gd name="connsiteX5" fmla="*/ 47310 w 198439"/>
+                <a:gd name="connsiteY5" fmla="*/ 170550 h 233121"/>
+                <a:gd name="connsiteX6" fmla="*/ 0 w 198439"/>
+                <a:gd name="connsiteY6" fmla="*/ 46720 h 233121"/>
+                <a:gd name="connsiteX7" fmla="*/ 10217 w 198439"/>
+                <a:gd name="connsiteY7" fmla="*/ 132 h 233121"/>
+                <a:gd name="connsiteX8" fmla="*/ 198439 w 198439"/>
+                <a:gd name="connsiteY8" fmla="*/ 112201 h 233121"/>
+                <a:gd name="connsiteX0" fmla="*/ 31568 w 198439"/>
+                <a:gd name="connsiteY0" fmla="*/ 233121 h 293911"/>
+                <a:gd name="connsiteX1" fmla="*/ 37381 w 198439"/>
+                <a:gd name="connsiteY1" fmla="*/ 221005 h 293911"/>
+                <a:gd name="connsiteX2" fmla="*/ 47310 w 198439"/>
+                <a:gd name="connsiteY2" fmla="*/ 170550 h 293911"/>
+                <a:gd name="connsiteX3" fmla="*/ 0 w 198439"/>
+                <a:gd name="connsiteY3" fmla="*/ 46720 h 293911"/>
+                <a:gd name="connsiteX4" fmla="*/ 10217 w 198439"/>
+                <a:gd name="connsiteY4" fmla="*/ 132 h 293911"/>
+                <a:gd name="connsiteX5" fmla="*/ 198439 w 198439"/>
+                <a:gd name="connsiteY5" fmla="*/ 112201 h 293911"/>
+                <a:gd name="connsiteX6" fmla="*/ 95842 w 198439"/>
+                <a:gd name="connsiteY6" fmla="*/ 223884 h 293911"/>
+                <a:gd name="connsiteX7" fmla="*/ 183850 w 198439"/>
+                <a:gd name="connsiteY7" fmla="*/ 293911 h 293911"/>
+                <a:gd name="connsiteX0" fmla="*/ 31568 w 201775"/>
+                <a:gd name="connsiteY0" fmla="*/ 232989 h 293779"/>
+                <a:gd name="connsiteX1" fmla="*/ 37381 w 201775"/>
+                <a:gd name="connsiteY1" fmla="*/ 220873 h 293779"/>
+                <a:gd name="connsiteX2" fmla="*/ 47310 w 201775"/>
+                <a:gd name="connsiteY2" fmla="*/ 170418 h 293779"/>
+                <a:gd name="connsiteX3" fmla="*/ 0 w 201775"/>
+                <a:gd name="connsiteY3" fmla="*/ 46588 h 293779"/>
+                <a:gd name="connsiteX4" fmla="*/ 10217 w 201775"/>
+                <a:gd name="connsiteY4" fmla="*/ 0 h 293779"/>
+                <a:gd name="connsiteX5" fmla="*/ 161264 w 201775"/>
+                <a:gd name="connsiteY5" fmla="*/ 85778 h 293779"/>
+                <a:gd name="connsiteX6" fmla="*/ 198439 w 201775"/>
+                <a:gd name="connsiteY6" fmla="*/ 112069 h 293779"/>
+                <a:gd name="connsiteX7" fmla="*/ 95842 w 201775"/>
+                <a:gd name="connsiteY7" fmla="*/ 223752 h 293779"/>
+                <a:gd name="connsiteX8" fmla="*/ 183850 w 201775"/>
+                <a:gd name="connsiteY8" fmla="*/ 293779 h 293779"/>
+                <a:gd name="connsiteX0" fmla="*/ 31568 w 198439"/>
+                <a:gd name="connsiteY0" fmla="*/ 232989 h 293779"/>
+                <a:gd name="connsiteX1" fmla="*/ 37381 w 198439"/>
+                <a:gd name="connsiteY1" fmla="*/ 220873 h 293779"/>
+                <a:gd name="connsiteX2" fmla="*/ 47310 w 198439"/>
+                <a:gd name="connsiteY2" fmla="*/ 170418 h 293779"/>
+                <a:gd name="connsiteX3" fmla="*/ 0 w 198439"/>
+                <a:gd name="connsiteY3" fmla="*/ 46588 h 293779"/>
+                <a:gd name="connsiteX4" fmla="*/ 10217 w 198439"/>
+                <a:gd name="connsiteY4" fmla="*/ 0 h 293779"/>
+                <a:gd name="connsiteX5" fmla="*/ 198439 w 198439"/>
+                <a:gd name="connsiteY5" fmla="*/ 112069 h 293779"/>
+                <a:gd name="connsiteX6" fmla="*/ 95842 w 198439"/>
+                <a:gd name="connsiteY6" fmla="*/ 223752 h 293779"/>
+                <a:gd name="connsiteX7" fmla="*/ 183850 w 198439"/>
+                <a:gd name="connsiteY7" fmla="*/ 293779 h 293779"/>
+                <a:gd name="connsiteX0" fmla="*/ 31568 w 183850"/>
+                <a:gd name="connsiteY0" fmla="*/ 232989 h 293779"/>
+                <a:gd name="connsiteX1" fmla="*/ 37381 w 183850"/>
+                <a:gd name="connsiteY1" fmla="*/ 220873 h 293779"/>
+                <a:gd name="connsiteX2" fmla="*/ 47310 w 183850"/>
+                <a:gd name="connsiteY2" fmla="*/ 170418 h 293779"/>
+                <a:gd name="connsiteX3" fmla="*/ 0 w 183850"/>
+                <a:gd name="connsiteY3" fmla="*/ 46588 h 293779"/>
+                <a:gd name="connsiteX4" fmla="*/ 10217 w 183850"/>
+                <a:gd name="connsiteY4" fmla="*/ 0 h 293779"/>
+                <a:gd name="connsiteX5" fmla="*/ 95842 w 183850"/>
+                <a:gd name="connsiteY5" fmla="*/ 223752 h 293779"/>
+                <a:gd name="connsiteX6" fmla="*/ 183850 w 183850"/>
+                <a:gd name="connsiteY6" fmla="*/ 293779 h 293779"/>
+                <a:gd name="connsiteX0" fmla="*/ 31568 w 183850"/>
+                <a:gd name="connsiteY0" fmla="*/ 232989 h 293779"/>
+                <a:gd name="connsiteX1" fmla="*/ 37381 w 183850"/>
+                <a:gd name="connsiteY1" fmla="*/ 220873 h 293779"/>
+                <a:gd name="connsiteX2" fmla="*/ 47310 w 183850"/>
+                <a:gd name="connsiteY2" fmla="*/ 170418 h 293779"/>
+                <a:gd name="connsiteX3" fmla="*/ 0 w 183850"/>
+                <a:gd name="connsiteY3" fmla="*/ 46588 h 293779"/>
+                <a:gd name="connsiteX4" fmla="*/ 10217 w 183850"/>
+                <a:gd name="connsiteY4" fmla="*/ 0 h 293779"/>
+                <a:gd name="connsiteX5" fmla="*/ 183850 w 183850"/>
+                <a:gd name="connsiteY5" fmla="*/ 293779 h 293779"/>
+                <a:gd name="connsiteX0" fmla="*/ 31568 w 47331"/>
+                <a:gd name="connsiteY0" fmla="*/ 232989 h 232989"/>
+                <a:gd name="connsiteX1" fmla="*/ 37381 w 47331"/>
+                <a:gd name="connsiteY1" fmla="*/ 220873 h 232989"/>
+                <a:gd name="connsiteX2" fmla="*/ 47310 w 47331"/>
+                <a:gd name="connsiteY2" fmla="*/ 170418 h 232989"/>
+                <a:gd name="connsiteX3" fmla="*/ 0 w 47331"/>
+                <a:gd name="connsiteY3" fmla="*/ 46588 h 232989"/>
+                <a:gd name="connsiteX4" fmla="*/ 10217 w 47331"/>
+                <a:gd name="connsiteY4" fmla="*/ 0 h 232989"/>
+              </a:gdLst>
+              <a:ahLst/>
+              <a:cxnLst>
+                <a:cxn ang="0">
+                  <a:pos x="connsiteX0" y="connsiteY0"/>
+                </a:cxn>
+                <a:cxn ang="0">
+                  <a:pos x="connsiteX1" y="connsiteY1"/>
+                </a:cxn>
+                <a:cxn ang="0">
+                  <a:pos x="connsiteX2" y="connsiteY2"/>
+                </a:cxn>
+                <a:cxn ang="0">
+                  <a:pos x="connsiteX3" y="connsiteY3"/>
+                </a:cxn>
+                <a:cxn ang="0">
+                  <a:pos x="connsiteX4" y="connsiteY4"/>
+                </a:cxn>
+              </a:cxnLst>
+              <a:rect l="l" t="t" r="r" b="b"/>
+              <a:pathLst>
+                <a:path w="47331" h="232989">
+                  <a:moveTo>
+                    <a:pt x="31568" y="232989"/>
+                  </a:moveTo>
+                  <a:lnTo>
+                    <a:pt x="37381" y="220873"/>
+                  </a:lnTo>
+                  <a:cubicBezTo>
+                    <a:pt x="42854" y="206936"/>
+                    <a:pt x="47695" y="188483"/>
+                    <a:pt x="47310" y="170418"/>
+                  </a:cubicBezTo>
+                  <a:cubicBezTo>
+                    <a:pt x="46539" y="134289"/>
+                    <a:pt x="4208" y="93811"/>
+                    <a:pt x="0" y="46588"/>
+                  </a:cubicBezTo>
+                  <a:cubicBezTo>
+                    <a:pt x="0" y="28391"/>
+                    <a:pt x="4840" y="11921"/>
+                    <a:pt x="10217" y="0"/>
+                  </a:cubicBezTo>
+                </a:path>
+              </a:pathLst>
+            </a:custGeom>
+            <a:noFill/>
+            <a:ln>
+              <a:solidFill>
+                <a:schemeClr val="tx1"/>
+              </a:solidFill>
+            </a:ln>
+          </p:spPr>
+          <p:style>
+            <a:lnRef idx="2">
+              <a:schemeClr val="accent1">
+                <a:shade val="50000"/>
+              </a:schemeClr>
+            </a:lnRef>
+            <a:fillRef idx="1">
+              <a:schemeClr val="accent1"/>
+            </a:fillRef>
+            <a:effectRef idx="0">
+              <a:schemeClr val="accent1"/>
+            </a:effectRef>
+            <a:fontRef idx="minor">
+              <a:schemeClr val="lt1"/>
+            </a:fontRef>
+          </p:style>
+          <p:txBody>
+            <a:bodyPr rtlCol="0" anchor="ctr"/>
+            <a:lstStyle/>
+            <a:p>
+              <a:pPr algn="ctr"/>
+              <a:endParaRPr lang="en-US" sz="2000">
+                <a:latin typeface="Arial" panose="020B0604020202020204" pitchFamily="34" charset="0"/>
+                <a:cs typeface="Arial" panose="020B0604020202020204" pitchFamily="34" charset="0"/>
+              </a:endParaRPr>
+            </a:p>
+          </p:txBody>
+        </p:sp>
+        <p:sp>
+          <p:nvSpPr>
+            <p:cNvPr id="51" name="手繪多邊形 416">
+              <a:extLst>
+                <a:ext uri="{FF2B5EF4-FFF2-40B4-BE49-F238E27FC236}">
+                  <a16:creationId xmlns:a16="http://schemas.microsoft.com/office/drawing/2014/main" id="{B4C94598-014C-AF49-B0B1-7DC72D608287}"/>
+                </a:ext>
+              </a:extLst>
+            </p:cNvPr>
+            <p:cNvSpPr/>
+            <p:nvPr/>
+          </p:nvSpPr>
+          <p:spPr>
+            <a:xfrm rot="580019">
+              <a:off x="977594" y="1894311"/>
+              <a:ext cx="47331" cy="350462"/>
+            </a:xfrm>
+            <a:custGeom>
+              <a:avLst/>
+              <a:gdLst>
+                <a:gd name="connsiteX0" fmla="*/ 15559 w 103201"/>
+                <a:gd name="connsiteY0" fmla="*/ 0 h 242500"/>
+                <a:gd name="connsiteX1" fmla="*/ 73619 w 103201"/>
+                <a:gd name="connsiteY1" fmla="*/ 0 h 242500"/>
+                <a:gd name="connsiteX2" fmla="*/ 67199 w 103201"/>
+                <a:gd name="connsiteY2" fmla="*/ 7044 h 242500"/>
+                <a:gd name="connsiteX3" fmla="*/ 52708 w 103201"/>
+                <a:gd name="connsiteY3" fmla="*/ 57706 h 242500"/>
+                <a:gd name="connsiteX4" fmla="*/ 103192 w 103201"/>
+                <a:gd name="connsiteY4" fmla="*/ 184699 h 242500"/>
+                <a:gd name="connsiteX5" fmla="*/ 95842 w 103201"/>
+                <a:gd name="connsiteY5" fmla="*/ 233263 h 242500"/>
+                <a:gd name="connsiteX6" fmla="*/ 92410 w 103201"/>
+                <a:gd name="connsiteY6" fmla="*/ 242500 h 242500"/>
+                <a:gd name="connsiteX7" fmla="*/ 31568 w 103201"/>
+                <a:gd name="connsiteY7" fmla="*/ 242500 h 242500"/>
+                <a:gd name="connsiteX8" fmla="*/ 37381 w 103201"/>
+                <a:gd name="connsiteY8" fmla="*/ 230384 h 242500"/>
+                <a:gd name="connsiteX9" fmla="*/ 47310 w 103201"/>
+                <a:gd name="connsiteY9" fmla="*/ 179929 h 242500"/>
+                <a:gd name="connsiteX10" fmla="*/ 0 w 103201"/>
+                <a:gd name="connsiteY10" fmla="*/ 56099 h 242500"/>
+                <a:gd name="connsiteX11" fmla="*/ 10217 w 103201"/>
+                <a:gd name="connsiteY11" fmla="*/ 9511 h 242500"/>
+                <a:gd name="connsiteX0" fmla="*/ 73619 w 106999"/>
+                <a:gd name="connsiteY0" fmla="*/ 0 h 242500"/>
+                <a:gd name="connsiteX1" fmla="*/ 67199 w 106999"/>
+                <a:gd name="connsiteY1" fmla="*/ 7044 h 242500"/>
+                <a:gd name="connsiteX2" fmla="*/ 52708 w 106999"/>
+                <a:gd name="connsiteY2" fmla="*/ 57706 h 242500"/>
+                <a:gd name="connsiteX3" fmla="*/ 103192 w 106999"/>
+                <a:gd name="connsiteY3" fmla="*/ 184699 h 242500"/>
+                <a:gd name="connsiteX4" fmla="*/ 95842 w 106999"/>
+                <a:gd name="connsiteY4" fmla="*/ 233263 h 242500"/>
+                <a:gd name="connsiteX5" fmla="*/ 92410 w 106999"/>
+                <a:gd name="connsiteY5" fmla="*/ 242500 h 242500"/>
+                <a:gd name="connsiteX6" fmla="*/ 31568 w 106999"/>
+                <a:gd name="connsiteY6" fmla="*/ 242500 h 242500"/>
+                <a:gd name="connsiteX7" fmla="*/ 37381 w 106999"/>
+                <a:gd name="connsiteY7" fmla="*/ 230384 h 242500"/>
+                <a:gd name="connsiteX8" fmla="*/ 47310 w 106999"/>
+                <a:gd name="connsiteY8" fmla="*/ 179929 h 242500"/>
+                <a:gd name="connsiteX9" fmla="*/ 0 w 106999"/>
+                <a:gd name="connsiteY9" fmla="*/ 56099 h 242500"/>
+                <a:gd name="connsiteX10" fmla="*/ 10217 w 106999"/>
+                <a:gd name="connsiteY10" fmla="*/ 9511 h 242500"/>
+                <a:gd name="connsiteX11" fmla="*/ 106999 w 106999"/>
+                <a:gd name="connsiteY11" fmla="*/ 60790 h 242500"/>
+                <a:gd name="connsiteX0" fmla="*/ 73619 w 106999"/>
+                <a:gd name="connsiteY0" fmla="*/ 0 h 242500"/>
+                <a:gd name="connsiteX1" fmla="*/ 67199 w 106999"/>
+                <a:gd name="connsiteY1" fmla="*/ 7044 h 242500"/>
+                <a:gd name="connsiteX2" fmla="*/ 52708 w 106999"/>
+                <a:gd name="connsiteY2" fmla="*/ 57706 h 242500"/>
+                <a:gd name="connsiteX3" fmla="*/ 103192 w 106999"/>
+                <a:gd name="connsiteY3" fmla="*/ 184699 h 242500"/>
+                <a:gd name="connsiteX4" fmla="*/ 95842 w 106999"/>
+                <a:gd name="connsiteY4" fmla="*/ 233263 h 242500"/>
+                <a:gd name="connsiteX5" fmla="*/ 92410 w 106999"/>
+                <a:gd name="connsiteY5" fmla="*/ 242500 h 242500"/>
+                <a:gd name="connsiteX6" fmla="*/ 31568 w 106999"/>
+                <a:gd name="connsiteY6" fmla="*/ 242500 h 242500"/>
+                <a:gd name="connsiteX7" fmla="*/ 37381 w 106999"/>
+                <a:gd name="connsiteY7" fmla="*/ 230384 h 242500"/>
+                <a:gd name="connsiteX8" fmla="*/ 47310 w 106999"/>
+                <a:gd name="connsiteY8" fmla="*/ 179929 h 242500"/>
+                <a:gd name="connsiteX9" fmla="*/ 0 w 106999"/>
+                <a:gd name="connsiteY9" fmla="*/ 56099 h 242500"/>
+                <a:gd name="connsiteX10" fmla="*/ 10217 w 106999"/>
+                <a:gd name="connsiteY10" fmla="*/ 9511 h 242500"/>
+                <a:gd name="connsiteX11" fmla="*/ 106999 w 106999"/>
+                <a:gd name="connsiteY11" fmla="*/ 60790 h 242500"/>
+                <a:gd name="connsiteX12" fmla="*/ 73619 w 106999"/>
+                <a:gd name="connsiteY12" fmla="*/ 0 h 242500"/>
+                <a:gd name="connsiteX0" fmla="*/ 73619 w 198439"/>
+                <a:gd name="connsiteY0" fmla="*/ 0 h 242500"/>
+                <a:gd name="connsiteX1" fmla="*/ 67199 w 198439"/>
+                <a:gd name="connsiteY1" fmla="*/ 7044 h 242500"/>
+                <a:gd name="connsiteX2" fmla="*/ 52708 w 198439"/>
+                <a:gd name="connsiteY2" fmla="*/ 57706 h 242500"/>
+                <a:gd name="connsiteX3" fmla="*/ 103192 w 198439"/>
+                <a:gd name="connsiteY3" fmla="*/ 184699 h 242500"/>
+                <a:gd name="connsiteX4" fmla="*/ 95842 w 198439"/>
+                <a:gd name="connsiteY4" fmla="*/ 233263 h 242500"/>
+                <a:gd name="connsiteX5" fmla="*/ 92410 w 198439"/>
+                <a:gd name="connsiteY5" fmla="*/ 242500 h 242500"/>
+                <a:gd name="connsiteX6" fmla="*/ 31568 w 198439"/>
+                <a:gd name="connsiteY6" fmla="*/ 242500 h 242500"/>
+                <a:gd name="connsiteX7" fmla="*/ 37381 w 198439"/>
+                <a:gd name="connsiteY7" fmla="*/ 230384 h 242500"/>
+                <a:gd name="connsiteX8" fmla="*/ 47310 w 198439"/>
+                <a:gd name="connsiteY8" fmla="*/ 179929 h 242500"/>
+                <a:gd name="connsiteX9" fmla="*/ 0 w 198439"/>
+                <a:gd name="connsiteY9" fmla="*/ 56099 h 242500"/>
+                <a:gd name="connsiteX10" fmla="*/ 10217 w 198439"/>
+                <a:gd name="connsiteY10" fmla="*/ 9511 h 242500"/>
+                <a:gd name="connsiteX11" fmla="*/ 198439 w 198439"/>
+                <a:gd name="connsiteY11" fmla="*/ 121580 h 242500"/>
+                <a:gd name="connsiteX0" fmla="*/ 73619 w 198439"/>
+                <a:gd name="connsiteY0" fmla="*/ 0 h 242500"/>
+                <a:gd name="connsiteX1" fmla="*/ 67199 w 198439"/>
+                <a:gd name="connsiteY1" fmla="*/ 7044 h 242500"/>
+                <a:gd name="connsiteX2" fmla="*/ 52708 w 198439"/>
+                <a:gd name="connsiteY2" fmla="*/ 57706 h 242500"/>
+                <a:gd name="connsiteX3" fmla="*/ 103192 w 198439"/>
+                <a:gd name="connsiteY3" fmla="*/ 184699 h 242500"/>
+                <a:gd name="connsiteX4" fmla="*/ 95842 w 198439"/>
+                <a:gd name="connsiteY4" fmla="*/ 233263 h 242500"/>
+                <a:gd name="connsiteX5" fmla="*/ 92410 w 198439"/>
+                <a:gd name="connsiteY5" fmla="*/ 242500 h 242500"/>
+                <a:gd name="connsiteX6" fmla="*/ 31568 w 198439"/>
+                <a:gd name="connsiteY6" fmla="*/ 242500 h 242500"/>
+                <a:gd name="connsiteX7" fmla="*/ 37381 w 198439"/>
+                <a:gd name="connsiteY7" fmla="*/ 230384 h 242500"/>
+                <a:gd name="connsiteX8" fmla="*/ 47310 w 198439"/>
+                <a:gd name="connsiteY8" fmla="*/ 179929 h 242500"/>
+                <a:gd name="connsiteX9" fmla="*/ 0 w 198439"/>
+                <a:gd name="connsiteY9" fmla="*/ 56099 h 242500"/>
+                <a:gd name="connsiteX10" fmla="*/ 10217 w 198439"/>
+                <a:gd name="connsiteY10" fmla="*/ 9511 h 242500"/>
+                <a:gd name="connsiteX11" fmla="*/ 198439 w 198439"/>
+                <a:gd name="connsiteY11" fmla="*/ 121580 h 242500"/>
+                <a:gd name="connsiteX12" fmla="*/ 73619 w 198439"/>
+                <a:gd name="connsiteY12" fmla="*/ 0 h 242500"/>
+                <a:gd name="connsiteX0" fmla="*/ 73619 w 198439"/>
+                <a:gd name="connsiteY0" fmla="*/ 0 h 242500"/>
+                <a:gd name="connsiteX1" fmla="*/ 52708 w 198439"/>
+                <a:gd name="connsiteY1" fmla="*/ 57706 h 242500"/>
+                <a:gd name="connsiteX2" fmla="*/ 103192 w 198439"/>
+                <a:gd name="connsiteY2" fmla="*/ 184699 h 242500"/>
+                <a:gd name="connsiteX3" fmla="*/ 95842 w 198439"/>
+                <a:gd name="connsiteY3" fmla="*/ 233263 h 242500"/>
+                <a:gd name="connsiteX4" fmla="*/ 92410 w 198439"/>
+                <a:gd name="connsiteY4" fmla="*/ 242500 h 242500"/>
+                <a:gd name="connsiteX5" fmla="*/ 31568 w 198439"/>
+                <a:gd name="connsiteY5" fmla="*/ 242500 h 242500"/>
+                <a:gd name="connsiteX6" fmla="*/ 37381 w 198439"/>
+                <a:gd name="connsiteY6" fmla="*/ 230384 h 242500"/>
+                <a:gd name="connsiteX7" fmla="*/ 47310 w 198439"/>
+                <a:gd name="connsiteY7" fmla="*/ 179929 h 242500"/>
+                <a:gd name="connsiteX8" fmla="*/ 0 w 198439"/>
+                <a:gd name="connsiteY8" fmla="*/ 56099 h 242500"/>
+                <a:gd name="connsiteX9" fmla="*/ 10217 w 198439"/>
+                <a:gd name="connsiteY9" fmla="*/ 9511 h 242500"/>
+                <a:gd name="connsiteX10" fmla="*/ 198439 w 198439"/>
+                <a:gd name="connsiteY10" fmla="*/ 121580 h 242500"/>
+                <a:gd name="connsiteX11" fmla="*/ 73619 w 198439"/>
+                <a:gd name="connsiteY11" fmla="*/ 0 h 242500"/>
+                <a:gd name="connsiteX0" fmla="*/ 198439 w 198439"/>
+                <a:gd name="connsiteY0" fmla="*/ 112201 h 233121"/>
+                <a:gd name="connsiteX1" fmla="*/ 52708 w 198439"/>
+                <a:gd name="connsiteY1" fmla="*/ 48327 h 233121"/>
+                <a:gd name="connsiteX2" fmla="*/ 103192 w 198439"/>
+                <a:gd name="connsiteY2" fmla="*/ 175320 h 233121"/>
+                <a:gd name="connsiteX3" fmla="*/ 95842 w 198439"/>
+                <a:gd name="connsiteY3" fmla="*/ 223884 h 233121"/>
+                <a:gd name="connsiteX4" fmla="*/ 92410 w 198439"/>
+                <a:gd name="connsiteY4" fmla="*/ 233121 h 233121"/>
+                <a:gd name="connsiteX5" fmla="*/ 31568 w 198439"/>
+                <a:gd name="connsiteY5" fmla="*/ 233121 h 233121"/>
+                <a:gd name="connsiteX6" fmla="*/ 37381 w 198439"/>
+                <a:gd name="connsiteY6" fmla="*/ 221005 h 233121"/>
+                <a:gd name="connsiteX7" fmla="*/ 47310 w 198439"/>
+                <a:gd name="connsiteY7" fmla="*/ 170550 h 233121"/>
+                <a:gd name="connsiteX8" fmla="*/ 0 w 198439"/>
+                <a:gd name="connsiteY8" fmla="*/ 46720 h 233121"/>
+                <a:gd name="connsiteX9" fmla="*/ 10217 w 198439"/>
+                <a:gd name="connsiteY9" fmla="*/ 132 h 233121"/>
+                <a:gd name="connsiteX10" fmla="*/ 198439 w 198439"/>
+                <a:gd name="connsiteY10" fmla="*/ 112201 h 233121"/>
+                <a:gd name="connsiteX0" fmla="*/ 198439 w 198439"/>
+                <a:gd name="connsiteY0" fmla="*/ 112201 h 233121"/>
+                <a:gd name="connsiteX1" fmla="*/ 103192 w 198439"/>
+                <a:gd name="connsiteY1" fmla="*/ 175320 h 233121"/>
+                <a:gd name="connsiteX2" fmla="*/ 95842 w 198439"/>
+                <a:gd name="connsiteY2" fmla="*/ 223884 h 233121"/>
+                <a:gd name="connsiteX3" fmla="*/ 92410 w 198439"/>
+                <a:gd name="connsiteY3" fmla="*/ 233121 h 233121"/>
+                <a:gd name="connsiteX4" fmla="*/ 31568 w 198439"/>
+                <a:gd name="connsiteY4" fmla="*/ 233121 h 233121"/>
+                <a:gd name="connsiteX5" fmla="*/ 37381 w 198439"/>
+                <a:gd name="connsiteY5" fmla="*/ 221005 h 233121"/>
+                <a:gd name="connsiteX6" fmla="*/ 47310 w 198439"/>
+                <a:gd name="connsiteY6" fmla="*/ 170550 h 233121"/>
+                <a:gd name="connsiteX7" fmla="*/ 0 w 198439"/>
+                <a:gd name="connsiteY7" fmla="*/ 46720 h 233121"/>
+                <a:gd name="connsiteX8" fmla="*/ 10217 w 198439"/>
+                <a:gd name="connsiteY8" fmla="*/ 132 h 233121"/>
+                <a:gd name="connsiteX9" fmla="*/ 198439 w 198439"/>
+                <a:gd name="connsiteY9" fmla="*/ 112201 h 233121"/>
+                <a:gd name="connsiteX0" fmla="*/ 198439 w 198439"/>
+                <a:gd name="connsiteY0" fmla="*/ 112201 h 233121"/>
+                <a:gd name="connsiteX1" fmla="*/ 95842 w 198439"/>
+                <a:gd name="connsiteY1" fmla="*/ 223884 h 233121"/>
+                <a:gd name="connsiteX2" fmla="*/ 92410 w 198439"/>
+                <a:gd name="connsiteY2" fmla="*/ 233121 h 233121"/>
+                <a:gd name="connsiteX3" fmla="*/ 31568 w 198439"/>
+                <a:gd name="connsiteY3" fmla="*/ 233121 h 233121"/>
+                <a:gd name="connsiteX4" fmla="*/ 37381 w 198439"/>
+                <a:gd name="connsiteY4" fmla="*/ 221005 h 233121"/>
+                <a:gd name="connsiteX5" fmla="*/ 47310 w 198439"/>
+                <a:gd name="connsiteY5" fmla="*/ 170550 h 233121"/>
+                <a:gd name="connsiteX6" fmla="*/ 0 w 198439"/>
+                <a:gd name="connsiteY6" fmla="*/ 46720 h 233121"/>
+                <a:gd name="connsiteX7" fmla="*/ 10217 w 198439"/>
+                <a:gd name="connsiteY7" fmla="*/ 132 h 233121"/>
+                <a:gd name="connsiteX8" fmla="*/ 198439 w 198439"/>
+                <a:gd name="connsiteY8" fmla="*/ 112201 h 233121"/>
+                <a:gd name="connsiteX0" fmla="*/ 31568 w 198439"/>
+                <a:gd name="connsiteY0" fmla="*/ 233121 h 293911"/>
+                <a:gd name="connsiteX1" fmla="*/ 37381 w 198439"/>
+                <a:gd name="connsiteY1" fmla="*/ 221005 h 293911"/>
+                <a:gd name="connsiteX2" fmla="*/ 47310 w 198439"/>
+                <a:gd name="connsiteY2" fmla="*/ 170550 h 293911"/>
+                <a:gd name="connsiteX3" fmla="*/ 0 w 198439"/>
+                <a:gd name="connsiteY3" fmla="*/ 46720 h 293911"/>
+                <a:gd name="connsiteX4" fmla="*/ 10217 w 198439"/>
+                <a:gd name="connsiteY4" fmla="*/ 132 h 293911"/>
+                <a:gd name="connsiteX5" fmla="*/ 198439 w 198439"/>
+                <a:gd name="connsiteY5" fmla="*/ 112201 h 293911"/>
+                <a:gd name="connsiteX6" fmla="*/ 95842 w 198439"/>
+                <a:gd name="connsiteY6" fmla="*/ 223884 h 293911"/>
+                <a:gd name="connsiteX7" fmla="*/ 183850 w 198439"/>
+                <a:gd name="connsiteY7" fmla="*/ 293911 h 293911"/>
+                <a:gd name="connsiteX0" fmla="*/ 31568 w 201775"/>
+                <a:gd name="connsiteY0" fmla="*/ 232989 h 293779"/>
+                <a:gd name="connsiteX1" fmla="*/ 37381 w 201775"/>
+                <a:gd name="connsiteY1" fmla="*/ 220873 h 293779"/>
+                <a:gd name="connsiteX2" fmla="*/ 47310 w 201775"/>
+                <a:gd name="connsiteY2" fmla="*/ 170418 h 293779"/>
+                <a:gd name="connsiteX3" fmla="*/ 0 w 201775"/>
+                <a:gd name="connsiteY3" fmla="*/ 46588 h 293779"/>
+                <a:gd name="connsiteX4" fmla="*/ 10217 w 201775"/>
+                <a:gd name="connsiteY4" fmla="*/ 0 h 293779"/>
+                <a:gd name="connsiteX5" fmla="*/ 161264 w 201775"/>
+                <a:gd name="connsiteY5" fmla="*/ 85778 h 293779"/>
+                <a:gd name="connsiteX6" fmla="*/ 198439 w 201775"/>
+                <a:gd name="connsiteY6" fmla="*/ 112069 h 293779"/>
+                <a:gd name="connsiteX7" fmla="*/ 95842 w 201775"/>
+                <a:gd name="connsiteY7" fmla="*/ 223752 h 293779"/>
+                <a:gd name="connsiteX8" fmla="*/ 183850 w 201775"/>
+                <a:gd name="connsiteY8" fmla="*/ 293779 h 293779"/>
+                <a:gd name="connsiteX0" fmla="*/ 31568 w 198439"/>
+                <a:gd name="connsiteY0" fmla="*/ 232989 h 293779"/>
+                <a:gd name="connsiteX1" fmla="*/ 37381 w 198439"/>
+                <a:gd name="connsiteY1" fmla="*/ 220873 h 293779"/>
+                <a:gd name="connsiteX2" fmla="*/ 47310 w 198439"/>
+                <a:gd name="connsiteY2" fmla="*/ 170418 h 293779"/>
+                <a:gd name="connsiteX3" fmla="*/ 0 w 198439"/>
+                <a:gd name="connsiteY3" fmla="*/ 46588 h 293779"/>
+                <a:gd name="connsiteX4" fmla="*/ 10217 w 198439"/>
+                <a:gd name="connsiteY4" fmla="*/ 0 h 293779"/>
+                <a:gd name="connsiteX5" fmla="*/ 198439 w 198439"/>
+                <a:gd name="connsiteY5" fmla="*/ 112069 h 293779"/>
+                <a:gd name="connsiteX6" fmla="*/ 95842 w 198439"/>
+                <a:gd name="connsiteY6" fmla="*/ 223752 h 293779"/>
+                <a:gd name="connsiteX7" fmla="*/ 183850 w 198439"/>
+                <a:gd name="connsiteY7" fmla="*/ 293779 h 293779"/>
+                <a:gd name="connsiteX0" fmla="*/ 31568 w 183850"/>
+                <a:gd name="connsiteY0" fmla="*/ 232989 h 293779"/>
+                <a:gd name="connsiteX1" fmla="*/ 37381 w 183850"/>
+                <a:gd name="connsiteY1" fmla="*/ 220873 h 293779"/>
+                <a:gd name="connsiteX2" fmla="*/ 47310 w 183850"/>
+                <a:gd name="connsiteY2" fmla="*/ 170418 h 293779"/>
+                <a:gd name="connsiteX3" fmla="*/ 0 w 183850"/>
+                <a:gd name="connsiteY3" fmla="*/ 46588 h 293779"/>
+                <a:gd name="connsiteX4" fmla="*/ 10217 w 183850"/>
+                <a:gd name="connsiteY4" fmla="*/ 0 h 293779"/>
+                <a:gd name="connsiteX5" fmla="*/ 95842 w 183850"/>
+                <a:gd name="connsiteY5" fmla="*/ 223752 h 293779"/>
+                <a:gd name="connsiteX6" fmla="*/ 183850 w 183850"/>
+                <a:gd name="connsiteY6" fmla="*/ 293779 h 293779"/>
+                <a:gd name="connsiteX0" fmla="*/ 31568 w 183850"/>
+                <a:gd name="connsiteY0" fmla="*/ 232989 h 293779"/>
+                <a:gd name="connsiteX1" fmla="*/ 37381 w 183850"/>
+                <a:gd name="connsiteY1" fmla="*/ 220873 h 293779"/>
+                <a:gd name="connsiteX2" fmla="*/ 47310 w 183850"/>
+                <a:gd name="connsiteY2" fmla="*/ 170418 h 293779"/>
+                <a:gd name="connsiteX3" fmla="*/ 0 w 183850"/>
+                <a:gd name="connsiteY3" fmla="*/ 46588 h 293779"/>
+                <a:gd name="connsiteX4" fmla="*/ 10217 w 183850"/>
+                <a:gd name="connsiteY4" fmla="*/ 0 h 293779"/>
+                <a:gd name="connsiteX5" fmla="*/ 183850 w 183850"/>
+                <a:gd name="connsiteY5" fmla="*/ 293779 h 293779"/>
+                <a:gd name="connsiteX0" fmla="*/ 31568 w 47331"/>
+                <a:gd name="connsiteY0" fmla="*/ 232989 h 232989"/>
+                <a:gd name="connsiteX1" fmla="*/ 37381 w 47331"/>
+                <a:gd name="connsiteY1" fmla="*/ 220873 h 232989"/>
+                <a:gd name="connsiteX2" fmla="*/ 47310 w 47331"/>
+                <a:gd name="connsiteY2" fmla="*/ 170418 h 232989"/>
+                <a:gd name="connsiteX3" fmla="*/ 0 w 47331"/>
+                <a:gd name="connsiteY3" fmla="*/ 46588 h 232989"/>
+                <a:gd name="connsiteX4" fmla="*/ 10217 w 47331"/>
+                <a:gd name="connsiteY4" fmla="*/ 0 h 232989"/>
+              </a:gdLst>
+              <a:ahLst/>
+              <a:cxnLst>
+                <a:cxn ang="0">
+                  <a:pos x="connsiteX0" y="connsiteY0"/>
+                </a:cxn>
+                <a:cxn ang="0">
+                  <a:pos x="connsiteX1" y="connsiteY1"/>
+                </a:cxn>
+                <a:cxn ang="0">
+                  <a:pos x="connsiteX2" y="connsiteY2"/>
+                </a:cxn>
+                <a:cxn ang="0">
+                  <a:pos x="connsiteX3" y="connsiteY3"/>
+                </a:cxn>
+                <a:cxn ang="0">
+                  <a:pos x="connsiteX4" y="connsiteY4"/>
+                </a:cxn>
+              </a:cxnLst>
+              <a:rect l="l" t="t" r="r" b="b"/>
+              <a:pathLst>
+                <a:path w="47331" h="232989">
+                  <a:moveTo>
+                    <a:pt x="31568" y="232989"/>
+                  </a:moveTo>
+                  <a:lnTo>
+                    <a:pt x="37381" y="220873"/>
+                  </a:lnTo>
+                  <a:cubicBezTo>
+                    <a:pt x="42854" y="206936"/>
+                    <a:pt x="47695" y="188483"/>
+                    <a:pt x="47310" y="170418"/>
+                  </a:cubicBezTo>
+                  <a:cubicBezTo>
+                    <a:pt x="46539" y="134289"/>
+                    <a:pt x="4208" y="93811"/>
+                    <a:pt x="0" y="46588"/>
+                  </a:cubicBezTo>
+                  <a:cubicBezTo>
+                    <a:pt x="0" y="28391"/>
+                    <a:pt x="4840" y="11921"/>
+                    <a:pt x="10217" y="0"/>
+                  </a:cubicBezTo>
+                </a:path>
+              </a:pathLst>
+            </a:custGeom>
+            <a:noFill/>
+            <a:ln>
+              <a:solidFill>
+                <a:schemeClr val="tx1"/>
+              </a:solidFill>
+            </a:ln>
+          </p:spPr>
+          <p:style>
+            <a:lnRef idx="2">
+              <a:schemeClr val="accent1">
+                <a:shade val="50000"/>
+              </a:schemeClr>
+            </a:lnRef>
+            <a:fillRef idx="1">
+              <a:schemeClr val="accent1"/>
+            </a:fillRef>
+            <a:effectRef idx="0">
+              <a:schemeClr val="accent1"/>
+            </a:effectRef>
+            <a:fontRef idx="minor">
+              <a:schemeClr val="lt1"/>
+            </a:fontRef>
+          </p:style>
+          <p:txBody>
+            <a:bodyPr rtlCol="0" anchor="ctr"/>
+            <a:lstStyle/>
+            <a:p>
+              <a:pPr algn="ctr"/>
+              <a:endParaRPr lang="en-US" sz="2000">
+                <a:latin typeface="Arial" panose="020B0604020202020204" pitchFamily="34" charset="0"/>
+                <a:cs typeface="Arial" panose="020B0604020202020204" pitchFamily="34" charset="0"/>
+              </a:endParaRPr>
+            </a:p>
+          </p:txBody>
+        </p:sp>
+      </p:grpSp>
+      <p:grpSp>
+        <p:nvGrpSpPr>
+          <p:cNvPr id="52" name="群組 413">
+            <a:extLst>
+              <a:ext uri="{FF2B5EF4-FFF2-40B4-BE49-F238E27FC236}">
+                <a16:creationId xmlns:a16="http://schemas.microsoft.com/office/drawing/2014/main" id="{9A5C6CA9-A8EE-364E-816E-3438CC21AAAC}"/>
+              </a:ext>
+            </a:extLst>
+          </p:cNvPr>
+          <p:cNvGrpSpPr/>
+          <p:nvPr/>
+        </p:nvGrpSpPr>
+        <p:grpSpPr>
+          <a:xfrm>
+            <a:off x="1491139" y="4007518"/>
+            <a:ext cx="107448" cy="605664"/>
+            <a:chOff x="917477" y="1881286"/>
+            <a:chExt cx="107448" cy="364769"/>
+          </a:xfrm>
+        </p:grpSpPr>
+        <p:sp>
+          <p:nvSpPr>
+            <p:cNvPr id="53" name="手繪多邊形 414">
+              <a:extLst>
+                <a:ext uri="{FF2B5EF4-FFF2-40B4-BE49-F238E27FC236}">
+                  <a16:creationId xmlns:a16="http://schemas.microsoft.com/office/drawing/2014/main" id="{FCB1984F-9DA4-5A46-A91C-92594759F4B0}"/>
+                </a:ext>
+              </a:extLst>
+            </p:cNvPr>
+            <p:cNvSpPr/>
+            <p:nvPr/>
+          </p:nvSpPr>
+          <p:spPr>
+            <a:xfrm rot="580019">
+              <a:off x="919119" y="1881286"/>
+              <a:ext cx="103201" cy="364769"/>
+            </a:xfrm>
+            <a:custGeom>
+              <a:avLst/>
+              <a:gdLst>
+                <a:gd name="connsiteX0" fmla="*/ 15559 w 103201"/>
+                <a:gd name="connsiteY0" fmla="*/ 0 h 242500"/>
+                <a:gd name="connsiteX1" fmla="*/ 73619 w 103201"/>
+                <a:gd name="connsiteY1" fmla="*/ 0 h 242500"/>
+                <a:gd name="connsiteX2" fmla="*/ 67199 w 103201"/>
+                <a:gd name="connsiteY2" fmla="*/ 7044 h 242500"/>
+                <a:gd name="connsiteX3" fmla="*/ 52708 w 103201"/>
+                <a:gd name="connsiteY3" fmla="*/ 57706 h 242500"/>
+                <a:gd name="connsiteX4" fmla="*/ 103192 w 103201"/>
+                <a:gd name="connsiteY4" fmla="*/ 184699 h 242500"/>
+                <a:gd name="connsiteX5" fmla="*/ 95842 w 103201"/>
+                <a:gd name="connsiteY5" fmla="*/ 233263 h 242500"/>
+                <a:gd name="connsiteX6" fmla="*/ 92410 w 103201"/>
+                <a:gd name="connsiteY6" fmla="*/ 242500 h 242500"/>
+                <a:gd name="connsiteX7" fmla="*/ 31568 w 103201"/>
+                <a:gd name="connsiteY7" fmla="*/ 242500 h 242500"/>
+                <a:gd name="connsiteX8" fmla="*/ 37381 w 103201"/>
+                <a:gd name="connsiteY8" fmla="*/ 230384 h 242500"/>
+                <a:gd name="connsiteX9" fmla="*/ 47310 w 103201"/>
+                <a:gd name="connsiteY9" fmla="*/ 179929 h 242500"/>
+                <a:gd name="connsiteX10" fmla="*/ 0 w 103201"/>
+                <a:gd name="connsiteY10" fmla="*/ 56099 h 242500"/>
+                <a:gd name="connsiteX11" fmla="*/ 10217 w 103201"/>
+                <a:gd name="connsiteY11" fmla="*/ 9511 h 242500"/>
+              </a:gdLst>
+              <a:ahLst/>
+              <a:cxnLst>
+                <a:cxn ang="0">
+                  <a:pos x="connsiteX0" y="connsiteY0"/>
+                </a:cxn>
+                <a:cxn ang="0">
+                  <a:pos x="connsiteX1" y="connsiteY1"/>
+                </a:cxn>
+                <a:cxn ang="0">
+                  <a:pos x="connsiteX2" y="connsiteY2"/>
+                </a:cxn>
+                <a:cxn ang="0">
+                  <a:pos x="connsiteX3" y="connsiteY3"/>
+                </a:cxn>
+                <a:cxn ang="0">
+                  <a:pos x="connsiteX4" y="connsiteY4"/>
+                </a:cxn>
+                <a:cxn ang="0">
+                  <a:pos x="connsiteX5" y="connsiteY5"/>
+                </a:cxn>
+                <a:cxn ang="0">
+                  <a:pos x="connsiteX6" y="connsiteY6"/>
+                </a:cxn>
+                <a:cxn ang="0">
+                  <a:pos x="connsiteX7" y="connsiteY7"/>
+                </a:cxn>
+                <a:cxn ang="0">
+                  <a:pos x="connsiteX8" y="connsiteY8"/>
+                </a:cxn>
+                <a:cxn ang="0">
+                  <a:pos x="connsiteX9" y="connsiteY9"/>
+                </a:cxn>
+                <a:cxn ang="0">
+                  <a:pos x="connsiteX10" y="connsiteY10"/>
+                </a:cxn>
+                <a:cxn ang="0">
+                  <a:pos x="connsiteX11" y="connsiteY11"/>
+                </a:cxn>
+              </a:cxnLst>
+              <a:rect l="l" t="t" r="r" b="b"/>
+              <a:pathLst>
+                <a:path w="103201" h="242500">
+                  <a:moveTo>
+                    <a:pt x="15559" y="0"/>
+                  </a:moveTo>
+                  <a:lnTo>
+                    <a:pt x="73619" y="0"/>
+                  </a:lnTo>
+                  <a:lnTo>
+                    <a:pt x="67199" y="7044"/>
+                  </a:lnTo>
+                  <a:cubicBezTo>
+                    <a:pt x="59279" y="18276"/>
+                    <a:pt x="52058" y="35149"/>
+                    <a:pt x="52708" y="57706"/>
+                  </a:cubicBezTo>
+                  <a:cubicBezTo>
+                    <a:pt x="54007" y="102822"/>
+                    <a:pt x="104009" y="147252"/>
+                    <a:pt x="103192" y="184699"/>
+                  </a:cubicBezTo>
+                  <a:cubicBezTo>
+                    <a:pt x="102783" y="203422"/>
+                    <a:pt x="99530" y="220683"/>
+                    <a:pt x="95842" y="233263"/>
+                  </a:cubicBezTo>
+                  <a:lnTo>
+                    <a:pt x="92410" y="242500"/>
+                  </a:lnTo>
+                  <a:lnTo>
+                    <a:pt x="31568" y="242500"/>
+                  </a:lnTo>
+                  <a:lnTo>
+                    <a:pt x="37381" y="230384"/>
+                  </a:lnTo>
+                  <a:cubicBezTo>
+                    <a:pt x="42854" y="216447"/>
+                    <a:pt x="47695" y="197994"/>
+                    <a:pt x="47310" y="179929"/>
+                  </a:cubicBezTo>
+                  <a:cubicBezTo>
+                    <a:pt x="46539" y="143800"/>
+                    <a:pt x="4208" y="103322"/>
+                    <a:pt x="0" y="56099"/>
+                  </a:cubicBezTo>
+                  <a:cubicBezTo>
+                    <a:pt x="0" y="37902"/>
+                    <a:pt x="4840" y="21432"/>
+                    <a:pt x="10217" y="9511"/>
+                  </a:cubicBezTo>
+                  <a:close/>
+                </a:path>
+              </a:pathLst>
+            </a:custGeom>
+            <a:solidFill>
+              <a:schemeClr val="bg1"/>
+            </a:solidFill>
+            <a:ln>
+              <a:noFill/>
+            </a:ln>
+          </p:spPr>
+          <p:style>
+            <a:lnRef idx="2">
+              <a:schemeClr val="accent1">
+                <a:shade val="50000"/>
+              </a:schemeClr>
+            </a:lnRef>
+            <a:fillRef idx="1">
+              <a:schemeClr val="accent1"/>
+            </a:fillRef>
+            <a:effectRef idx="0">
+              <a:schemeClr val="accent1"/>
+            </a:effectRef>
+            <a:fontRef idx="minor">
+              <a:schemeClr val="lt1"/>
+            </a:fontRef>
+          </p:style>
+          <p:txBody>
+            <a:bodyPr rtlCol="0" anchor="ctr"/>
+            <a:lstStyle/>
+            <a:p>
+              <a:pPr algn="ctr"/>
+              <a:endParaRPr lang="en-US" sz="2000">
+                <a:latin typeface="Arial" panose="020B0604020202020204" pitchFamily="34" charset="0"/>
+                <a:cs typeface="Arial" panose="020B0604020202020204" pitchFamily="34" charset="0"/>
+              </a:endParaRPr>
+            </a:p>
+          </p:txBody>
+        </p:sp>
+        <p:sp>
+          <p:nvSpPr>
+            <p:cNvPr id="54" name="手繪多邊形 415">
+              <a:extLst>
+                <a:ext uri="{FF2B5EF4-FFF2-40B4-BE49-F238E27FC236}">
+                  <a16:creationId xmlns:a16="http://schemas.microsoft.com/office/drawing/2014/main" id="{A1434E79-A586-A647-8A61-698F2777202D}"/>
+                </a:ext>
+              </a:extLst>
+            </p:cNvPr>
+            <p:cNvSpPr/>
+            <p:nvPr/>
+          </p:nvSpPr>
+          <p:spPr>
+            <a:xfrm rot="580019">
+              <a:off x="917477" y="1888439"/>
+              <a:ext cx="47331" cy="350462"/>
+            </a:xfrm>
+            <a:custGeom>
+              <a:avLst/>
+              <a:gdLst>
+                <a:gd name="connsiteX0" fmla="*/ 15559 w 103201"/>
+                <a:gd name="connsiteY0" fmla="*/ 0 h 242500"/>
+                <a:gd name="connsiteX1" fmla="*/ 73619 w 103201"/>
+                <a:gd name="connsiteY1" fmla="*/ 0 h 242500"/>
+                <a:gd name="connsiteX2" fmla="*/ 67199 w 103201"/>
+                <a:gd name="connsiteY2" fmla="*/ 7044 h 242500"/>
+                <a:gd name="connsiteX3" fmla="*/ 52708 w 103201"/>
+                <a:gd name="connsiteY3" fmla="*/ 57706 h 242500"/>
+                <a:gd name="connsiteX4" fmla="*/ 103192 w 103201"/>
+                <a:gd name="connsiteY4" fmla="*/ 184699 h 242500"/>
+                <a:gd name="connsiteX5" fmla="*/ 95842 w 103201"/>
+                <a:gd name="connsiteY5" fmla="*/ 233263 h 242500"/>
+                <a:gd name="connsiteX6" fmla="*/ 92410 w 103201"/>
+                <a:gd name="connsiteY6" fmla="*/ 242500 h 242500"/>
+                <a:gd name="connsiteX7" fmla="*/ 31568 w 103201"/>
+                <a:gd name="connsiteY7" fmla="*/ 242500 h 242500"/>
+                <a:gd name="connsiteX8" fmla="*/ 37381 w 103201"/>
+                <a:gd name="connsiteY8" fmla="*/ 230384 h 242500"/>
+                <a:gd name="connsiteX9" fmla="*/ 47310 w 103201"/>
+                <a:gd name="connsiteY9" fmla="*/ 179929 h 242500"/>
+                <a:gd name="connsiteX10" fmla="*/ 0 w 103201"/>
+                <a:gd name="connsiteY10" fmla="*/ 56099 h 242500"/>
+                <a:gd name="connsiteX11" fmla="*/ 10217 w 103201"/>
+                <a:gd name="connsiteY11" fmla="*/ 9511 h 242500"/>
+                <a:gd name="connsiteX0" fmla="*/ 73619 w 106999"/>
+                <a:gd name="connsiteY0" fmla="*/ 0 h 242500"/>
+                <a:gd name="connsiteX1" fmla="*/ 67199 w 106999"/>
+                <a:gd name="connsiteY1" fmla="*/ 7044 h 242500"/>
+                <a:gd name="connsiteX2" fmla="*/ 52708 w 106999"/>
+                <a:gd name="connsiteY2" fmla="*/ 57706 h 242500"/>
+                <a:gd name="connsiteX3" fmla="*/ 103192 w 106999"/>
+                <a:gd name="connsiteY3" fmla="*/ 184699 h 242500"/>
+                <a:gd name="connsiteX4" fmla="*/ 95842 w 106999"/>
+                <a:gd name="connsiteY4" fmla="*/ 233263 h 242500"/>
+                <a:gd name="connsiteX5" fmla="*/ 92410 w 106999"/>
+                <a:gd name="connsiteY5" fmla="*/ 242500 h 242500"/>
+                <a:gd name="connsiteX6" fmla="*/ 31568 w 106999"/>
+                <a:gd name="connsiteY6" fmla="*/ 242500 h 242500"/>
+                <a:gd name="connsiteX7" fmla="*/ 37381 w 106999"/>
+                <a:gd name="connsiteY7" fmla="*/ 230384 h 242500"/>
+                <a:gd name="connsiteX8" fmla="*/ 47310 w 106999"/>
+                <a:gd name="connsiteY8" fmla="*/ 179929 h 242500"/>
+                <a:gd name="connsiteX9" fmla="*/ 0 w 106999"/>
+                <a:gd name="connsiteY9" fmla="*/ 56099 h 242500"/>
+                <a:gd name="connsiteX10" fmla="*/ 10217 w 106999"/>
+                <a:gd name="connsiteY10" fmla="*/ 9511 h 242500"/>
+                <a:gd name="connsiteX11" fmla="*/ 106999 w 106999"/>
+                <a:gd name="connsiteY11" fmla="*/ 60790 h 242500"/>
+                <a:gd name="connsiteX0" fmla="*/ 73619 w 106999"/>
+                <a:gd name="connsiteY0" fmla="*/ 0 h 242500"/>
+                <a:gd name="connsiteX1" fmla="*/ 67199 w 106999"/>
+                <a:gd name="connsiteY1" fmla="*/ 7044 h 242500"/>
+                <a:gd name="connsiteX2" fmla="*/ 52708 w 106999"/>
+                <a:gd name="connsiteY2" fmla="*/ 57706 h 242500"/>
+                <a:gd name="connsiteX3" fmla="*/ 103192 w 106999"/>
+                <a:gd name="connsiteY3" fmla="*/ 184699 h 242500"/>
+                <a:gd name="connsiteX4" fmla="*/ 95842 w 106999"/>
+                <a:gd name="connsiteY4" fmla="*/ 233263 h 242500"/>
+                <a:gd name="connsiteX5" fmla="*/ 92410 w 106999"/>
+                <a:gd name="connsiteY5" fmla="*/ 242500 h 242500"/>
+                <a:gd name="connsiteX6" fmla="*/ 31568 w 106999"/>
+                <a:gd name="connsiteY6" fmla="*/ 242500 h 242500"/>
+                <a:gd name="connsiteX7" fmla="*/ 37381 w 106999"/>
+                <a:gd name="connsiteY7" fmla="*/ 230384 h 242500"/>
+                <a:gd name="connsiteX8" fmla="*/ 47310 w 106999"/>
+                <a:gd name="connsiteY8" fmla="*/ 179929 h 242500"/>
+                <a:gd name="connsiteX9" fmla="*/ 0 w 106999"/>
+                <a:gd name="connsiteY9" fmla="*/ 56099 h 242500"/>
+                <a:gd name="connsiteX10" fmla="*/ 10217 w 106999"/>
+                <a:gd name="connsiteY10" fmla="*/ 9511 h 242500"/>
+                <a:gd name="connsiteX11" fmla="*/ 106999 w 106999"/>
+                <a:gd name="connsiteY11" fmla="*/ 60790 h 242500"/>
+                <a:gd name="connsiteX12" fmla="*/ 73619 w 106999"/>
+                <a:gd name="connsiteY12" fmla="*/ 0 h 242500"/>
+                <a:gd name="connsiteX0" fmla="*/ 73619 w 198439"/>
+                <a:gd name="connsiteY0" fmla="*/ 0 h 242500"/>
+                <a:gd name="connsiteX1" fmla="*/ 67199 w 198439"/>
+                <a:gd name="connsiteY1" fmla="*/ 7044 h 242500"/>
+                <a:gd name="connsiteX2" fmla="*/ 52708 w 198439"/>
+                <a:gd name="connsiteY2" fmla="*/ 57706 h 242500"/>
+                <a:gd name="connsiteX3" fmla="*/ 103192 w 198439"/>
+                <a:gd name="connsiteY3" fmla="*/ 184699 h 242500"/>
+                <a:gd name="connsiteX4" fmla="*/ 95842 w 198439"/>
+                <a:gd name="connsiteY4" fmla="*/ 233263 h 242500"/>
+                <a:gd name="connsiteX5" fmla="*/ 92410 w 198439"/>
+                <a:gd name="connsiteY5" fmla="*/ 242500 h 242500"/>
+                <a:gd name="connsiteX6" fmla="*/ 31568 w 198439"/>
+                <a:gd name="connsiteY6" fmla="*/ 242500 h 242500"/>
+                <a:gd name="connsiteX7" fmla="*/ 37381 w 198439"/>
+                <a:gd name="connsiteY7" fmla="*/ 230384 h 242500"/>
+                <a:gd name="connsiteX8" fmla="*/ 47310 w 198439"/>
+                <a:gd name="connsiteY8" fmla="*/ 179929 h 242500"/>
+                <a:gd name="connsiteX9" fmla="*/ 0 w 198439"/>
+                <a:gd name="connsiteY9" fmla="*/ 56099 h 242500"/>
+                <a:gd name="connsiteX10" fmla="*/ 10217 w 198439"/>
+                <a:gd name="connsiteY10" fmla="*/ 9511 h 242500"/>
+                <a:gd name="connsiteX11" fmla="*/ 198439 w 198439"/>
+                <a:gd name="connsiteY11" fmla="*/ 121580 h 242500"/>
+                <a:gd name="connsiteX0" fmla="*/ 73619 w 198439"/>
+                <a:gd name="connsiteY0" fmla="*/ 0 h 242500"/>
+                <a:gd name="connsiteX1" fmla="*/ 67199 w 198439"/>
+                <a:gd name="connsiteY1" fmla="*/ 7044 h 242500"/>
+                <a:gd name="connsiteX2" fmla="*/ 52708 w 198439"/>
+                <a:gd name="connsiteY2" fmla="*/ 57706 h 242500"/>
+                <a:gd name="connsiteX3" fmla="*/ 103192 w 198439"/>
+                <a:gd name="connsiteY3" fmla="*/ 184699 h 242500"/>
+                <a:gd name="connsiteX4" fmla="*/ 95842 w 198439"/>
+                <a:gd name="connsiteY4" fmla="*/ 233263 h 242500"/>
+                <a:gd name="connsiteX5" fmla="*/ 92410 w 198439"/>
+                <a:gd name="connsiteY5" fmla="*/ 242500 h 242500"/>
+                <a:gd name="connsiteX6" fmla="*/ 31568 w 198439"/>
+                <a:gd name="connsiteY6" fmla="*/ 242500 h 242500"/>
+                <a:gd name="connsiteX7" fmla="*/ 37381 w 198439"/>
+                <a:gd name="connsiteY7" fmla="*/ 230384 h 242500"/>
+                <a:gd name="connsiteX8" fmla="*/ 47310 w 198439"/>
+                <a:gd name="connsiteY8" fmla="*/ 179929 h 242500"/>
+                <a:gd name="connsiteX9" fmla="*/ 0 w 198439"/>
+                <a:gd name="connsiteY9" fmla="*/ 56099 h 242500"/>
+                <a:gd name="connsiteX10" fmla="*/ 10217 w 198439"/>
+                <a:gd name="connsiteY10" fmla="*/ 9511 h 242500"/>
+                <a:gd name="connsiteX11" fmla="*/ 198439 w 198439"/>
+                <a:gd name="connsiteY11" fmla="*/ 121580 h 242500"/>
+                <a:gd name="connsiteX12" fmla="*/ 73619 w 198439"/>
+                <a:gd name="connsiteY12" fmla="*/ 0 h 242500"/>
+                <a:gd name="connsiteX0" fmla="*/ 73619 w 198439"/>
+                <a:gd name="connsiteY0" fmla="*/ 0 h 242500"/>
+                <a:gd name="connsiteX1" fmla="*/ 52708 w 198439"/>
+                <a:gd name="connsiteY1" fmla="*/ 57706 h 242500"/>
+                <a:gd name="connsiteX2" fmla="*/ 103192 w 198439"/>
+                <a:gd name="connsiteY2" fmla="*/ 184699 h 242500"/>
+                <a:gd name="connsiteX3" fmla="*/ 95842 w 198439"/>
+                <a:gd name="connsiteY3" fmla="*/ 233263 h 242500"/>
+                <a:gd name="connsiteX4" fmla="*/ 92410 w 198439"/>
+                <a:gd name="connsiteY4" fmla="*/ 242500 h 242500"/>
+                <a:gd name="connsiteX5" fmla="*/ 31568 w 198439"/>
+                <a:gd name="connsiteY5" fmla="*/ 242500 h 242500"/>
+                <a:gd name="connsiteX6" fmla="*/ 37381 w 198439"/>
+                <a:gd name="connsiteY6" fmla="*/ 230384 h 242500"/>
+                <a:gd name="connsiteX7" fmla="*/ 47310 w 198439"/>
+                <a:gd name="connsiteY7" fmla="*/ 179929 h 242500"/>
+                <a:gd name="connsiteX8" fmla="*/ 0 w 198439"/>
+                <a:gd name="connsiteY8" fmla="*/ 56099 h 242500"/>
+                <a:gd name="connsiteX9" fmla="*/ 10217 w 198439"/>
+                <a:gd name="connsiteY9" fmla="*/ 9511 h 242500"/>
+                <a:gd name="connsiteX10" fmla="*/ 198439 w 198439"/>
+                <a:gd name="connsiteY10" fmla="*/ 121580 h 242500"/>
+                <a:gd name="connsiteX11" fmla="*/ 73619 w 198439"/>
+                <a:gd name="connsiteY11" fmla="*/ 0 h 242500"/>
+                <a:gd name="connsiteX0" fmla="*/ 198439 w 198439"/>
+                <a:gd name="connsiteY0" fmla="*/ 112201 h 233121"/>
+                <a:gd name="connsiteX1" fmla="*/ 52708 w 198439"/>
+                <a:gd name="connsiteY1" fmla="*/ 48327 h 233121"/>
+                <a:gd name="connsiteX2" fmla="*/ 103192 w 198439"/>
+                <a:gd name="connsiteY2" fmla="*/ 175320 h 233121"/>
+                <a:gd name="connsiteX3" fmla="*/ 95842 w 198439"/>
+                <a:gd name="connsiteY3" fmla="*/ 223884 h 233121"/>
+                <a:gd name="connsiteX4" fmla="*/ 92410 w 198439"/>
+                <a:gd name="connsiteY4" fmla="*/ 233121 h 233121"/>
+                <a:gd name="connsiteX5" fmla="*/ 31568 w 198439"/>
+                <a:gd name="connsiteY5" fmla="*/ 233121 h 233121"/>
+                <a:gd name="connsiteX6" fmla="*/ 37381 w 198439"/>
+                <a:gd name="connsiteY6" fmla="*/ 221005 h 233121"/>
+                <a:gd name="connsiteX7" fmla="*/ 47310 w 198439"/>
+                <a:gd name="connsiteY7" fmla="*/ 170550 h 233121"/>
+                <a:gd name="connsiteX8" fmla="*/ 0 w 198439"/>
+                <a:gd name="connsiteY8" fmla="*/ 46720 h 233121"/>
+                <a:gd name="connsiteX9" fmla="*/ 10217 w 198439"/>
+                <a:gd name="connsiteY9" fmla="*/ 132 h 233121"/>
+                <a:gd name="connsiteX10" fmla="*/ 198439 w 198439"/>
+                <a:gd name="connsiteY10" fmla="*/ 112201 h 233121"/>
+                <a:gd name="connsiteX0" fmla="*/ 198439 w 198439"/>
+                <a:gd name="connsiteY0" fmla="*/ 112201 h 233121"/>
+                <a:gd name="connsiteX1" fmla="*/ 103192 w 198439"/>
+                <a:gd name="connsiteY1" fmla="*/ 175320 h 233121"/>
+                <a:gd name="connsiteX2" fmla="*/ 95842 w 198439"/>
+                <a:gd name="connsiteY2" fmla="*/ 223884 h 233121"/>
+                <a:gd name="connsiteX3" fmla="*/ 92410 w 198439"/>
+                <a:gd name="connsiteY3" fmla="*/ 233121 h 233121"/>
+                <a:gd name="connsiteX4" fmla="*/ 31568 w 198439"/>
+                <a:gd name="connsiteY4" fmla="*/ 233121 h 233121"/>
+                <a:gd name="connsiteX5" fmla="*/ 37381 w 198439"/>
+                <a:gd name="connsiteY5" fmla="*/ 221005 h 233121"/>
+                <a:gd name="connsiteX6" fmla="*/ 47310 w 198439"/>
+                <a:gd name="connsiteY6" fmla="*/ 170550 h 233121"/>
+                <a:gd name="connsiteX7" fmla="*/ 0 w 198439"/>
+                <a:gd name="connsiteY7" fmla="*/ 46720 h 233121"/>
+                <a:gd name="connsiteX8" fmla="*/ 10217 w 198439"/>
+                <a:gd name="connsiteY8" fmla="*/ 132 h 233121"/>
+                <a:gd name="connsiteX9" fmla="*/ 198439 w 198439"/>
+                <a:gd name="connsiteY9" fmla="*/ 112201 h 233121"/>
+                <a:gd name="connsiteX0" fmla="*/ 198439 w 198439"/>
+                <a:gd name="connsiteY0" fmla="*/ 112201 h 233121"/>
+                <a:gd name="connsiteX1" fmla="*/ 95842 w 198439"/>
+                <a:gd name="connsiteY1" fmla="*/ 223884 h 233121"/>
+                <a:gd name="connsiteX2" fmla="*/ 92410 w 198439"/>
+                <a:gd name="connsiteY2" fmla="*/ 233121 h 233121"/>
+                <a:gd name="connsiteX3" fmla="*/ 31568 w 198439"/>
+                <a:gd name="connsiteY3" fmla="*/ 233121 h 233121"/>
+                <a:gd name="connsiteX4" fmla="*/ 37381 w 198439"/>
+                <a:gd name="connsiteY4" fmla="*/ 221005 h 233121"/>
+                <a:gd name="connsiteX5" fmla="*/ 47310 w 198439"/>
+                <a:gd name="connsiteY5" fmla="*/ 170550 h 233121"/>
+                <a:gd name="connsiteX6" fmla="*/ 0 w 198439"/>
+                <a:gd name="connsiteY6" fmla="*/ 46720 h 233121"/>
+                <a:gd name="connsiteX7" fmla="*/ 10217 w 198439"/>
+                <a:gd name="connsiteY7" fmla="*/ 132 h 233121"/>
+                <a:gd name="connsiteX8" fmla="*/ 198439 w 198439"/>
+                <a:gd name="connsiteY8" fmla="*/ 112201 h 233121"/>
+                <a:gd name="connsiteX0" fmla="*/ 31568 w 198439"/>
+                <a:gd name="connsiteY0" fmla="*/ 233121 h 293911"/>
+                <a:gd name="connsiteX1" fmla="*/ 37381 w 198439"/>
+                <a:gd name="connsiteY1" fmla="*/ 221005 h 293911"/>
+                <a:gd name="connsiteX2" fmla="*/ 47310 w 198439"/>
+                <a:gd name="connsiteY2" fmla="*/ 170550 h 293911"/>
+                <a:gd name="connsiteX3" fmla="*/ 0 w 198439"/>
+                <a:gd name="connsiteY3" fmla="*/ 46720 h 293911"/>
+                <a:gd name="connsiteX4" fmla="*/ 10217 w 198439"/>
+                <a:gd name="connsiteY4" fmla="*/ 132 h 293911"/>
+                <a:gd name="connsiteX5" fmla="*/ 198439 w 198439"/>
+                <a:gd name="connsiteY5" fmla="*/ 112201 h 293911"/>
+                <a:gd name="connsiteX6" fmla="*/ 95842 w 198439"/>
+                <a:gd name="connsiteY6" fmla="*/ 223884 h 293911"/>
+                <a:gd name="connsiteX7" fmla="*/ 183850 w 198439"/>
+                <a:gd name="connsiteY7" fmla="*/ 293911 h 293911"/>
+                <a:gd name="connsiteX0" fmla="*/ 31568 w 201775"/>
+                <a:gd name="connsiteY0" fmla="*/ 232989 h 293779"/>
+                <a:gd name="connsiteX1" fmla="*/ 37381 w 201775"/>
+                <a:gd name="connsiteY1" fmla="*/ 220873 h 293779"/>
+                <a:gd name="connsiteX2" fmla="*/ 47310 w 201775"/>
+                <a:gd name="connsiteY2" fmla="*/ 170418 h 293779"/>
+                <a:gd name="connsiteX3" fmla="*/ 0 w 201775"/>
+                <a:gd name="connsiteY3" fmla="*/ 46588 h 293779"/>
+                <a:gd name="connsiteX4" fmla="*/ 10217 w 201775"/>
+                <a:gd name="connsiteY4" fmla="*/ 0 h 293779"/>
+                <a:gd name="connsiteX5" fmla="*/ 161264 w 201775"/>
+                <a:gd name="connsiteY5" fmla="*/ 85778 h 293779"/>
+                <a:gd name="connsiteX6" fmla="*/ 198439 w 201775"/>
+                <a:gd name="connsiteY6" fmla="*/ 112069 h 293779"/>
+                <a:gd name="connsiteX7" fmla="*/ 95842 w 201775"/>
+                <a:gd name="connsiteY7" fmla="*/ 223752 h 293779"/>
+                <a:gd name="connsiteX8" fmla="*/ 183850 w 201775"/>
+                <a:gd name="connsiteY8" fmla="*/ 293779 h 293779"/>
+                <a:gd name="connsiteX0" fmla="*/ 31568 w 198439"/>
+                <a:gd name="connsiteY0" fmla="*/ 232989 h 293779"/>
+                <a:gd name="connsiteX1" fmla="*/ 37381 w 198439"/>
+                <a:gd name="connsiteY1" fmla="*/ 220873 h 293779"/>
+                <a:gd name="connsiteX2" fmla="*/ 47310 w 198439"/>
+                <a:gd name="connsiteY2" fmla="*/ 170418 h 293779"/>
+                <a:gd name="connsiteX3" fmla="*/ 0 w 198439"/>
+                <a:gd name="connsiteY3" fmla="*/ 46588 h 293779"/>
+                <a:gd name="connsiteX4" fmla="*/ 10217 w 198439"/>
+                <a:gd name="connsiteY4" fmla="*/ 0 h 293779"/>
+                <a:gd name="connsiteX5" fmla="*/ 198439 w 198439"/>
+                <a:gd name="connsiteY5" fmla="*/ 112069 h 293779"/>
+                <a:gd name="connsiteX6" fmla="*/ 95842 w 198439"/>
+                <a:gd name="connsiteY6" fmla="*/ 223752 h 293779"/>
+                <a:gd name="connsiteX7" fmla="*/ 183850 w 198439"/>
+                <a:gd name="connsiteY7" fmla="*/ 293779 h 293779"/>
+                <a:gd name="connsiteX0" fmla="*/ 31568 w 183850"/>
+                <a:gd name="connsiteY0" fmla="*/ 232989 h 293779"/>
+                <a:gd name="connsiteX1" fmla="*/ 37381 w 183850"/>
+                <a:gd name="connsiteY1" fmla="*/ 220873 h 293779"/>
+                <a:gd name="connsiteX2" fmla="*/ 47310 w 183850"/>
+                <a:gd name="connsiteY2" fmla="*/ 170418 h 293779"/>
+                <a:gd name="connsiteX3" fmla="*/ 0 w 183850"/>
+                <a:gd name="connsiteY3" fmla="*/ 46588 h 293779"/>
+                <a:gd name="connsiteX4" fmla="*/ 10217 w 183850"/>
+                <a:gd name="connsiteY4" fmla="*/ 0 h 293779"/>
+                <a:gd name="connsiteX5" fmla="*/ 95842 w 183850"/>
+                <a:gd name="connsiteY5" fmla="*/ 223752 h 293779"/>
+                <a:gd name="connsiteX6" fmla="*/ 183850 w 183850"/>
+                <a:gd name="connsiteY6" fmla="*/ 293779 h 293779"/>
+                <a:gd name="connsiteX0" fmla="*/ 31568 w 183850"/>
+                <a:gd name="connsiteY0" fmla="*/ 232989 h 293779"/>
+                <a:gd name="connsiteX1" fmla="*/ 37381 w 183850"/>
+                <a:gd name="connsiteY1" fmla="*/ 220873 h 293779"/>
+                <a:gd name="connsiteX2" fmla="*/ 47310 w 183850"/>
+                <a:gd name="connsiteY2" fmla="*/ 170418 h 293779"/>
+                <a:gd name="connsiteX3" fmla="*/ 0 w 183850"/>
+                <a:gd name="connsiteY3" fmla="*/ 46588 h 293779"/>
+                <a:gd name="connsiteX4" fmla="*/ 10217 w 183850"/>
+                <a:gd name="connsiteY4" fmla="*/ 0 h 293779"/>
+                <a:gd name="connsiteX5" fmla="*/ 183850 w 183850"/>
+                <a:gd name="connsiteY5" fmla="*/ 293779 h 293779"/>
+                <a:gd name="connsiteX0" fmla="*/ 31568 w 47331"/>
+                <a:gd name="connsiteY0" fmla="*/ 232989 h 232989"/>
+                <a:gd name="connsiteX1" fmla="*/ 37381 w 47331"/>
+                <a:gd name="connsiteY1" fmla="*/ 220873 h 232989"/>
+                <a:gd name="connsiteX2" fmla="*/ 47310 w 47331"/>
+                <a:gd name="connsiteY2" fmla="*/ 170418 h 232989"/>
+                <a:gd name="connsiteX3" fmla="*/ 0 w 47331"/>
+                <a:gd name="connsiteY3" fmla="*/ 46588 h 232989"/>
+                <a:gd name="connsiteX4" fmla="*/ 10217 w 47331"/>
+                <a:gd name="connsiteY4" fmla="*/ 0 h 232989"/>
+              </a:gdLst>
+              <a:ahLst/>
+              <a:cxnLst>
+                <a:cxn ang="0">
+                  <a:pos x="connsiteX0" y="connsiteY0"/>
+                </a:cxn>
+                <a:cxn ang="0">
+                  <a:pos x="connsiteX1" y="connsiteY1"/>
+                </a:cxn>
+                <a:cxn ang="0">
+                  <a:pos x="connsiteX2" y="connsiteY2"/>
+                </a:cxn>
+                <a:cxn ang="0">
+                  <a:pos x="connsiteX3" y="connsiteY3"/>
+                </a:cxn>
+                <a:cxn ang="0">
+                  <a:pos x="connsiteX4" y="connsiteY4"/>
+                </a:cxn>
+              </a:cxnLst>
+              <a:rect l="l" t="t" r="r" b="b"/>
+              <a:pathLst>
+                <a:path w="47331" h="232989">
+                  <a:moveTo>
+                    <a:pt x="31568" y="232989"/>
+                  </a:moveTo>
+                  <a:lnTo>
+                    <a:pt x="37381" y="220873"/>
+                  </a:lnTo>
+                  <a:cubicBezTo>
+                    <a:pt x="42854" y="206936"/>
+                    <a:pt x="47695" y="188483"/>
+                    <a:pt x="47310" y="170418"/>
+                  </a:cubicBezTo>
+                  <a:cubicBezTo>
+                    <a:pt x="46539" y="134289"/>
+                    <a:pt x="4208" y="93811"/>
+                    <a:pt x="0" y="46588"/>
+                  </a:cubicBezTo>
+                  <a:cubicBezTo>
+                    <a:pt x="0" y="28391"/>
+                    <a:pt x="4840" y="11921"/>
+                    <a:pt x="10217" y="0"/>
+                  </a:cubicBezTo>
+                </a:path>
+              </a:pathLst>
+            </a:custGeom>
+            <a:noFill/>
+            <a:ln>
+              <a:solidFill>
+                <a:schemeClr val="tx1"/>
+              </a:solidFill>
+            </a:ln>
+          </p:spPr>
+          <p:style>
+            <a:lnRef idx="2">
+              <a:schemeClr val="accent1">
+                <a:shade val="50000"/>
+              </a:schemeClr>
+            </a:lnRef>
+            <a:fillRef idx="1">
+              <a:schemeClr val="accent1"/>
+            </a:fillRef>
+            <a:effectRef idx="0">
+              <a:schemeClr val="accent1"/>
+            </a:effectRef>
+            <a:fontRef idx="minor">
+              <a:schemeClr val="lt1"/>
+            </a:fontRef>
+          </p:style>
+          <p:txBody>
+            <a:bodyPr rtlCol="0" anchor="ctr"/>
+            <a:lstStyle/>
+            <a:p>
+              <a:pPr algn="ctr"/>
+              <a:endParaRPr lang="en-US" sz="2000">
+                <a:latin typeface="Arial" panose="020B0604020202020204" pitchFamily="34" charset="0"/>
+                <a:cs typeface="Arial" panose="020B0604020202020204" pitchFamily="34" charset="0"/>
+              </a:endParaRPr>
+            </a:p>
+          </p:txBody>
+        </p:sp>
+        <p:sp>
+          <p:nvSpPr>
+            <p:cNvPr id="55" name="手繪多邊形 416">
+              <a:extLst>
+                <a:ext uri="{FF2B5EF4-FFF2-40B4-BE49-F238E27FC236}">
+                  <a16:creationId xmlns:a16="http://schemas.microsoft.com/office/drawing/2014/main" id="{96127C55-0A77-9A47-AFD0-11B777771D40}"/>
+                </a:ext>
+              </a:extLst>
+            </p:cNvPr>
+            <p:cNvSpPr/>
+            <p:nvPr/>
+          </p:nvSpPr>
+          <p:spPr>
+            <a:xfrm rot="580019">
+              <a:off x="977594" y="1894311"/>
+              <a:ext cx="47331" cy="350462"/>
+            </a:xfrm>
+            <a:custGeom>
+              <a:avLst/>
+              <a:gdLst>
+                <a:gd name="connsiteX0" fmla="*/ 15559 w 103201"/>
+                <a:gd name="connsiteY0" fmla="*/ 0 h 242500"/>
+                <a:gd name="connsiteX1" fmla="*/ 73619 w 103201"/>
+                <a:gd name="connsiteY1" fmla="*/ 0 h 242500"/>
+                <a:gd name="connsiteX2" fmla="*/ 67199 w 103201"/>
+                <a:gd name="connsiteY2" fmla="*/ 7044 h 242500"/>
+                <a:gd name="connsiteX3" fmla="*/ 52708 w 103201"/>
+                <a:gd name="connsiteY3" fmla="*/ 57706 h 242500"/>
+                <a:gd name="connsiteX4" fmla="*/ 103192 w 103201"/>
+                <a:gd name="connsiteY4" fmla="*/ 184699 h 242500"/>
+                <a:gd name="connsiteX5" fmla="*/ 95842 w 103201"/>
+                <a:gd name="connsiteY5" fmla="*/ 233263 h 242500"/>
+                <a:gd name="connsiteX6" fmla="*/ 92410 w 103201"/>
+                <a:gd name="connsiteY6" fmla="*/ 242500 h 242500"/>
+                <a:gd name="connsiteX7" fmla="*/ 31568 w 103201"/>
+                <a:gd name="connsiteY7" fmla="*/ 242500 h 242500"/>
+                <a:gd name="connsiteX8" fmla="*/ 37381 w 103201"/>
+                <a:gd name="connsiteY8" fmla="*/ 230384 h 242500"/>
+                <a:gd name="connsiteX9" fmla="*/ 47310 w 103201"/>
+                <a:gd name="connsiteY9" fmla="*/ 179929 h 242500"/>
+                <a:gd name="connsiteX10" fmla="*/ 0 w 103201"/>
+                <a:gd name="connsiteY10" fmla="*/ 56099 h 242500"/>
+                <a:gd name="connsiteX11" fmla="*/ 10217 w 103201"/>
+                <a:gd name="connsiteY11" fmla="*/ 9511 h 242500"/>
+                <a:gd name="connsiteX0" fmla="*/ 73619 w 106999"/>
+                <a:gd name="connsiteY0" fmla="*/ 0 h 242500"/>
+                <a:gd name="connsiteX1" fmla="*/ 67199 w 106999"/>
+                <a:gd name="connsiteY1" fmla="*/ 7044 h 242500"/>
+                <a:gd name="connsiteX2" fmla="*/ 52708 w 106999"/>
+                <a:gd name="connsiteY2" fmla="*/ 57706 h 242500"/>
+                <a:gd name="connsiteX3" fmla="*/ 103192 w 106999"/>
+                <a:gd name="connsiteY3" fmla="*/ 184699 h 242500"/>
+                <a:gd name="connsiteX4" fmla="*/ 95842 w 106999"/>
+                <a:gd name="connsiteY4" fmla="*/ 233263 h 242500"/>
+                <a:gd name="connsiteX5" fmla="*/ 92410 w 106999"/>
+                <a:gd name="connsiteY5" fmla="*/ 242500 h 242500"/>
+                <a:gd name="connsiteX6" fmla="*/ 31568 w 106999"/>
+                <a:gd name="connsiteY6" fmla="*/ 242500 h 242500"/>
+                <a:gd name="connsiteX7" fmla="*/ 37381 w 106999"/>
+                <a:gd name="connsiteY7" fmla="*/ 230384 h 242500"/>
+                <a:gd name="connsiteX8" fmla="*/ 47310 w 106999"/>
+                <a:gd name="connsiteY8" fmla="*/ 179929 h 242500"/>
+                <a:gd name="connsiteX9" fmla="*/ 0 w 106999"/>
+                <a:gd name="connsiteY9" fmla="*/ 56099 h 242500"/>
+                <a:gd name="connsiteX10" fmla="*/ 10217 w 106999"/>
+                <a:gd name="connsiteY10" fmla="*/ 9511 h 242500"/>
+                <a:gd name="connsiteX11" fmla="*/ 106999 w 106999"/>
+                <a:gd name="connsiteY11" fmla="*/ 60790 h 242500"/>
+                <a:gd name="connsiteX0" fmla="*/ 73619 w 106999"/>
+                <a:gd name="connsiteY0" fmla="*/ 0 h 242500"/>
+                <a:gd name="connsiteX1" fmla="*/ 67199 w 106999"/>
+                <a:gd name="connsiteY1" fmla="*/ 7044 h 242500"/>
+                <a:gd name="connsiteX2" fmla="*/ 52708 w 106999"/>
+                <a:gd name="connsiteY2" fmla="*/ 57706 h 242500"/>
+                <a:gd name="connsiteX3" fmla="*/ 103192 w 106999"/>
+                <a:gd name="connsiteY3" fmla="*/ 184699 h 242500"/>
+                <a:gd name="connsiteX4" fmla="*/ 95842 w 106999"/>
+                <a:gd name="connsiteY4" fmla="*/ 233263 h 242500"/>
+                <a:gd name="connsiteX5" fmla="*/ 92410 w 106999"/>
+                <a:gd name="connsiteY5" fmla="*/ 242500 h 242500"/>
+                <a:gd name="connsiteX6" fmla="*/ 31568 w 106999"/>
+                <a:gd name="connsiteY6" fmla="*/ 242500 h 242500"/>
+                <a:gd name="connsiteX7" fmla="*/ 37381 w 106999"/>
+                <a:gd name="connsiteY7" fmla="*/ 230384 h 242500"/>
+                <a:gd name="connsiteX8" fmla="*/ 47310 w 106999"/>
+                <a:gd name="connsiteY8" fmla="*/ 179929 h 242500"/>
+                <a:gd name="connsiteX9" fmla="*/ 0 w 106999"/>
+                <a:gd name="connsiteY9" fmla="*/ 56099 h 242500"/>
+                <a:gd name="connsiteX10" fmla="*/ 10217 w 106999"/>
+                <a:gd name="connsiteY10" fmla="*/ 9511 h 242500"/>
+                <a:gd name="connsiteX11" fmla="*/ 106999 w 106999"/>
+                <a:gd name="connsiteY11" fmla="*/ 60790 h 242500"/>
+                <a:gd name="connsiteX12" fmla="*/ 73619 w 106999"/>
+                <a:gd name="connsiteY12" fmla="*/ 0 h 242500"/>
+                <a:gd name="connsiteX0" fmla="*/ 73619 w 198439"/>
+                <a:gd name="connsiteY0" fmla="*/ 0 h 242500"/>
+                <a:gd name="connsiteX1" fmla="*/ 67199 w 198439"/>
+                <a:gd name="connsiteY1" fmla="*/ 7044 h 242500"/>
+                <a:gd name="connsiteX2" fmla="*/ 52708 w 198439"/>
+                <a:gd name="connsiteY2" fmla="*/ 57706 h 242500"/>
+                <a:gd name="connsiteX3" fmla="*/ 103192 w 198439"/>
+                <a:gd name="connsiteY3" fmla="*/ 184699 h 242500"/>
+                <a:gd name="connsiteX4" fmla="*/ 95842 w 198439"/>
+                <a:gd name="connsiteY4" fmla="*/ 233263 h 242500"/>
+                <a:gd name="connsiteX5" fmla="*/ 92410 w 198439"/>
+                <a:gd name="connsiteY5" fmla="*/ 242500 h 242500"/>
+                <a:gd name="connsiteX6" fmla="*/ 31568 w 198439"/>
+                <a:gd name="connsiteY6" fmla="*/ 242500 h 242500"/>
+                <a:gd name="connsiteX7" fmla="*/ 37381 w 198439"/>
+                <a:gd name="connsiteY7" fmla="*/ 230384 h 242500"/>
+                <a:gd name="connsiteX8" fmla="*/ 47310 w 198439"/>
+                <a:gd name="connsiteY8" fmla="*/ 179929 h 242500"/>
+                <a:gd name="connsiteX9" fmla="*/ 0 w 198439"/>
+                <a:gd name="connsiteY9" fmla="*/ 56099 h 242500"/>
+                <a:gd name="connsiteX10" fmla="*/ 10217 w 198439"/>
+                <a:gd name="connsiteY10" fmla="*/ 9511 h 242500"/>
+                <a:gd name="connsiteX11" fmla="*/ 198439 w 198439"/>
+                <a:gd name="connsiteY11" fmla="*/ 121580 h 242500"/>
+                <a:gd name="connsiteX0" fmla="*/ 73619 w 198439"/>
+                <a:gd name="connsiteY0" fmla="*/ 0 h 242500"/>
+                <a:gd name="connsiteX1" fmla="*/ 67199 w 198439"/>
+                <a:gd name="connsiteY1" fmla="*/ 7044 h 242500"/>
+                <a:gd name="connsiteX2" fmla="*/ 52708 w 198439"/>
+                <a:gd name="connsiteY2" fmla="*/ 57706 h 242500"/>
+                <a:gd name="connsiteX3" fmla="*/ 103192 w 198439"/>
+                <a:gd name="connsiteY3" fmla="*/ 184699 h 242500"/>
+                <a:gd name="connsiteX4" fmla="*/ 95842 w 198439"/>
+                <a:gd name="connsiteY4" fmla="*/ 233263 h 242500"/>
+                <a:gd name="connsiteX5" fmla="*/ 92410 w 198439"/>
+                <a:gd name="connsiteY5" fmla="*/ 242500 h 242500"/>
+                <a:gd name="connsiteX6" fmla="*/ 31568 w 198439"/>
+                <a:gd name="connsiteY6" fmla="*/ 242500 h 242500"/>
+                <a:gd name="connsiteX7" fmla="*/ 37381 w 198439"/>
+                <a:gd name="connsiteY7" fmla="*/ 230384 h 242500"/>
+                <a:gd name="connsiteX8" fmla="*/ 47310 w 198439"/>
+                <a:gd name="connsiteY8" fmla="*/ 179929 h 242500"/>
+                <a:gd name="connsiteX9" fmla="*/ 0 w 198439"/>
+                <a:gd name="connsiteY9" fmla="*/ 56099 h 242500"/>
+                <a:gd name="connsiteX10" fmla="*/ 10217 w 198439"/>
+                <a:gd name="connsiteY10" fmla="*/ 9511 h 242500"/>
+                <a:gd name="connsiteX11" fmla="*/ 198439 w 198439"/>
+                <a:gd name="connsiteY11" fmla="*/ 121580 h 242500"/>
+                <a:gd name="connsiteX12" fmla="*/ 73619 w 198439"/>
+                <a:gd name="connsiteY12" fmla="*/ 0 h 242500"/>
+                <a:gd name="connsiteX0" fmla="*/ 73619 w 198439"/>
+                <a:gd name="connsiteY0" fmla="*/ 0 h 242500"/>
+                <a:gd name="connsiteX1" fmla="*/ 52708 w 198439"/>
+                <a:gd name="connsiteY1" fmla="*/ 57706 h 242500"/>
+                <a:gd name="connsiteX2" fmla="*/ 103192 w 198439"/>
+                <a:gd name="connsiteY2" fmla="*/ 184699 h 242500"/>
+                <a:gd name="connsiteX3" fmla="*/ 95842 w 198439"/>
+                <a:gd name="connsiteY3" fmla="*/ 233263 h 242500"/>
+                <a:gd name="connsiteX4" fmla="*/ 92410 w 198439"/>
+                <a:gd name="connsiteY4" fmla="*/ 242500 h 242500"/>
+                <a:gd name="connsiteX5" fmla="*/ 31568 w 198439"/>
+                <a:gd name="connsiteY5" fmla="*/ 242500 h 242500"/>
+                <a:gd name="connsiteX6" fmla="*/ 37381 w 198439"/>
+                <a:gd name="connsiteY6" fmla="*/ 230384 h 242500"/>
+                <a:gd name="connsiteX7" fmla="*/ 47310 w 198439"/>
+                <a:gd name="connsiteY7" fmla="*/ 179929 h 242500"/>
+                <a:gd name="connsiteX8" fmla="*/ 0 w 198439"/>
+                <a:gd name="connsiteY8" fmla="*/ 56099 h 242500"/>
+                <a:gd name="connsiteX9" fmla="*/ 10217 w 198439"/>
+                <a:gd name="connsiteY9" fmla="*/ 9511 h 242500"/>
+                <a:gd name="connsiteX10" fmla="*/ 198439 w 198439"/>
+                <a:gd name="connsiteY10" fmla="*/ 121580 h 242500"/>
+                <a:gd name="connsiteX11" fmla="*/ 73619 w 198439"/>
+                <a:gd name="connsiteY11" fmla="*/ 0 h 242500"/>
+                <a:gd name="connsiteX0" fmla="*/ 198439 w 198439"/>
+                <a:gd name="connsiteY0" fmla="*/ 112201 h 233121"/>
+                <a:gd name="connsiteX1" fmla="*/ 52708 w 198439"/>
+                <a:gd name="connsiteY1" fmla="*/ 48327 h 233121"/>
+                <a:gd name="connsiteX2" fmla="*/ 103192 w 198439"/>
+                <a:gd name="connsiteY2" fmla="*/ 175320 h 233121"/>
+                <a:gd name="connsiteX3" fmla="*/ 95842 w 198439"/>
+                <a:gd name="connsiteY3" fmla="*/ 223884 h 233121"/>
+                <a:gd name="connsiteX4" fmla="*/ 92410 w 198439"/>
+                <a:gd name="connsiteY4" fmla="*/ 233121 h 233121"/>
+                <a:gd name="connsiteX5" fmla="*/ 31568 w 198439"/>
+                <a:gd name="connsiteY5" fmla="*/ 233121 h 233121"/>
+                <a:gd name="connsiteX6" fmla="*/ 37381 w 198439"/>
+                <a:gd name="connsiteY6" fmla="*/ 221005 h 233121"/>
+                <a:gd name="connsiteX7" fmla="*/ 47310 w 198439"/>
+                <a:gd name="connsiteY7" fmla="*/ 170550 h 233121"/>
+                <a:gd name="connsiteX8" fmla="*/ 0 w 198439"/>
+                <a:gd name="connsiteY8" fmla="*/ 46720 h 233121"/>
+                <a:gd name="connsiteX9" fmla="*/ 10217 w 198439"/>
+                <a:gd name="connsiteY9" fmla="*/ 132 h 233121"/>
+                <a:gd name="connsiteX10" fmla="*/ 198439 w 198439"/>
+                <a:gd name="connsiteY10" fmla="*/ 112201 h 233121"/>
+                <a:gd name="connsiteX0" fmla="*/ 198439 w 198439"/>
+                <a:gd name="connsiteY0" fmla="*/ 112201 h 233121"/>
+                <a:gd name="connsiteX1" fmla="*/ 103192 w 198439"/>
+                <a:gd name="connsiteY1" fmla="*/ 175320 h 233121"/>
+                <a:gd name="connsiteX2" fmla="*/ 95842 w 198439"/>
+                <a:gd name="connsiteY2" fmla="*/ 223884 h 233121"/>
+                <a:gd name="connsiteX3" fmla="*/ 92410 w 198439"/>
+                <a:gd name="connsiteY3" fmla="*/ 233121 h 233121"/>
+                <a:gd name="connsiteX4" fmla="*/ 31568 w 198439"/>
+                <a:gd name="connsiteY4" fmla="*/ 233121 h 233121"/>
+                <a:gd name="connsiteX5" fmla="*/ 37381 w 198439"/>
+                <a:gd name="connsiteY5" fmla="*/ 221005 h 233121"/>
+                <a:gd name="connsiteX6" fmla="*/ 47310 w 198439"/>
+                <a:gd name="connsiteY6" fmla="*/ 170550 h 233121"/>
+                <a:gd name="connsiteX7" fmla="*/ 0 w 198439"/>
+                <a:gd name="connsiteY7" fmla="*/ 46720 h 233121"/>
+                <a:gd name="connsiteX8" fmla="*/ 10217 w 198439"/>
+                <a:gd name="connsiteY8" fmla="*/ 132 h 233121"/>
+                <a:gd name="connsiteX9" fmla="*/ 198439 w 198439"/>
+                <a:gd name="connsiteY9" fmla="*/ 112201 h 233121"/>
+                <a:gd name="connsiteX0" fmla="*/ 198439 w 198439"/>
+                <a:gd name="connsiteY0" fmla="*/ 112201 h 233121"/>
+                <a:gd name="connsiteX1" fmla="*/ 95842 w 198439"/>
+                <a:gd name="connsiteY1" fmla="*/ 223884 h 233121"/>
+                <a:gd name="connsiteX2" fmla="*/ 92410 w 198439"/>
+                <a:gd name="connsiteY2" fmla="*/ 233121 h 233121"/>
+                <a:gd name="connsiteX3" fmla="*/ 31568 w 198439"/>
+                <a:gd name="connsiteY3" fmla="*/ 233121 h 233121"/>
+                <a:gd name="connsiteX4" fmla="*/ 37381 w 198439"/>
+                <a:gd name="connsiteY4" fmla="*/ 221005 h 233121"/>
+                <a:gd name="connsiteX5" fmla="*/ 47310 w 198439"/>
+                <a:gd name="connsiteY5" fmla="*/ 170550 h 233121"/>
+                <a:gd name="connsiteX6" fmla="*/ 0 w 198439"/>
+                <a:gd name="connsiteY6" fmla="*/ 46720 h 233121"/>
+                <a:gd name="connsiteX7" fmla="*/ 10217 w 198439"/>
+                <a:gd name="connsiteY7" fmla="*/ 132 h 233121"/>
+                <a:gd name="connsiteX8" fmla="*/ 198439 w 198439"/>
+                <a:gd name="connsiteY8" fmla="*/ 112201 h 233121"/>
+                <a:gd name="connsiteX0" fmla="*/ 31568 w 198439"/>
+                <a:gd name="connsiteY0" fmla="*/ 233121 h 293911"/>
+                <a:gd name="connsiteX1" fmla="*/ 37381 w 198439"/>
+                <a:gd name="connsiteY1" fmla="*/ 221005 h 293911"/>
+                <a:gd name="connsiteX2" fmla="*/ 47310 w 198439"/>
+                <a:gd name="connsiteY2" fmla="*/ 170550 h 293911"/>
+                <a:gd name="connsiteX3" fmla="*/ 0 w 198439"/>
+                <a:gd name="connsiteY3" fmla="*/ 46720 h 293911"/>
+                <a:gd name="connsiteX4" fmla="*/ 10217 w 198439"/>
+                <a:gd name="connsiteY4" fmla="*/ 132 h 293911"/>
+                <a:gd name="connsiteX5" fmla="*/ 198439 w 198439"/>
+                <a:gd name="connsiteY5" fmla="*/ 112201 h 293911"/>
+                <a:gd name="connsiteX6" fmla="*/ 95842 w 198439"/>
+                <a:gd name="connsiteY6" fmla="*/ 223884 h 293911"/>
+                <a:gd name="connsiteX7" fmla="*/ 183850 w 198439"/>
+                <a:gd name="connsiteY7" fmla="*/ 293911 h 293911"/>
+                <a:gd name="connsiteX0" fmla="*/ 31568 w 201775"/>
+                <a:gd name="connsiteY0" fmla="*/ 232989 h 293779"/>
+                <a:gd name="connsiteX1" fmla="*/ 37381 w 201775"/>
+                <a:gd name="connsiteY1" fmla="*/ 220873 h 293779"/>
+                <a:gd name="connsiteX2" fmla="*/ 47310 w 201775"/>
+                <a:gd name="connsiteY2" fmla="*/ 170418 h 293779"/>
+                <a:gd name="connsiteX3" fmla="*/ 0 w 201775"/>
+                <a:gd name="connsiteY3" fmla="*/ 46588 h 293779"/>
+                <a:gd name="connsiteX4" fmla="*/ 10217 w 201775"/>
+                <a:gd name="connsiteY4" fmla="*/ 0 h 293779"/>
+                <a:gd name="connsiteX5" fmla="*/ 161264 w 201775"/>
+                <a:gd name="connsiteY5" fmla="*/ 85778 h 293779"/>
+                <a:gd name="connsiteX6" fmla="*/ 198439 w 201775"/>
+                <a:gd name="connsiteY6" fmla="*/ 112069 h 293779"/>
+                <a:gd name="connsiteX7" fmla="*/ 95842 w 201775"/>
+                <a:gd name="connsiteY7" fmla="*/ 223752 h 293779"/>
+                <a:gd name="connsiteX8" fmla="*/ 183850 w 201775"/>
+                <a:gd name="connsiteY8" fmla="*/ 293779 h 293779"/>
+                <a:gd name="connsiteX0" fmla="*/ 31568 w 198439"/>
+                <a:gd name="connsiteY0" fmla="*/ 232989 h 293779"/>
+                <a:gd name="connsiteX1" fmla="*/ 37381 w 198439"/>
+                <a:gd name="connsiteY1" fmla="*/ 220873 h 293779"/>
+                <a:gd name="connsiteX2" fmla="*/ 47310 w 198439"/>
+                <a:gd name="connsiteY2" fmla="*/ 170418 h 293779"/>
+                <a:gd name="connsiteX3" fmla="*/ 0 w 198439"/>
+                <a:gd name="connsiteY3" fmla="*/ 46588 h 293779"/>
+                <a:gd name="connsiteX4" fmla="*/ 10217 w 198439"/>
+                <a:gd name="connsiteY4" fmla="*/ 0 h 293779"/>
+                <a:gd name="connsiteX5" fmla="*/ 198439 w 198439"/>
+                <a:gd name="connsiteY5" fmla="*/ 112069 h 293779"/>
+                <a:gd name="connsiteX6" fmla="*/ 95842 w 198439"/>
+                <a:gd name="connsiteY6" fmla="*/ 223752 h 293779"/>
+                <a:gd name="connsiteX7" fmla="*/ 183850 w 198439"/>
+                <a:gd name="connsiteY7" fmla="*/ 293779 h 293779"/>
+                <a:gd name="connsiteX0" fmla="*/ 31568 w 183850"/>
+                <a:gd name="connsiteY0" fmla="*/ 232989 h 293779"/>
+                <a:gd name="connsiteX1" fmla="*/ 37381 w 183850"/>
+                <a:gd name="connsiteY1" fmla="*/ 220873 h 293779"/>
+                <a:gd name="connsiteX2" fmla="*/ 47310 w 183850"/>
+                <a:gd name="connsiteY2" fmla="*/ 170418 h 293779"/>
+                <a:gd name="connsiteX3" fmla="*/ 0 w 183850"/>
+                <a:gd name="connsiteY3" fmla="*/ 46588 h 293779"/>
+                <a:gd name="connsiteX4" fmla="*/ 10217 w 183850"/>
+                <a:gd name="connsiteY4" fmla="*/ 0 h 293779"/>
+                <a:gd name="connsiteX5" fmla="*/ 95842 w 183850"/>
+                <a:gd name="connsiteY5" fmla="*/ 223752 h 293779"/>
+                <a:gd name="connsiteX6" fmla="*/ 183850 w 183850"/>
+                <a:gd name="connsiteY6" fmla="*/ 293779 h 293779"/>
+                <a:gd name="connsiteX0" fmla="*/ 31568 w 183850"/>
+                <a:gd name="connsiteY0" fmla="*/ 232989 h 293779"/>
+                <a:gd name="connsiteX1" fmla="*/ 37381 w 183850"/>
+                <a:gd name="connsiteY1" fmla="*/ 220873 h 293779"/>
+                <a:gd name="connsiteX2" fmla="*/ 47310 w 183850"/>
+                <a:gd name="connsiteY2" fmla="*/ 170418 h 293779"/>
+                <a:gd name="connsiteX3" fmla="*/ 0 w 183850"/>
+                <a:gd name="connsiteY3" fmla="*/ 46588 h 293779"/>
+                <a:gd name="connsiteX4" fmla="*/ 10217 w 183850"/>
+                <a:gd name="connsiteY4" fmla="*/ 0 h 293779"/>
+                <a:gd name="connsiteX5" fmla="*/ 183850 w 183850"/>
+                <a:gd name="connsiteY5" fmla="*/ 293779 h 293779"/>
+                <a:gd name="connsiteX0" fmla="*/ 31568 w 47331"/>
+                <a:gd name="connsiteY0" fmla="*/ 232989 h 232989"/>
+                <a:gd name="connsiteX1" fmla="*/ 37381 w 47331"/>
+                <a:gd name="connsiteY1" fmla="*/ 220873 h 232989"/>
+                <a:gd name="connsiteX2" fmla="*/ 47310 w 47331"/>
+                <a:gd name="connsiteY2" fmla="*/ 170418 h 232989"/>
+                <a:gd name="connsiteX3" fmla="*/ 0 w 47331"/>
+                <a:gd name="connsiteY3" fmla="*/ 46588 h 232989"/>
+                <a:gd name="connsiteX4" fmla="*/ 10217 w 47331"/>
+                <a:gd name="connsiteY4" fmla="*/ 0 h 232989"/>
+              </a:gdLst>
+              <a:ahLst/>
+              <a:cxnLst>
+                <a:cxn ang="0">
+                  <a:pos x="connsiteX0" y="connsiteY0"/>
+                </a:cxn>
+                <a:cxn ang="0">
+                  <a:pos x="connsiteX1" y="connsiteY1"/>
+                </a:cxn>
+                <a:cxn ang="0">
+                  <a:pos x="connsiteX2" y="connsiteY2"/>
+                </a:cxn>
+                <a:cxn ang="0">
+                  <a:pos x="connsiteX3" y="connsiteY3"/>
+                </a:cxn>
+                <a:cxn ang="0">
+                  <a:pos x="connsiteX4" y="connsiteY4"/>
+                </a:cxn>
+              </a:cxnLst>
+              <a:rect l="l" t="t" r="r" b="b"/>
+              <a:pathLst>
+                <a:path w="47331" h="232989">
+                  <a:moveTo>
+                    <a:pt x="31568" y="232989"/>
+                  </a:moveTo>
+                  <a:lnTo>
+                    <a:pt x="37381" y="220873"/>
+                  </a:lnTo>
+                  <a:cubicBezTo>
+                    <a:pt x="42854" y="206936"/>
+                    <a:pt x="47695" y="188483"/>
+                    <a:pt x="47310" y="170418"/>
+                  </a:cubicBezTo>
+                  <a:cubicBezTo>
+                    <a:pt x="46539" y="134289"/>
+                    <a:pt x="4208" y="93811"/>
+                    <a:pt x="0" y="46588"/>
+                  </a:cubicBezTo>
+                  <a:cubicBezTo>
+                    <a:pt x="0" y="28391"/>
+                    <a:pt x="4840" y="11921"/>
+                    <a:pt x="10217" y="0"/>
+                  </a:cubicBezTo>
+                </a:path>
+              </a:pathLst>
+            </a:custGeom>
+            <a:noFill/>
+            <a:ln>
+              <a:solidFill>
+                <a:schemeClr val="tx1"/>
+              </a:solidFill>
+            </a:ln>
+          </p:spPr>
+          <p:style>
+            <a:lnRef idx="2">
+              <a:schemeClr val="accent1">
+                <a:shade val="50000"/>
+              </a:schemeClr>
+            </a:lnRef>
+            <a:fillRef idx="1">
+              <a:schemeClr val="accent1"/>
+            </a:fillRef>
+            <a:effectRef idx="0">
+              <a:schemeClr val="accent1"/>
+            </a:effectRef>
+            <a:fontRef idx="minor">
+              <a:schemeClr val="lt1"/>
+            </a:fontRef>
+          </p:style>
+          <p:txBody>
+            <a:bodyPr rtlCol="0" anchor="ctr"/>
+            <a:lstStyle/>
+            <a:p>
+              <a:pPr algn="ctr"/>
+              <a:endParaRPr lang="en-US" sz="2000">
+                <a:latin typeface="Arial" panose="020B0604020202020204" pitchFamily="34" charset="0"/>
+                <a:cs typeface="Arial" panose="020B0604020202020204" pitchFamily="34" charset="0"/>
+              </a:endParaRPr>
+            </a:p>
+          </p:txBody>
+        </p:sp>
+      </p:grpSp>
+      <p:sp>
+        <p:nvSpPr>
+          <p:cNvPr id="58" name="Arc 57">
+            <a:extLst>
+              <a:ext uri="{FF2B5EF4-FFF2-40B4-BE49-F238E27FC236}">
+                <a16:creationId xmlns:a16="http://schemas.microsoft.com/office/drawing/2014/main" id="{7C0B2F6D-D7F1-D044-A797-BF97BE0D3633}"/>
+              </a:ext>
+            </a:extLst>
+          </p:cNvPr>
+          <p:cNvSpPr/>
+          <p:nvPr/>
+        </p:nvSpPr>
+        <p:spPr>
+          <a:xfrm flipH="1">
+            <a:off x="1943404" y="3122584"/>
+            <a:ext cx="977384" cy="447973"/>
+          </a:xfrm>
+          <a:prstGeom prst="arc">
+            <a:avLst>
+              <a:gd name="adj1" fmla="val 19332473"/>
+              <a:gd name="adj2" fmla="val 21080942"/>
+            </a:avLst>
+          </a:prstGeom>
+          <a:ln w="12700">
+            <a:solidFill>
+              <a:schemeClr val="tx1"/>
+            </a:solidFill>
+            <a:prstDash val="sysDash"/>
+            <a:headEnd type="none"/>
+          </a:ln>
+        </p:spPr>
+        <p:style>
+          <a:lnRef idx="1">
+            <a:schemeClr val="accent1"/>
+          </a:lnRef>
+          <a:fillRef idx="0">
+            <a:schemeClr val="accent1"/>
+          </a:fillRef>
+          <a:effectRef idx="0">
+            <a:schemeClr val="accent1"/>
+          </a:effectRef>
+          <a:fontRef idx="minor">
+            <a:schemeClr val="tx1"/>
+          </a:fontRef>
+        </p:style>
+        <p:txBody>
+          <a:bodyPr rtlCol="0" anchor="ctr"/>
+          <a:lstStyle/>
+          <a:p>
+            <a:pPr algn="ctr"/>
+            <a:endParaRPr lang="en-US" sz="2000">
+              <a:latin typeface="Arial" panose="020B0604020202020204" pitchFamily="34" charset="0"/>
+              <a:cs typeface="Arial" panose="020B0604020202020204" pitchFamily="34" charset="0"/>
+            </a:endParaRPr>
+          </a:p>
+        </p:txBody>
+      </p:sp>
+      <p:sp>
+        <p:nvSpPr>
+          <p:cNvPr id="59" name="Arc 58">
+            <a:extLst>
+              <a:ext uri="{FF2B5EF4-FFF2-40B4-BE49-F238E27FC236}">
+                <a16:creationId xmlns:a16="http://schemas.microsoft.com/office/drawing/2014/main" id="{14CCD503-6D16-EA40-9277-F73C45B8B46C}"/>
+              </a:ext>
+            </a:extLst>
+          </p:cNvPr>
+          <p:cNvSpPr/>
+          <p:nvPr/>
+        </p:nvSpPr>
+        <p:spPr>
+          <a:xfrm flipH="1">
+            <a:off x="3538466" y="3969858"/>
+            <a:ext cx="977384" cy="447973"/>
+          </a:xfrm>
+          <a:prstGeom prst="arc">
+            <a:avLst>
+              <a:gd name="adj1" fmla="val 19332473"/>
+              <a:gd name="adj2" fmla="val 21080942"/>
+            </a:avLst>
+          </a:prstGeom>
+          <a:ln w="12700">
+            <a:solidFill>
+              <a:schemeClr val="tx1"/>
+            </a:solidFill>
+            <a:prstDash val="sysDash"/>
+            <a:headEnd type="none"/>
+          </a:ln>
+        </p:spPr>
+        <p:style>
+          <a:lnRef idx="1">
+            <a:schemeClr val="accent1"/>
+          </a:lnRef>
+          <a:fillRef idx="0">
+            <a:schemeClr val="accent1"/>
+          </a:fillRef>
+          <a:effectRef idx="0">
+            <a:schemeClr val="accent1"/>
+          </a:effectRef>
+          <a:fontRef idx="minor">
+            <a:schemeClr val="tx1"/>
+          </a:fontRef>
+        </p:style>
+        <p:txBody>
+          <a:bodyPr rtlCol="0" anchor="ctr"/>
+          <a:lstStyle/>
+          <a:p>
+            <a:pPr algn="ctr"/>
+            <a:endParaRPr lang="en-US" sz="2000">
+              <a:latin typeface="Arial" panose="020B0604020202020204" pitchFamily="34" charset="0"/>
+              <a:cs typeface="Arial" panose="020B0604020202020204" pitchFamily="34" charset="0"/>
+            </a:endParaRPr>
+          </a:p>
+        </p:txBody>
+      </p:sp>
+      <p:sp>
+        <p:nvSpPr>
+          <p:cNvPr id="61" name="矩形 216">
+            <a:extLst>
+              <a:ext uri="{FF2B5EF4-FFF2-40B4-BE49-F238E27FC236}">
+                <a16:creationId xmlns:a16="http://schemas.microsoft.com/office/drawing/2014/main" id="{3046B70B-BC57-FF46-B742-7A0D3458AF0B}"/>
+              </a:ext>
+            </a:extLst>
+          </p:cNvPr>
+          <p:cNvSpPr/>
+          <p:nvPr/>
+        </p:nvSpPr>
+        <p:spPr>
+          <a:xfrm>
+            <a:off x="151012" y="3040706"/>
+            <a:ext cx="1408678" cy="584775"/>
+          </a:xfrm>
+          <a:prstGeom prst="rect">
+            <a:avLst/>
+          </a:prstGeom>
+        </p:spPr>
+        <p:txBody>
+          <a:bodyPr wrap="square">
+            <a:spAutoFit/>
+          </a:bodyPr>
+          <a:lstStyle/>
+          <a:p>
+            <a:pPr algn="ctr"/>
+            <a:r>
+              <a:rPr lang="en-US" sz="1600" dirty="0">
+                <a:latin typeface="Arial" panose="020B0604020202020204" pitchFamily="34" charset="0"/>
+                <a:cs typeface="Arial" panose="020B0604020202020204" pitchFamily="34" charset="0"/>
+              </a:rPr>
+              <a:t>Task 1</a:t>
+            </a:r>
+          </a:p>
+          <a:p>
+            <a:pPr algn="ctr"/>
+            <a:r>
+              <a:rPr lang="en-US" sz="1600" dirty="0">
+                <a:latin typeface="Arial" panose="020B0604020202020204" pitchFamily="34" charset="0"/>
+                <a:cs typeface="Arial" panose="020B0604020202020204" pitchFamily="34" charset="0"/>
+              </a:rPr>
+              <a:t>[High Priority]</a:t>
+            </a:r>
+          </a:p>
+        </p:txBody>
+      </p:sp>
+      <p:sp>
+        <p:nvSpPr>
+          <p:cNvPr id="62" name="矩形 216">
+            <a:extLst>
+              <a:ext uri="{FF2B5EF4-FFF2-40B4-BE49-F238E27FC236}">
+                <a16:creationId xmlns:a16="http://schemas.microsoft.com/office/drawing/2014/main" id="{2E4C8169-D375-9E42-8AFD-3885CC59E90B}"/>
+              </a:ext>
+            </a:extLst>
+          </p:cNvPr>
+          <p:cNvSpPr/>
+          <p:nvPr/>
+        </p:nvSpPr>
+        <p:spPr>
+          <a:xfrm>
+            <a:off x="1980273" y="4534472"/>
+            <a:ext cx="857928" cy="338554"/>
+          </a:xfrm>
+          <a:prstGeom prst="rect">
+            <a:avLst/>
+          </a:prstGeom>
+        </p:spPr>
+        <p:txBody>
+          <a:bodyPr wrap="none">
+            <a:spAutoFit/>
+          </a:bodyPr>
+          <a:lstStyle/>
+          <a:p>
+            <a:pPr algn="ctr"/>
+            <a:r>
+              <a:rPr lang="en-US" sz="1600" i="1" dirty="0">
+                <a:latin typeface="Times" pitchFamily="2" charset="0"/>
+                <a:cs typeface="Arial" panose="020B0604020202020204" pitchFamily="34" charset="0"/>
+              </a:rPr>
+              <a:t>k</a:t>
+            </a:r>
+            <a:r>
+              <a:rPr lang="en-US" sz="1600" dirty="0">
+                <a:latin typeface="Arial" panose="020B0604020202020204" pitchFamily="34" charset="0"/>
+                <a:cs typeface="Arial" panose="020B0604020202020204" pitchFamily="34" charset="0"/>
+              </a:rPr>
+              <a:t>-</a:t>
+            </a:r>
+            <a:r>
+              <a:rPr lang="en-US" sz="1600" dirty="0" err="1">
+                <a:latin typeface="Arial" panose="020B0604020202020204" pitchFamily="34" charset="0"/>
+                <a:cs typeface="Arial" panose="020B0604020202020204" pitchFamily="34" charset="0"/>
+              </a:rPr>
+              <a:t>th</a:t>
+            </a:r>
+            <a:r>
+              <a:rPr lang="en-US" sz="1600" dirty="0">
+                <a:latin typeface="Arial" panose="020B0604020202020204" pitchFamily="34" charset="0"/>
+                <a:cs typeface="Arial" panose="020B0604020202020204" pitchFamily="34" charset="0"/>
+              </a:rPr>
+              <a:t> job</a:t>
+            </a:r>
+          </a:p>
+        </p:txBody>
+      </p:sp>
+      <p:sp>
+        <p:nvSpPr>
+          <p:cNvPr id="63" name="矩形 216">
+            <a:extLst>
+              <a:ext uri="{FF2B5EF4-FFF2-40B4-BE49-F238E27FC236}">
+                <a16:creationId xmlns:a16="http://schemas.microsoft.com/office/drawing/2014/main" id="{69E107AE-61A0-764D-B16F-38F1044B0B97}"/>
+              </a:ext>
+            </a:extLst>
+          </p:cNvPr>
+          <p:cNvSpPr/>
+          <p:nvPr/>
+        </p:nvSpPr>
+        <p:spPr>
+          <a:xfrm>
+            <a:off x="3265703" y="4534472"/>
+            <a:ext cx="1229824" cy="338554"/>
+          </a:xfrm>
+          <a:prstGeom prst="rect">
+            <a:avLst/>
+          </a:prstGeom>
+        </p:spPr>
+        <p:txBody>
+          <a:bodyPr wrap="none">
+            <a:spAutoFit/>
+          </a:bodyPr>
+          <a:lstStyle/>
+          <a:p>
+            <a:pPr algn="ctr"/>
+            <a:r>
+              <a:rPr lang="en-US" sz="1600" dirty="0">
+                <a:latin typeface="Arial" panose="020B0604020202020204" pitchFamily="34" charset="0"/>
+                <a:cs typeface="Arial" panose="020B0604020202020204" pitchFamily="34" charset="0"/>
+              </a:rPr>
+              <a:t>(</a:t>
+            </a:r>
+            <a:r>
+              <a:rPr lang="en-US" sz="1600" i="1" dirty="0">
+                <a:latin typeface="Times" pitchFamily="2" charset="0"/>
+                <a:cs typeface="Arial" panose="020B0604020202020204" pitchFamily="34" charset="0"/>
+              </a:rPr>
+              <a:t>k</a:t>
+            </a:r>
+            <a:r>
+              <a:rPr lang="en-US" sz="1600" dirty="0">
+                <a:latin typeface="Times" pitchFamily="2" charset="0"/>
+                <a:cs typeface="Arial" panose="020B0604020202020204" pitchFamily="34" charset="0"/>
+              </a:rPr>
+              <a:t>+1</a:t>
+            </a:r>
+            <a:r>
+              <a:rPr lang="en-US" sz="1600" dirty="0">
+                <a:latin typeface="Arial" panose="020B0604020202020204" pitchFamily="34" charset="0"/>
+                <a:cs typeface="Arial" panose="020B0604020202020204" pitchFamily="34" charset="0"/>
+              </a:rPr>
+              <a:t>)-</a:t>
+            </a:r>
+            <a:r>
+              <a:rPr lang="en-US" sz="1600" dirty="0" err="1">
+                <a:latin typeface="Arial" panose="020B0604020202020204" pitchFamily="34" charset="0"/>
+                <a:cs typeface="Arial" panose="020B0604020202020204" pitchFamily="34" charset="0"/>
+              </a:rPr>
+              <a:t>th</a:t>
+            </a:r>
+            <a:r>
+              <a:rPr lang="en-US" sz="1600" dirty="0">
+                <a:latin typeface="Arial" panose="020B0604020202020204" pitchFamily="34" charset="0"/>
+                <a:cs typeface="Arial" panose="020B0604020202020204" pitchFamily="34" charset="0"/>
+              </a:rPr>
+              <a:t> job</a:t>
+            </a:r>
+          </a:p>
+        </p:txBody>
+      </p:sp>
+      <p:sp>
+        <p:nvSpPr>
+          <p:cNvPr id="64" name="矩形 216">
+            <a:extLst>
+              <a:ext uri="{FF2B5EF4-FFF2-40B4-BE49-F238E27FC236}">
+                <a16:creationId xmlns:a16="http://schemas.microsoft.com/office/drawing/2014/main" id="{DD1AE2DE-6A41-3A41-9630-98CB70B0D548}"/>
+              </a:ext>
+            </a:extLst>
+          </p:cNvPr>
+          <p:cNvSpPr/>
+          <p:nvPr/>
+        </p:nvSpPr>
+        <p:spPr>
+          <a:xfrm>
+            <a:off x="5214185" y="4534533"/>
+            <a:ext cx="389851" cy="338554"/>
+          </a:xfrm>
+          <a:prstGeom prst="rect">
+            <a:avLst/>
+          </a:prstGeom>
+        </p:spPr>
+        <p:txBody>
+          <a:bodyPr wrap="none">
+            <a:spAutoFit/>
+          </a:bodyPr>
+          <a:lstStyle/>
+          <a:p>
+            <a:pPr algn="ctr"/>
+            <a:r>
+              <a:rPr lang="en-US" sz="1600" dirty="0">
+                <a:latin typeface="Arial" panose="020B0604020202020204" pitchFamily="34" charset="0"/>
+                <a:cs typeface="Arial" panose="020B0604020202020204" pitchFamily="34" charset="0"/>
+              </a:rPr>
+              <a:t>…</a:t>
+            </a:r>
+          </a:p>
+        </p:txBody>
+      </p:sp>
+      <p:sp>
+        <p:nvSpPr>
+          <p:cNvPr id="65" name="矩形 216">
+            <a:extLst>
+              <a:ext uri="{FF2B5EF4-FFF2-40B4-BE49-F238E27FC236}">
+                <a16:creationId xmlns:a16="http://schemas.microsoft.com/office/drawing/2014/main" id="{841F19E3-60AF-9B41-8A3C-B7A6DE9D32E8}"/>
+              </a:ext>
+            </a:extLst>
+          </p:cNvPr>
+          <p:cNvSpPr/>
+          <p:nvPr/>
+        </p:nvSpPr>
+        <p:spPr>
+          <a:xfrm>
+            <a:off x="1820156" y="2640739"/>
+            <a:ext cx="1141659" cy="584775"/>
+          </a:xfrm>
+          <a:prstGeom prst="rect">
+            <a:avLst/>
+          </a:prstGeom>
+        </p:spPr>
+        <p:txBody>
+          <a:bodyPr wrap="none">
+            <a:spAutoFit/>
+          </a:bodyPr>
+          <a:lstStyle/>
+          <a:p>
+            <a:pPr algn="ctr"/>
+            <a:r>
+              <a:rPr lang="en-US" sz="1600" dirty="0">
+                <a:latin typeface="Arial" panose="020B0604020202020204" pitchFamily="34" charset="0"/>
+                <a:cs typeface="Arial" panose="020B0604020202020204" pitchFamily="34" charset="0"/>
+              </a:rPr>
+              <a:t>Execution </a:t>
+            </a:r>
+          </a:p>
+          <a:p>
+            <a:pPr algn="ctr"/>
+            <a:r>
+              <a:rPr lang="en-US" sz="1600" dirty="0">
+                <a:latin typeface="Arial" panose="020B0604020202020204" pitchFamily="34" charset="0"/>
+                <a:cs typeface="Arial" panose="020B0604020202020204" pitchFamily="34" charset="0"/>
+              </a:rPr>
+              <a:t>Time</a:t>
+            </a:r>
+          </a:p>
+        </p:txBody>
+      </p:sp>
+      <p:sp>
+        <p:nvSpPr>
+          <p:cNvPr id="66" name="矩形 216">
+            <a:extLst>
+              <a:ext uri="{FF2B5EF4-FFF2-40B4-BE49-F238E27FC236}">
+                <a16:creationId xmlns:a16="http://schemas.microsoft.com/office/drawing/2014/main" id="{984F9EB7-B22E-5740-826F-138E6AE0F773}"/>
+              </a:ext>
+            </a:extLst>
+          </p:cNvPr>
+          <p:cNvSpPr/>
+          <p:nvPr/>
+        </p:nvSpPr>
+        <p:spPr>
+          <a:xfrm>
+            <a:off x="3463757" y="3708245"/>
+            <a:ext cx="1233030" cy="338554"/>
+          </a:xfrm>
+          <a:prstGeom prst="rect">
+            <a:avLst/>
+          </a:prstGeom>
+        </p:spPr>
+        <p:txBody>
+          <a:bodyPr wrap="none">
+            <a:spAutoFit/>
+          </a:bodyPr>
+          <a:lstStyle/>
+          <a:p>
+            <a:pPr algn="ctr"/>
+            <a:r>
+              <a:rPr lang="en-US" sz="1600" dirty="0">
+                <a:latin typeface="Arial" panose="020B0604020202020204" pitchFamily="34" charset="0"/>
+                <a:cs typeface="Arial" panose="020B0604020202020204" pitchFamily="34" charset="0"/>
+              </a:rPr>
+              <a:t>Preemption</a:t>
+            </a:r>
+          </a:p>
+        </p:txBody>
+      </p:sp>
+      <p:sp>
+        <p:nvSpPr>
+          <p:cNvPr id="68" name="矩形 216">
+            <a:extLst>
+              <a:ext uri="{FF2B5EF4-FFF2-40B4-BE49-F238E27FC236}">
+                <a16:creationId xmlns:a16="http://schemas.microsoft.com/office/drawing/2014/main" id="{9F6831C4-2337-B54E-902B-BDE4FE2CF15F}"/>
+              </a:ext>
+            </a:extLst>
+          </p:cNvPr>
+          <p:cNvSpPr/>
+          <p:nvPr/>
+        </p:nvSpPr>
+        <p:spPr>
+          <a:xfrm>
+            <a:off x="181354" y="3893080"/>
+            <a:ext cx="1370889" cy="584775"/>
+          </a:xfrm>
+          <a:prstGeom prst="rect">
+            <a:avLst/>
+          </a:prstGeom>
+        </p:spPr>
+        <p:txBody>
+          <a:bodyPr wrap="none">
+            <a:spAutoFit/>
+          </a:bodyPr>
+          <a:lstStyle/>
+          <a:p>
+            <a:pPr algn="ctr"/>
+            <a:r>
+              <a:rPr lang="en-US" sz="1600" dirty="0">
+                <a:latin typeface="Arial" panose="020B0604020202020204" pitchFamily="34" charset="0"/>
+                <a:cs typeface="Arial" panose="020B0604020202020204" pitchFamily="34" charset="0"/>
+              </a:rPr>
+              <a:t>Task 2</a:t>
+            </a:r>
+          </a:p>
+          <a:p>
+            <a:pPr algn="ctr"/>
+            <a:r>
+              <a:rPr lang="en-US" sz="1600" dirty="0">
+                <a:latin typeface="Arial" panose="020B0604020202020204" pitchFamily="34" charset="0"/>
+                <a:cs typeface="Arial" panose="020B0604020202020204" pitchFamily="34" charset="0"/>
+              </a:rPr>
+              <a:t>[Low Priority]</a:t>
+            </a:r>
+          </a:p>
+        </p:txBody>
+      </p:sp>
+    </p:spTree>
+    <p:extLst>
+      <p:ext uri="{BB962C8B-B14F-4D97-AF65-F5344CB8AC3E}">
+        <p14:creationId xmlns:p14="http://schemas.microsoft.com/office/powerpoint/2010/main" val="1021638782"/>
+      </p:ext>
+    </p:extLst>
+  </p:cSld>
+  <p:clrMapOvr>
+    <a:masterClrMapping/>
+  </p:clrMapOvr>
+</p:sld>
+</file>
+
+<file path=ppt/slides/slide2.xml><?xml version="1.0" encoding="utf-8"?>
+<p:sld xmlns:a="http://schemas.openxmlformats.org/drawingml/2006/main" xmlns:r="http://schemas.openxmlformats.org/officeDocument/2006/relationships" xmlns:p="http://schemas.openxmlformats.org/presentationml/2006/main">
+  <p:cSld>
+    <p:spTree>
+      <p:nvGrpSpPr>
+        <p:cNvPr id="1" name=""/>
+        <p:cNvGrpSpPr/>
+        <p:nvPr/>
+      </p:nvGrpSpPr>
+      <p:grpSpPr>
+        <a:xfrm>
+          <a:off x="0" y="0"/>
+          <a:ext cx="0" cy="0"/>
+          <a:chOff x="0" y="0"/>
+          <a:chExt cx="0" cy="0"/>
+        </a:xfrm>
+      </p:grpSpPr>
+      <p:graphicFrame>
+        <p:nvGraphicFramePr>
+          <p:cNvPr id="3" name="Table 3">
+            <a:extLst>
+              <a:ext uri="{FF2B5EF4-FFF2-40B4-BE49-F238E27FC236}">
+                <a16:creationId xmlns:a16="http://schemas.microsoft.com/office/drawing/2014/main" id="{2D2ACA16-1185-5E43-BE1A-E87439E26B6F}"/>
+              </a:ext>
+            </a:extLst>
+          </p:cNvPr>
+          <p:cNvGraphicFramePr>
+            <a:graphicFrameLocks noGrp="1"/>
+          </p:cNvGraphicFramePr>
+          <p:nvPr/>
+        </p:nvGraphicFramePr>
+        <p:xfrm>
+          <a:off x="3967427" y="1934016"/>
+          <a:ext cx="2560320" cy="1280160"/>
+        </p:xfrm>
+        <a:graphic>
+          <a:graphicData uri="http://schemas.openxmlformats.org/drawingml/2006/table">
+            <a:tbl>
+              <a:tblPr firstRow="1" bandRow="1">
+                <a:tableStyleId>{5C22544A-7EE6-4342-B048-85BDC9FD1C3A}</a:tableStyleId>
+              </a:tblPr>
+              <a:tblGrid>
+                <a:gridCol w="640080">
+                  <a:extLst>
+                    <a:ext uri="{9D8B030D-6E8A-4147-A177-3AD203B41FA5}">
+                      <a16:colId xmlns:a16="http://schemas.microsoft.com/office/drawing/2014/main" val="926271723"/>
+                    </a:ext>
+                  </a:extLst>
+                </a:gridCol>
+                <a:gridCol w="640080">
+                  <a:extLst>
+                    <a:ext uri="{9D8B030D-6E8A-4147-A177-3AD203B41FA5}">
+                      <a16:colId xmlns:a16="http://schemas.microsoft.com/office/drawing/2014/main" val="194247058"/>
+                    </a:ext>
+                  </a:extLst>
+                </a:gridCol>
+                <a:gridCol w="640080">
+                  <a:extLst>
+                    <a:ext uri="{9D8B030D-6E8A-4147-A177-3AD203B41FA5}">
+                      <a16:colId xmlns:a16="http://schemas.microsoft.com/office/drawing/2014/main" val="2565601911"/>
+                    </a:ext>
+                  </a:extLst>
+                </a:gridCol>
+                <a:gridCol w="640080">
+                  <a:extLst>
+                    <a:ext uri="{9D8B030D-6E8A-4147-A177-3AD203B41FA5}">
+                      <a16:colId xmlns:a16="http://schemas.microsoft.com/office/drawing/2014/main" val="3301737716"/>
+                    </a:ext>
+                  </a:extLst>
+                </a:gridCol>
+              </a:tblGrid>
+              <a:tr h="426720">
+                <a:tc>
+                  <a:txBody>
+                    <a:bodyPr/>
+                    <a:lstStyle/>
+                    <a:p>
+                      <a:endParaRPr lang="en-US" sz="1200" dirty="0"/>
+                    </a:p>
+                  </a:txBody>
+                  <a:tcPr>
+                    <a:lnL w="12700" cap="flat" cmpd="sng" algn="ctr">
+                      <a:solidFill>
+                        <a:schemeClr val="tx1"/>
+                      </a:solidFill>
+                      <a:prstDash val="solid"/>
+                      <a:round/>
+                      <a:headEnd type="none" w="med" len="med"/>
+                      <a:tailEnd type="none" w="med" len="med"/>
+                    </a:lnL>
+                    <a:lnR w="12700" cap="flat" cmpd="sng" algn="ctr">
+                      <a:solidFill>
+                        <a:schemeClr val="tx1"/>
+                      </a:solidFill>
+                      <a:prstDash val="solid"/>
+                      <a:round/>
+                      <a:headEnd type="none" w="med" len="med"/>
+                      <a:tailEnd type="none" w="med" len="med"/>
+                    </a:lnR>
+                    <a:lnT w="12700" cap="flat" cmpd="sng" algn="ctr">
+                      <a:solidFill>
+                        <a:schemeClr val="tx1"/>
+                      </a:solidFill>
+                      <a:prstDash val="solid"/>
+                      <a:round/>
+                      <a:headEnd type="none" w="med" len="med"/>
+                      <a:tailEnd type="none" w="med" len="med"/>
+                    </a:lnT>
+                    <a:lnB w="12700" cap="flat" cmpd="sng" algn="ctr">
+                      <a:solidFill>
+                        <a:schemeClr val="tx1"/>
+                      </a:solidFill>
+                      <a:prstDash val="solid"/>
+                      <a:round/>
+                      <a:headEnd type="none" w="med" len="med"/>
+                      <a:tailEnd type="none" w="med" len="med"/>
+                    </a:lnB>
+                    <a:solidFill>
+                      <a:schemeClr val="tx1">
+                        <a:lumMod val="65000"/>
+                        <a:lumOff val="35000"/>
+                      </a:schemeClr>
+                    </a:solidFill>
+                  </a:tcPr>
+                </a:tc>
+                <a:tc>
+                  <a:txBody>
+                    <a:bodyPr/>
+                    <a:lstStyle/>
+                    <a:p>
+                      <a:endParaRPr lang="en-US" sz="1200" dirty="0"/>
+                    </a:p>
+                  </a:txBody>
+                  <a:tcPr>
+                    <a:lnL w="12700" cap="flat" cmpd="sng" algn="ctr">
+                      <a:solidFill>
+                        <a:schemeClr val="tx1"/>
+                      </a:solidFill>
+                      <a:prstDash val="solid"/>
+                      <a:round/>
+                      <a:headEnd type="none" w="med" len="med"/>
+                      <a:tailEnd type="none" w="med" len="med"/>
+                    </a:lnL>
+                    <a:lnR w="12700" cap="flat" cmpd="sng" algn="ctr">
+                      <a:solidFill>
+                        <a:schemeClr val="tx1"/>
+                      </a:solidFill>
+                      <a:prstDash val="solid"/>
+                      <a:round/>
+                      <a:headEnd type="none" w="med" len="med"/>
+                      <a:tailEnd type="none" w="med" len="med"/>
+                    </a:lnR>
+                    <a:lnT w="12700" cap="flat" cmpd="sng" algn="ctr">
+                      <a:solidFill>
+                        <a:schemeClr val="tx1"/>
+                      </a:solidFill>
+                      <a:prstDash val="solid"/>
+                      <a:round/>
+                      <a:headEnd type="none" w="med" len="med"/>
+                      <a:tailEnd type="none" w="med" len="med"/>
+                    </a:lnT>
+                    <a:lnB w="12700" cap="flat" cmpd="sng" algn="ctr">
+                      <a:solidFill>
+                        <a:schemeClr val="tx1"/>
+                      </a:solidFill>
+                      <a:prstDash val="solid"/>
+                      <a:round/>
+                      <a:headEnd type="none" w="med" len="med"/>
+                      <a:tailEnd type="none" w="med" len="med"/>
+                    </a:lnB>
+                    <a:solidFill>
+                      <a:schemeClr val="accent6">
+                        <a:lumMod val="40000"/>
+                        <a:lumOff val="60000"/>
+                      </a:schemeClr>
+                    </a:solidFill>
+                  </a:tcPr>
+                </a:tc>
+                <a:tc>
+                  <a:txBody>
+                    <a:bodyPr/>
+                    <a:lstStyle/>
+                    <a:p>
+                      <a:endParaRPr lang="en-US" sz="1200" dirty="0"/>
+                    </a:p>
+                  </a:txBody>
+                  <a:tcPr>
+                    <a:lnL w="12700" cap="flat" cmpd="sng" algn="ctr">
+                      <a:solidFill>
+                        <a:schemeClr val="tx1"/>
+                      </a:solidFill>
+                      <a:prstDash val="solid"/>
+                      <a:round/>
+                      <a:headEnd type="none" w="med" len="med"/>
+                      <a:tailEnd type="none" w="med" len="med"/>
+                    </a:lnL>
+                    <a:lnR w="12700" cap="flat" cmpd="sng" algn="ctr">
+                      <a:solidFill>
+                        <a:schemeClr val="tx1"/>
+                      </a:solidFill>
+                      <a:prstDash val="solid"/>
+                      <a:round/>
+                      <a:headEnd type="none" w="med" len="med"/>
+                      <a:tailEnd type="none" w="med" len="med"/>
+                    </a:lnR>
+                    <a:lnT w="12700" cap="flat" cmpd="sng" algn="ctr">
+                      <a:solidFill>
+                        <a:schemeClr val="tx1"/>
+                      </a:solidFill>
+                      <a:prstDash val="solid"/>
+                      <a:round/>
+                      <a:headEnd type="none" w="med" len="med"/>
+                      <a:tailEnd type="none" w="med" len="med"/>
+                    </a:lnT>
+                    <a:lnB w="12700" cap="flat" cmpd="sng" algn="ctr">
+                      <a:solidFill>
+                        <a:schemeClr val="tx1"/>
+                      </a:solidFill>
+                      <a:prstDash val="solid"/>
+                      <a:round/>
+                      <a:headEnd type="none" w="med" len="med"/>
+                      <a:tailEnd type="none" w="med" len="med"/>
+                    </a:lnB>
+                    <a:solidFill>
+                      <a:schemeClr val="bg1">
+                        <a:lumMod val="85000"/>
+                      </a:schemeClr>
+                    </a:solidFill>
+                  </a:tcPr>
+                </a:tc>
+                <a:tc>
+                  <a:txBody>
+                    <a:bodyPr/>
+                    <a:lstStyle/>
+                    <a:p>
+                      <a:endParaRPr lang="en-US" sz="1200" dirty="0"/>
+                    </a:p>
+                  </a:txBody>
+                  <a:tcPr>
+                    <a:lnL w="12700" cap="flat" cmpd="sng" algn="ctr">
+                      <a:solidFill>
+                        <a:schemeClr val="tx1"/>
+                      </a:solidFill>
+                      <a:prstDash val="solid"/>
+                      <a:round/>
+                      <a:headEnd type="none" w="med" len="med"/>
+                      <a:tailEnd type="none" w="med" len="med"/>
+                    </a:lnL>
+                    <a:lnR w="12700" cap="flat" cmpd="sng" algn="ctr">
+                      <a:solidFill>
+                        <a:schemeClr val="tx1"/>
+                      </a:solidFill>
+                      <a:prstDash val="solid"/>
+                      <a:round/>
+                      <a:headEnd type="none" w="med" len="med"/>
+                      <a:tailEnd type="none" w="med" len="med"/>
+                    </a:lnR>
+                    <a:lnT w="12700" cap="flat" cmpd="sng" algn="ctr">
+                      <a:solidFill>
+                        <a:schemeClr val="tx1"/>
+                      </a:solidFill>
+                      <a:prstDash val="solid"/>
+                      <a:round/>
+                      <a:headEnd type="none" w="med" len="med"/>
+                      <a:tailEnd type="none" w="med" len="med"/>
+                    </a:lnT>
+                    <a:lnB w="12700" cap="flat" cmpd="sng" algn="ctr">
+                      <a:solidFill>
+                        <a:schemeClr val="tx1"/>
+                      </a:solidFill>
+                      <a:prstDash val="solid"/>
+                      <a:round/>
+                      <a:headEnd type="none" w="med" len="med"/>
+                      <a:tailEnd type="none" w="med" len="med"/>
+                    </a:lnB>
+                    <a:solidFill>
+                      <a:schemeClr val="bg1">
+                        <a:lumMod val="85000"/>
+                      </a:schemeClr>
+                    </a:solidFill>
+                  </a:tcPr>
+                </a:tc>
+                <a:extLst>
+                  <a:ext uri="{0D108BD9-81ED-4DB2-BD59-A6C34878D82A}">
+                    <a16:rowId xmlns:a16="http://schemas.microsoft.com/office/drawing/2014/main" val="4191249739"/>
+                  </a:ext>
+                </a:extLst>
+              </a:tr>
+              <a:tr h="426720">
+                <a:tc>
+                  <a:txBody>
+                    <a:bodyPr/>
+                    <a:lstStyle/>
+                    <a:p>
+                      <a:endParaRPr lang="en-US" sz="1200" dirty="0"/>
+                    </a:p>
+                  </a:txBody>
+                  <a:tcPr>
+                    <a:lnL w="12700" cap="flat" cmpd="sng" algn="ctr">
+                      <a:solidFill>
+                        <a:schemeClr val="tx1"/>
+                      </a:solidFill>
+                      <a:prstDash val="solid"/>
+                      <a:round/>
+                      <a:headEnd type="none" w="med" len="med"/>
+                      <a:tailEnd type="none" w="med" len="med"/>
+                    </a:lnL>
+                    <a:lnR w="12700" cap="flat" cmpd="sng" algn="ctr">
+                      <a:solidFill>
+                        <a:schemeClr val="tx1"/>
+                      </a:solidFill>
+                      <a:prstDash val="solid"/>
+                      <a:round/>
+                      <a:headEnd type="none" w="med" len="med"/>
+                      <a:tailEnd type="none" w="med" len="med"/>
+                    </a:lnR>
+                    <a:lnT w="12700" cap="flat" cmpd="sng" algn="ctr">
+                      <a:solidFill>
+                        <a:schemeClr val="tx1"/>
+                      </a:solidFill>
+                      <a:prstDash val="solid"/>
+                      <a:round/>
+                      <a:headEnd type="none" w="med" len="med"/>
+                      <a:tailEnd type="none" w="med" len="med"/>
+                    </a:lnT>
+                    <a:lnB w="12700" cap="flat" cmpd="sng" algn="ctr">
+                      <a:solidFill>
+                        <a:schemeClr val="tx1"/>
+                      </a:solidFill>
+                      <a:prstDash val="solid"/>
+                      <a:round/>
+                      <a:headEnd type="none" w="med" len="med"/>
+                      <a:tailEnd type="none" w="med" len="med"/>
+                    </a:lnB>
+                    <a:solidFill>
+                      <a:schemeClr val="accent6">
+                        <a:lumMod val="40000"/>
+                        <a:lumOff val="60000"/>
+                      </a:schemeClr>
+                    </a:solidFill>
+                  </a:tcPr>
+                </a:tc>
+                <a:tc>
+                  <a:txBody>
+                    <a:bodyPr/>
+                    <a:lstStyle/>
+                    <a:p>
+                      <a:endParaRPr lang="en-US" sz="1200" dirty="0"/>
+                    </a:p>
+                  </a:txBody>
+                  <a:tcPr>
+                    <a:lnL w="12700" cap="flat" cmpd="sng" algn="ctr">
+                      <a:solidFill>
+                        <a:schemeClr val="tx1"/>
+                      </a:solidFill>
+                      <a:prstDash val="solid"/>
+                      <a:round/>
+                      <a:headEnd type="none" w="med" len="med"/>
+                      <a:tailEnd type="none" w="med" len="med"/>
+                    </a:lnL>
+                    <a:lnR w="12700" cap="flat" cmpd="sng" algn="ctr">
+                      <a:solidFill>
+                        <a:schemeClr val="tx1"/>
+                      </a:solidFill>
+                      <a:prstDash val="solid"/>
+                      <a:round/>
+                      <a:headEnd type="none" w="med" len="med"/>
+                      <a:tailEnd type="none" w="med" len="med"/>
+                    </a:lnR>
+                    <a:lnT w="12700" cap="flat" cmpd="sng" algn="ctr">
+                      <a:solidFill>
+                        <a:schemeClr val="tx1"/>
+                      </a:solidFill>
+                      <a:prstDash val="solid"/>
+                      <a:round/>
+                      <a:headEnd type="none" w="med" len="med"/>
+                      <a:tailEnd type="none" w="med" len="med"/>
+                    </a:lnT>
+                    <a:lnB w="12700" cap="flat" cmpd="sng" algn="ctr">
+                      <a:solidFill>
+                        <a:schemeClr val="tx1"/>
+                      </a:solidFill>
+                      <a:prstDash val="solid"/>
+                      <a:round/>
+                      <a:headEnd type="none" w="med" len="med"/>
+                      <a:tailEnd type="none" w="med" len="med"/>
+                    </a:lnB>
+                    <a:solidFill>
+                      <a:schemeClr val="bg1">
+                        <a:lumMod val="85000"/>
+                      </a:schemeClr>
+                    </a:solidFill>
+                  </a:tcPr>
+                </a:tc>
+                <a:tc>
+                  <a:txBody>
+                    <a:bodyPr/>
+                    <a:lstStyle/>
+                    <a:p>
+                      <a:endParaRPr lang="en-US" sz="1200" dirty="0"/>
+                    </a:p>
+                  </a:txBody>
+                  <a:tcPr>
+                    <a:lnL w="12700" cap="flat" cmpd="sng" algn="ctr">
+                      <a:solidFill>
+                        <a:schemeClr val="tx1"/>
+                      </a:solidFill>
+                      <a:prstDash val="solid"/>
+                      <a:round/>
+                      <a:headEnd type="none" w="med" len="med"/>
+                      <a:tailEnd type="none" w="med" len="med"/>
+                    </a:lnL>
+                    <a:lnR w="12700" cap="flat" cmpd="sng" algn="ctr">
+                      <a:solidFill>
+                        <a:schemeClr val="tx1"/>
+                      </a:solidFill>
+                      <a:prstDash val="solid"/>
+                      <a:round/>
+                      <a:headEnd type="none" w="med" len="med"/>
+                      <a:tailEnd type="none" w="med" len="med"/>
+                    </a:lnR>
+                    <a:lnT w="12700" cap="flat" cmpd="sng" algn="ctr">
+                      <a:solidFill>
+                        <a:schemeClr val="tx1"/>
+                      </a:solidFill>
+                      <a:prstDash val="solid"/>
+                      <a:round/>
+                      <a:headEnd type="none" w="med" len="med"/>
+                      <a:tailEnd type="none" w="med" len="med"/>
+                    </a:lnT>
+                    <a:lnB w="12700" cap="flat" cmpd="sng" algn="ctr">
+                      <a:solidFill>
+                        <a:schemeClr val="tx1"/>
+                      </a:solidFill>
+                      <a:prstDash val="solid"/>
+                      <a:round/>
+                      <a:headEnd type="none" w="med" len="med"/>
+                      <a:tailEnd type="none" w="med" len="med"/>
+                    </a:lnB>
+                    <a:solidFill>
+                      <a:schemeClr val="tx1">
+                        <a:lumMod val="65000"/>
+                        <a:lumOff val="35000"/>
+                      </a:schemeClr>
+                    </a:solidFill>
+                  </a:tcPr>
+                </a:tc>
+                <a:tc>
+                  <a:txBody>
+                    <a:bodyPr/>
+                    <a:lstStyle/>
+                    <a:p>
+                      <a:endParaRPr lang="en-US" sz="1200" dirty="0"/>
+                    </a:p>
+                  </a:txBody>
+                  <a:tcPr>
+                    <a:lnL w="12700" cap="flat" cmpd="sng" algn="ctr">
+                      <a:solidFill>
+                        <a:schemeClr val="tx1"/>
+                      </a:solidFill>
+                      <a:prstDash val="solid"/>
+                      <a:round/>
+                      <a:headEnd type="none" w="med" len="med"/>
+                      <a:tailEnd type="none" w="med" len="med"/>
+                    </a:lnL>
+                    <a:lnR w="12700" cap="flat" cmpd="sng" algn="ctr">
+                      <a:solidFill>
+                        <a:schemeClr val="tx1"/>
+                      </a:solidFill>
+                      <a:prstDash val="solid"/>
+                      <a:round/>
+                      <a:headEnd type="none" w="med" len="med"/>
+                      <a:tailEnd type="none" w="med" len="med"/>
+                    </a:lnR>
+                    <a:lnT w="12700" cap="flat" cmpd="sng" algn="ctr">
+                      <a:solidFill>
+                        <a:schemeClr val="tx1"/>
+                      </a:solidFill>
+                      <a:prstDash val="solid"/>
+                      <a:round/>
+                      <a:headEnd type="none" w="med" len="med"/>
+                      <a:tailEnd type="none" w="med" len="med"/>
+                    </a:lnT>
+                    <a:lnB w="12700" cap="flat" cmpd="sng" algn="ctr">
+                      <a:solidFill>
+                        <a:schemeClr val="tx1"/>
+                      </a:solidFill>
+                      <a:prstDash val="solid"/>
+                      <a:round/>
+                      <a:headEnd type="none" w="med" len="med"/>
+                      <a:tailEnd type="none" w="med" len="med"/>
+                    </a:lnB>
+                    <a:solidFill>
+                      <a:schemeClr val="bg1">
+                        <a:lumMod val="85000"/>
+                      </a:schemeClr>
+                    </a:solidFill>
+                  </a:tcPr>
+                </a:tc>
+                <a:extLst>
+                  <a:ext uri="{0D108BD9-81ED-4DB2-BD59-A6C34878D82A}">
+                    <a16:rowId xmlns:a16="http://schemas.microsoft.com/office/drawing/2014/main" val="1251785476"/>
+                  </a:ext>
+                </a:extLst>
+              </a:tr>
+              <a:tr h="426720">
+                <a:tc>
+                  <a:txBody>
+                    <a:bodyPr/>
+                    <a:lstStyle/>
+                    <a:p>
+                      <a:endParaRPr lang="en-US" sz="1200" dirty="0"/>
+                    </a:p>
+                  </a:txBody>
+                  <a:tcPr>
+                    <a:lnL w="12700" cap="flat" cmpd="sng" algn="ctr">
+                      <a:solidFill>
+                        <a:schemeClr val="tx1"/>
+                      </a:solidFill>
+                      <a:prstDash val="solid"/>
+                      <a:round/>
+                      <a:headEnd type="none" w="med" len="med"/>
+                      <a:tailEnd type="none" w="med" len="med"/>
+                    </a:lnL>
+                    <a:lnR w="12700" cap="flat" cmpd="sng" algn="ctr">
+                      <a:solidFill>
+                        <a:schemeClr val="tx1"/>
+                      </a:solidFill>
+                      <a:prstDash val="solid"/>
+                      <a:round/>
+                      <a:headEnd type="none" w="med" len="med"/>
+                      <a:tailEnd type="none" w="med" len="med"/>
+                    </a:lnR>
+                    <a:lnT w="12700" cap="flat" cmpd="sng" algn="ctr">
+                      <a:solidFill>
+                        <a:schemeClr val="tx1"/>
+                      </a:solidFill>
+                      <a:prstDash val="solid"/>
+                      <a:round/>
+                      <a:headEnd type="none" w="med" len="med"/>
+                      <a:tailEnd type="none" w="med" len="med"/>
+                    </a:lnT>
+                    <a:lnB w="12700" cap="flat" cmpd="sng" algn="ctr">
+                      <a:solidFill>
+                        <a:schemeClr val="tx1"/>
+                      </a:solidFill>
+                      <a:prstDash val="solid"/>
+                      <a:round/>
+                      <a:headEnd type="none" w="med" len="med"/>
+                      <a:tailEnd type="none" w="med" len="med"/>
+                    </a:lnB>
+                    <a:solidFill>
+                      <a:schemeClr val="bg1">
+                        <a:lumMod val="85000"/>
+                      </a:schemeClr>
+                    </a:solidFill>
+                  </a:tcPr>
+                </a:tc>
+                <a:tc>
+                  <a:txBody>
+                    <a:bodyPr/>
+                    <a:lstStyle/>
+                    <a:p>
+                      <a:endParaRPr lang="en-US" sz="1200" dirty="0"/>
+                    </a:p>
+                  </a:txBody>
+                  <a:tcPr>
+                    <a:lnL w="12700" cap="flat" cmpd="sng" algn="ctr">
+                      <a:solidFill>
+                        <a:schemeClr val="tx1"/>
+                      </a:solidFill>
+                      <a:prstDash val="solid"/>
+                      <a:round/>
+                      <a:headEnd type="none" w="med" len="med"/>
+                      <a:tailEnd type="none" w="med" len="med"/>
+                    </a:lnL>
+                    <a:lnR w="12700" cap="flat" cmpd="sng" algn="ctr">
+                      <a:solidFill>
+                        <a:schemeClr val="tx1"/>
+                      </a:solidFill>
+                      <a:prstDash val="solid"/>
+                      <a:round/>
+                      <a:headEnd type="none" w="med" len="med"/>
+                      <a:tailEnd type="none" w="med" len="med"/>
+                    </a:lnR>
+                    <a:lnT w="12700" cap="flat" cmpd="sng" algn="ctr">
+                      <a:solidFill>
+                        <a:schemeClr val="tx1"/>
+                      </a:solidFill>
+                      <a:prstDash val="solid"/>
+                      <a:round/>
+                      <a:headEnd type="none" w="med" len="med"/>
+                      <a:tailEnd type="none" w="med" len="med"/>
+                    </a:lnT>
+                    <a:lnB w="12700" cap="flat" cmpd="sng" algn="ctr">
+                      <a:solidFill>
+                        <a:schemeClr val="tx1"/>
+                      </a:solidFill>
+                      <a:prstDash val="solid"/>
+                      <a:round/>
+                      <a:headEnd type="none" w="med" len="med"/>
+                      <a:tailEnd type="none" w="med" len="med"/>
+                    </a:lnB>
+                    <a:solidFill>
+                      <a:schemeClr val="tx1">
+                        <a:lumMod val="65000"/>
+                        <a:lumOff val="35000"/>
+                      </a:schemeClr>
+                    </a:solidFill>
+                  </a:tcPr>
+                </a:tc>
+                <a:tc>
+                  <a:txBody>
+                    <a:bodyPr/>
+                    <a:lstStyle/>
+                    <a:p>
+                      <a:endParaRPr lang="en-US" sz="1200" dirty="0"/>
+                    </a:p>
+                  </a:txBody>
+                  <a:tcPr>
+                    <a:lnL w="12700" cap="flat" cmpd="sng" algn="ctr">
+                      <a:solidFill>
+                        <a:schemeClr val="tx1"/>
+                      </a:solidFill>
+                      <a:prstDash val="solid"/>
+                      <a:round/>
+                      <a:headEnd type="none" w="med" len="med"/>
+                      <a:tailEnd type="none" w="med" len="med"/>
+                    </a:lnL>
+                    <a:lnR w="12700" cap="flat" cmpd="sng" algn="ctr">
+                      <a:solidFill>
+                        <a:schemeClr val="tx1"/>
+                      </a:solidFill>
+                      <a:prstDash val="solid"/>
+                      <a:round/>
+                      <a:headEnd type="none" w="med" len="med"/>
+                      <a:tailEnd type="none" w="med" len="med"/>
+                    </a:lnR>
+                    <a:lnT w="12700" cap="flat" cmpd="sng" algn="ctr">
+                      <a:solidFill>
+                        <a:schemeClr val="tx1"/>
+                      </a:solidFill>
+                      <a:prstDash val="solid"/>
+                      <a:round/>
+                      <a:headEnd type="none" w="med" len="med"/>
+                      <a:tailEnd type="none" w="med" len="med"/>
+                    </a:lnT>
+                    <a:lnB w="12700" cap="flat" cmpd="sng" algn="ctr">
+                      <a:solidFill>
+                        <a:schemeClr val="tx1"/>
+                      </a:solidFill>
+                      <a:prstDash val="solid"/>
+                      <a:round/>
+                      <a:headEnd type="none" w="med" len="med"/>
+                      <a:tailEnd type="none" w="med" len="med"/>
+                    </a:lnB>
+                    <a:solidFill>
+                      <a:schemeClr val="bg1">
+                        <a:lumMod val="85000"/>
+                      </a:schemeClr>
+                    </a:solidFill>
+                  </a:tcPr>
+                </a:tc>
+                <a:tc>
+                  <a:txBody>
+                    <a:bodyPr/>
+                    <a:lstStyle/>
+                    <a:p>
+                      <a:endParaRPr lang="en-US" sz="1200" dirty="0"/>
+                    </a:p>
+                  </a:txBody>
+                  <a:tcPr>
+                    <a:lnL w="12700" cap="flat" cmpd="sng" algn="ctr">
+                      <a:solidFill>
+                        <a:schemeClr val="tx1"/>
+                      </a:solidFill>
+                      <a:prstDash val="solid"/>
+                      <a:round/>
+                      <a:headEnd type="none" w="med" len="med"/>
+                      <a:tailEnd type="none" w="med" len="med"/>
+                    </a:lnL>
+                    <a:lnR w="12700" cap="flat" cmpd="sng" algn="ctr">
+                      <a:solidFill>
+                        <a:schemeClr val="tx1"/>
+                      </a:solidFill>
+                      <a:prstDash val="solid"/>
+                      <a:round/>
+                      <a:headEnd type="none" w="med" len="med"/>
+                      <a:tailEnd type="none" w="med" len="med"/>
+                    </a:lnR>
+                    <a:lnT w="12700" cap="flat" cmpd="sng" algn="ctr">
+                      <a:solidFill>
+                        <a:schemeClr val="tx1"/>
+                      </a:solidFill>
+                      <a:prstDash val="solid"/>
+                      <a:round/>
+                      <a:headEnd type="none" w="med" len="med"/>
+                      <a:tailEnd type="none" w="med" len="med"/>
+                    </a:lnT>
+                    <a:lnB w="12700" cap="flat" cmpd="sng" algn="ctr">
+                      <a:solidFill>
+                        <a:schemeClr val="tx1"/>
+                      </a:solidFill>
+                      <a:prstDash val="solid"/>
+                      <a:round/>
+                      <a:headEnd type="none" w="med" len="med"/>
+                      <a:tailEnd type="none" w="med" len="med"/>
+                    </a:lnB>
+                    <a:solidFill>
+                      <a:schemeClr val="accent6">
+                        <a:lumMod val="40000"/>
+                        <a:lumOff val="60000"/>
+                      </a:schemeClr>
+                    </a:solidFill>
+                  </a:tcPr>
+                </a:tc>
+                <a:extLst>
+                  <a:ext uri="{0D108BD9-81ED-4DB2-BD59-A6C34878D82A}">
+                    <a16:rowId xmlns:a16="http://schemas.microsoft.com/office/drawing/2014/main" val="1288425057"/>
+                  </a:ext>
+                </a:extLst>
+              </a:tr>
+            </a:tbl>
+          </a:graphicData>
+        </a:graphic>
+      </p:graphicFrame>
+      <p:sp>
+        <p:nvSpPr>
+          <p:cNvPr id="8" name="Rounded Rectangle 7">
+            <a:extLst>
+              <a:ext uri="{FF2B5EF4-FFF2-40B4-BE49-F238E27FC236}">
+                <a16:creationId xmlns:a16="http://schemas.microsoft.com/office/drawing/2014/main" id="{ABEDB5D8-A899-1A48-A56A-461AAC48659C}"/>
+              </a:ext>
+            </a:extLst>
+          </p:cNvPr>
+          <p:cNvSpPr/>
+          <p:nvPr/>
+        </p:nvSpPr>
+        <p:spPr>
+          <a:xfrm>
+            <a:off x="6244684" y="4166414"/>
+            <a:ext cx="9768468" cy="3950639"/>
+          </a:xfrm>
+          <a:prstGeom prst="roundRect">
+            <a:avLst/>
+          </a:prstGeom>
+          <a:noFill/>
+          <a:ln w="19050">
+            <a:solidFill>
+              <a:schemeClr val="tx1">
+                <a:lumMod val="95000"/>
+                <a:lumOff val="5000"/>
+              </a:schemeClr>
+            </a:solidFill>
+          </a:ln>
+        </p:spPr>
+        <p:style>
+          <a:lnRef idx="2">
+            <a:schemeClr val="accent1">
+              <a:shade val="50000"/>
+            </a:schemeClr>
+          </a:lnRef>
+          <a:fillRef idx="1">
+            <a:schemeClr val="accent1"/>
+          </a:fillRef>
+          <a:effectRef idx="0">
+            <a:schemeClr val="accent1"/>
+          </a:effectRef>
+          <a:fontRef idx="minor">
+            <a:schemeClr val="lt1"/>
+          </a:fontRef>
+        </p:style>
+        <p:txBody>
+          <a:bodyPr rtlCol="0" anchor="ctr"/>
+          <a:lstStyle/>
+          <a:p>
+            <a:pPr algn="ctr"/>
+            <a:endParaRPr lang="en-US"/>
+          </a:p>
+        </p:txBody>
+      </p:sp>
+      <p:sp>
+        <p:nvSpPr>
+          <p:cNvPr id="9" name="Rectangle 8">
+            <a:extLst>
+              <a:ext uri="{FF2B5EF4-FFF2-40B4-BE49-F238E27FC236}">
+                <a16:creationId xmlns:a16="http://schemas.microsoft.com/office/drawing/2014/main" id="{BA7E6010-529B-A441-BD28-D990287191F3}"/>
+              </a:ext>
+            </a:extLst>
+          </p:cNvPr>
+          <p:cNvSpPr/>
+          <p:nvPr/>
+        </p:nvSpPr>
+        <p:spPr>
+          <a:xfrm>
+            <a:off x="3233854" y="5216699"/>
+            <a:ext cx="3293893" cy="1114087"/>
+          </a:xfrm>
+          <a:prstGeom prst="rect">
+            <a:avLst/>
+          </a:prstGeom>
+          <a:noFill/>
+          <a:ln>
+            <a:noFill/>
+          </a:ln>
+        </p:spPr>
+        <p:style>
+          <a:lnRef idx="2">
+            <a:schemeClr val="accent1">
+              <a:shade val="50000"/>
+            </a:schemeClr>
+          </a:lnRef>
+          <a:fillRef idx="1">
+            <a:schemeClr val="accent1"/>
+          </a:fillRef>
+          <a:effectRef idx="0">
+            <a:schemeClr val="accent1"/>
+          </a:effectRef>
+          <a:fontRef idx="minor">
+            <a:schemeClr val="lt1"/>
+          </a:fontRef>
+        </p:style>
+        <p:txBody>
+          <a:bodyPr rtlCol="0" anchor="ctr"/>
+          <a:lstStyle/>
+          <a:p>
+            <a:pPr algn="ctr"/>
+            <a:endParaRPr lang="en-US"/>
+          </a:p>
+        </p:txBody>
+      </p:sp>
+      <p:sp>
+        <p:nvSpPr>
+          <p:cNvPr id="11" name="TextBox 10">
+            <a:extLst>
+              <a:ext uri="{FF2B5EF4-FFF2-40B4-BE49-F238E27FC236}">
+                <a16:creationId xmlns:a16="http://schemas.microsoft.com/office/drawing/2014/main" id="{7E9A6DDA-74DC-9740-99AF-24D974271A0D}"/>
+              </a:ext>
+            </a:extLst>
+          </p:cNvPr>
+          <p:cNvSpPr txBox="1"/>
+          <p:nvPr/>
+        </p:nvSpPr>
+        <p:spPr>
+          <a:xfrm>
+            <a:off x="6244683" y="4523354"/>
+            <a:ext cx="9768468" cy="1323439"/>
+          </a:xfrm>
+          <a:prstGeom prst="rect">
+            <a:avLst/>
+          </a:prstGeom>
+          <a:noFill/>
+        </p:spPr>
+        <p:txBody>
+          <a:bodyPr wrap="square" rtlCol="0">
+            <a:spAutoFit/>
+          </a:bodyPr>
+          <a:lstStyle/>
+          <a:p>
+            <a:pPr algn="ctr"/>
+            <a:r>
+              <a:rPr lang="en-US" sz="4000" dirty="0">
+                <a:latin typeface="Arial" panose="020B0604020202020204" pitchFamily="34" charset="0"/>
+                <a:cs typeface="Arial" panose="020B0604020202020204" pitchFamily="34" charset="0"/>
+              </a:rPr>
+              <a:t>Schedule diversification protocols</a:t>
+            </a:r>
+          </a:p>
+          <a:p>
+            <a:pPr algn="ctr"/>
+            <a:r>
+              <a:rPr lang="en-US" sz="4000" dirty="0">
+                <a:latin typeface="Arial" panose="020B0604020202020204" pitchFamily="34" charset="0"/>
+                <a:cs typeface="Arial" panose="020B0604020202020204" pitchFamily="34" charset="0"/>
+              </a:rPr>
+              <a:t>[Section 2]</a:t>
+            </a:r>
+          </a:p>
+        </p:txBody>
+      </p:sp>
+      <p:sp>
+        <p:nvSpPr>
+          <p:cNvPr id="13" name="TextBox 12">
+            <a:extLst>
+              <a:ext uri="{FF2B5EF4-FFF2-40B4-BE49-F238E27FC236}">
+                <a16:creationId xmlns:a16="http://schemas.microsoft.com/office/drawing/2014/main" id="{918695F9-E91D-A04B-B8E5-95BAAC446183}"/>
+              </a:ext>
+            </a:extLst>
+          </p:cNvPr>
+          <p:cNvSpPr txBox="1"/>
+          <p:nvPr/>
+        </p:nvSpPr>
+        <p:spPr>
+          <a:xfrm>
+            <a:off x="6520030" y="6394038"/>
+            <a:ext cx="9217775" cy="1384995"/>
+          </a:xfrm>
+          <a:prstGeom prst="rect">
+            <a:avLst/>
+          </a:prstGeom>
+          <a:noFill/>
+        </p:spPr>
+        <p:txBody>
+          <a:bodyPr wrap="square" rtlCol="0">
+            <a:spAutoFit/>
+          </a:bodyPr>
+          <a:lstStyle/>
+          <a:p>
+            <a:pPr marL="571500" indent="-571500">
+              <a:buFont typeface="Arial" panose="020B0604020202020204" pitchFamily="34" charset="0"/>
+              <a:buChar char="•"/>
+            </a:pPr>
+            <a:r>
+              <a:rPr lang="en-US" sz="2800" dirty="0">
+                <a:latin typeface="Arial" panose="020B0604020202020204" pitchFamily="34" charset="0"/>
+                <a:cs typeface="Arial" panose="020B0604020202020204" pitchFamily="34" charset="0"/>
+              </a:rPr>
+              <a:t>Multicore systems</a:t>
+            </a:r>
+          </a:p>
+          <a:p>
+            <a:pPr marL="571500" indent="-571500">
+              <a:buFont typeface="Arial" panose="020B0604020202020204" pitchFamily="34" charset="0"/>
+              <a:buChar char="•"/>
+            </a:pPr>
+            <a:r>
+              <a:rPr lang="en-US" sz="2800" dirty="0">
+                <a:latin typeface="Arial" panose="020B0604020202020204" pitchFamily="34" charset="0"/>
+                <a:cs typeface="Arial" panose="020B0604020202020204" pitchFamily="34" charset="0"/>
+              </a:rPr>
+              <a:t>Hierarchical schedulers</a:t>
+            </a:r>
+          </a:p>
+          <a:p>
+            <a:pPr marL="571500" indent="-571500">
+              <a:buFont typeface="Arial" panose="020B0604020202020204" pitchFamily="34" charset="0"/>
+              <a:buChar char="•"/>
+            </a:pPr>
+            <a:r>
+              <a:rPr lang="en-US" sz="2800" dirty="0">
+                <a:latin typeface="Arial" panose="020B0604020202020204" pitchFamily="34" charset="0"/>
+                <a:cs typeface="Arial" panose="020B0604020202020204" pitchFamily="34" charset="0"/>
+              </a:rPr>
+              <a:t>Shuffling initial offset and not-uniform selections</a:t>
+            </a:r>
+          </a:p>
+        </p:txBody>
+      </p:sp>
       <p:pic>
         <p:nvPicPr>
-          <p:cNvPr id="3" name="Picture 2" descr="A picture containing adapter, gear&#10;&#10;Description automatically generated">
+          <p:cNvPr id="2" name="Picture 1">
             <a:extLst>
               <a:ext uri="{FF2B5EF4-FFF2-40B4-BE49-F238E27FC236}">
-                <a16:creationId xmlns:a16="http://schemas.microsoft.com/office/drawing/2014/main" id="{B26F7FEE-296D-8841-B947-E40520E5ACE2}"/>
+                <a16:creationId xmlns:a16="http://schemas.microsoft.com/office/drawing/2014/main" id="{D11E80AF-4568-F049-8A72-C9CCE4D36F33}"/>
               </a:ext>
             </a:extLst>
           </p:cNvPr>
@@ -3006,38 +10151,8 @@
         </p:blipFill>
         <p:spPr>
           <a:xfrm>
-            <a:off x="9355931" y="4995069"/>
-            <a:ext cx="5092700" cy="4457700"/>
-          </a:xfrm>
-          <a:prstGeom prst="rect">
-            <a:avLst/>
-          </a:prstGeom>
-        </p:spPr>
-      </p:pic>
-      <p:pic>
-        <p:nvPicPr>
-          <p:cNvPr id="5" name="Picture 4">
-            <a:extLst>
-              <a:ext uri="{FF2B5EF4-FFF2-40B4-BE49-F238E27FC236}">
-                <a16:creationId xmlns:a16="http://schemas.microsoft.com/office/drawing/2014/main" id="{600243EF-E008-1E4D-A9AF-608862D1561C}"/>
-              </a:ext>
-            </a:extLst>
-          </p:cNvPr>
-          <p:cNvPicPr>
-            <a:picLocks noChangeAspect="1"/>
-          </p:cNvPicPr>
-          <p:nvPr/>
-        </p:nvPicPr>
-        <p:blipFill>
-          <a:blip r:embed="rId3"/>
-          <a:stretch>
-            <a:fillRect/>
-          </a:stretch>
-        </p:blipFill>
-        <p:spPr>
-          <a:xfrm>
-            <a:off x="14842479" y="4372769"/>
-            <a:ext cx="4241800" cy="5702300"/>
+            <a:off x="13365805" y="5458760"/>
+            <a:ext cx="2046865" cy="1114086"/>
           </a:xfrm>
           <a:prstGeom prst="rect">
             <a:avLst/>
@@ -3047,7 +10162,1454 @@
     </p:spTree>
     <p:extLst>
       <p:ext uri="{BB962C8B-B14F-4D97-AF65-F5344CB8AC3E}">
-        <p14:creationId xmlns:p14="http://schemas.microsoft.com/office/powerpoint/2010/main" val="2622523450"/>
+        <p14:creationId xmlns:p14="http://schemas.microsoft.com/office/powerpoint/2010/main" val="4285782576"/>
+      </p:ext>
+    </p:extLst>
+  </p:cSld>
+  <p:clrMapOvr>
+    <a:masterClrMapping/>
+  </p:clrMapOvr>
+</p:sld>
+</file>
+
+<file path=ppt/slides/slide3.xml><?xml version="1.0" encoding="utf-8"?>
+<p:sld xmlns:a="http://schemas.openxmlformats.org/drawingml/2006/main" xmlns:r="http://schemas.openxmlformats.org/officeDocument/2006/relationships" xmlns:p="http://schemas.openxmlformats.org/presentationml/2006/main">
+  <p:cSld>
+    <p:spTree>
+      <p:nvGrpSpPr>
+        <p:cNvPr id="1" name=""/>
+        <p:cNvGrpSpPr/>
+        <p:nvPr/>
+      </p:nvGrpSpPr>
+      <p:grpSpPr>
+        <a:xfrm>
+          <a:off x="0" y="0"/>
+          <a:ext cx="0" cy="0"/>
+          <a:chOff x="0" y="0"/>
+          <a:chExt cx="0" cy="0"/>
+        </a:xfrm>
+      </p:grpSpPr>
+      <p:grpSp>
+        <p:nvGrpSpPr>
+          <p:cNvPr id="4" name="Group 3">
+            <a:extLst>
+              <a:ext uri="{FF2B5EF4-FFF2-40B4-BE49-F238E27FC236}">
+                <a16:creationId xmlns:a16="http://schemas.microsoft.com/office/drawing/2014/main" id="{D1CB2BDB-1B60-5B45-A11A-89EA1B90735E}"/>
+              </a:ext>
+            </a:extLst>
+          </p:cNvPr>
+          <p:cNvGrpSpPr/>
+          <p:nvPr/>
+        </p:nvGrpSpPr>
+        <p:grpSpPr>
+          <a:xfrm>
+            <a:off x="7261886" y="339381"/>
+            <a:ext cx="9768469" cy="3950639"/>
+            <a:chOff x="6244683" y="4166414"/>
+            <a:chExt cx="9768469" cy="3950639"/>
+          </a:xfrm>
+        </p:grpSpPr>
+        <p:sp>
+          <p:nvSpPr>
+            <p:cNvPr id="8" name="Rounded Rectangle 7">
+              <a:extLst>
+                <a:ext uri="{FF2B5EF4-FFF2-40B4-BE49-F238E27FC236}">
+                  <a16:creationId xmlns:a16="http://schemas.microsoft.com/office/drawing/2014/main" id="{ABEDB5D8-A899-1A48-A56A-461AAC48659C}"/>
+                </a:ext>
+              </a:extLst>
+            </p:cNvPr>
+            <p:cNvSpPr/>
+            <p:nvPr/>
+          </p:nvSpPr>
+          <p:spPr>
+            <a:xfrm>
+              <a:off x="6244684" y="4166414"/>
+              <a:ext cx="9768468" cy="3950639"/>
+            </a:xfrm>
+            <a:prstGeom prst="roundRect">
+              <a:avLst/>
+            </a:prstGeom>
+            <a:noFill/>
+            <a:ln w="34925">
+              <a:solidFill>
+                <a:schemeClr val="tx1">
+                  <a:lumMod val="95000"/>
+                  <a:lumOff val="5000"/>
+                </a:schemeClr>
+              </a:solidFill>
+            </a:ln>
+          </p:spPr>
+          <p:style>
+            <a:lnRef idx="2">
+              <a:schemeClr val="accent1">
+                <a:shade val="50000"/>
+              </a:schemeClr>
+            </a:lnRef>
+            <a:fillRef idx="1">
+              <a:schemeClr val="accent1"/>
+            </a:fillRef>
+            <a:effectRef idx="0">
+              <a:schemeClr val="accent1"/>
+            </a:effectRef>
+            <a:fontRef idx="minor">
+              <a:schemeClr val="lt1"/>
+            </a:fontRef>
+          </p:style>
+          <p:txBody>
+            <a:bodyPr rtlCol="0" anchor="ctr"/>
+            <a:lstStyle/>
+            <a:p>
+              <a:pPr algn="ctr"/>
+              <a:endParaRPr lang="en-US"/>
+            </a:p>
+          </p:txBody>
+        </p:sp>
+        <p:sp>
+          <p:nvSpPr>
+            <p:cNvPr id="11" name="TextBox 10">
+              <a:extLst>
+                <a:ext uri="{FF2B5EF4-FFF2-40B4-BE49-F238E27FC236}">
+                  <a16:creationId xmlns:a16="http://schemas.microsoft.com/office/drawing/2014/main" id="{7E9A6DDA-74DC-9740-99AF-24D974271A0D}"/>
+                </a:ext>
+              </a:extLst>
+            </p:cNvPr>
+            <p:cNvSpPr txBox="1"/>
+            <p:nvPr/>
+          </p:nvSpPr>
+          <p:spPr>
+            <a:xfrm>
+              <a:off x="6244683" y="4467936"/>
+              <a:ext cx="9768468" cy="1323439"/>
+            </a:xfrm>
+            <a:prstGeom prst="rect">
+              <a:avLst/>
+            </a:prstGeom>
+            <a:noFill/>
+          </p:spPr>
+          <p:txBody>
+            <a:bodyPr wrap="square" rtlCol="0">
+              <a:spAutoFit/>
+            </a:bodyPr>
+            <a:lstStyle/>
+            <a:p>
+              <a:pPr algn="ctr"/>
+              <a:r>
+                <a:rPr lang="en-US" sz="4000" dirty="0">
+                  <a:latin typeface="Arial" panose="020B0604020202020204" pitchFamily="34" charset="0"/>
+                  <a:cs typeface="Arial" panose="020B0604020202020204" pitchFamily="34" charset="0"/>
+                </a:rPr>
+                <a:t>Schedule Diversification Protocols</a:t>
+              </a:r>
+            </a:p>
+            <a:p>
+              <a:pPr algn="ctr"/>
+              <a:r>
+                <a:rPr lang="en-US" sz="4000" dirty="0">
+                  <a:latin typeface="Arial" panose="020B0604020202020204" pitchFamily="34" charset="0"/>
+                  <a:cs typeface="Arial" panose="020B0604020202020204" pitchFamily="34" charset="0"/>
+                </a:rPr>
+                <a:t>[Section 3]</a:t>
+              </a:r>
+            </a:p>
+          </p:txBody>
+        </p:sp>
+        <p:sp>
+          <p:nvSpPr>
+            <p:cNvPr id="13" name="TextBox 12">
+              <a:extLst>
+                <a:ext uri="{FF2B5EF4-FFF2-40B4-BE49-F238E27FC236}">
+                  <a16:creationId xmlns:a16="http://schemas.microsoft.com/office/drawing/2014/main" id="{918695F9-E91D-A04B-B8E5-95BAAC446183}"/>
+                </a:ext>
+              </a:extLst>
+            </p:cNvPr>
+            <p:cNvSpPr txBox="1"/>
+            <p:nvPr/>
+          </p:nvSpPr>
+          <p:spPr>
+            <a:xfrm>
+              <a:off x="6520030" y="6310911"/>
+              <a:ext cx="9217775" cy="1708160"/>
+            </a:xfrm>
+            <a:prstGeom prst="rect">
+              <a:avLst/>
+            </a:prstGeom>
+            <a:noFill/>
+          </p:spPr>
+          <p:txBody>
+            <a:bodyPr wrap="square" rtlCol="0">
+              <a:spAutoFit/>
+            </a:bodyPr>
+            <a:lstStyle/>
+            <a:p>
+              <a:pPr marL="571500" indent="-571500">
+                <a:buFont typeface="Wingdings" pitchFamily="2" charset="2"/>
+                <a:buChar char="ü"/>
+              </a:pPr>
+              <a:r>
+                <a:rPr lang="en-US" sz="3500" dirty="0">
+                  <a:latin typeface="Arial" panose="020B0604020202020204" pitchFamily="34" charset="0"/>
+                  <a:cs typeface="Arial" panose="020B0604020202020204" pitchFamily="34" charset="0"/>
+                </a:rPr>
+                <a:t>Multicore systems</a:t>
+              </a:r>
+            </a:p>
+            <a:p>
+              <a:pPr marL="571500" indent="-571500">
+                <a:buFont typeface="Wingdings" pitchFamily="2" charset="2"/>
+                <a:buChar char="ü"/>
+              </a:pPr>
+              <a:r>
+                <a:rPr lang="en-US" sz="3500" dirty="0">
+                  <a:latin typeface="Arial" panose="020B0604020202020204" pitchFamily="34" charset="0"/>
+                  <a:cs typeface="Arial" panose="020B0604020202020204" pitchFamily="34" charset="0"/>
+                </a:rPr>
+                <a:t>Hierarchical schedulers</a:t>
+              </a:r>
+            </a:p>
+            <a:p>
+              <a:pPr marL="571500" indent="-571500">
+                <a:buFont typeface="Wingdings" pitchFamily="2" charset="2"/>
+                <a:buChar char="ü"/>
+              </a:pPr>
+              <a:r>
+                <a:rPr lang="en-US" sz="3500" dirty="0">
+                  <a:latin typeface="Arial" panose="020B0604020202020204" pitchFamily="34" charset="0"/>
+                  <a:cs typeface="Arial" panose="020B0604020202020204" pitchFamily="34" charset="0"/>
+                </a:rPr>
+                <a:t>Shuffling offset and not-uniform selections</a:t>
+              </a:r>
+            </a:p>
+          </p:txBody>
+        </p:sp>
+        <p:pic>
+          <p:nvPicPr>
+            <p:cNvPr id="2" name="Picture 1">
+              <a:extLst>
+                <a:ext uri="{FF2B5EF4-FFF2-40B4-BE49-F238E27FC236}">
+                  <a16:creationId xmlns:a16="http://schemas.microsoft.com/office/drawing/2014/main" id="{D11E80AF-4568-F049-8A72-C9CCE4D36F33}"/>
+                </a:ext>
+              </a:extLst>
+            </p:cNvPr>
+            <p:cNvPicPr>
+              <a:picLocks noChangeAspect="1"/>
+            </p:cNvPicPr>
+            <p:nvPr/>
+          </p:nvPicPr>
+          <p:blipFill>
+            <a:blip r:embed="rId2"/>
+            <a:stretch>
+              <a:fillRect/>
+            </a:stretch>
+          </p:blipFill>
+          <p:spPr>
+            <a:xfrm>
+              <a:off x="13365805" y="5536580"/>
+              <a:ext cx="2046865" cy="1114086"/>
+            </a:xfrm>
+            <a:prstGeom prst="rect">
+              <a:avLst/>
+            </a:prstGeom>
+          </p:spPr>
+        </p:pic>
+      </p:grpSp>
+      <p:grpSp>
+        <p:nvGrpSpPr>
+          <p:cNvPr id="6" name="Group 5">
+            <a:extLst>
+              <a:ext uri="{FF2B5EF4-FFF2-40B4-BE49-F238E27FC236}">
+                <a16:creationId xmlns:a16="http://schemas.microsoft.com/office/drawing/2014/main" id="{E66E0E75-333E-8040-8B82-AA6BC913A8AA}"/>
+              </a:ext>
+            </a:extLst>
+          </p:cNvPr>
+          <p:cNvGrpSpPr/>
+          <p:nvPr/>
+        </p:nvGrpSpPr>
+        <p:grpSpPr>
+          <a:xfrm>
+            <a:off x="1667820" y="5148181"/>
+            <a:ext cx="9768469" cy="3950639"/>
+            <a:chOff x="4517239" y="5025576"/>
+            <a:chExt cx="9768469" cy="3950639"/>
+          </a:xfrm>
+        </p:grpSpPr>
+        <p:grpSp>
+          <p:nvGrpSpPr>
+            <p:cNvPr id="5" name="Group 4">
+              <a:extLst>
+                <a:ext uri="{FF2B5EF4-FFF2-40B4-BE49-F238E27FC236}">
+                  <a16:creationId xmlns:a16="http://schemas.microsoft.com/office/drawing/2014/main" id="{9E69E1F5-A1E8-C54D-82A6-8DFEF4CA6FE7}"/>
+                </a:ext>
+              </a:extLst>
+            </p:cNvPr>
+            <p:cNvGrpSpPr/>
+            <p:nvPr/>
+          </p:nvGrpSpPr>
+          <p:grpSpPr>
+            <a:xfrm>
+              <a:off x="4517239" y="5025576"/>
+              <a:ext cx="9768469" cy="3950639"/>
+              <a:chOff x="5609155" y="8969038"/>
+              <a:chExt cx="9768469" cy="3950639"/>
+            </a:xfrm>
+          </p:grpSpPr>
+          <p:grpSp>
+            <p:nvGrpSpPr>
+              <p:cNvPr id="10" name="Group 9">
+                <a:extLst>
+                  <a:ext uri="{FF2B5EF4-FFF2-40B4-BE49-F238E27FC236}">
+                    <a16:creationId xmlns:a16="http://schemas.microsoft.com/office/drawing/2014/main" id="{C79BDE32-6217-1E45-9707-CE3D822BD29F}"/>
+                  </a:ext>
+                </a:extLst>
+              </p:cNvPr>
+              <p:cNvGrpSpPr/>
+              <p:nvPr/>
+            </p:nvGrpSpPr>
+            <p:grpSpPr>
+              <a:xfrm>
+                <a:off x="5609155" y="8969038"/>
+                <a:ext cx="9768469" cy="3950639"/>
+                <a:chOff x="6244683" y="4166414"/>
+                <a:chExt cx="9768469" cy="3950639"/>
+              </a:xfrm>
+            </p:grpSpPr>
+            <p:sp>
+              <p:nvSpPr>
+                <p:cNvPr id="12" name="Rounded Rectangle 11">
+                  <a:extLst>
+                    <a:ext uri="{FF2B5EF4-FFF2-40B4-BE49-F238E27FC236}">
+                      <a16:creationId xmlns:a16="http://schemas.microsoft.com/office/drawing/2014/main" id="{67F1DCD5-86DF-844A-9631-1A261B279607}"/>
+                    </a:ext>
+                  </a:extLst>
+                </p:cNvPr>
+                <p:cNvSpPr/>
+                <p:nvPr/>
+              </p:nvSpPr>
+              <p:spPr>
+                <a:xfrm>
+                  <a:off x="6244684" y="4166414"/>
+                  <a:ext cx="9768468" cy="3950639"/>
+                </a:xfrm>
+                <a:prstGeom prst="roundRect">
+                  <a:avLst/>
+                </a:prstGeom>
+                <a:noFill/>
+                <a:ln w="38100">
+                  <a:solidFill>
+                    <a:schemeClr val="tx1">
+                      <a:lumMod val="95000"/>
+                      <a:lumOff val="5000"/>
+                    </a:schemeClr>
+                  </a:solidFill>
+                </a:ln>
+              </p:spPr>
+              <p:style>
+                <a:lnRef idx="2">
+                  <a:schemeClr val="accent1">
+                    <a:shade val="50000"/>
+                  </a:schemeClr>
+                </a:lnRef>
+                <a:fillRef idx="1">
+                  <a:schemeClr val="accent1"/>
+                </a:fillRef>
+                <a:effectRef idx="0">
+                  <a:schemeClr val="accent1"/>
+                </a:effectRef>
+                <a:fontRef idx="minor">
+                  <a:schemeClr val="lt1"/>
+                </a:fontRef>
+              </p:style>
+              <p:txBody>
+                <a:bodyPr rtlCol="0" anchor="ctr"/>
+                <a:lstStyle/>
+                <a:p>
+                  <a:pPr algn="ctr"/>
+                  <a:endParaRPr lang="en-US" dirty="0"/>
+                </a:p>
+              </p:txBody>
+            </p:sp>
+            <p:sp>
+              <p:nvSpPr>
+                <p:cNvPr id="14" name="TextBox 13">
+                  <a:extLst>
+                    <a:ext uri="{FF2B5EF4-FFF2-40B4-BE49-F238E27FC236}">
+                      <a16:creationId xmlns:a16="http://schemas.microsoft.com/office/drawing/2014/main" id="{A108632A-E30E-9D44-83EB-44BEF0468A4C}"/>
+                    </a:ext>
+                  </a:extLst>
+                </p:cNvPr>
+                <p:cNvSpPr txBox="1"/>
+                <p:nvPr/>
+              </p:nvSpPr>
+              <p:spPr>
+                <a:xfrm>
+                  <a:off x="6244683" y="4467936"/>
+                  <a:ext cx="9768468" cy="1323439"/>
+                </a:xfrm>
+                <a:prstGeom prst="rect">
+                  <a:avLst/>
+                </a:prstGeom>
+                <a:noFill/>
+              </p:spPr>
+              <p:txBody>
+                <a:bodyPr wrap="square" rtlCol="0">
+                  <a:spAutoFit/>
+                </a:bodyPr>
+                <a:lstStyle/>
+                <a:p>
+                  <a:pPr algn="ctr"/>
+                  <a:r>
+                    <a:rPr lang="en-US" sz="4000" dirty="0">
+                      <a:latin typeface="Arial" panose="020B0604020202020204" pitchFamily="34" charset="0"/>
+                      <a:cs typeface="Arial" panose="020B0604020202020204" pitchFamily="34" charset="0"/>
+                    </a:rPr>
+                    <a:t>Metrics and System Integration</a:t>
+                  </a:r>
+                </a:p>
+                <a:p>
+                  <a:pPr algn="ctr"/>
+                  <a:r>
+                    <a:rPr lang="en-US" sz="4000" dirty="0">
+                      <a:latin typeface="Arial" panose="020B0604020202020204" pitchFamily="34" charset="0"/>
+                      <a:cs typeface="Arial" panose="020B0604020202020204" pitchFamily="34" charset="0"/>
+                    </a:rPr>
+                    <a:t>[Section 4]</a:t>
+                  </a:r>
+                </a:p>
+              </p:txBody>
+            </p:sp>
+            <p:sp>
+              <p:nvSpPr>
+                <p:cNvPr id="15" name="TextBox 14">
+                  <a:extLst>
+                    <a:ext uri="{FF2B5EF4-FFF2-40B4-BE49-F238E27FC236}">
+                      <a16:creationId xmlns:a16="http://schemas.microsoft.com/office/drawing/2014/main" id="{D726D192-BE67-134A-B3E1-682B6618459B}"/>
+                    </a:ext>
+                  </a:extLst>
+                </p:cNvPr>
+                <p:cNvSpPr txBox="1"/>
+                <p:nvPr/>
+              </p:nvSpPr>
+              <p:spPr>
+                <a:xfrm>
+                  <a:off x="6520030" y="6310911"/>
+                  <a:ext cx="9217775" cy="1708160"/>
+                </a:xfrm>
+                <a:prstGeom prst="rect">
+                  <a:avLst/>
+                </a:prstGeom>
+                <a:noFill/>
+              </p:spPr>
+              <p:txBody>
+                <a:bodyPr wrap="square" rtlCol="0">
+                  <a:spAutoFit/>
+                </a:bodyPr>
+                <a:lstStyle/>
+                <a:p>
+                  <a:pPr marL="571500" indent="-571500">
+                    <a:buFont typeface="Wingdings" pitchFamily="2" charset="2"/>
+                    <a:buChar char="ü"/>
+                  </a:pPr>
+                  <a:r>
+                    <a:rPr lang="en-US" sz="3500" dirty="0">
+                      <a:latin typeface="Arial" panose="020B0604020202020204" pitchFamily="34" charset="0"/>
+                      <a:cs typeface="Arial" panose="020B0604020202020204" pitchFamily="34" charset="0"/>
+                    </a:rPr>
+                    <a:t>Metric: inter-arrival indistinguishability</a:t>
+                  </a:r>
+                </a:p>
+                <a:p>
+                  <a:pPr marL="571500" indent="-571500">
+                    <a:buFont typeface="Wingdings" pitchFamily="2" charset="2"/>
+                    <a:buChar char="ü"/>
+                  </a:pPr>
+                  <a:r>
+                    <a:rPr lang="en-US" sz="3500" dirty="0">
+                      <a:latin typeface="Arial" panose="020B0604020202020204" pitchFamily="34" charset="0"/>
+                      <a:cs typeface="Arial" panose="020B0604020202020204" pitchFamily="34" charset="0"/>
+                    </a:rPr>
+                    <a:t>Operating system integration:</a:t>
+                  </a:r>
+                </a:p>
+                <a:p>
+                  <a:pPr marL="1443038" lvl="1" indent="-347663">
+                    <a:buFont typeface="Courier New" panose="02070309020205020404" pitchFamily="49" charset="0"/>
+                    <a:buChar char="o"/>
+                  </a:pPr>
+                  <a:r>
+                    <a:rPr lang="en-US" sz="3500" dirty="0">
+                      <a:latin typeface="Arial" panose="020B0604020202020204" pitchFamily="34" charset="0"/>
+                      <a:cs typeface="Arial" panose="020B0604020202020204" pitchFamily="34" charset="0"/>
+                    </a:rPr>
+                    <a:t>RT_PREEMPT, LITMUS</a:t>
+                  </a:r>
+                  <a:r>
+                    <a:rPr lang="en-US" sz="3500" baseline="30000" dirty="0">
+                      <a:latin typeface="Arial" panose="020B0604020202020204" pitchFamily="34" charset="0"/>
+                      <a:cs typeface="Arial" panose="020B0604020202020204" pitchFamily="34" charset="0"/>
+                    </a:rPr>
+                    <a:t>RT</a:t>
+                  </a:r>
+                  <a:r>
+                    <a:rPr lang="en-US" sz="3500" dirty="0">
+                      <a:latin typeface="Arial" panose="020B0604020202020204" pitchFamily="34" charset="0"/>
+                      <a:cs typeface="Arial" panose="020B0604020202020204" pitchFamily="34" charset="0"/>
+                    </a:rPr>
+                    <a:t>, </a:t>
+                  </a:r>
+                  <a:r>
+                    <a:rPr lang="en-US" sz="3500" dirty="0" err="1">
+                      <a:latin typeface="Arial" panose="020B0604020202020204" pitchFamily="34" charset="0"/>
+                      <a:cs typeface="Arial" panose="020B0604020202020204" pitchFamily="34" charset="0"/>
+                    </a:rPr>
+                    <a:t>FreeRTOS</a:t>
+                  </a:r>
+                  <a:endParaRPr lang="en-US" sz="3500" dirty="0">
+                    <a:latin typeface="Arial" panose="020B0604020202020204" pitchFamily="34" charset="0"/>
+                    <a:cs typeface="Arial" panose="020B0604020202020204" pitchFamily="34" charset="0"/>
+                  </a:endParaRPr>
+                </a:p>
+              </p:txBody>
+            </p:sp>
+          </p:grpSp>
+          <p:pic>
+            <p:nvPicPr>
+              <p:cNvPr id="1026" name="Picture 2" descr="Company Logo On Gray Clipart Png For Web - Integrated Circuit Transparent Png (600x598), Png Download">
+                <a:extLst>
+                  <a:ext uri="{FF2B5EF4-FFF2-40B4-BE49-F238E27FC236}">
+                    <a16:creationId xmlns:a16="http://schemas.microsoft.com/office/drawing/2014/main" id="{33F1931A-5405-FE46-9B3A-8EEAE8B29CF6}"/>
+                  </a:ext>
+                </a:extLst>
+              </p:cNvPr>
+              <p:cNvPicPr>
+                <a:picLocks noChangeAspect="1" noChangeArrowheads="1"/>
+              </p:cNvPicPr>
+              <p:nvPr/>
+            </p:nvPicPr>
+            <p:blipFill>
+              <a:blip r:embed="rId3">
+                <a:extLst>
+                  <a:ext uri="{28A0092B-C50C-407E-A947-70E740481C1C}">
+                    <a14:useLocalDpi xmlns:a14="http://schemas.microsoft.com/office/drawing/2010/main" val="0"/>
+                  </a:ext>
+                </a:extLst>
+              </a:blip>
+              <a:srcRect/>
+              <a:stretch>
+                <a:fillRect/>
+              </a:stretch>
+            </p:blipFill>
+            <p:spPr bwMode="auto">
+              <a:xfrm>
+                <a:off x="14100480" y="10146258"/>
+                <a:ext cx="938347" cy="934457"/>
+              </a:xfrm>
+              <a:prstGeom prst="rect">
+                <a:avLst/>
+              </a:prstGeom>
+              <a:noFill/>
+              <a:extLst>
+                <a:ext uri="{909E8E84-426E-40DD-AFC4-6F175D3DCCD1}">
+                  <a14:hiddenFill xmlns:a14="http://schemas.microsoft.com/office/drawing/2010/main">
+                    <a:solidFill>
+                      <a:srgbClr val="FFFFFF"/>
+                    </a:solidFill>
+                  </a14:hiddenFill>
+                </a:ext>
+              </a:extLst>
+            </p:spPr>
+          </p:pic>
+        </p:grpSp>
+        <p:pic>
+          <p:nvPicPr>
+            <p:cNvPr id="1030" name="Picture 6" descr="Transparent Png Speedometer Slow Png Clipart (1200x630), Png Download">
+              <a:extLst>
+                <a:ext uri="{FF2B5EF4-FFF2-40B4-BE49-F238E27FC236}">
+                  <a16:creationId xmlns:a16="http://schemas.microsoft.com/office/drawing/2014/main" id="{63590F81-FB2D-C745-BE0F-BD2D5F79C13C}"/>
+                </a:ext>
+              </a:extLst>
+            </p:cNvPr>
+            <p:cNvPicPr>
+              <a:picLocks noChangeAspect="1" noChangeArrowheads="1"/>
+            </p:cNvPicPr>
+            <p:nvPr/>
+          </p:nvPicPr>
+          <p:blipFill>
+            <a:blip r:embed="rId4">
+              <a:extLst>
+                <a:ext uri="{28A0092B-C50C-407E-A947-70E740481C1C}">
+                  <a14:useLocalDpi xmlns:a14="http://schemas.microsoft.com/office/drawing/2010/main" val="0"/>
+                </a:ext>
+              </a:extLst>
+            </a:blip>
+            <a:srcRect/>
+            <a:stretch>
+              <a:fillRect/>
+            </a:stretch>
+          </p:blipFill>
+          <p:spPr bwMode="auto">
+            <a:xfrm>
+              <a:off x="11454683" y="6323313"/>
+              <a:ext cx="1312356" cy="709213"/>
+            </a:xfrm>
+            <a:prstGeom prst="rect">
+              <a:avLst/>
+            </a:prstGeom>
+            <a:noFill/>
+            <a:extLst>
+              <a:ext uri="{909E8E84-426E-40DD-AFC4-6F175D3DCCD1}">
+                <a14:hiddenFill xmlns:a14="http://schemas.microsoft.com/office/drawing/2010/main">
+                  <a:solidFill>
+                    <a:srgbClr val="FFFFFF"/>
+                  </a:solidFill>
+                </a14:hiddenFill>
+              </a:ext>
+            </a:extLst>
+          </p:spPr>
+        </p:pic>
+      </p:grpSp>
+      <p:grpSp>
+        <p:nvGrpSpPr>
+          <p:cNvPr id="27" name="Group 26">
+            <a:extLst>
+              <a:ext uri="{FF2B5EF4-FFF2-40B4-BE49-F238E27FC236}">
+                <a16:creationId xmlns:a16="http://schemas.microsoft.com/office/drawing/2014/main" id="{BD3EAA6D-3302-6748-AD8F-32A0B1F7E6A7}"/>
+              </a:ext>
+            </a:extLst>
+          </p:cNvPr>
+          <p:cNvGrpSpPr/>
+          <p:nvPr/>
+        </p:nvGrpSpPr>
+        <p:grpSpPr>
+          <a:xfrm>
+            <a:off x="7261885" y="9867632"/>
+            <a:ext cx="9768469" cy="3950639"/>
+            <a:chOff x="4517239" y="9776591"/>
+            <a:chExt cx="9768469" cy="3950639"/>
+          </a:xfrm>
+        </p:grpSpPr>
+        <p:grpSp>
+          <p:nvGrpSpPr>
+            <p:cNvPr id="17" name="Group 16">
+              <a:extLst>
+                <a:ext uri="{FF2B5EF4-FFF2-40B4-BE49-F238E27FC236}">
+                  <a16:creationId xmlns:a16="http://schemas.microsoft.com/office/drawing/2014/main" id="{D8EC5FEB-80A8-8D49-8AB2-50DD9BF950A7}"/>
+                </a:ext>
+              </a:extLst>
+            </p:cNvPr>
+            <p:cNvGrpSpPr/>
+            <p:nvPr/>
+          </p:nvGrpSpPr>
+          <p:grpSpPr>
+            <a:xfrm>
+              <a:off x="4517239" y="9776591"/>
+              <a:ext cx="9768469" cy="3950639"/>
+              <a:chOff x="5609155" y="8969038"/>
+              <a:chExt cx="9768469" cy="3950639"/>
+            </a:xfrm>
+          </p:grpSpPr>
+          <p:grpSp>
+            <p:nvGrpSpPr>
+              <p:cNvPr id="18" name="Group 17">
+                <a:extLst>
+                  <a:ext uri="{FF2B5EF4-FFF2-40B4-BE49-F238E27FC236}">
+                    <a16:creationId xmlns:a16="http://schemas.microsoft.com/office/drawing/2014/main" id="{B9059F6E-1613-5240-A0C3-D96F5907D52C}"/>
+                  </a:ext>
+                </a:extLst>
+              </p:cNvPr>
+              <p:cNvGrpSpPr/>
+              <p:nvPr/>
+            </p:nvGrpSpPr>
+            <p:grpSpPr>
+              <a:xfrm>
+                <a:off x="5609155" y="8969038"/>
+                <a:ext cx="9768469" cy="3950639"/>
+                <a:chOff x="6244683" y="4166414"/>
+                <a:chExt cx="9768469" cy="3950639"/>
+              </a:xfrm>
+            </p:grpSpPr>
+            <p:sp>
+              <p:nvSpPr>
+                <p:cNvPr id="21" name="Rounded Rectangle 20">
+                  <a:extLst>
+                    <a:ext uri="{FF2B5EF4-FFF2-40B4-BE49-F238E27FC236}">
+                      <a16:creationId xmlns:a16="http://schemas.microsoft.com/office/drawing/2014/main" id="{B3DD7BE6-4C56-3649-B539-78E4C05C2552}"/>
+                    </a:ext>
+                  </a:extLst>
+                </p:cNvPr>
+                <p:cNvSpPr/>
+                <p:nvPr/>
+              </p:nvSpPr>
+              <p:spPr>
+                <a:xfrm>
+                  <a:off x="6244684" y="4166414"/>
+                  <a:ext cx="9768468" cy="3950639"/>
+                </a:xfrm>
+                <a:prstGeom prst="roundRect">
+                  <a:avLst/>
+                </a:prstGeom>
+                <a:noFill/>
+                <a:ln w="38100">
+                  <a:solidFill>
+                    <a:schemeClr val="tx1">
+                      <a:lumMod val="95000"/>
+                      <a:lumOff val="5000"/>
+                    </a:schemeClr>
+                  </a:solidFill>
+                </a:ln>
+              </p:spPr>
+              <p:style>
+                <a:lnRef idx="2">
+                  <a:schemeClr val="accent1">
+                    <a:shade val="50000"/>
+                  </a:schemeClr>
+                </a:lnRef>
+                <a:fillRef idx="1">
+                  <a:schemeClr val="accent1"/>
+                </a:fillRef>
+                <a:effectRef idx="0">
+                  <a:schemeClr val="accent1"/>
+                </a:effectRef>
+                <a:fontRef idx="minor">
+                  <a:schemeClr val="lt1"/>
+                </a:fontRef>
+              </p:style>
+              <p:txBody>
+                <a:bodyPr rtlCol="0" anchor="ctr"/>
+                <a:lstStyle/>
+                <a:p>
+                  <a:pPr algn="ctr"/>
+                  <a:endParaRPr lang="en-US" dirty="0"/>
+                </a:p>
+              </p:txBody>
+            </p:sp>
+            <p:sp>
+              <p:nvSpPr>
+                <p:cNvPr id="22" name="TextBox 21">
+                  <a:extLst>
+                    <a:ext uri="{FF2B5EF4-FFF2-40B4-BE49-F238E27FC236}">
+                      <a16:creationId xmlns:a16="http://schemas.microsoft.com/office/drawing/2014/main" id="{042BC56C-4726-2149-9DBA-57A1AA9C1855}"/>
+                    </a:ext>
+                  </a:extLst>
+                </p:cNvPr>
+                <p:cNvSpPr txBox="1"/>
+                <p:nvPr/>
+              </p:nvSpPr>
+              <p:spPr>
+                <a:xfrm>
+                  <a:off x="6244683" y="4467936"/>
+                  <a:ext cx="9768468" cy="1323439"/>
+                </a:xfrm>
+                <a:prstGeom prst="rect">
+                  <a:avLst/>
+                </a:prstGeom>
+                <a:noFill/>
+              </p:spPr>
+              <p:txBody>
+                <a:bodyPr wrap="square" rtlCol="0">
+                  <a:spAutoFit/>
+                </a:bodyPr>
+                <a:lstStyle/>
+                <a:p>
+                  <a:pPr algn="ctr"/>
+                  <a:r>
+                    <a:rPr lang="en-US" sz="4000" dirty="0">
+                      <a:latin typeface="Arial" panose="020B0604020202020204" pitchFamily="34" charset="0"/>
+                      <a:cs typeface="Arial" panose="020B0604020202020204" pitchFamily="34" charset="0"/>
+                    </a:rPr>
+                    <a:t>Evaluation</a:t>
+                  </a:r>
+                </a:p>
+                <a:p>
+                  <a:pPr algn="ctr"/>
+                  <a:r>
+                    <a:rPr lang="en-US" sz="4000" dirty="0">
+                      <a:latin typeface="Arial" panose="020B0604020202020204" pitchFamily="34" charset="0"/>
+                      <a:cs typeface="Arial" panose="020B0604020202020204" pitchFamily="34" charset="0"/>
+                    </a:rPr>
+                    <a:t>[</a:t>
+                  </a:r>
+                  <a:r>
+                    <a:rPr lang="en-US" sz="4000">
+                      <a:latin typeface="Arial" panose="020B0604020202020204" pitchFamily="34" charset="0"/>
+                      <a:cs typeface="Arial" panose="020B0604020202020204" pitchFamily="34" charset="0"/>
+                    </a:rPr>
+                    <a:t>Section 5]</a:t>
+                  </a:r>
+                  <a:endParaRPr lang="en-US" sz="4000" dirty="0">
+                    <a:latin typeface="Arial" panose="020B0604020202020204" pitchFamily="34" charset="0"/>
+                    <a:cs typeface="Arial" panose="020B0604020202020204" pitchFamily="34" charset="0"/>
+                  </a:endParaRPr>
+                </a:p>
+              </p:txBody>
+            </p:sp>
+            <p:sp>
+              <p:nvSpPr>
+                <p:cNvPr id="23" name="TextBox 22">
+                  <a:extLst>
+                    <a:ext uri="{FF2B5EF4-FFF2-40B4-BE49-F238E27FC236}">
+                      <a16:creationId xmlns:a16="http://schemas.microsoft.com/office/drawing/2014/main" id="{1DA7EBD2-0657-4D42-97DE-6FED161A86A4}"/>
+                    </a:ext>
+                  </a:extLst>
+                </p:cNvPr>
+                <p:cNvSpPr txBox="1"/>
+                <p:nvPr/>
+              </p:nvSpPr>
+              <p:spPr>
+                <a:xfrm>
+                  <a:off x="6520030" y="6310911"/>
+                  <a:ext cx="9217775" cy="1708160"/>
+                </a:xfrm>
+                <a:prstGeom prst="rect">
+                  <a:avLst/>
+                </a:prstGeom>
+                <a:noFill/>
+              </p:spPr>
+              <p:txBody>
+                <a:bodyPr wrap="square" rtlCol="0">
+                  <a:spAutoFit/>
+                </a:bodyPr>
+                <a:lstStyle/>
+                <a:p>
+                  <a:pPr marL="571500" indent="-571500">
+                    <a:buFont typeface="Wingdings" pitchFamily="2" charset="2"/>
+                    <a:buChar char="ü"/>
+                  </a:pPr>
+                  <a:r>
+                    <a:rPr lang="en-US" sz="3500" dirty="0">
+                      <a:latin typeface="Arial" panose="020B0604020202020204" pitchFamily="34" charset="0"/>
+                      <a:cs typeface="Arial" panose="020B0604020202020204" pitchFamily="34" charset="0"/>
+                    </a:rPr>
+                    <a:t>Design-space exploration</a:t>
+                  </a:r>
+                </a:p>
+                <a:p>
+                  <a:pPr marL="571500" indent="-571500">
+                    <a:buFont typeface="Wingdings" pitchFamily="2" charset="2"/>
+                    <a:buChar char="ü"/>
+                  </a:pPr>
+                  <a:r>
+                    <a:rPr lang="en-US" sz="3500" dirty="0">
+                      <a:latin typeface="Arial" panose="020B0604020202020204" pitchFamily="34" charset="0"/>
+                      <a:cs typeface="Arial" panose="020B0604020202020204" pitchFamily="34" charset="0"/>
+                    </a:rPr>
+                    <a:t>Hardware testbed</a:t>
+                  </a:r>
+                </a:p>
+                <a:p>
+                  <a:pPr marL="1443038" lvl="1" indent="-347663">
+                    <a:buFont typeface="Courier New" panose="02070309020205020404" pitchFamily="49" charset="0"/>
+                    <a:buChar char="o"/>
+                  </a:pPr>
+                  <a:r>
+                    <a:rPr lang="en-US" sz="3500" dirty="0">
+                      <a:latin typeface="Arial" panose="020B0604020202020204" pitchFamily="34" charset="0"/>
+                      <a:cs typeface="Arial" panose="020B0604020202020204" pitchFamily="34" charset="0"/>
+                    </a:rPr>
+                    <a:t>Ground rover, Robotic arm</a:t>
+                  </a:r>
+                </a:p>
+              </p:txBody>
+            </p:sp>
+          </p:grpSp>
+          <p:pic>
+            <p:nvPicPr>
+              <p:cNvPr id="20" name="Picture 4" descr="Metric Png Pluspng - Key Metrics Png Clipart (1024x805), Png Download">
+                <a:extLst>
+                  <a:ext uri="{FF2B5EF4-FFF2-40B4-BE49-F238E27FC236}">
+                    <a16:creationId xmlns:a16="http://schemas.microsoft.com/office/drawing/2014/main" id="{91AF753D-1800-7F4B-A3CE-AD4E662CD05D}"/>
+                  </a:ext>
+                </a:extLst>
+              </p:cNvPr>
+              <p:cNvPicPr>
+                <a:picLocks noChangeAspect="1" noChangeArrowheads="1"/>
+              </p:cNvPicPr>
+              <p:nvPr/>
+            </p:nvPicPr>
+            <p:blipFill>
+              <a:blip r:embed="rId5">
+                <a:extLst>
+                  <a:ext uri="{28A0092B-C50C-407E-A947-70E740481C1C}">
+                    <a14:useLocalDpi xmlns:a14="http://schemas.microsoft.com/office/drawing/2010/main" val="0"/>
+                  </a:ext>
+                </a:extLst>
+              </a:blip>
+              <a:srcRect/>
+              <a:stretch>
+                <a:fillRect/>
+              </a:stretch>
+            </p:blipFill>
+            <p:spPr bwMode="auto">
+              <a:xfrm>
+                <a:off x="12449327" y="9348714"/>
+                <a:ext cx="2060116" cy="1249081"/>
+              </a:xfrm>
+              <a:prstGeom prst="rect">
+                <a:avLst/>
+              </a:prstGeom>
+              <a:noFill/>
+              <a:extLst>
+                <a:ext uri="{909E8E84-426E-40DD-AFC4-6F175D3DCCD1}">
+                  <a14:hiddenFill xmlns:a14="http://schemas.microsoft.com/office/drawing/2010/main">
+                    <a:solidFill>
+                      <a:srgbClr val="FFFFFF"/>
+                    </a:solidFill>
+                  </a14:hiddenFill>
+                </a:ext>
+              </a:extLst>
+            </p:spPr>
+          </p:pic>
+        </p:grpSp>
+        <p:pic>
+          <p:nvPicPr>
+            <p:cNvPr id="24" name="Picture 23" descr="A picture containing adapter, gear&#10;&#10;Description automatically generated">
+              <a:extLst>
+                <a:ext uri="{FF2B5EF4-FFF2-40B4-BE49-F238E27FC236}">
+                  <a16:creationId xmlns:a16="http://schemas.microsoft.com/office/drawing/2014/main" id="{F701EDEA-E89A-4D4F-A7BA-DB96EE221F02}"/>
+                </a:ext>
+              </a:extLst>
+            </p:cNvPr>
+            <p:cNvPicPr>
+              <a:picLocks noChangeAspect="1"/>
+            </p:cNvPicPr>
+            <p:nvPr/>
+          </p:nvPicPr>
+          <p:blipFill>
+            <a:blip r:embed="rId6"/>
+            <a:stretch>
+              <a:fillRect/>
+            </a:stretch>
+          </p:blipFill>
+          <p:spPr>
+            <a:xfrm>
+              <a:off x="11581840" y="12100396"/>
+              <a:ext cx="1312255" cy="1150269"/>
+            </a:xfrm>
+            <a:prstGeom prst="rect">
+              <a:avLst/>
+            </a:prstGeom>
+          </p:spPr>
+        </p:pic>
+        <p:pic>
+          <p:nvPicPr>
+            <p:cNvPr id="26" name="Picture 25">
+              <a:extLst>
+                <a:ext uri="{FF2B5EF4-FFF2-40B4-BE49-F238E27FC236}">
+                  <a16:creationId xmlns:a16="http://schemas.microsoft.com/office/drawing/2014/main" id="{2D229D5B-F85F-6F4F-A8C3-876A2F5D9A80}"/>
+                </a:ext>
+              </a:extLst>
+            </p:cNvPr>
+            <p:cNvPicPr>
+              <a:picLocks noChangeAspect="1"/>
+            </p:cNvPicPr>
+            <p:nvPr/>
+          </p:nvPicPr>
+          <p:blipFill>
+            <a:blip r:embed="rId7"/>
+            <a:stretch>
+              <a:fillRect/>
+            </a:stretch>
+          </p:blipFill>
+          <p:spPr>
+            <a:xfrm>
+              <a:off x="13079238" y="12114225"/>
+              <a:ext cx="853532" cy="1147413"/>
+            </a:xfrm>
+            <a:prstGeom prst="rect">
+              <a:avLst/>
+            </a:prstGeom>
+          </p:spPr>
+        </p:pic>
+      </p:grpSp>
+      <p:grpSp>
+        <p:nvGrpSpPr>
+          <p:cNvPr id="34" name="Group 33">
+            <a:extLst>
+              <a:ext uri="{FF2B5EF4-FFF2-40B4-BE49-F238E27FC236}">
+                <a16:creationId xmlns:a16="http://schemas.microsoft.com/office/drawing/2014/main" id="{4E9EF8C5-0170-C14B-8F0B-DBE19ADDA059}"/>
+              </a:ext>
+            </a:extLst>
+          </p:cNvPr>
+          <p:cNvGrpSpPr/>
+          <p:nvPr/>
+        </p:nvGrpSpPr>
+        <p:grpSpPr>
+          <a:xfrm>
+            <a:off x="12892403" y="5157673"/>
+            <a:ext cx="9768469" cy="3950639"/>
+            <a:chOff x="6244683" y="4166414"/>
+            <a:chExt cx="9768469" cy="3950639"/>
+          </a:xfrm>
+        </p:grpSpPr>
+        <p:sp>
+          <p:nvSpPr>
+            <p:cNvPr id="36" name="Rounded Rectangle 35">
+              <a:extLst>
+                <a:ext uri="{FF2B5EF4-FFF2-40B4-BE49-F238E27FC236}">
+                  <a16:creationId xmlns:a16="http://schemas.microsoft.com/office/drawing/2014/main" id="{145D6B80-BCF7-8542-BEA4-5B29CE9EB2A4}"/>
+                </a:ext>
+              </a:extLst>
+            </p:cNvPr>
+            <p:cNvSpPr/>
+            <p:nvPr/>
+          </p:nvSpPr>
+          <p:spPr>
+            <a:xfrm>
+              <a:off x="6244684" y="4166414"/>
+              <a:ext cx="9768468" cy="3950639"/>
+            </a:xfrm>
+            <a:prstGeom prst="roundRect">
+              <a:avLst/>
+            </a:prstGeom>
+            <a:noFill/>
+            <a:ln w="38100">
+              <a:solidFill>
+                <a:schemeClr val="tx1">
+                  <a:lumMod val="95000"/>
+                  <a:lumOff val="5000"/>
+                </a:schemeClr>
+              </a:solidFill>
+            </a:ln>
+          </p:spPr>
+          <p:style>
+            <a:lnRef idx="2">
+              <a:schemeClr val="accent1">
+                <a:shade val="50000"/>
+              </a:schemeClr>
+            </a:lnRef>
+            <a:fillRef idx="1">
+              <a:schemeClr val="accent1"/>
+            </a:fillRef>
+            <a:effectRef idx="0">
+              <a:schemeClr val="accent1"/>
+            </a:effectRef>
+            <a:fontRef idx="minor">
+              <a:schemeClr val="lt1"/>
+            </a:fontRef>
+          </p:style>
+          <p:txBody>
+            <a:bodyPr rtlCol="0" anchor="ctr"/>
+            <a:lstStyle/>
+            <a:p>
+              <a:pPr algn="ctr"/>
+              <a:endParaRPr lang="en-US"/>
+            </a:p>
+          </p:txBody>
+        </p:sp>
+        <p:sp>
+          <p:nvSpPr>
+            <p:cNvPr id="37" name="TextBox 36">
+              <a:extLst>
+                <a:ext uri="{FF2B5EF4-FFF2-40B4-BE49-F238E27FC236}">
+                  <a16:creationId xmlns:a16="http://schemas.microsoft.com/office/drawing/2014/main" id="{55E1AA34-B67F-5146-9933-8EA055BD6000}"/>
+                </a:ext>
+              </a:extLst>
+            </p:cNvPr>
+            <p:cNvSpPr txBox="1"/>
+            <p:nvPr/>
+          </p:nvSpPr>
+          <p:spPr>
+            <a:xfrm>
+              <a:off x="6244683" y="4467936"/>
+              <a:ext cx="9768468" cy="1323439"/>
+            </a:xfrm>
+            <a:prstGeom prst="rect">
+              <a:avLst/>
+            </a:prstGeom>
+            <a:noFill/>
+          </p:spPr>
+          <p:txBody>
+            <a:bodyPr wrap="square" rtlCol="0">
+              <a:spAutoFit/>
+            </a:bodyPr>
+            <a:lstStyle/>
+            <a:p>
+              <a:pPr algn="ctr"/>
+              <a:r>
+                <a:rPr lang="en-US" sz="4000" dirty="0">
+                  <a:latin typeface="Arial" panose="020B0604020202020204" pitchFamily="34" charset="0"/>
+                  <a:cs typeface="Arial" panose="020B0604020202020204" pitchFamily="34" charset="0"/>
+                </a:rPr>
+                <a:t>Education and Outreach</a:t>
+              </a:r>
+            </a:p>
+            <a:p>
+              <a:pPr algn="ctr"/>
+              <a:r>
+                <a:rPr lang="en-US" sz="4000" dirty="0">
+                  <a:latin typeface="Arial" panose="020B0604020202020204" pitchFamily="34" charset="0"/>
+                  <a:cs typeface="Arial" panose="020B0604020202020204" pitchFamily="34" charset="0"/>
+                </a:rPr>
+                <a:t>[Section 7]</a:t>
+              </a:r>
+            </a:p>
+          </p:txBody>
+        </p:sp>
+        <p:sp>
+          <p:nvSpPr>
+            <p:cNvPr id="38" name="TextBox 37">
+              <a:extLst>
+                <a:ext uri="{FF2B5EF4-FFF2-40B4-BE49-F238E27FC236}">
+                  <a16:creationId xmlns:a16="http://schemas.microsoft.com/office/drawing/2014/main" id="{7A2EC404-3FBA-0C43-BCA3-F44CEA3158C2}"/>
+                </a:ext>
+              </a:extLst>
+            </p:cNvPr>
+            <p:cNvSpPr txBox="1"/>
+            <p:nvPr/>
+          </p:nvSpPr>
+          <p:spPr>
+            <a:xfrm>
+              <a:off x="6520030" y="6310911"/>
+              <a:ext cx="9217775" cy="1708160"/>
+            </a:xfrm>
+            <a:prstGeom prst="rect">
+              <a:avLst/>
+            </a:prstGeom>
+            <a:noFill/>
+          </p:spPr>
+          <p:txBody>
+            <a:bodyPr wrap="square" rtlCol="0">
+              <a:spAutoFit/>
+            </a:bodyPr>
+            <a:lstStyle/>
+            <a:p>
+              <a:pPr marL="571500" indent="-571500">
+                <a:buFont typeface="Wingdings" pitchFamily="2" charset="2"/>
+                <a:buChar char="ü"/>
+              </a:pPr>
+              <a:r>
+                <a:rPr lang="en-US" sz="3500" dirty="0">
+                  <a:latin typeface="Arial" panose="020B0604020202020204" pitchFamily="34" charset="0"/>
+                  <a:cs typeface="Arial" panose="020B0604020202020204" pitchFamily="34" charset="0"/>
+                </a:rPr>
+                <a:t>Curriculum development</a:t>
+              </a:r>
+            </a:p>
+            <a:p>
+              <a:pPr marL="571500" indent="-571500">
+                <a:buFont typeface="Wingdings" pitchFamily="2" charset="2"/>
+                <a:buChar char="ü"/>
+              </a:pPr>
+              <a:r>
+                <a:rPr lang="en-US" sz="3500" dirty="0">
+                  <a:latin typeface="Arial" panose="020B0604020202020204" pitchFamily="34" charset="0"/>
+                  <a:cs typeface="Arial" panose="020B0604020202020204" pitchFamily="34" charset="0"/>
+                </a:rPr>
+                <a:t>Undergraduate research activities</a:t>
+              </a:r>
+            </a:p>
+            <a:p>
+              <a:pPr marL="571500" indent="-571500">
+                <a:buFont typeface="Wingdings" pitchFamily="2" charset="2"/>
+                <a:buChar char="ü"/>
+              </a:pPr>
+              <a:r>
+                <a:rPr lang="en-US" sz="3500" dirty="0">
+                  <a:latin typeface="Arial" panose="020B0604020202020204" pitchFamily="34" charset="0"/>
+                  <a:cs typeface="Arial" panose="020B0604020202020204" pitchFamily="34" charset="0"/>
+                </a:rPr>
+                <a:t>Diversity and outreach plan</a:t>
+              </a:r>
+            </a:p>
+          </p:txBody>
+        </p:sp>
+      </p:grpSp>
+      <p:pic>
+        <p:nvPicPr>
+          <p:cNvPr id="1036" name="Picture 12" descr="Discussion Clipart Effective Communication - Communication Skill Icon Png Transparent Png (700x675), Png Download">
+            <a:extLst>
+              <a:ext uri="{FF2B5EF4-FFF2-40B4-BE49-F238E27FC236}">
+                <a16:creationId xmlns:a16="http://schemas.microsoft.com/office/drawing/2014/main" id="{96ECB120-980E-4748-83BE-16D42BF895E3}"/>
+              </a:ext>
+            </a:extLst>
+          </p:cNvPr>
+          <p:cNvPicPr>
+            <a:picLocks noChangeAspect="1" noChangeArrowheads="1"/>
+          </p:cNvPicPr>
+          <p:nvPr/>
+        </p:nvPicPr>
+        <p:blipFill>
+          <a:blip r:embed="rId8">
+            <a:extLst>
+              <a:ext uri="{28A0092B-C50C-407E-A947-70E740481C1C}">
+                <a14:useLocalDpi xmlns:a14="http://schemas.microsoft.com/office/drawing/2010/main" val="0"/>
+              </a:ext>
+            </a:extLst>
+          </a:blip>
+          <a:srcRect/>
+          <a:stretch>
+            <a:fillRect/>
+          </a:stretch>
+        </p:blipFill>
+        <p:spPr bwMode="auto">
+          <a:xfrm>
+            <a:off x="20324720" y="5963096"/>
+            <a:ext cx="2116822" cy="2116822"/>
+          </a:xfrm>
+          <a:prstGeom prst="rect">
+            <a:avLst/>
+          </a:prstGeom>
+          <a:noFill/>
+          <a:extLst>
+            <a:ext uri="{909E8E84-426E-40DD-AFC4-6F175D3DCCD1}">
+              <a14:hiddenFill xmlns:a14="http://schemas.microsoft.com/office/drawing/2010/main">
+                <a:solidFill>
+                  <a:srgbClr val="FFFFFF"/>
+                </a:solidFill>
+              </a14:hiddenFill>
+            </a:ext>
+          </a:extLst>
+        </p:spPr>
+      </p:pic>
+      <p:cxnSp>
+        <p:nvCxnSpPr>
+          <p:cNvPr id="39" name="Elbow Connector 38">
+            <a:extLst>
+              <a:ext uri="{FF2B5EF4-FFF2-40B4-BE49-F238E27FC236}">
+                <a16:creationId xmlns:a16="http://schemas.microsoft.com/office/drawing/2014/main" id="{EA4CBF33-4A89-3A49-9D7B-E1755DE0F13D}"/>
+              </a:ext>
+            </a:extLst>
+          </p:cNvPr>
+          <p:cNvCxnSpPr>
+            <a:cxnSpLocks/>
+            <a:stCxn id="8" idx="1"/>
+            <a:endCxn id="12" idx="0"/>
+          </p:cNvCxnSpPr>
+          <p:nvPr/>
+        </p:nvCxnSpPr>
+        <p:spPr>
+          <a:xfrm rot="10800000" flipV="1">
+            <a:off x="6552055" y="2314701"/>
+            <a:ext cx="709832" cy="2833480"/>
+          </a:xfrm>
+          <a:prstGeom prst="bentConnector2">
+            <a:avLst/>
+          </a:prstGeom>
+          <a:ln w="34925">
+            <a:solidFill>
+              <a:schemeClr val="tx1">
+                <a:lumMod val="95000"/>
+                <a:lumOff val="5000"/>
+              </a:schemeClr>
+            </a:solidFill>
+            <a:tailEnd type="arrow" w="lg" len="lg"/>
+          </a:ln>
+        </p:spPr>
+        <p:style>
+          <a:lnRef idx="1">
+            <a:schemeClr val="accent1"/>
+          </a:lnRef>
+          <a:fillRef idx="0">
+            <a:schemeClr val="accent1"/>
+          </a:fillRef>
+          <a:effectRef idx="0">
+            <a:schemeClr val="accent1"/>
+          </a:effectRef>
+          <a:fontRef idx="minor">
+            <a:schemeClr val="tx1"/>
+          </a:fontRef>
+        </p:style>
+      </p:cxnSp>
+      <p:cxnSp>
+        <p:nvCxnSpPr>
+          <p:cNvPr id="46" name="Elbow Connector 45">
+            <a:extLst>
+              <a:ext uri="{FF2B5EF4-FFF2-40B4-BE49-F238E27FC236}">
+                <a16:creationId xmlns:a16="http://schemas.microsoft.com/office/drawing/2014/main" id="{7DF4FB05-B03F-1C46-A856-F329EB93F267}"/>
+              </a:ext>
+            </a:extLst>
+          </p:cNvPr>
+          <p:cNvCxnSpPr>
+            <a:cxnSpLocks/>
+            <a:stCxn id="12" idx="2"/>
+            <a:endCxn id="21" idx="1"/>
+          </p:cNvCxnSpPr>
+          <p:nvPr/>
+        </p:nvCxnSpPr>
+        <p:spPr>
+          <a:xfrm rot="16200000" flipH="1">
+            <a:off x="5534904" y="10115970"/>
+            <a:ext cx="2744132" cy="709831"/>
+          </a:xfrm>
+          <a:prstGeom prst="bentConnector2">
+            <a:avLst/>
+          </a:prstGeom>
+          <a:ln w="34925">
+            <a:solidFill>
+              <a:schemeClr val="tx1">
+                <a:lumMod val="95000"/>
+                <a:lumOff val="5000"/>
+              </a:schemeClr>
+            </a:solidFill>
+            <a:tailEnd type="arrow" w="lg" len="lg"/>
+          </a:ln>
+        </p:spPr>
+        <p:style>
+          <a:lnRef idx="1">
+            <a:schemeClr val="accent1"/>
+          </a:lnRef>
+          <a:fillRef idx="0">
+            <a:schemeClr val="accent1"/>
+          </a:fillRef>
+          <a:effectRef idx="0">
+            <a:schemeClr val="accent1"/>
+          </a:effectRef>
+          <a:fontRef idx="minor">
+            <a:schemeClr val="tx1"/>
+          </a:fontRef>
+        </p:style>
+      </p:cxnSp>
+      <p:cxnSp>
+        <p:nvCxnSpPr>
+          <p:cNvPr id="51" name="Elbow Connector 50">
+            <a:extLst>
+              <a:ext uri="{FF2B5EF4-FFF2-40B4-BE49-F238E27FC236}">
+                <a16:creationId xmlns:a16="http://schemas.microsoft.com/office/drawing/2014/main" id="{CABFEBC9-31BE-E04D-95D2-AD8B0C813F37}"/>
+              </a:ext>
+            </a:extLst>
+          </p:cNvPr>
+          <p:cNvCxnSpPr>
+            <a:cxnSpLocks/>
+            <a:stCxn id="8" idx="3"/>
+            <a:endCxn id="36" idx="0"/>
+          </p:cNvCxnSpPr>
+          <p:nvPr/>
+        </p:nvCxnSpPr>
+        <p:spPr>
+          <a:xfrm>
+            <a:off x="17030355" y="2314701"/>
+            <a:ext cx="746283" cy="2842972"/>
+          </a:xfrm>
+          <a:prstGeom prst="bentConnector2">
+            <a:avLst/>
+          </a:prstGeom>
+          <a:ln w="34925">
+            <a:solidFill>
+              <a:schemeClr val="tx1">
+                <a:lumMod val="95000"/>
+                <a:lumOff val="5000"/>
+              </a:schemeClr>
+            </a:solidFill>
+            <a:tailEnd type="arrow" w="lg" len="lg"/>
+          </a:ln>
+        </p:spPr>
+        <p:style>
+          <a:lnRef idx="1">
+            <a:schemeClr val="accent1"/>
+          </a:lnRef>
+          <a:fillRef idx="0">
+            <a:schemeClr val="accent1"/>
+          </a:fillRef>
+          <a:effectRef idx="0">
+            <a:schemeClr val="accent1"/>
+          </a:effectRef>
+          <a:fontRef idx="minor">
+            <a:schemeClr val="tx1"/>
+          </a:fontRef>
+        </p:style>
+      </p:cxnSp>
+      <p:cxnSp>
+        <p:nvCxnSpPr>
+          <p:cNvPr id="58" name="Elbow Connector 57">
+            <a:extLst>
+              <a:ext uri="{FF2B5EF4-FFF2-40B4-BE49-F238E27FC236}">
+                <a16:creationId xmlns:a16="http://schemas.microsoft.com/office/drawing/2014/main" id="{D1B3CEAA-FE1B-4547-8CB9-B936FA7DDEBB}"/>
+              </a:ext>
+            </a:extLst>
+          </p:cNvPr>
+          <p:cNvCxnSpPr>
+            <a:cxnSpLocks/>
+            <a:stCxn id="21" idx="3"/>
+            <a:endCxn id="36" idx="2"/>
+          </p:cNvCxnSpPr>
+          <p:nvPr/>
+        </p:nvCxnSpPr>
+        <p:spPr>
+          <a:xfrm flipV="1">
+            <a:off x="17030354" y="9108312"/>
+            <a:ext cx="746284" cy="2734640"/>
+          </a:xfrm>
+          <a:prstGeom prst="bentConnector2">
+            <a:avLst/>
+          </a:prstGeom>
+          <a:ln w="34925">
+            <a:solidFill>
+              <a:schemeClr val="tx1">
+                <a:lumMod val="95000"/>
+                <a:lumOff val="5000"/>
+              </a:schemeClr>
+            </a:solidFill>
+            <a:tailEnd type="arrow" w="lg" len="lg"/>
+          </a:ln>
+        </p:spPr>
+        <p:style>
+          <a:lnRef idx="1">
+            <a:schemeClr val="accent1"/>
+          </a:lnRef>
+          <a:fillRef idx="0">
+            <a:schemeClr val="accent1"/>
+          </a:fillRef>
+          <a:effectRef idx="0">
+            <a:schemeClr val="accent1"/>
+          </a:effectRef>
+          <a:fontRef idx="minor">
+            <a:schemeClr val="tx1"/>
+          </a:fontRef>
+        </p:style>
+      </p:cxnSp>
+      <p:cxnSp>
+        <p:nvCxnSpPr>
+          <p:cNvPr id="61" name="Elbow Connector 60">
+            <a:extLst>
+              <a:ext uri="{FF2B5EF4-FFF2-40B4-BE49-F238E27FC236}">
+                <a16:creationId xmlns:a16="http://schemas.microsoft.com/office/drawing/2014/main" id="{028B40F0-D669-004C-85A5-45553737A0E8}"/>
+              </a:ext>
+            </a:extLst>
+          </p:cNvPr>
+          <p:cNvCxnSpPr>
+            <a:cxnSpLocks/>
+            <a:stCxn id="12" idx="3"/>
+            <a:endCxn id="36" idx="1"/>
+          </p:cNvCxnSpPr>
+          <p:nvPr/>
+        </p:nvCxnSpPr>
+        <p:spPr>
+          <a:xfrm>
+            <a:off x="11436289" y="7123501"/>
+            <a:ext cx="1456115" cy="9492"/>
+          </a:xfrm>
+          <a:prstGeom prst="bentConnector3">
+            <a:avLst>
+              <a:gd name="adj1" fmla="val 2553"/>
+            </a:avLst>
+          </a:prstGeom>
+          <a:ln w="34925">
+            <a:solidFill>
+              <a:schemeClr val="tx1">
+                <a:lumMod val="95000"/>
+                <a:lumOff val="5000"/>
+              </a:schemeClr>
+            </a:solidFill>
+            <a:tailEnd type="arrow" w="lg" len="lg"/>
+          </a:ln>
+        </p:spPr>
+        <p:style>
+          <a:lnRef idx="1">
+            <a:schemeClr val="accent1"/>
+          </a:lnRef>
+          <a:fillRef idx="0">
+            <a:schemeClr val="accent1"/>
+          </a:fillRef>
+          <a:effectRef idx="0">
+            <a:schemeClr val="accent1"/>
+          </a:effectRef>
+          <a:fontRef idx="minor">
+            <a:schemeClr val="tx1"/>
+          </a:fontRef>
+        </p:style>
+      </p:cxnSp>
+    </p:spTree>
+    <p:extLst>
+      <p:ext uri="{BB962C8B-B14F-4D97-AF65-F5344CB8AC3E}">
+        <p14:creationId xmlns:p14="http://schemas.microsoft.com/office/powerpoint/2010/main" val="1262599217"/>
       </p:ext>
     </p:extLst>
   </p:cSld>
